--- a/Planning/Instrumentation.pptx
+++ b/Planning/Instrumentation.pptx
@@ -7,8 +7,9 @@
   <p:sldIdLst>
     <p:sldId id="256" r:id="rId2"/>
     <p:sldId id="257" r:id="rId3"/>
-    <p:sldId id="258" r:id="rId4"/>
-    <p:sldId id="259" r:id="rId5"/>
+    <p:sldId id="260" r:id="rId4"/>
+    <p:sldId id="258" r:id="rId5"/>
+    <p:sldId id="259" r:id="rId6"/>
   </p:sldIdLst>
   <p:sldSz cx="9144000" cy="6858000" type="screen4x3"/>
   <p:notesSz cx="6858000" cy="9144000"/>
@@ -291,7 +292,7 @@
           <a:p>
             <a:fld id="{529DB64B-6E35-4203-B64C-6EB56B5A725F}" type="datetimeFigureOut">
               <a:rPr lang="en-US" smtClean="0"/>
-              <a:t>7/15/2016</a:t>
+              <a:t>7/18/2016</a:t>
             </a:fld>
             <a:endParaRPr lang="en-US"/>
           </a:p>
@@ -461,7 +462,7 @@
           <a:p>
             <a:fld id="{529DB64B-6E35-4203-B64C-6EB56B5A725F}" type="datetimeFigureOut">
               <a:rPr lang="en-US" smtClean="0"/>
-              <a:t>7/15/2016</a:t>
+              <a:t>7/18/2016</a:t>
             </a:fld>
             <a:endParaRPr lang="en-US"/>
           </a:p>
@@ -641,7 +642,7 @@
           <a:p>
             <a:fld id="{529DB64B-6E35-4203-B64C-6EB56B5A725F}" type="datetimeFigureOut">
               <a:rPr lang="en-US" smtClean="0"/>
-              <a:t>7/15/2016</a:t>
+              <a:t>7/18/2016</a:t>
             </a:fld>
             <a:endParaRPr lang="en-US"/>
           </a:p>
@@ -811,7 +812,7 @@
           <a:p>
             <a:fld id="{529DB64B-6E35-4203-B64C-6EB56B5A725F}" type="datetimeFigureOut">
               <a:rPr lang="en-US" smtClean="0"/>
-              <a:t>7/15/2016</a:t>
+              <a:t>7/18/2016</a:t>
             </a:fld>
             <a:endParaRPr lang="en-US"/>
           </a:p>
@@ -1057,7 +1058,7 @@
           <a:p>
             <a:fld id="{529DB64B-6E35-4203-B64C-6EB56B5A725F}" type="datetimeFigureOut">
               <a:rPr lang="en-US" smtClean="0"/>
-              <a:t>7/15/2016</a:t>
+              <a:t>7/18/2016</a:t>
             </a:fld>
             <a:endParaRPr lang="en-US"/>
           </a:p>
@@ -1345,7 +1346,7 @@
           <a:p>
             <a:fld id="{529DB64B-6E35-4203-B64C-6EB56B5A725F}" type="datetimeFigureOut">
               <a:rPr lang="en-US" smtClean="0"/>
-              <a:t>7/15/2016</a:t>
+              <a:t>7/18/2016</a:t>
             </a:fld>
             <a:endParaRPr lang="en-US"/>
           </a:p>
@@ -1767,7 +1768,7 @@
           <a:p>
             <a:fld id="{529DB64B-6E35-4203-B64C-6EB56B5A725F}" type="datetimeFigureOut">
               <a:rPr lang="en-US" smtClean="0"/>
-              <a:t>7/15/2016</a:t>
+              <a:t>7/18/2016</a:t>
             </a:fld>
             <a:endParaRPr lang="en-US"/>
           </a:p>
@@ -1885,7 +1886,7 @@
           <a:p>
             <a:fld id="{529DB64B-6E35-4203-B64C-6EB56B5A725F}" type="datetimeFigureOut">
               <a:rPr lang="en-US" smtClean="0"/>
-              <a:t>7/15/2016</a:t>
+              <a:t>7/18/2016</a:t>
             </a:fld>
             <a:endParaRPr lang="en-US"/>
           </a:p>
@@ -1980,7 +1981,7 @@
           <a:p>
             <a:fld id="{529DB64B-6E35-4203-B64C-6EB56B5A725F}" type="datetimeFigureOut">
               <a:rPr lang="en-US" smtClean="0"/>
-              <a:t>7/15/2016</a:t>
+              <a:t>7/18/2016</a:t>
             </a:fld>
             <a:endParaRPr lang="en-US"/>
           </a:p>
@@ -2257,7 +2258,7 @@
           <a:p>
             <a:fld id="{529DB64B-6E35-4203-B64C-6EB56B5A725F}" type="datetimeFigureOut">
               <a:rPr lang="en-US" smtClean="0"/>
-              <a:t>7/15/2016</a:t>
+              <a:t>7/18/2016</a:t>
             </a:fld>
             <a:endParaRPr lang="en-US"/>
           </a:p>
@@ -2510,7 +2511,7 @@
           <a:p>
             <a:fld id="{529DB64B-6E35-4203-B64C-6EB56B5A725F}" type="datetimeFigureOut">
               <a:rPr lang="en-US" smtClean="0"/>
-              <a:t>7/15/2016</a:t>
+              <a:t>7/18/2016</a:t>
             </a:fld>
             <a:endParaRPr lang="en-US"/>
           </a:p>
@@ -2723,7 +2724,7 @@
           <a:p>
             <a:fld id="{529DB64B-6E35-4203-B64C-6EB56B5A725F}" type="datetimeFigureOut">
               <a:rPr lang="en-US" smtClean="0"/>
-              <a:t>7/15/2016</a:t>
+              <a:t>7/18/2016</a:t>
             </a:fld>
             <a:endParaRPr lang="en-US"/>
           </a:p>
@@ -5775,6 +5776,406 @@
           <a:chExt cx="0" cy="0"/>
         </a:xfrm>
       </p:grpSpPr>
+      <p:graphicFrame>
+        <p:nvGraphicFramePr>
+          <p:cNvPr id="2" name="Table 1"/>
+          <p:cNvGraphicFramePr>
+            <a:graphicFrameLocks noGrp="1"/>
+          </p:cNvGraphicFramePr>
+          <p:nvPr>
+            <p:extLst>
+              <p:ext uri="{D42A27DB-BD31-4B8C-83A1-F6EECF244321}">
+                <p14:modId xmlns:p14="http://schemas.microsoft.com/office/powerpoint/2010/main" val="1656149894"/>
+              </p:ext>
+            </p:extLst>
+          </p:nvPr>
+        </p:nvGraphicFramePr>
+        <p:xfrm>
+          <a:off x="304800" y="228600"/>
+          <a:ext cx="4117785" cy="1854200"/>
+        </p:xfrm>
+        <a:graphic>
+          <a:graphicData uri="http://schemas.openxmlformats.org/drawingml/2006/table">
+            <a:tbl>
+              <a:tblPr firstRow="1" bandRow="1">
+                <a:tableStyleId>{5C22544A-7EE6-4342-B048-85BDC9FD1C3A}</a:tableStyleId>
+              </a:tblPr>
+              <a:tblGrid>
+                <a:gridCol w="3048000"/>
+                <a:gridCol w="1069785"/>
+              </a:tblGrid>
+              <a:tr h="370840">
+                <a:tc>
+                  <a:txBody>
+                    <a:bodyPr/>
+                    <a:lstStyle/>
+                    <a:p>
+                      <a:r>
+                        <a:rPr lang="en-US" dirty="0" smtClean="0"/>
+                        <a:t>Cable Length</a:t>
+                      </a:r>
+                    </a:p>
+                  </a:txBody>
+                  <a:tcPr/>
+                </a:tc>
+                <a:tc>
+                  <a:txBody>
+                    <a:bodyPr/>
+                    <a:lstStyle/>
+                    <a:p>
+                      <a:r>
+                        <a:rPr lang="en-US" dirty="0" smtClean="0"/>
+                        <a:t>Quantity</a:t>
+                      </a:r>
+                      <a:endParaRPr lang="en-US" dirty="0"/>
+                    </a:p>
+                  </a:txBody>
+                  <a:tcPr/>
+                </a:tc>
+              </a:tr>
+              <a:tr h="370840">
+                <a:tc>
+                  <a:txBody>
+                    <a:bodyPr/>
+                    <a:lstStyle/>
+                    <a:p>
+                      <a:r>
+                        <a:rPr lang="en-US" dirty="0" smtClean="0"/>
+                        <a:t>100’ Extensions</a:t>
+                      </a:r>
+                      <a:endParaRPr lang="en-US" dirty="0"/>
+                    </a:p>
+                  </a:txBody>
+                  <a:tcPr/>
+                </a:tc>
+                <a:tc>
+                  <a:txBody>
+                    <a:bodyPr/>
+                    <a:lstStyle/>
+                    <a:p>
+                      <a:r>
+                        <a:rPr lang="en-US" dirty="0" smtClean="0"/>
+                        <a:t>11</a:t>
+                      </a:r>
+                      <a:endParaRPr lang="en-US" dirty="0"/>
+                    </a:p>
+                  </a:txBody>
+                  <a:tcPr/>
+                </a:tc>
+              </a:tr>
+              <a:tr h="370840">
+                <a:tc>
+                  <a:txBody>
+                    <a:bodyPr/>
+                    <a:lstStyle/>
+                    <a:p>
+                      <a:r>
+                        <a:rPr lang="en-US" dirty="0" smtClean="0"/>
+                        <a:t>100’ PCB</a:t>
+                      </a:r>
+                      <a:r>
+                        <a:rPr lang="en-US" baseline="0" dirty="0" smtClean="0"/>
+                        <a:t> Cables</a:t>
+                      </a:r>
+                      <a:endParaRPr lang="en-US" dirty="0"/>
+                    </a:p>
+                  </a:txBody>
+                  <a:tcPr/>
+                </a:tc>
+                <a:tc>
+                  <a:txBody>
+                    <a:bodyPr/>
+                    <a:lstStyle/>
+                    <a:p>
+                      <a:r>
+                        <a:rPr lang="en-US" dirty="0" smtClean="0"/>
+                        <a:t>32</a:t>
+                      </a:r>
+                      <a:endParaRPr lang="en-US" dirty="0"/>
+                    </a:p>
+                  </a:txBody>
+                  <a:tcPr/>
+                </a:tc>
+              </a:tr>
+              <a:tr h="370840">
+                <a:tc>
+                  <a:txBody>
+                    <a:bodyPr/>
+                    <a:lstStyle/>
+                    <a:p>
+                      <a:r>
+                        <a:rPr lang="en-US" dirty="0" smtClean="0"/>
+                        <a:t>Accelerometers</a:t>
+                      </a:r>
+                      <a:endParaRPr lang="en-US" dirty="0"/>
+                    </a:p>
+                  </a:txBody>
+                  <a:tcPr/>
+                </a:tc>
+                <a:tc>
+                  <a:txBody>
+                    <a:bodyPr/>
+                    <a:lstStyle/>
+                    <a:p>
+                      <a:r>
+                        <a:rPr lang="en-US" dirty="0" smtClean="0"/>
+                        <a:t>32</a:t>
+                      </a:r>
+                      <a:endParaRPr lang="en-US" dirty="0"/>
+                    </a:p>
+                  </a:txBody>
+                  <a:tcPr/>
+                </a:tc>
+              </a:tr>
+              <a:tr h="370840">
+                <a:tc>
+                  <a:txBody>
+                    <a:bodyPr/>
+                    <a:lstStyle/>
+                    <a:p>
+                      <a:r>
+                        <a:rPr lang="en-US" dirty="0" smtClean="0"/>
+                        <a:t>Magnets</a:t>
+                      </a:r>
+                      <a:endParaRPr lang="en-US" dirty="0"/>
+                    </a:p>
+                  </a:txBody>
+                  <a:tcPr/>
+                </a:tc>
+                <a:tc>
+                  <a:txBody>
+                    <a:bodyPr/>
+                    <a:lstStyle/>
+                    <a:p>
+                      <a:r>
+                        <a:rPr lang="en-US" dirty="0" smtClean="0"/>
+                        <a:t>24</a:t>
+                      </a:r>
+                      <a:endParaRPr lang="en-US" dirty="0"/>
+                    </a:p>
+                  </a:txBody>
+                  <a:tcPr/>
+                </a:tc>
+              </a:tr>
+            </a:tbl>
+          </a:graphicData>
+        </a:graphic>
+      </p:graphicFrame>
+      <p:graphicFrame>
+        <p:nvGraphicFramePr>
+          <p:cNvPr id="3" name="Table 2"/>
+          <p:cNvGraphicFramePr>
+            <a:graphicFrameLocks noGrp="1"/>
+          </p:cNvGraphicFramePr>
+          <p:nvPr>
+            <p:extLst>
+              <p:ext uri="{D42A27DB-BD31-4B8C-83A1-F6EECF244321}">
+                <p14:modId xmlns:p14="http://schemas.microsoft.com/office/powerpoint/2010/main" val="2885215602"/>
+              </p:ext>
+            </p:extLst>
+          </p:nvPr>
+        </p:nvGraphicFramePr>
+        <p:xfrm>
+          <a:off x="304800" y="2438400"/>
+          <a:ext cx="4117785" cy="1854200"/>
+        </p:xfrm>
+        <a:graphic>
+          <a:graphicData uri="http://schemas.openxmlformats.org/drawingml/2006/table">
+            <a:tbl>
+              <a:tblPr firstRow="1" bandRow="1">
+                <a:tableStyleId>{5C22544A-7EE6-4342-B048-85BDC9FD1C3A}</a:tableStyleId>
+              </a:tblPr>
+              <a:tblGrid>
+                <a:gridCol w="3048000"/>
+                <a:gridCol w="1069785"/>
+              </a:tblGrid>
+              <a:tr h="370840">
+                <a:tc>
+                  <a:txBody>
+                    <a:bodyPr/>
+                    <a:lstStyle/>
+                    <a:p>
+                      <a:r>
+                        <a:rPr lang="en-US" dirty="0" smtClean="0"/>
+                        <a:t>Item</a:t>
+                      </a:r>
+                      <a:endParaRPr lang="en-US" dirty="0"/>
+                    </a:p>
+                  </a:txBody>
+                  <a:tcPr/>
+                </a:tc>
+                <a:tc>
+                  <a:txBody>
+                    <a:bodyPr/>
+                    <a:lstStyle/>
+                    <a:p>
+                      <a:r>
+                        <a:rPr lang="en-US" dirty="0" smtClean="0"/>
+                        <a:t>Quantity</a:t>
+                      </a:r>
+                      <a:endParaRPr lang="en-US" dirty="0"/>
+                    </a:p>
+                  </a:txBody>
+                  <a:tcPr/>
+                </a:tc>
+              </a:tr>
+              <a:tr h="370840">
+                <a:tc>
+                  <a:txBody>
+                    <a:bodyPr/>
+                    <a:lstStyle/>
+                    <a:p>
+                      <a:r>
+                        <a:rPr lang="en-US" dirty="0" smtClean="0"/>
+                        <a:t>Torch</a:t>
+                      </a:r>
+                      <a:endParaRPr lang="en-US" dirty="0"/>
+                    </a:p>
+                  </a:txBody>
+                  <a:tcPr/>
+                </a:tc>
+                <a:tc>
+                  <a:txBody>
+                    <a:bodyPr/>
+                    <a:lstStyle/>
+                    <a:p>
+                      <a:r>
+                        <a:rPr lang="en-US" dirty="0" smtClean="0"/>
+                        <a:t>2</a:t>
+                      </a:r>
+                      <a:endParaRPr lang="en-US" dirty="0"/>
+                    </a:p>
+                  </a:txBody>
+                  <a:tcPr/>
+                </a:tc>
+              </a:tr>
+              <a:tr h="370840">
+                <a:tc>
+                  <a:txBody>
+                    <a:bodyPr/>
+                    <a:lstStyle/>
+                    <a:p>
+                      <a:r>
+                        <a:rPr lang="en-US" dirty="0" smtClean="0"/>
+                        <a:t>Hot Glue Sticks</a:t>
+                      </a:r>
+                      <a:endParaRPr lang="en-US" dirty="0"/>
+                    </a:p>
+                  </a:txBody>
+                  <a:tcPr/>
+                </a:tc>
+                <a:tc>
+                  <a:txBody>
+                    <a:bodyPr/>
+                    <a:lstStyle/>
+                    <a:p>
+                      <a:r>
+                        <a:rPr lang="en-US" dirty="0" smtClean="0"/>
+                        <a:t>5</a:t>
+                      </a:r>
+                      <a:endParaRPr lang="en-US" dirty="0"/>
+                    </a:p>
+                  </a:txBody>
+                  <a:tcPr/>
+                </a:tc>
+              </a:tr>
+              <a:tr h="370840">
+                <a:tc>
+                  <a:txBody>
+                    <a:bodyPr/>
+                    <a:lstStyle/>
+                    <a:p>
+                      <a:r>
+                        <a:rPr lang="en-US" dirty="0" smtClean="0"/>
+                        <a:t>Strain Relief</a:t>
+                      </a:r>
+                      <a:r>
+                        <a:rPr lang="en-US" baseline="0" dirty="0" smtClean="0"/>
+                        <a:t> Tabs</a:t>
+                      </a:r>
+                    </a:p>
+                  </a:txBody>
+                  <a:tcPr/>
+                </a:tc>
+                <a:tc>
+                  <a:txBody>
+                    <a:bodyPr/>
+                    <a:lstStyle/>
+                    <a:p>
+                      <a:r>
+                        <a:rPr lang="en-US" dirty="0" smtClean="0"/>
+                        <a:t>10</a:t>
+                      </a:r>
+                      <a:endParaRPr lang="en-US" dirty="0"/>
+                    </a:p>
+                  </a:txBody>
+                  <a:tcPr/>
+                </a:tc>
+              </a:tr>
+              <a:tr h="370840">
+                <a:tc>
+                  <a:txBody>
+                    <a:bodyPr/>
+                    <a:lstStyle/>
+                    <a:p>
+                      <a:r>
+                        <a:rPr lang="en-US" dirty="0" smtClean="0"/>
+                        <a:t>Zip Ties</a:t>
+                      </a:r>
+                      <a:endParaRPr lang="en-US" dirty="0"/>
+                    </a:p>
+                  </a:txBody>
+                  <a:tcPr/>
+                </a:tc>
+                <a:tc>
+                  <a:txBody>
+                    <a:bodyPr/>
+                    <a:lstStyle/>
+                    <a:p>
+                      <a:r>
+                        <a:rPr lang="en-US" dirty="0" smtClean="0"/>
+                        <a:t>100</a:t>
+                      </a:r>
+                      <a:endParaRPr lang="en-US" dirty="0"/>
+                    </a:p>
+                  </a:txBody>
+                  <a:tcPr/>
+                </a:tc>
+              </a:tr>
+            </a:tbl>
+          </a:graphicData>
+        </a:graphic>
+      </p:graphicFrame>
+    </p:spTree>
+    <p:extLst>
+      <p:ext uri="{BB962C8B-B14F-4D97-AF65-F5344CB8AC3E}">
+        <p14:creationId xmlns:p14="http://schemas.microsoft.com/office/powerpoint/2010/main" val="2292256899"/>
+      </p:ext>
+    </p:extLst>
+  </p:cSld>
+  <p:clrMapOvr>
+    <a:masterClrMapping/>
+  </p:clrMapOvr>
+</p:sld>
+</file>
+
+<file path=ppt/slides/slide4.xml><?xml version="1.0" encoding="utf-8"?>
+<p:sld xmlns:a="http://schemas.openxmlformats.org/drawingml/2006/main" xmlns:r="http://schemas.openxmlformats.org/officeDocument/2006/relationships" xmlns:p="http://schemas.openxmlformats.org/presentationml/2006/main">
+  <p:cSld>
+    <p:spTree>
+      <p:nvGrpSpPr>
+        <p:cNvPr id="1" name=""/>
+        <p:cNvGrpSpPr/>
+        <p:nvPr/>
+      </p:nvGrpSpPr>
+      <p:grpSpPr>
+        <a:xfrm>
+          <a:off x="0" y="0"/>
+          <a:ext cx="0" cy="0"/>
+          <a:chOff x="0" y="0"/>
+          <a:chExt cx="0" cy="0"/>
+        </a:xfrm>
+      </p:grpSpPr>
       <p:sp>
         <p:nvSpPr>
           <p:cNvPr id="5" name="Rectangle 4"/>
@@ -7172,7 +7573,7 @@
 </p:sld>
 </file>
 
-<file path=ppt/slides/slide4.xml><?xml version="1.0" encoding="utf-8"?>
+<file path=ppt/slides/slide5.xml><?xml version="1.0" encoding="utf-8"?>
 <p:sld xmlns:a="http://schemas.openxmlformats.org/drawingml/2006/main" xmlns:r="http://schemas.openxmlformats.org/officeDocument/2006/relationships" xmlns:p="http://schemas.openxmlformats.org/presentationml/2006/main">
   <p:cSld>
     <p:spTree>

--- a/Planning/Instrumentation.pptx
+++ b/Planning/Instrumentation.pptx
@@ -8,7 +8,9 @@
     <p:sldId id="256" r:id="rId2"/>
     <p:sldId id="261" r:id="rId3"/>
     <p:sldId id="257" r:id="rId4"/>
-    <p:sldId id="260" r:id="rId5"/>
+    <p:sldId id="263" r:id="rId5"/>
+    <p:sldId id="262" r:id="rId6"/>
+    <p:sldId id="260" r:id="rId7"/>
   </p:sldIdLst>
   <p:sldSz cx="9144000" cy="6858000" type="screen4x3"/>
   <p:notesSz cx="6858000" cy="9144000"/>
@@ -291,7 +293,7 @@
           <a:p>
             <a:fld id="{529DB64B-6E35-4203-B64C-6EB56B5A725F}" type="datetimeFigureOut">
               <a:rPr lang="en-US" smtClean="0"/>
-              <a:t>7/21/2016</a:t>
+              <a:t>8/12/2016</a:t>
             </a:fld>
             <a:endParaRPr lang="en-US"/>
           </a:p>
@@ -461,7 +463,7 @@
           <a:p>
             <a:fld id="{529DB64B-6E35-4203-B64C-6EB56B5A725F}" type="datetimeFigureOut">
               <a:rPr lang="en-US" smtClean="0"/>
-              <a:t>7/21/2016</a:t>
+              <a:t>8/12/2016</a:t>
             </a:fld>
             <a:endParaRPr lang="en-US"/>
           </a:p>
@@ -641,7 +643,7 @@
           <a:p>
             <a:fld id="{529DB64B-6E35-4203-B64C-6EB56B5A725F}" type="datetimeFigureOut">
               <a:rPr lang="en-US" smtClean="0"/>
-              <a:t>7/21/2016</a:t>
+              <a:t>8/12/2016</a:t>
             </a:fld>
             <a:endParaRPr lang="en-US"/>
           </a:p>
@@ -811,7 +813,7 @@
           <a:p>
             <a:fld id="{529DB64B-6E35-4203-B64C-6EB56B5A725F}" type="datetimeFigureOut">
               <a:rPr lang="en-US" smtClean="0"/>
-              <a:t>7/21/2016</a:t>
+              <a:t>8/12/2016</a:t>
             </a:fld>
             <a:endParaRPr lang="en-US"/>
           </a:p>
@@ -1057,7 +1059,7 @@
           <a:p>
             <a:fld id="{529DB64B-6E35-4203-B64C-6EB56B5A725F}" type="datetimeFigureOut">
               <a:rPr lang="en-US" smtClean="0"/>
-              <a:t>7/21/2016</a:t>
+              <a:t>8/12/2016</a:t>
             </a:fld>
             <a:endParaRPr lang="en-US"/>
           </a:p>
@@ -1345,7 +1347,7 @@
           <a:p>
             <a:fld id="{529DB64B-6E35-4203-B64C-6EB56B5A725F}" type="datetimeFigureOut">
               <a:rPr lang="en-US" smtClean="0"/>
-              <a:t>7/21/2016</a:t>
+              <a:t>8/12/2016</a:t>
             </a:fld>
             <a:endParaRPr lang="en-US"/>
           </a:p>
@@ -1767,7 +1769,7 @@
           <a:p>
             <a:fld id="{529DB64B-6E35-4203-B64C-6EB56B5A725F}" type="datetimeFigureOut">
               <a:rPr lang="en-US" smtClean="0"/>
-              <a:t>7/21/2016</a:t>
+              <a:t>8/12/2016</a:t>
             </a:fld>
             <a:endParaRPr lang="en-US"/>
           </a:p>
@@ -1885,7 +1887,7 @@
           <a:p>
             <a:fld id="{529DB64B-6E35-4203-B64C-6EB56B5A725F}" type="datetimeFigureOut">
               <a:rPr lang="en-US" smtClean="0"/>
-              <a:t>7/21/2016</a:t>
+              <a:t>8/12/2016</a:t>
             </a:fld>
             <a:endParaRPr lang="en-US"/>
           </a:p>
@@ -1980,7 +1982,7 @@
           <a:p>
             <a:fld id="{529DB64B-6E35-4203-B64C-6EB56B5A725F}" type="datetimeFigureOut">
               <a:rPr lang="en-US" smtClean="0"/>
-              <a:t>7/21/2016</a:t>
+              <a:t>8/12/2016</a:t>
             </a:fld>
             <a:endParaRPr lang="en-US"/>
           </a:p>
@@ -2257,7 +2259,7 @@
           <a:p>
             <a:fld id="{529DB64B-6E35-4203-B64C-6EB56B5A725F}" type="datetimeFigureOut">
               <a:rPr lang="en-US" smtClean="0"/>
-              <a:t>7/21/2016</a:t>
+              <a:t>8/12/2016</a:t>
             </a:fld>
             <a:endParaRPr lang="en-US"/>
           </a:p>
@@ -2510,7 +2512,7 @@
           <a:p>
             <a:fld id="{529DB64B-6E35-4203-B64C-6EB56B5A725F}" type="datetimeFigureOut">
               <a:rPr lang="en-US" smtClean="0"/>
-              <a:t>7/21/2016</a:t>
+              <a:t>8/12/2016</a:t>
             </a:fld>
             <a:endParaRPr lang="en-US"/>
           </a:p>
@@ -2723,7 +2725,7 @@
           <a:p>
             <a:fld id="{529DB64B-6E35-4203-B64C-6EB56B5A725F}" type="datetimeFigureOut">
               <a:rPr lang="en-US" smtClean="0"/>
-              <a:t>7/21/2016</a:t>
+              <a:t>8/12/2016</a:t>
             </a:fld>
             <a:endParaRPr lang="en-US"/>
           </a:p>
@@ -3515,13 +3517,8 @@
           <a:p>
             <a:r>
               <a:rPr lang="en-US" dirty="0" smtClean="0"/>
-              <a:t>32 </a:t>
+              <a:t>32 Accelerometers:</a:t>
             </a:r>
-            <a:r>
-              <a:rPr lang="en-US" dirty="0" smtClean="0"/>
-              <a:t>Accelerometers:</a:t>
-            </a:r>
-            <a:endParaRPr lang="en-US" dirty="0" smtClean="0"/>
           </a:p>
           <a:p>
             <a:pPr marL="285750" indent="-285750">
@@ -3549,11 +3546,7 @@
             </a:r>
             <a:r>
               <a:rPr lang="en-US" dirty="0" smtClean="0"/>
-              <a:t> </a:t>
-            </a:r>
-            <a:r>
-              <a:rPr lang="en-US" dirty="0" smtClean="0"/>
-              <a:t>transversely oriented </a:t>
+              <a:t> transversely oriented </a:t>
             </a:r>
             <a:r>
               <a:rPr lang="en-US" dirty="0" err="1" smtClean="0"/>
@@ -3572,11 +3565,7 @@
             </a:r>
             <a:r>
               <a:rPr lang="en-US" dirty="0" smtClean="0"/>
-              <a:t> </a:t>
-            </a:r>
-            <a:r>
-              <a:rPr lang="en-US" dirty="0" smtClean="0"/>
-              <a:t>longitudinally oriented </a:t>
+              <a:t> longitudinally oriented </a:t>
             </a:r>
             <a:r>
               <a:rPr lang="en-US" dirty="0" err="1" smtClean="0"/>
@@ -3643,11 +3632,7 @@
           <a:p>
             <a:r>
               <a:rPr lang="en-US" b="1" dirty="0" smtClean="0"/>
-              <a:t>Instrumentation </a:t>
-            </a:r>
-            <a:r>
-              <a:rPr lang="en-US" b="1" dirty="0" smtClean="0"/>
-              <a:t>Plan</a:t>
+              <a:t>Instrumentation Plan</a:t>
             </a:r>
             <a:endParaRPr lang="en-US" b="1" dirty="0"/>
           </a:p>
@@ -9218,6 +9203,4778 @@
 </file>
 
 <file path=ppt/slides/slide4.xml><?xml version="1.0" encoding="utf-8"?>
+<p:sld xmlns:a="http://schemas.openxmlformats.org/drawingml/2006/main" xmlns:r="http://schemas.openxmlformats.org/officeDocument/2006/relationships" xmlns:p="http://schemas.openxmlformats.org/presentationml/2006/main">
+  <p:cSld>
+    <p:spTree>
+      <p:nvGrpSpPr>
+        <p:cNvPr id="1" name=""/>
+        <p:cNvGrpSpPr/>
+        <p:nvPr/>
+      </p:nvGrpSpPr>
+      <p:grpSpPr>
+        <a:xfrm>
+          <a:off x="0" y="0"/>
+          <a:ext cx="0" cy="0"/>
+          <a:chOff x="0" y="0"/>
+          <a:chExt cx="0" cy="0"/>
+        </a:xfrm>
+      </p:grpSpPr>
+      <p:sp>
+        <p:nvSpPr>
+          <p:cNvPr id="4" name="TextBox 3"/>
+          <p:cNvSpPr txBox="1"/>
+          <p:nvPr/>
+        </p:nvSpPr>
+        <p:spPr>
+          <a:xfrm>
+            <a:off x="307445" y="764461"/>
+            <a:ext cx="3533668" cy="2585323"/>
+          </a:xfrm>
+          <a:prstGeom prst="rect">
+            <a:avLst/>
+          </a:prstGeom>
+          <a:noFill/>
+        </p:spPr>
+        <p:txBody>
+          <a:bodyPr wrap="square" rtlCol="0">
+            <a:spAutoFit/>
+          </a:bodyPr>
+          <a:lstStyle/>
+          <a:p>
+            <a:r>
+              <a:rPr lang="en-US" dirty="0" smtClean="0"/>
+              <a:t>32 Accelerometers:</a:t>
+            </a:r>
+          </a:p>
+          <a:p>
+            <a:pPr marL="285750" indent="-285750">
+              <a:buFont typeface="Arial" panose="020B0604020202020204" pitchFamily="34" charset="0"/>
+              <a:buChar char="•"/>
+            </a:pPr>
+            <a:r>
+              <a:rPr lang="en-US" dirty="0" smtClean="0"/>
+              <a:t>20 vertically oriented </a:t>
+            </a:r>
+            <a:r>
+              <a:rPr lang="en-US" dirty="0" err="1" smtClean="0"/>
+              <a:t>accels</a:t>
+            </a:r>
+            <a:endParaRPr lang="en-US" dirty="0" smtClean="0"/>
+          </a:p>
+          <a:p>
+            <a:pPr marL="285750" indent="-285750">
+              <a:buFont typeface="Arial" panose="020B0604020202020204" pitchFamily="34" charset="0"/>
+              <a:buChar char="•"/>
+            </a:pPr>
+            <a:r>
+              <a:rPr lang="en-US" dirty="0"/>
+              <a:t>5</a:t>
+            </a:r>
+            <a:r>
+              <a:rPr lang="en-US" dirty="0" smtClean="0"/>
+              <a:t> transversely oriented </a:t>
+            </a:r>
+            <a:r>
+              <a:rPr lang="en-US" dirty="0" err="1" smtClean="0"/>
+              <a:t>accels</a:t>
+            </a:r>
+            <a:endParaRPr lang="en-US" dirty="0" smtClean="0"/>
+          </a:p>
+          <a:p>
+            <a:pPr marL="285750" indent="-285750">
+              <a:buFont typeface="Arial" panose="020B0604020202020204" pitchFamily="34" charset="0"/>
+              <a:buChar char="•"/>
+            </a:pPr>
+            <a:r>
+              <a:rPr lang="en-US" dirty="0"/>
+              <a:t>7</a:t>
+            </a:r>
+            <a:r>
+              <a:rPr lang="en-US" dirty="0" smtClean="0"/>
+              <a:t> longitudinally oriented </a:t>
+            </a:r>
+            <a:r>
+              <a:rPr lang="en-US" dirty="0" err="1" smtClean="0"/>
+              <a:t>accels</a:t>
+            </a:r>
+            <a:endParaRPr lang="en-US" dirty="0" smtClean="0"/>
+          </a:p>
+          <a:p>
+            <a:r>
+              <a:rPr lang="en-US" dirty="0" smtClean="0"/>
+              <a:t>12 Strain Gauges</a:t>
+            </a:r>
+          </a:p>
+          <a:p>
+            <a:pPr marL="285750" indent="-285750">
+              <a:buFont typeface="Arial" panose="020B0604020202020204" pitchFamily="34" charset="0"/>
+              <a:buChar char="•"/>
+            </a:pPr>
+            <a:r>
+              <a:rPr lang="en-US" dirty="0" smtClean="0"/>
+              <a:t>9 on W-Beams. 3 on Box Girder</a:t>
+            </a:r>
+          </a:p>
+          <a:p>
+            <a:pPr marL="285750" indent="-285750">
+              <a:buFont typeface="Arial" panose="020B0604020202020204" pitchFamily="34" charset="0"/>
+              <a:buChar char="•"/>
+            </a:pPr>
+            <a:endParaRPr lang="en-US" dirty="0" smtClean="0"/>
+          </a:p>
+          <a:p>
+            <a:pPr marL="285750" indent="-285750">
+              <a:buFont typeface="Arial" panose="020B0604020202020204" pitchFamily="34" charset="0"/>
+              <a:buChar char="•"/>
+            </a:pPr>
+            <a:endParaRPr lang="en-US" dirty="0" smtClean="0"/>
+          </a:p>
+          <a:p>
+            <a:endParaRPr lang="en-US" dirty="0"/>
+          </a:p>
+        </p:txBody>
+      </p:sp>
+      <p:sp>
+        <p:nvSpPr>
+          <p:cNvPr id="69" name="TextBox 68"/>
+          <p:cNvSpPr txBox="1"/>
+          <p:nvPr/>
+        </p:nvSpPr>
+        <p:spPr>
+          <a:xfrm>
+            <a:off x="354719" y="240268"/>
+            <a:ext cx="3710162" cy="369332"/>
+          </a:xfrm>
+          <a:prstGeom prst="rect">
+            <a:avLst/>
+          </a:prstGeom>
+          <a:noFill/>
+        </p:spPr>
+        <p:txBody>
+          <a:bodyPr wrap="square" rtlCol="0">
+            <a:spAutoFit/>
+          </a:bodyPr>
+          <a:lstStyle/>
+          <a:p>
+            <a:r>
+              <a:rPr lang="en-US" b="1" dirty="0" smtClean="0"/>
+              <a:t>Instrumentation Plan</a:t>
+            </a:r>
+            <a:endParaRPr lang="en-US" b="1" dirty="0"/>
+          </a:p>
+        </p:txBody>
+      </p:sp>
+      <p:grpSp>
+        <p:nvGrpSpPr>
+          <p:cNvPr id="147" name="Group 146"/>
+          <p:cNvGrpSpPr/>
+          <p:nvPr/>
+        </p:nvGrpSpPr>
+        <p:grpSpPr>
+          <a:xfrm>
+            <a:off x="3810000" y="2590800"/>
+            <a:ext cx="738793" cy="913710"/>
+            <a:chOff x="3528407" y="2590800"/>
+            <a:chExt cx="738793" cy="913710"/>
+          </a:xfrm>
+        </p:grpSpPr>
+        <p:grpSp>
+          <p:nvGrpSpPr>
+            <p:cNvPr id="83" name="Group 82"/>
+            <p:cNvGrpSpPr/>
+            <p:nvPr/>
+          </p:nvGrpSpPr>
+          <p:grpSpPr>
+            <a:xfrm>
+              <a:off x="3601800" y="2590800"/>
+              <a:ext cx="665400" cy="913710"/>
+              <a:chOff x="6400800" y="907088"/>
+              <a:chExt cx="1524000" cy="2214880"/>
+            </a:xfrm>
+          </p:grpSpPr>
+          <p:sp>
+            <p:nvSpPr>
+              <p:cNvPr id="84" name="Rectangle 83"/>
+              <p:cNvSpPr/>
+              <p:nvPr/>
+            </p:nvSpPr>
+            <p:spPr>
+              <a:xfrm>
+                <a:off x="6400800" y="907088"/>
+                <a:ext cx="1524000" cy="152400"/>
+              </a:xfrm>
+              <a:prstGeom prst="rect">
+                <a:avLst/>
+              </a:prstGeom>
+              <a:solidFill>
+                <a:schemeClr val="accent1">
+                  <a:lumMod val="20000"/>
+                  <a:lumOff val="80000"/>
+                </a:schemeClr>
+              </a:solidFill>
+            </p:spPr>
+            <p:style>
+              <a:lnRef idx="2">
+                <a:schemeClr val="accent1">
+                  <a:shade val="50000"/>
+                </a:schemeClr>
+              </a:lnRef>
+              <a:fillRef idx="1">
+                <a:schemeClr val="accent1"/>
+              </a:fillRef>
+              <a:effectRef idx="0">
+                <a:schemeClr val="accent1"/>
+              </a:effectRef>
+              <a:fontRef idx="minor">
+                <a:schemeClr val="lt1"/>
+              </a:fontRef>
+            </p:style>
+            <p:txBody>
+              <a:bodyPr rtlCol="0" anchor="ctr"/>
+              <a:lstStyle/>
+              <a:p>
+                <a:pPr algn="ctr"/>
+                <a:endParaRPr lang="en-US"/>
+              </a:p>
+            </p:txBody>
+          </p:sp>
+          <p:sp>
+            <p:nvSpPr>
+              <p:cNvPr id="85" name="Rectangle 84"/>
+              <p:cNvSpPr/>
+              <p:nvPr/>
+            </p:nvSpPr>
+            <p:spPr>
+              <a:xfrm>
+                <a:off x="6400800" y="2812088"/>
+                <a:ext cx="1524000" cy="152400"/>
+              </a:xfrm>
+              <a:prstGeom prst="rect">
+                <a:avLst/>
+              </a:prstGeom>
+              <a:solidFill>
+                <a:schemeClr val="accent1">
+                  <a:lumMod val="20000"/>
+                  <a:lumOff val="80000"/>
+                </a:schemeClr>
+              </a:solidFill>
+            </p:spPr>
+            <p:style>
+              <a:lnRef idx="2">
+                <a:schemeClr val="accent1">
+                  <a:shade val="50000"/>
+                </a:schemeClr>
+              </a:lnRef>
+              <a:fillRef idx="1">
+                <a:schemeClr val="accent1"/>
+              </a:fillRef>
+              <a:effectRef idx="0">
+                <a:schemeClr val="accent1"/>
+              </a:effectRef>
+              <a:fontRef idx="minor">
+                <a:schemeClr val="lt1"/>
+              </a:fontRef>
+            </p:style>
+            <p:txBody>
+              <a:bodyPr rtlCol="0" anchor="ctr"/>
+              <a:lstStyle/>
+              <a:p>
+                <a:pPr algn="ctr"/>
+                <a:endParaRPr lang="en-US"/>
+              </a:p>
+            </p:txBody>
+          </p:sp>
+          <p:sp>
+            <p:nvSpPr>
+              <p:cNvPr id="86" name="Rectangle 85"/>
+              <p:cNvSpPr/>
+              <p:nvPr/>
+            </p:nvSpPr>
+            <p:spPr>
+              <a:xfrm>
+                <a:off x="7086600" y="1059488"/>
+                <a:ext cx="152400" cy="1752600"/>
+              </a:xfrm>
+              <a:prstGeom prst="rect">
+                <a:avLst/>
+              </a:prstGeom>
+              <a:solidFill>
+                <a:schemeClr val="accent1">
+                  <a:lumMod val="20000"/>
+                  <a:lumOff val="80000"/>
+                </a:schemeClr>
+              </a:solidFill>
+            </p:spPr>
+            <p:style>
+              <a:lnRef idx="2">
+                <a:schemeClr val="accent1">
+                  <a:shade val="50000"/>
+                </a:schemeClr>
+              </a:lnRef>
+              <a:fillRef idx="1">
+                <a:schemeClr val="accent1"/>
+              </a:fillRef>
+              <a:effectRef idx="0">
+                <a:schemeClr val="accent1"/>
+              </a:effectRef>
+              <a:fontRef idx="minor">
+                <a:schemeClr val="lt1"/>
+              </a:fontRef>
+            </p:style>
+            <p:txBody>
+              <a:bodyPr rtlCol="0" anchor="ctr"/>
+              <a:lstStyle/>
+              <a:p>
+                <a:pPr algn="ctr"/>
+                <a:endParaRPr lang="en-US"/>
+              </a:p>
+            </p:txBody>
+          </p:sp>
+          <p:sp>
+            <p:nvSpPr>
+              <p:cNvPr id="88" name="Rectangle 87"/>
+              <p:cNvSpPr/>
+              <p:nvPr/>
+            </p:nvSpPr>
+            <p:spPr>
+              <a:xfrm>
+                <a:off x="7093345" y="2971800"/>
+                <a:ext cx="152400" cy="150168"/>
+              </a:xfrm>
+              <a:prstGeom prst="rect">
+                <a:avLst/>
+              </a:prstGeom>
+              <a:solidFill>
+                <a:schemeClr val="accent2"/>
+              </a:solidFill>
+              <a:ln>
+                <a:solidFill>
+                  <a:schemeClr val="accent2">
+                    <a:lumMod val="50000"/>
+                  </a:schemeClr>
+                </a:solidFill>
+              </a:ln>
+            </p:spPr>
+            <p:style>
+              <a:lnRef idx="2">
+                <a:schemeClr val="accent1">
+                  <a:shade val="50000"/>
+                </a:schemeClr>
+              </a:lnRef>
+              <a:fillRef idx="1">
+                <a:schemeClr val="accent1"/>
+              </a:fillRef>
+              <a:effectRef idx="0">
+                <a:schemeClr val="accent1"/>
+              </a:effectRef>
+              <a:fontRef idx="minor">
+                <a:schemeClr val="lt1"/>
+              </a:fontRef>
+            </p:style>
+            <p:txBody>
+              <a:bodyPr rtlCol="0" anchor="ctr"/>
+              <a:lstStyle/>
+              <a:p>
+                <a:pPr algn="ctr"/>
+                <a:endParaRPr lang="en-US"/>
+              </a:p>
+            </p:txBody>
+          </p:sp>
+        </p:grpSp>
+        <p:sp>
+          <p:nvSpPr>
+            <p:cNvPr id="89" name="Oval 88"/>
+            <p:cNvSpPr/>
+            <p:nvPr/>
+          </p:nvSpPr>
+          <p:spPr>
+            <a:xfrm>
+              <a:off x="3528407" y="2933931"/>
+              <a:ext cx="228600" cy="225417"/>
+            </a:xfrm>
+            <a:prstGeom prst="ellipse">
+              <a:avLst/>
+            </a:prstGeom>
+            <a:noFill/>
+          </p:spPr>
+          <p:style>
+            <a:lnRef idx="2">
+              <a:schemeClr val="accent1">
+                <a:shade val="50000"/>
+              </a:schemeClr>
+            </a:lnRef>
+            <a:fillRef idx="1">
+              <a:schemeClr val="accent1"/>
+            </a:fillRef>
+            <a:effectRef idx="0">
+              <a:schemeClr val="accent1"/>
+            </a:effectRef>
+            <a:fontRef idx="minor">
+              <a:schemeClr val="lt1"/>
+            </a:fontRef>
+          </p:style>
+          <p:txBody>
+            <a:bodyPr rtlCol="0" anchor="ctr"/>
+            <a:lstStyle/>
+            <a:p>
+              <a:pPr algn="ctr"/>
+              <a:endParaRPr lang="en-US"/>
+            </a:p>
+          </p:txBody>
+        </p:sp>
+      </p:grpSp>
+      <p:grpSp>
+        <p:nvGrpSpPr>
+          <p:cNvPr id="146" name="Group 145"/>
+          <p:cNvGrpSpPr/>
+          <p:nvPr/>
+        </p:nvGrpSpPr>
+        <p:grpSpPr>
+          <a:xfrm>
+            <a:off x="2995007" y="2590800"/>
+            <a:ext cx="753685" cy="913710"/>
+            <a:chOff x="2537807" y="2590800"/>
+            <a:chExt cx="753685" cy="913710"/>
+          </a:xfrm>
+        </p:grpSpPr>
+        <p:grpSp>
+          <p:nvGrpSpPr>
+            <p:cNvPr id="75" name="Group 74"/>
+            <p:cNvGrpSpPr/>
+            <p:nvPr/>
+          </p:nvGrpSpPr>
+          <p:grpSpPr>
+            <a:xfrm>
+              <a:off x="2626092" y="2590800"/>
+              <a:ext cx="665400" cy="913710"/>
+              <a:chOff x="6400800" y="907088"/>
+              <a:chExt cx="1524000" cy="2214880"/>
+            </a:xfrm>
+          </p:grpSpPr>
+          <p:sp>
+            <p:nvSpPr>
+              <p:cNvPr id="76" name="Rectangle 75"/>
+              <p:cNvSpPr/>
+              <p:nvPr/>
+            </p:nvSpPr>
+            <p:spPr>
+              <a:xfrm>
+                <a:off x="6400800" y="907088"/>
+                <a:ext cx="1524000" cy="152400"/>
+              </a:xfrm>
+              <a:prstGeom prst="rect">
+                <a:avLst/>
+              </a:prstGeom>
+              <a:solidFill>
+                <a:schemeClr val="accent1">
+                  <a:lumMod val="20000"/>
+                  <a:lumOff val="80000"/>
+                </a:schemeClr>
+              </a:solidFill>
+            </p:spPr>
+            <p:style>
+              <a:lnRef idx="2">
+                <a:schemeClr val="accent1">
+                  <a:shade val="50000"/>
+                </a:schemeClr>
+              </a:lnRef>
+              <a:fillRef idx="1">
+                <a:schemeClr val="accent1"/>
+              </a:fillRef>
+              <a:effectRef idx="0">
+                <a:schemeClr val="accent1"/>
+              </a:effectRef>
+              <a:fontRef idx="minor">
+                <a:schemeClr val="lt1"/>
+              </a:fontRef>
+            </p:style>
+            <p:txBody>
+              <a:bodyPr rtlCol="0" anchor="ctr"/>
+              <a:lstStyle/>
+              <a:p>
+                <a:pPr algn="ctr"/>
+                <a:endParaRPr lang="en-US"/>
+              </a:p>
+            </p:txBody>
+          </p:sp>
+          <p:sp>
+            <p:nvSpPr>
+              <p:cNvPr id="77" name="Rectangle 76"/>
+              <p:cNvSpPr/>
+              <p:nvPr/>
+            </p:nvSpPr>
+            <p:spPr>
+              <a:xfrm>
+                <a:off x="6400800" y="2812088"/>
+                <a:ext cx="1524000" cy="152400"/>
+              </a:xfrm>
+              <a:prstGeom prst="rect">
+                <a:avLst/>
+              </a:prstGeom>
+              <a:solidFill>
+                <a:schemeClr val="accent1">
+                  <a:lumMod val="20000"/>
+                  <a:lumOff val="80000"/>
+                </a:schemeClr>
+              </a:solidFill>
+            </p:spPr>
+            <p:style>
+              <a:lnRef idx="2">
+                <a:schemeClr val="accent1">
+                  <a:shade val="50000"/>
+                </a:schemeClr>
+              </a:lnRef>
+              <a:fillRef idx="1">
+                <a:schemeClr val="accent1"/>
+              </a:fillRef>
+              <a:effectRef idx="0">
+                <a:schemeClr val="accent1"/>
+              </a:effectRef>
+              <a:fontRef idx="minor">
+                <a:schemeClr val="lt1"/>
+              </a:fontRef>
+            </p:style>
+            <p:txBody>
+              <a:bodyPr rtlCol="0" anchor="ctr"/>
+              <a:lstStyle/>
+              <a:p>
+                <a:pPr algn="ctr"/>
+                <a:endParaRPr lang="en-US"/>
+              </a:p>
+            </p:txBody>
+          </p:sp>
+          <p:sp>
+            <p:nvSpPr>
+              <p:cNvPr id="78" name="Rectangle 77"/>
+              <p:cNvSpPr/>
+              <p:nvPr/>
+            </p:nvSpPr>
+            <p:spPr>
+              <a:xfrm>
+                <a:off x="7086600" y="1059488"/>
+                <a:ext cx="152400" cy="1752600"/>
+              </a:xfrm>
+              <a:prstGeom prst="rect">
+                <a:avLst/>
+              </a:prstGeom>
+              <a:solidFill>
+                <a:schemeClr val="accent1">
+                  <a:lumMod val="20000"/>
+                  <a:lumOff val="80000"/>
+                </a:schemeClr>
+              </a:solidFill>
+            </p:spPr>
+            <p:style>
+              <a:lnRef idx="2">
+                <a:schemeClr val="accent1">
+                  <a:shade val="50000"/>
+                </a:schemeClr>
+              </a:lnRef>
+              <a:fillRef idx="1">
+                <a:schemeClr val="accent1"/>
+              </a:fillRef>
+              <a:effectRef idx="0">
+                <a:schemeClr val="accent1"/>
+              </a:effectRef>
+              <a:fontRef idx="minor">
+                <a:schemeClr val="lt1"/>
+              </a:fontRef>
+            </p:style>
+            <p:txBody>
+              <a:bodyPr rtlCol="0" anchor="ctr"/>
+              <a:lstStyle/>
+              <a:p>
+                <a:pPr algn="ctr"/>
+                <a:endParaRPr lang="en-US"/>
+              </a:p>
+            </p:txBody>
+          </p:sp>
+          <p:sp>
+            <p:nvSpPr>
+              <p:cNvPr id="81" name="Rectangle 80"/>
+              <p:cNvSpPr/>
+              <p:nvPr/>
+            </p:nvSpPr>
+            <p:spPr>
+              <a:xfrm>
+                <a:off x="7239000" y="1671320"/>
+                <a:ext cx="152400" cy="150168"/>
+              </a:xfrm>
+              <a:prstGeom prst="rect">
+                <a:avLst/>
+              </a:prstGeom>
+              <a:solidFill>
+                <a:schemeClr val="accent2"/>
+              </a:solidFill>
+              <a:ln>
+                <a:solidFill>
+                  <a:schemeClr val="accent2">
+                    <a:lumMod val="50000"/>
+                  </a:schemeClr>
+                </a:solidFill>
+              </a:ln>
+            </p:spPr>
+            <p:style>
+              <a:lnRef idx="2">
+                <a:schemeClr val="accent1">
+                  <a:shade val="50000"/>
+                </a:schemeClr>
+              </a:lnRef>
+              <a:fillRef idx="1">
+                <a:schemeClr val="accent1"/>
+              </a:fillRef>
+              <a:effectRef idx="0">
+                <a:schemeClr val="accent1"/>
+              </a:effectRef>
+              <a:fontRef idx="minor">
+                <a:schemeClr val="lt1"/>
+              </a:fontRef>
+            </p:style>
+            <p:txBody>
+              <a:bodyPr rtlCol="0" anchor="ctr"/>
+              <a:lstStyle/>
+              <a:p>
+                <a:pPr algn="ctr"/>
+                <a:endParaRPr lang="en-US"/>
+              </a:p>
+            </p:txBody>
+          </p:sp>
+          <p:sp>
+            <p:nvSpPr>
+              <p:cNvPr id="82" name="Rectangle 81"/>
+              <p:cNvSpPr/>
+              <p:nvPr/>
+            </p:nvSpPr>
+            <p:spPr>
+              <a:xfrm>
+                <a:off x="7093345" y="2971800"/>
+                <a:ext cx="152400" cy="150168"/>
+              </a:xfrm>
+              <a:prstGeom prst="rect">
+                <a:avLst/>
+              </a:prstGeom>
+              <a:solidFill>
+                <a:schemeClr val="accent2"/>
+              </a:solidFill>
+              <a:ln>
+                <a:solidFill>
+                  <a:schemeClr val="accent2">
+                    <a:lumMod val="50000"/>
+                  </a:schemeClr>
+                </a:solidFill>
+              </a:ln>
+            </p:spPr>
+            <p:style>
+              <a:lnRef idx="2">
+                <a:schemeClr val="accent1">
+                  <a:shade val="50000"/>
+                </a:schemeClr>
+              </a:lnRef>
+              <a:fillRef idx="1">
+                <a:schemeClr val="accent1"/>
+              </a:fillRef>
+              <a:effectRef idx="0">
+                <a:schemeClr val="accent1"/>
+              </a:effectRef>
+              <a:fontRef idx="minor">
+                <a:schemeClr val="lt1"/>
+              </a:fontRef>
+            </p:style>
+            <p:txBody>
+              <a:bodyPr rtlCol="0" anchor="ctr"/>
+              <a:lstStyle/>
+              <a:p>
+                <a:pPr algn="ctr"/>
+                <a:endParaRPr lang="en-US"/>
+              </a:p>
+            </p:txBody>
+          </p:sp>
+        </p:grpSp>
+        <p:sp>
+          <p:nvSpPr>
+            <p:cNvPr id="90" name="Oval 89"/>
+            <p:cNvSpPr/>
+            <p:nvPr/>
+          </p:nvSpPr>
+          <p:spPr>
+            <a:xfrm>
+              <a:off x="2537807" y="2933931"/>
+              <a:ext cx="228600" cy="225417"/>
+            </a:xfrm>
+            <a:prstGeom prst="ellipse">
+              <a:avLst/>
+            </a:prstGeom>
+            <a:noFill/>
+            <a:ln>
+              <a:solidFill>
+                <a:srgbClr val="00B050"/>
+              </a:solidFill>
+            </a:ln>
+          </p:spPr>
+          <p:style>
+            <a:lnRef idx="2">
+              <a:schemeClr val="accent1">
+                <a:shade val="50000"/>
+              </a:schemeClr>
+            </a:lnRef>
+            <a:fillRef idx="1">
+              <a:schemeClr val="accent1"/>
+            </a:fillRef>
+            <a:effectRef idx="0">
+              <a:schemeClr val="accent1"/>
+            </a:effectRef>
+            <a:fontRef idx="minor">
+              <a:schemeClr val="lt1"/>
+            </a:fontRef>
+          </p:style>
+          <p:txBody>
+            <a:bodyPr rtlCol="0" anchor="ctr"/>
+            <a:lstStyle/>
+            <a:p>
+              <a:pPr algn="ctr"/>
+              <a:endParaRPr lang="en-US"/>
+            </a:p>
+          </p:txBody>
+        </p:sp>
+      </p:grpSp>
+      <p:grpSp>
+        <p:nvGrpSpPr>
+          <p:cNvPr id="145" name="Group 144"/>
+          <p:cNvGrpSpPr/>
+          <p:nvPr/>
+        </p:nvGrpSpPr>
+        <p:grpSpPr>
+          <a:xfrm>
+            <a:off x="2209800" y="2590800"/>
+            <a:ext cx="762000" cy="913710"/>
+            <a:chOff x="815887" y="2589784"/>
+            <a:chExt cx="762000" cy="913710"/>
+          </a:xfrm>
+        </p:grpSpPr>
+        <p:sp>
+          <p:nvSpPr>
+            <p:cNvPr id="91" name="Multiply 90"/>
+            <p:cNvSpPr/>
+            <p:nvPr/>
+          </p:nvSpPr>
+          <p:spPr>
+            <a:xfrm>
+              <a:off x="815887" y="2970784"/>
+              <a:ext cx="202398" cy="189161"/>
+            </a:xfrm>
+            <a:prstGeom prst="mathMultiply">
+              <a:avLst/>
+            </a:prstGeom>
+            <a:solidFill>
+              <a:srgbClr val="FF0000"/>
+            </a:solidFill>
+            <a:ln>
+              <a:solidFill>
+                <a:srgbClr val="C00000"/>
+              </a:solidFill>
+            </a:ln>
+          </p:spPr>
+          <p:style>
+            <a:lnRef idx="2">
+              <a:schemeClr val="accent1">
+                <a:shade val="50000"/>
+              </a:schemeClr>
+            </a:lnRef>
+            <a:fillRef idx="1">
+              <a:schemeClr val="accent1"/>
+            </a:fillRef>
+            <a:effectRef idx="0">
+              <a:schemeClr val="accent1"/>
+            </a:effectRef>
+            <a:fontRef idx="minor">
+              <a:schemeClr val="lt1"/>
+            </a:fontRef>
+          </p:style>
+          <p:txBody>
+            <a:bodyPr rtlCol="0" anchor="ctr"/>
+            <a:lstStyle/>
+            <a:p>
+              <a:pPr algn="ctr"/>
+              <a:endParaRPr lang="en-US"/>
+            </a:p>
+          </p:txBody>
+        </p:sp>
+        <p:grpSp>
+          <p:nvGrpSpPr>
+            <p:cNvPr id="92" name="Group 91"/>
+            <p:cNvGrpSpPr/>
+            <p:nvPr/>
+          </p:nvGrpSpPr>
+          <p:grpSpPr>
+            <a:xfrm>
+              <a:off x="912487" y="2589784"/>
+              <a:ext cx="665400" cy="913710"/>
+              <a:chOff x="6400800" y="907088"/>
+              <a:chExt cx="1524000" cy="2214880"/>
+            </a:xfrm>
+          </p:grpSpPr>
+          <p:sp>
+            <p:nvSpPr>
+              <p:cNvPr id="93" name="Rectangle 92"/>
+              <p:cNvSpPr/>
+              <p:nvPr/>
+            </p:nvSpPr>
+            <p:spPr>
+              <a:xfrm>
+                <a:off x="6400800" y="907088"/>
+                <a:ext cx="1524000" cy="152400"/>
+              </a:xfrm>
+              <a:prstGeom prst="rect">
+                <a:avLst/>
+              </a:prstGeom>
+              <a:solidFill>
+                <a:schemeClr val="accent1">
+                  <a:lumMod val="20000"/>
+                  <a:lumOff val="80000"/>
+                </a:schemeClr>
+              </a:solidFill>
+            </p:spPr>
+            <p:style>
+              <a:lnRef idx="2">
+                <a:schemeClr val="accent1">
+                  <a:shade val="50000"/>
+                </a:schemeClr>
+              </a:lnRef>
+              <a:fillRef idx="1">
+                <a:schemeClr val="accent1"/>
+              </a:fillRef>
+              <a:effectRef idx="0">
+                <a:schemeClr val="accent1"/>
+              </a:effectRef>
+              <a:fontRef idx="minor">
+                <a:schemeClr val="lt1"/>
+              </a:fontRef>
+            </p:style>
+            <p:txBody>
+              <a:bodyPr rtlCol="0" anchor="ctr"/>
+              <a:lstStyle/>
+              <a:p>
+                <a:pPr algn="ctr"/>
+                <a:endParaRPr lang="en-US"/>
+              </a:p>
+            </p:txBody>
+          </p:sp>
+          <p:sp>
+            <p:nvSpPr>
+              <p:cNvPr id="94" name="Rectangle 93"/>
+              <p:cNvSpPr/>
+              <p:nvPr/>
+            </p:nvSpPr>
+            <p:spPr>
+              <a:xfrm>
+                <a:off x="6400800" y="2812088"/>
+                <a:ext cx="1524000" cy="152400"/>
+              </a:xfrm>
+              <a:prstGeom prst="rect">
+                <a:avLst/>
+              </a:prstGeom>
+              <a:solidFill>
+                <a:schemeClr val="accent1">
+                  <a:lumMod val="20000"/>
+                  <a:lumOff val="80000"/>
+                </a:schemeClr>
+              </a:solidFill>
+            </p:spPr>
+            <p:style>
+              <a:lnRef idx="2">
+                <a:schemeClr val="accent1">
+                  <a:shade val="50000"/>
+                </a:schemeClr>
+              </a:lnRef>
+              <a:fillRef idx="1">
+                <a:schemeClr val="accent1"/>
+              </a:fillRef>
+              <a:effectRef idx="0">
+                <a:schemeClr val="accent1"/>
+              </a:effectRef>
+              <a:fontRef idx="minor">
+                <a:schemeClr val="lt1"/>
+              </a:fontRef>
+            </p:style>
+            <p:txBody>
+              <a:bodyPr rtlCol="0" anchor="ctr"/>
+              <a:lstStyle/>
+              <a:p>
+                <a:pPr algn="ctr"/>
+                <a:endParaRPr lang="en-US"/>
+              </a:p>
+            </p:txBody>
+          </p:sp>
+          <p:sp>
+            <p:nvSpPr>
+              <p:cNvPr id="95" name="Rectangle 94"/>
+              <p:cNvSpPr/>
+              <p:nvPr/>
+            </p:nvSpPr>
+            <p:spPr>
+              <a:xfrm>
+                <a:off x="7086600" y="1059488"/>
+                <a:ext cx="152400" cy="1752600"/>
+              </a:xfrm>
+              <a:prstGeom prst="rect">
+                <a:avLst/>
+              </a:prstGeom>
+              <a:solidFill>
+                <a:schemeClr val="accent1">
+                  <a:lumMod val="20000"/>
+                  <a:lumOff val="80000"/>
+                </a:schemeClr>
+              </a:solidFill>
+            </p:spPr>
+            <p:style>
+              <a:lnRef idx="2">
+                <a:schemeClr val="accent1">
+                  <a:shade val="50000"/>
+                </a:schemeClr>
+              </a:lnRef>
+              <a:fillRef idx="1">
+                <a:schemeClr val="accent1"/>
+              </a:fillRef>
+              <a:effectRef idx="0">
+                <a:schemeClr val="accent1"/>
+              </a:effectRef>
+              <a:fontRef idx="minor">
+                <a:schemeClr val="lt1"/>
+              </a:fontRef>
+            </p:style>
+            <p:txBody>
+              <a:bodyPr rtlCol="0" anchor="ctr"/>
+              <a:lstStyle/>
+              <a:p>
+                <a:pPr algn="ctr"/>
+                <a:endParaRPr lang="en-US"/>
+              </a:p>
+            </p:txBody>
+          </p:sp>
+          <p:sp>
+            <p:nvSpPr>
+              <p:cNvPr id="97" name="Rectangle 96"/>
+              <p:cNvSpPr/>
+              <p:nvPr/>
+            </p:nvSpPr>
+            <p:spPr>
+              <a:xfrm>
+                <a:off x="7093345" y="2971800"/>
+                <a:ext cx="152400" cy="150168"/>
+              </a:xfrm>
+              <a:prstGeom prst="rect">
+                <a:avLst/>
+              </a:prstGeom>
+              <a:solidFill>
+                <a:schemeClr val="accent2"/>
+              </a:solidFill>
+              <a:ln>
+                <a:solidFill>
+                  <a:schemeClr val="accent2">
+                    <a:lumMod val="50000"/>
+                  </a:schemeClr>
+                </a:solidFill>
+              </a:ln>
+            </p:spPr>
+            <p:style>
+              <a:lnRef idx="2">
+                <a:schemeClr val="accent1">
+                  <a:shade val="50000"/>
+                </a:schemeClr>
+              </a:lnRef>
+              <a:fillRef idx="1">
+                <a:schemeClr val="accent1"/>
+              </a:fillRef>
+              <a:effectRef idx="0">
+                <a:schemeClr val="accent1"/>
+              </a:effectRef>
+              <a:fontRef idx="minor">
+                <a:schemeClr val="lt1"/>
+              </a:fontRef>
+            </p:style>
+            <p:txBody>
+              <a:bodyPr rtlCol="0" anchor="ctr"/>
+              <a:lstStyle/>
+              <a:p>
+                <a:pPr algn="ctr"/>
+                <a:endParaRPr lang="en-US"/>
+              </a:p>
+            </p:txBody>
+          </p:sp>
+        </p:grpSp>
+      </p:grpSp>
+      <p:sp>
+        <p:nvSpPr>
+          <p:cNvPr id="5" name="Rectangle 4"/>
+          <p:cNvSpPr/>
+          <p:nvPr/>
+        </p:nvSpPr>
+        <p:spPr>
+          <a:xfrm>
+            <a:off x="848922" y="3839446"/>
+            <a:ext cx="7471852" cy="2770332"/>
+          </a:xfrm>
+          <a:prstGeom prst="rect">
+            <a:avLst/>
+          </a:prstGeom>
+          <a:solidFill>
+            <a:srgbClr val="F6F5EE"/>
+          </a:solidFill>
+          <a:ln w="12700">
+            <a:solidFill>
+              <a:srgbClr val="73614F"/>
+            </a:solidFill>
+            <a:prstDash val="lgDash"/>
+          </a:ln>
+        </p:spPr>
+        <p:style>
+          <a:lnRef idx="2">
+            <a:schemeClr val="accent1">
+              <a:shade val="50000"/>
+            </a:schemeClr>
+          </a:lnRef>
+          <a:fillRef idx="1">
+            <a:schemeClr val="accent1"/>
+          </a:fillRef>
+          <a:effectRef idx="0">
+            <a:schemeClr val="accent1"/>
+          </a:effectRef>
+          <a:fontRef idx="minor">
+            <a:schemeClr val="lt1"/>
+          </a:fontRef>
+        </p:style>
+        <p:txBody>
+          <a:bodyPr rtlCol="0" anchor="ctr"/>
+          <a:lstStyle/>
+          <a:p>
+            <a:pPr algn="ctr"/>
+            <a:endParaRPr lang="en-US"/>
+          </a:p>
+        </p:txBody>
+      </p:sp>
+      <p:sp>
+        <p:nvSpPr>
+          <p:cNvPr id="8" name="Rectangle 7"/>
+          <p:cNvSpPr/>
+          <p:nvPr/>
+        </p:nvSpPr>
+        <p:spPr>
+          <a:xfrm>
+            <a:off x="762000" y="3776392"/>
+            <a:ext cx="337330" cy="2900461"/>
+          </a:xfrm>
+          <a:prstGeom prst="rect">
+            <a:avLst/>
+          </a:prstGeom>
+          <a:solidFill>
+            <a:schemeClr val="accent3">
+              <a:lumMod val="20000"/>
+              <a:lumOff val="80000"/>
+            </a:schemeClr>
+          </a:solidFill>
+          <a:ln w="12700">
+            <a:solidFill>
+              <a:schemeClr val="accent3">
+                <a:lumMod val="50000"/>
+              </a:schemeClr>
+            </a:solidFill>
+          </a:ln>
+        </p:spPr>
+        <p:style>
+          <a:lnRef idx="2">
+            <a:schemeClr val="accent1">
+              <a:shade val="50000"/>
+            </a:schemeClr>
+          </a:lnRef>
+          <a:fillRef idx="1">
+            <a:schemeClr val="accent1"/>
+          </a:fillRef>
+          <a:effectRef idx="0">
+            <a:schemeClr val="accent1"/>
+          </a:effectRef>
+          <a:fontRef idx="minor">
+            <a:schemeClr val="lt1"/>
+          </a:fontRef>
+        </p:style>
+        <p:txBody>
+          <a:bodyPr rtlCol="0" anchor="ctr"/>
+          <a:lstStyle/>
+          <a:p>
+            <a:pPr algn="ctr"/>
+            <a:endParaRPr lang="en-US"/>
+          </a:p>
+        </p:txBody>
+      </p:sp>
+      <p:sp>
+        <p:nvSpPr>
+          <p:cNvPr id="6" name="Rectangle 5"/>
+          <p:cNvSpPr/>
+          <p:nvPr/>
+        </p:nvSpPr>
+        <p:spPr>
+          <a:xfrm>
+            <a:off x="4438893" y="3776392"/>
+            <a:ext cx="337330" cy="2900461"/>
+          </a:xfrm>
+          <a:prstGeom prst="rect">
+            <a:avLst/>
+          </a:prstGeom>
+          <a:solidFill>
+            <a:schemeClr val="accent3">
+              <a:lumMod val="20000"/>
+              <a:lumOff val="80000"/>
+            </a:schemeClr>
+          </a:solidFill>
+          <a:ln w="12700">
+            <a:solidFill>
+              <a:schemeClr val="accent3">
+                <a:lumMod val="50000"/>
+              </a:schemeClr>
+            </a:solidFill>
+          </a:ln>
+        </p:spPr>
+        <p:style>
+          <a:lnRef idx="2">
+            <a:schemeClr val="accent1">
+              <a:shade val="50000"/>
+            </a:schemeClr>
+          </a:lnRef>
+          <a:fillRef idx="1">
+            <a:schemeClr val="accent1"/>
+          </a:fillRef>
+          <a:effectRef idx="0">
+            <a:schemeClr val="accent1"/>
+          </a:effectRef>
+          <a:fontRef idx="minor">
+            <a:schemeClr val="lt1"/>
+          </a:fontRef>
+        </p:style>
+        <p:txBody>
+          <a:bodyPr rtlCol="0" anchor="ctr"/>
+          <a:lstStyle/>
+          <a:p>
+            <a:pPr algn="ctr"/>
+            <a:endParaRPr lang="en-US"/>
+          </a:p>
+        </p:txBody>
+      </p:sp>
+      <p:sp>
+        <p:nvSpPr>
+          <p:cNvPr id="7" name="Rectangle 6"/>
+          <p:cNvSpPr/>
+          <p:nvPr/>
+        </p:nvSpPr>
+        <p:spPr>
+          <a:xfrm>
+            <a:off x="8082053" y="3776392"/>
+            <a:ext cx="337330" cy="2900461"/>
+          </a:xfrm>
+          <a:prstGeom prst="rect">
+            <a:avLst/>
+          </a:prstGeom>
+          <a:solidFill>
+            <a:schemeClr val="accent3">
+              <a:lumMod val="20000"/>
+              <a:lumOff val="80000"/>
+            </a:schemeClr>
+          </a:solidFill>
+          <a:ln w="12700">
+            <a:solidFill>
+              <a:schemeClr val="accent3">
+                <a:lumMod val="50000"/>
+              </a:schemeClr>
+            </a:solidFill>
+          </a:ln>
+        </p:spPr>
+        <p:style>
+          <a:lnRef idx="2">
+            <a:schemeClr val="accent1">
+              <a:shade val="50000"/>
+            </a:schemeClr>
+          </a:lnRef>
+          <a:fillRef idx="1">
+            <a:schemeClr val="accent1"/>
+          </a:fillRef>
+          <a:effectRef idx="0">
+            <a:schemeClr val="accent1"/>
+          </a:effectRef>
+          <a:fontRef idx="minor">
+            <a:schemeClr val="lt1"/>
+          </a:fontRef>
+        </p:style>
+        <p:txBody>
+          <a:bodyPr rtlCol="0" anchor="ctr"/>
+          <a:lstStyle/>
+          <a:p>
+            <a:pPr algn="ctr"/>
+            <a:endParaRPr lang="en-US"/>
+          </a:p>
+        </p:txBody>
+      </p:sp>
+      <p:sp>
+        <p:nvSpPr>
+          <p:cNvPr id="50" name="Rectangle 49"/>
+          <p:cNvSpPr/>
+          <p:nvPr/>
+        </p:nvSpPr>
+        <p:spPr>
+          <a:xfrm>
+            <a:off x="974518" y="3902499"/>
+            <a:ext cx="7286320" cy="113496"/>
+          </a:xfrm>
+          <a:prstGeom prst="rect">
+            <a:avLst/>
+          </a:prstGeom>
+          <a:solidFill>
+            <a:schemeClr val="accent1">
+              <a:lumMod val="60000"/>
+              <a:lumOff val="40000"/>
+              <a:alpha val="47000"/>
+            </a:schemeClr>
+          </a:solidFill>
+          <a:ln w="12700">
+            <a:solidFill>
+              <a:schemeClr val="tx2">
+                <a:lumMod val="50000"/>
+              </a:schemeClr>
+            </a:solidFill>
+          </a:ln>
+        </p:spPr>
+        <p:style>
+          <a:lnRef idx="2">
+            <a:schemeClr val="accent1">
+              <a:shade val="50000"/>
+            </a:schemeClr>
+          </a:lnRef>
+          <a:fillRef idx="1">
+            <a:schemeClr val="accent1"/>
+          </a:fillRef>
+          <a:effectRef idx="0">
+            <a:schemeClr val="accent1"/>
+          </a:effectRef>
+          <a:fontRef idx="minor">
+            <a:schemeClr val="lt1"/>
+          </a:fontRef>
+        </p:style>
+        <p:txBody>
+          <a:bodyPr rtlCol="0" anchor="ctr"/>
+          <a:lstStyle/>
+          <a:p>
+            <a:pPr algn="ctr"/>
+            <a:endParaRPr lang="en-US"/>
+          </a:p>
+        </p:txBody>
+      </p:sp>
+      <p:sp>
+        <p:nvSpPr>
+          <p:cNvPr id="49" name="Rectangle 48"/>
+          <p:cNvSpPr/>
+          <p:nvPr/>
+        </p:nvSpPr>
+        <p:spPr>
+          <a:xfrm>
+            <a:off x="974518" y="6424640"/>
+            <a:ext cx="7286320" cy="113496"/>
+          </a:xfrm>
+          <a:prstGeom prst="rect">
+            <a:avLst/>
+          </a:prstGeom>
+          <a:solidFill>
+            <a:schemeClr val="accent1">
+              <a:lumMod val="60000"/>
+              <a:lumOff val="40000"/>
+              <a:alpha val="47000"/>
+            </a:schemeClr>
+          </a:solidFill>
+          <a:ln w="12700">
+            <a:solidFill>
+              <a:schemeClr val="tx2">
+                <a:lumMod val="50000"/>
+              </a:schemeClr>
+            </a:solidFill>
+          </a:ln>
+        </p:spPr>
+        <p:style>
+          <a:lnRef idx="2">
+            <a:schemeClr val="accent1">
+              <a:shade val="50000"/>
+            </a:schemeClr>
+          </a:lnRef>
+          <a:fillRef idx="1">
+            <a:schemeClr val="accent1"/>
+          </a:fillRef>
+          <a:effectRef idx="0">
+            <a:schemeClr val="accent1"/>
+          </a:effectRef>
+          <a:fontRef idx="minor">
+            <a:schemeClr val="lt1"/>
+          </a:fontRef>
+        </p:style>
+        <p:txBody>
+          <a:bodyPr rtlCol="0" anchor="ctr"/>
+          <a:lstStyle/>
+          <a:p>
+            <a:pPr algn="ctr"/>
+            <a:endParaRPr lang="en-US"/>
+          </a:p>
+        </p:txBody>
+      </p:sp>
+      <p:sp>
+        <p:nvSpPr>
+          <p:cNvPr id="9" name="Rectangle 8"/>
+          <p:cNvSpPr/>
+          <p:nvPr/>
+        </p:nvSpPr>
+        <p:spPr>
+          <a:xfrm>
+            <a:off x="964398" y="4284842"/>
+            <a:ext cx="7286320" cy="113496"/>
+          </a:xfrm>
+          <a:prstGeom prst="rect">
+            <a:avLst/>
+          </a:prstGeom>
+          <a:solidFill>
+            <a:schemeClr val="accent1">
+              <a:lumMod val="60000"/>
+              <a:lumOff val="40000"/>
+              <a:alpha val="47000"/>
+            </a:schemeClr>
+          </a:solidFill>
+          <a:ln w="12700">
+            <a:solidFill>
+              <a:schemeClr val="tx2">
+                <a:lumMod val="50000"/>
+              </a:schemeClr>
+            </a:solidFill>
+          </a:ln>
+        </p:spPr>
+        <p:style>
+          <a:lnRef idx="2">
+            <a:schemeClr val="accent1">
+              <a:shade val="50000"/>
+            </a:schemeClr>
+          </a:lnRef>
+          <a:fillRef idx="1">
+            <a:schemeClr val="accent1"/>
+          </a:fillRef>
+          <a:effectRef idx="0">
+            <a:schemeClr val="accent1"/>
+          </a:effectRef>
+          <a:fontRef idx="minor">
+            <a:schemeClr val="lt1"/>
+          </a:fontRef>
+        </p:style>
+        <p:txBody>
+          <a:bodyPr rtlCol="0" anchor="ctr"/>
+          <a:lstStyle/>
+          <a:p>
+            <a:pPr algn="ctr"/>
+            <a:endParaRPr lang="en-US"/>
+          </a:p>
+        </p:txBody>
+      </p:sp>
+      <p:sp>
+        <p:nvSpPr>
+          <p:cNvPr id="10" name="Rectangle 9"/>
+          <p:cNvSpPr/>
+          <p:nvPr/>
+        </p:nvSpPr>
+        <p:spPr>
+          <a:xfrm>
+            <a:off x="964398" y="5043061"/>
+            <a:ext cx="7286320" cy="113496"/>
+          </a:xfrm>
+          <a:prstGeom prst="rect">
+            <a:avLst/>
+          </a:prstGeom>
+          <a:solidFill>
+            <a:schemeClr val="accent1">
+              <a:lumMod val="60000"/>
+              <a:lumOff val="40000"/>
+              <a:alpha val="47000"/>
+            </a:schemeClr>
+          </a:solidFill>
+          <a:ln w="12700">
+            <a:solidFill>
+              <a:schemeClr val="tx2">
+                <a:lumMod val="50000"/>
+              </a:schemeClr>
+            </a:solidFill>
+          </a:ln>
+        </p:spPr>
+        <p:style>
+          <a:lnRef idx="2">
+            <a:schemeClr val="accent1">
+              <a:shade val="50000"/>
+            </a:schemeClr>
+          </a:lnRef>
+          <a:fillRef idx="1">
+            <a:schemeClr val="accent1"/>
+          </a:fillRef>
+          <a:effectRef idx="0">
+            <a:schemeClr val="accent1"/>
+          </a:effectRef>
+          <a:fontRef idx="minor">
+            <a:schemeClr val="lt1"/>
+          </a:fontRef>
+        </p:style>
+        <p:txBody>
+          <a:bodyPr rtlCol="0" anchor="ctr"/>
+          <a:lstStyle/>
+          <a:p>
+            <a:pPr algn="ctr"/>
+            <a:endParaRPr lang="en-US"/>
+          </a:p>
+        </p:txBody>
+      </p:sp>
+      <p:sp>
+        <p:nvSpPr>
+          <p:cNvPr id="11" name="Rectangle 10"/>
+          <p:cNvSpPr/>
+          <p:nvPr/>
+        </p:nvSpPr>
+        <p:spPr>
+          <a:xfrm>
+            <a:off x="964398" y="4663164"/>
+            <a:ext cx="7286320" cy="113496"/>
+          </a:xfrm>
+          <a:prstGeom prst="rect">
+            <a:avLst/>
+          </a:prstGeom>
+          <a:solidFill>
+            <a:schemeClr val="accent1">
+              <a:lumMod val="60000"/>
+              <a:lumOff val="40000"/>
+              <a:alpha val="47000"/>
+            </a:schemeClr>
+          </a:solidFill>
+          <a:ln w="12700">
+            <a:solidFill>
+              <a:schemeClr val="tx2">
+                <a:lumMod val="50000"/>
+              </a:schemeClr>
+            </a:solidFill>
+          </a:ln>
+        </p:spPr>
+        <p:style>
+          <a:lnRef idx="2">
+            <a:schemeClr val="accent1">
+              <a:shade val="50000"/>
+            </a:schemeClr>
+          </a:lnRef>
+          <a:fillRef idx="1">
+            <a:schemeClr val="accent1"/>
+          </a:fillRef>
+          <a:effectRef idx="0">
+            <a:schemeClr val="accent1"/>
+          </a:effectRef>
+          <a:fontRef idx="minor">
+            <a:schemeClr val="lt1"/>
+          </a:fontRef>
+        </p:style>
+        <p:txBody>
+          <a:bodyPr rtlCol="0" anchor="ctr"/>
+          <a:lstStyle/>
+          <a:p>
+            <a:pPr algn="ctr"/>
+            <a:endParaRPr lang="en-US"/>
+          </a:p>
+        </p:txBody>
+      </p:sp>
+      <p:sp>
+        <p:nvSpPr>
+          <p:cNvPr id="12" name="Rectangle 11"/>
+          <p:cNvSpPr/>
+          <p:nvPr/>
+        </p:nvSpPr>
+        <p:spPr>
+          <a:xfrm>
+            <a:off x="964398" y="5304733"/>
+            <a:ext cx="7286320" cy="113496"/>
+          </a:xfrm>
+          <a:prstGeom prst="rect">
+            <a:avLst/>
+          </a:prstGeom>
+          <a:solidFill>
+            <a:schemeClr val="accent1">
+              <a:lumMod val="60000"/>
+              <a:lumOff val="40000"/>
+              <a:alpha val="47000"/>
+            </a:schemeClr>
+          </a:solidFill>
+          <a:ln w="12700">
+            <a:solidFill>
+              <a:schemeClr val="tx2">
+                <a:lumMod val="50000"/>
+              </a:schemeClr>
+            </a:solidFill>
+          </a:ln>
+        </p:spPr>
+        <p:style>
+          <a:lnRef idx="2">
+            <a:schemeClr val="accent1">
+              <a:shade val="50000"/>
+            </a:schemeClr>
+          </a:lnRef>
+          <a:fillRef idx="1">
+            <a:schemeClr val="accent1"/>
+          </a:fillRef>
+          <a:effectRef idx="0">
+            <a:schemeClr val="accent1"/>
+          </a:effectRef>
+          <a:fontRef idx="minor">
+            <a:schemeClr val="lt1"/>
+          </a:fontRef>
+        </p:style>
+        <p:txBody>
+          <a:bodyPr rtlCol="0" anchor="ctr"/>
+          <a:lstStyle/>
+          <a:p>
+            <a:pPr algn="ctr"/>
+            <a:endParaRPr lang="en-US"/>
+          </a:p>
+        </p:txBody>
+      </p:sp>
+      <p:sp>
+        <p:nvSpPr>
+          <p:cNvPr id="13" name="Rectangle 12"/>
+          <p:cNvSpPr/>
+          <p:nvPr/>
+        </p:nvSpPr>
+        <p:spPr>
+          <a:xfrm>
+            <a:off x="964398" y="5683054"/>
+            <a:ext cx="7286320" cy="113496"/>
+          </a:xfrm>
+          <a:prstGeom prst="rect">
+            <a:avLst/>
+          </a:prstGeom>
+          <a:solidFill>
+            <a:schemeClr val="accent1">
+              <a:lumMod val="60000"/>
+              <a:lumOff val="40000"/>
+              <a:alpha val="47000"/>
+            </a:schemeClr>
+          </a:solidFill>
+          <a:ln w="12700">
+            <a:solidFill>
+              <a:schemeClr val="tx2">
+                <a:lumMod val="50000"/>
+              </a:schemeClr>
+            </a:solidFill>
+          </a:ln>
+        </p:spPr>
+        <p:style>
+          <a:lnRef idx="2">
+            <a:schemeClr val="accent1">
+              <a:shade val="50000"/>
+            </a:schemeClr>
+          </a:lnRef>
+          <a:fillRef idx="1">
+            <a:schemeClr val="accent1"/>
+          </a:fillRef>
+          <a:effectRef idx="0">
+            <a:schemeClr val="accent1"/>
+          </a:effectRef>
+          <a:fontRef idx="minor">
+            <a:schemeClr val="lt1"/>
+          </a:fontRef>
+        </p:style>
+        <p:txBody>
+          <a:bodyPr rtlCol="0" anchor="ctr"/>
+          <a:lstStyle/>
+          <a:p>
+            <a:pPr algn="ctr"/>
+            <a:endParaRPr lang="en-US"/>
+          </a:p>
+        </p:txBody>
+      </p:sp>
+      <p:sp>
+        <p:nvSpPr>
+          <p:cNvPr id="14" name="Rectangle 13"/>
+          <p:cNvSpPr/>
+          <p:nvPr/>
+        </p:nvSpPr>
+        <p:spPr>
+          <a:xfrm>
+            <a:off x="964398" y="6062952"/>
+            <a:ext cx="7286320" cy="113496"/>
+          </a:xfrm>
+          <a:prstGeom prst="rect">
+            <a:avLst/>
+          </a:prstGeom>
+          <a:solidFill>
+            <a:schemeClr val="accent1">
+              <a:lumMod val="60000"/>
+              <a:lumOff val="40000"/>
+              <a:alpha val="47000"/>
+            </a:schemeClr>
+          </a:solidFill>
+          <a:ln w="12700">
+            <a:solidFill>
+              <a:schemeClr val="tx2">
+                <a:lumMod val="50000"/>
+              </a:schemeClr>
+            </a:solidFill>
+          </a:ln>
+        </p:spPr>
+        <p:style>
+          <a:lnRef idx="2">
+            <a:schemeClr val="accent1">
+              <a:shade val="50000"/>
+            </a:schemeClr>
+          </a:lnRef>
+          <a:fillRef idx="1">
+            <a:schemeClr val="accent1"/>
+          </a:fillRef>
+          <a:effectRef idx="0">
+            <a:schemeClr val="accent1"/>
+          </a:effectRef>
+          <a:fontRef idx="minor">
+            <a:schemeClr val="lt1"/>
+          </a:fontRef>
+        </p:style>
+        <p:txBody>
+          <a:bodyPr rtlCol="0" anchor="ctr"/>
+          <a:lstStyle/>
+          <a:p>
+            <a:pPr algn="ctr"/>
+            <a:endParaRPr lang="en-US"/>
+          </a:p>
+        </p:txBody>
+      </p:sp>
+      <p:sp>
+        <p:nvSpPr>
+          <p:cNvPr id="18" name="Multiply 17"/>
+          <p:cNvSpPr/>
+          <p:nvPr/>
+        </p:nvSpPr>
+        <p:spPr>
+          <a:xfrm>
+            <a:off x="2667914" y="3863091"/>
+            <a:ext cx="202398" cy="189161"/>
+          </a:xfrm>
+          <a:prstGeom prst="mathMultiply">
+            <a:avLst/>
+          </a:prstGeom>
+          <a:solidFill>
+            <a:srgbClr val="FF0000"/>
+          </a:solidFill>
+          <a:ln>
+            <a:solidFill>
+              <a:srgbClr val="C00000"/>
+            </a:solidFill>
+          </a:ln>
+        </p:spPr>
+        <p:style>
+          <a:lnRef idx="2">
+            <a:schemeClr val="accent1">
+              <a:shade val="50000"/>
+            </a:schemeClr>
+          </a:lnRef>
+          <a:fillRef idx="1">
+            <a:schemeClr val="accent1"/>
+          </a:fillRef>
+          <a:effectRef idx="0">
+            <a:schemeClr val="accent1"/>
+          </a:effectRef>
+          <a:fontRef idx="minor">
+            <a:schemeClr val="lt1"/>
+          </a:fontRef>
+        </p:style>
+        <p:txBody>
+          <a:bodyPr rtlCol="0" anchor="ctr"/>
+          <a:lstStyle/>
+          <a:p>
+            <a:pPr algn="ctr"/>
+            <a:endParaRPr lang="en-US"/>
+          </a:p>
+        </p:txBody>
+      </p:sp>
+      <p:sp>
+        <p:nvSpPr>
+          <p:cNvPr id="102" name="TextBox 101"/>
+          <p:cNvSpPr txBox="1"/>
+          <p:nvPr/>
+        </p:nvSpPr>
+        <p:spPr>
+          <a:xfrm>
+            <a:off x="4175076" y="5544768"/>
+            <a:ext cx="577839" cy="246221"/>
+          </a:xfrm>
+          <a:prstGeom prst="rect">
+            <a:avLst/>
+          </a:prstGeom>
+          <a:solidFill>
+            <a:schemeClr val="bg1">
+              <a:alpha val="54000"/>
+            </a:schemeClr>
+          </a:solidFill>
+        </p:spPr>
+        <p:txBody>
+          <a:bodyPr wrap="square" lIns="0" tIns="0" rIns="0" bIns="0" rtlCol="0">
+            <a:spAutoFit/>
+          </a:bodyPr>
+          <a:lstStyle/>
+          <a:p>
+            <a:pPr algn="ctr"/>
+            <a:r>
+              <a:rPr lang="en-US" sz="1600" dirty="0" smtClean="0"/>
+              <a:t>2’</a:t>
+            </a:r>
+            <a:endParaRPr lang="en-US" sz="1600" dirty="0"/>
+          </a:p>
+        </p:txBody>
+      </p:sp>
+      <p:sp>
+        <p:nvSpPr>
+          <p:cNvPr id="67" name="TextBox 66"/>
+          <p:cNvSpPr txBox="1"/>
+          <p:nvPr/>
+        </p:nvSpPr>
+        <p:spPr>
+          <a:xfrm>
+            <a:off x="2123005" y="3511034"/>
+            <a:ext cx="1292214" cy="369332"/>
+          </a:xfrm>
+          <a:prstGeom prst="rect">
+            <a:avLst/>
+          </a:prstGeom>
+          <a:noFill/>
+        </p:spPr>
+        <p:txBody>
+          <a:bodyPr wrap="square" rtlCol="0">
+            <a:spAutoFit/>
+          </a:bodyPr>
+          <a:lstStyle/>
+          <a:p>
+            <a:pPr algn="ctr"/>
+            <a:r>
+              <a:rPr lang="en-US" dirty="0" smtClean="0"/>
+              <a:t>Span  7</a:t>
+            </a:r>
+            <a:endParaRPr lang="en-US" dirty="0"/>
+          </a:p>
+        </p:txBody>
+      </p:sp>
+      <p:sp>
+        <p:nvSpPr>
+          <p:cNvPr id="68" name="TextBox 67"/>
+          <p:cNvSpPr txBox="1"/>
+          <p:nvPr/>
+        </p:nvSpPr>
+        <p:spPr>
+          <a:xfrm>
+            <a:off x="5895126" y="3511034"/>
+            <a:ext cx="1292214" cy="369332"/>
+          </a:xfrm>
+          <a:prstGeom prst="rect">
+            <a:avLst/>
+          </a:prstGeom>
+          <a:noFill/>
+        </p:spPr>
+        <p:txBody>
+          <a:bodyPr wrap="square" rtlCol="0">
+            <a:spAutoFit/>
+          </a:bodyPr>
+          <a:lstStyle/>
+          <a:p>
+            <a:pPr algn="ctr"/>
+            <a:r>
+              <a:rPr lang="en-US" dirty="0" smtClean="0"/>
+              <a:t>Span  8</a:t>
+            </a:r>
+            <a:endParaRPr lang="en-US" dirty="0"/>
+          </a:p>
+        </p:txBody>
+      </p:sp>
+      <p:cxnSp>
+        <p:nvCxnSpPr>
+          <p:cNvPr id="101" name="Straight Arrow Connector 100"/>
+          <p:cNvCxnSpPr/>
+          <p:nvPr/>
+        </p:nvCxnSpPr>
+        <p:spPr>
+          <a:xfrm>
+            <a:off x="4283425" y="5544768"/>
+            <a:ext cx="320040" cy="0"/>
+          </a:xfrm>
+          <a:prstGeom prst="straightConnector1">
+            <a:avLst/>
+          </a:prstGeom>
+          <a:ln w="22225">
+            <a:solidFill>
+              <a:schemeClr val="tx1"/>
+            </a:solidFill>
+            <a:headEnd type="arrow"/>
+            <a:tailEnd type="arrow"/>
+          </a:ln>
+        </p:spPr>
+        <p:style>
+          <a:lnRef idx="1">
+            <a:schemeClr val="accent1"/>
+          </a:lnRef>
+          <a:fillRef idx="0">
+            <a:schemeClr val="accent1"/>
+          </a:fillRef>
+          <a:effectRef idx="0">
+            <a:schemeClr val="accent1"/>
+          </a:effectRef>
+          <a:fontRef idx="minor">
+            <a:schemeClr val="tx1"/>
+          </a:fontRef>
+        </p:style>
+      </p:cxnSp>
+      <p:cxnSp>
+        <p:nvCxnSpPr>
+          <p:cNvPr id="127" name="Straight Connector 126"/>
+          <p:cNvCxnSpPr/>
+          <p:nvPr/>
+        </p:nvCxnSpPr>
+        <p:spPr>
+          <a:xfrm>
+            <a:off x="1866755" y="3695700"/>
+            <a:ext cx="0" cy="3086100"/>
+          </a:xfrm>
+          <a:prstGeom prst="line">
+            <a:avLst/>
+          </a:prstGeom>
+          <a:ln w="19050">
+            <a:solidFill>
+              <a:schemeClr val="tx1"/>
+            </a:solidFill>
+            <a:prstDash val="sysDash"/>
+          </a:ln>
+        </p:spPr>
+        <p:style>
+          <a:lnRef idx="1">
+            <a:schemeClr val="accent1"/>
+          </a:lnRef>
+          <a:fillRef idx="0">
+            <a:schemeClr val="accent1"/>
+          </a:fillRef>
+          <a:effectRef idx="0">
+            <a:schemeClr val="accent1"/>
+          </a:effectRef>
+          <a:fontRef idx="minor">
+            <a:schemeClr val="tx1"/>
+          </a:fontRef>
+        </p:style>
+      </p:cxnSp>
+      <p:sp>
+        <p:nvSpPr>
+          <p:cNvPr id="128" name="TextBox 127"/>
+          <p:cNvSpPr txBox="1"/>
+          <p:nvPr/>
+        </p:nvSpPr>
+        <p:spPr>
+          <a:xfrm>
+            <a:off x="1815554" y="6629400"/>
+            <a:ext cx="488624" cy="276999"/>
+          </a:xfrm>
+          <a:prstGeom prst="rect">
+            <a:avLst/>
+          </a:prstGeom>
+          <a:noFill/>
+        </p:spPr>
+        <p:txBody>
+          <a:bodyPr wrap="square" rtlCol="0">
+            <a:spAutoFit/>
+          </a:bodyPr>
+          <a:lstStyle/>
+          <a:p>
+            <a:r>
+              <a:rPr lang="en-US" sz="1200" dirty="0" smtClean="0"/>
+              <a:t>1/4</a:t>
+            </a:r>
+            <a:endParaRPr lang="en-US" sz="1200" dirty="0"/>
+          </a:p>
+        </p:txBody>
+      </p:sp>
+      <p:cxnSp>
+        <p:nvCxnSpPr>
+          <p:cNvPr id="129" name="Straight Connector 128"/>
+          <p:cNvCxnSpPr/>
+          <p:nvPr/>
+        </p:nvCxnSpPr>
+        <p:spPr>
+          <a:xfrm>
+            <a:off x="2775291" y="3694317"/>
+            <a:ext cx="0" cy="3086100"/>
+          </a:xfrm>
+          <a:prstGeom prst="line">
+            <a:avLst/>
+          </a:prstGeom>
+          <a:ln w="19050">
+            <a:solidFill>
+              <a:schemeClr val="tx1"/>
+            </a:solidFill>
+            <a:prstDash val="sysDash"/>
+          </a:ln>
+        </p:spPr>
+        <p:style>
+          <a:lnRef idx="1">
+            <a:schemeClr val="accent1"/>
+          </a:lnRef>
+          <a:fillRef idx="0">
+            <a:schemeClr val="accent1"/>
+          </a:fillRef>
+          <a:effectRef idx="0">
+            <a:schemeClr val="accent1"/>
+          </a:effectRef>
+          <a:fontRef idx="minor">
+            <a:schemeClr val="tx1"/>
+          </a:fontRef>
+        </p:style>
+      </p:cxnSp>
+      <p:sp>
+        <p:nvSpPr>
+          <p:cNvPr id="130" name="TextBox 129"/>
+          <p:cNvSpPr txBox="1"/>
+          <p:nvPr/>
+        </p:nvSpPr>
+        <p:spPr>
+          <a:xfrm>
+            <a:off x="2724089" y="6628017"/>
+            <a:ext cx="861955" cy="276999"/>
+          </a:xfrm>
+          <a:prstGeom prst="rect">
+            <a:avLst/>
+          </a:prstGeom>
+          <a:noFill/>
+        </p:spPr>
+        <p:txBody>
+          <a:bodyPr wrap="square" rtlCol="0">
+            <a:spAutoFit/>
+          </a:bodyPr>
+          <a:lstStyle/>
+          <a:p>
+            <a:r>
+              <a:rPr lang="en-US" sz="1200" dirty="0" err="1" smtClean="0"/>
+              <a:t>Midspan</a:t>
+            </a:r>
+            <a:endParaRPr lang="en-US" sz="1200" dirty="0"/>
+          </a:p>
+        </p:txBody>
+      </p:sp>
+      <p:cxnSp>
+        <p:nvCxnSpPr>
+          <p:cNvPr id="131" name="Straight Connector 130"/>
+          <p:cNvCxnSpPr/>
+          <p:nvPr/>
+        </p:nvCxnSpPr>
+        <p:spPr>
+          <a:xfrm>
+            <a:off x="3707523" y="3694317"/>
+            <a:ext cx="0" cy="3086100"/>
+          </a:xfrm>
+          <a:prstGeom prst="line">
+            <a:avLst/>
+          </a:prstGeom>
+          <a:ln w="19050">
+            <a:solidFill>
+              <a:schemeClr val="tx1"/>
+            </a:solidFill>
+            <a:prstDash val="sysDash"/>
+          </a:ln>
+        </p:spPr>
+        <p:style>
+          <a:lnRef idx="1">
+            <a:schemeClr val="accent1"/>
+          </a:lnRef>
+          <a:fillRef idx="0">
+            <a:schemeClr val="accent1"/>
+          </a:fillRef>
+          <a:effectRef idx="0">
+            <a:schemeClr val="accent1"/>
+          </a:effectRef>
+          <a:fontRef idx="minor">
+            <a:schemeClr val="tx1"/>
+          </a:fontRef>
+        </p:style>
+      </p:cxnSp>
+      <p:sp>
+        <p:nvSpPr>
+          <p:cNvPr id="132" name="TextBox 131"/>
+          <p:cNvSpPr txBox="1"/>
+          <p:nvPr/>
+        </p:nvSpPr>
+        <p:spPr>
+          <a:xfrm>
+            <a:off x="3656322" y="6628017"/>
+            <a:ext cx="488624" cy="276999"/>
+          </a:xfrm>
+          <a:prstGeom prst="rect">
+            <a:avLst/>
+          </a:prstGeom>
+          <a:noFill/>
+        </p:spPr>
+        <p:txBody>
+          <a:bodyPr wrap="square" rtlCol="0">
+            <a:spAutoFit/>
+          </a:bodyPr>
+          <a:lstStyle/>
+          <a:p>
+            <a:r>
+              <a:rPr lang="en-US" sz="1200" dirty="0" smtClean="0"/>
+              <a:t>3/4</a:t>
+            </a:r>
+            <a:endParaRPr lang="en-US" sz="1200" dirty="0"/>
+          </a:p>
+        </p:txBody>
+      </p:sp>
+      <p:sp>
+        <p:nvSpPr>
+          <p:cNvPr id="134" name="TextBox 133"/>
+          <p:cNvSpPr txBox="1"/>
+          <p:nvPr/>
+        </p:nvSpPr>
+        <p:spPr>
+          <a:xfrm>
+            <a:off x="5510442" y="6628017"/>
+            <a:ext cx="488624" cy="276999"/>
+          </a:xfrm>
+          <a:prstGeom prst="rect">
+            <a:avLst/>
+          </a:prstGeom>
+          <a:noFill/>
+        </p:spPr>
+        <p:txBody>
+          <a:bodyPr wrap="square" rtlCol="0">
+            <a:spAutoFit/>
+          </a:bodyPr>
+          <a:lstStyle/>
+          <a:p>
+            <a:r>
+              <a:rPr lang="en-US" sz="1200" dirty="0" smtClean="0"/>
+              <a:t>1/4</a:t>
+            </a:r>
+            <a:endParaRPr lang="en-US" sz="1200" dirty="0"/>
+          </a:p>
+        </p:txBody>
+      </p:sp>
+      <p:cxnSp>
+        <p:nvCxnSpPr>
+          <p:cNvPr id="138" name="Straight Connector 137"/>
+          <p:cNvCxnSpPr>
+            <a:stCxn id="12" idx="2"/>
+            <a:endCxn id="13" idx="0"/>
+          </p:cNvCxnSpPr>
+          <p:nvPr/>
+        </p:nvCxnSpPr>
+        <p:spPr>
+          <a:xfrm>
+            <a:off x="4607558" y="5418229"/>
+            <a:ext cx="0" cy="264825"/>
+          </a:xfrm>
+          <a:prstGeom prst="line">
+            <a:avLst/>
+          </a:prstGeom>
+        </p:spPr>
+        <p:style>
+          <a:lnRef idx="1">
+            <a:schemeClr val="accent1"/>
+          </a:lnRef>
+          <a:fillRef idx="0">
+            <a:schemeClr val="accent1"/>
+          </a:fillRef>
+          <a:effectRef idx="0">
+            <a:schemeClr val="accent1"/>
+          </a:effectRef>
+          <a:fontRef idx="minor">
+            <a:schemeClr val="tx1"/>
+          </a:fontRef>
+        </p:style>
+      </p:cxnSp>
+      <p:cxnSp>
+        <p:nvCxnSpPr>
+          <p:cNvPr id="139" name="Straight Connector 138"/>
+          <p:cNvCxnSpPr/>
+          <p:nvPr/>
+        </p:nvCxnSpPr>
+        <p:spPr>
+          <a:xfrm flipH="1">
+            <a:off x="4286250" y="5181600"/>
+            <a:ext cx="0" cy="493425"/>
+          </a:xfrm>
+          <a:prstGeom prst="line">
+            <a:avLst/>
+          </a:prstGeom>
+        </p:spPr>
+        <p:style>
+          <a:lnRef idx="1">
+            <a:schemeClr val="accent1"/>
+          </a:lnRef>
+          <a:fillRef idx="0">
+            <a:schemeClr val="accent1"/>
+          </a:fillRef>
+          <a:effectRef idx="0">
+            <a:schemeClr val="accent1"/>
+          </a:effectRef>
+          <a:fontRef idx="minor">
+            <a:schemeClr val="tx1"/>
+          </a:fontRef>
+        </p:style>
+      </p:cxnSp>
+      <p:grpSp>
+        <p:nvGrpSpPr>
+          <p:cNvPr id="152" name="Group 151"/>
+          <p:cNvGrpSpPr/>
+          <p:nvPr/>
+        </p:nvGrpSpPr>
+        <p:grpSpPr>
+          <a:xfrm>
+            <a:off x="838200" y="2590800"/>
+            <a:ext cx="1470019" cy="1264413"/>
+            <a:chOff x="-2133600" y="3954110"/>
+            <a:chExt cx="1470019" cy="1264413"/>
+          </a:xfrm>
+        </p:grpSpPr>
+        <p:grpSp>
+          <p:nvGrpSpPr>
+            <p:cNvPr id="150" name="Group 149"/>
+            <p:cNvGrpSpPr/>
+            <p:nvPr/>
+          </p:nvGrpSpPr>
+          <p:grpSpPr>
+            <a:xfrm>
+              <a:off x="-2057400" y="3954110"/>
+              <a:ext cx="1393819" cy="1264413"/>
+              <a:chOff x="-2057400" y="3954110"/>
+              <a:chExt cx="1393819" cy="1264413"/>
+            </a:xfrm>
+          </p:grpSpPr>
+          <p:grpSp>
+            <p:nvGrpSpPr>
+              <p:cNvPr id="104" name="Group 103"/>
+              <p:cNvGrpSpPr/>
+              <p:nvPr/>
+            </p:nvGrpSpPr>
+            <p:grpSpPr>
+              <a:xfrm>
+                <a:off x="-2049722" y="3954110"/>
+                <a:ext cx="737107" cy="905059"/>
+                <a:chOff x="6400800" y="907088"/>
+                <a:chExt cx="1524000" cy="2217112"/>
+              </a:xfrm>
+            </p:grpSpPr>
+            <p:sp>
+              <p:nvSpPr>
+                <p:cNvPr id="105" name="Rectangle 104"/>
+                <p:cNvSpPr/>
+                <p:nvPr/>
+              </p:nvSpPr>
+              <p:spPr>
+                <a:xfrm>
+                  <a:off x="6400800" y="907088"/>
+                  <a:ext cx="1524000" cy="152400"/>
+                </a:xfrm>
+                <a:prstGeom prst="rect">
+                  <a:avLst/>
+                </a:prstGeom>
+                <a:solidFill>
+                  <a:schemeClr val="accent1">
+                    <a:lumMod val="20000"/>
+                    <a:lumOff val="80000"/>
+                  </a:schemeClr>
+                </a:solidFill>
+              </p:spPr>
+              <p:style>
+                <a:lnRef idx="2">
+                  <a:schemeClr val="accent1">
+                    <a:shade val="50000"/>
+                  </a:schemeClr>
+                </a:lnRef>
+                <a:fillRef idx="1">
+                  <a:schemeClr val="accent1"/>
+                </a:fillRef>
+                <a:effectRef idx="0">
+                  <a:schemeClr val="accent1"/>
+                </a:effectRef>
+                <a:fontRef idx="minor">
+                  <a:schemeClr val="lt1"/>
+                </a:fontRef>
+              </p:style>
+              <p:txBody>
+                <a:bodyPr rtlCol="0" anchor="ctr"/>
+                <a:lstStyle/>
+                <a:p>
+                  <a:pPr algn="ctr"/>
+                  <a:endParaRPr lang="en-US" sz="1000"/>
+                </a:p>
+              </p:txBody>
+            </p:sp>
+            <p:sp>
+              <p:nvSpPr>
+                <p:cNvPr id="106" name="Rectangle 105"/>
+                <p:cNvSpPr/>
+                <p:nvPr/>
+              </p:nvSpPr>
+              <p:spPr>
+                <a:xfrm>
+                  <a:off x="6400800" y="2812088"/>
+                  <a:ext cx="1524000" cy="152400"/>
+                </a:xfrm>
+                <a:prstGeom prst="rect">
+                  <a:avLst/>
+                </a:prstGeom>
+                <a:solidFill>
+                  <a:schemeClr val="accent1">
+                    <a:lumMod val="20000"/>
+                    <a:lumOff val="80000"/>
+                  </a:schemeClr>
+                </a:solidFill>
+              </p:spPr>
+              <p:style>
+                <a:lnRef idx="2">
+                  <a:schemeClr val="accent1">
+                    <a:shade val="50000"/>
+                  </a:schemeClr>
+                </a:lnRef>
+                <a:fillRef idx="1">
+                  <a:schemeClr val="accent1"/>
+                </a:fillRef>
+                <a:effectRef idx="0">
+                  <a:schemeClr val="accent1"/>
+                </a:effectRef>
+                <a:fontRef idx="minor">
+                  <a:schemeClr val="lt1"/>
+                </a:fontRef>
+              </p:style>
+              <p:txBody>
+                <a:bodyPr rtlCol="0" anchor="ctr"/>
+                <a:lstStyle/>
+                <a:p>
+                  <a:pPr algn="ctr"/>
+                  <a:endParaRPr lang="en-US" sz="1000"/>
+                </a:p>
+              </p:txBody>
+            </p:sp>
+            <p:sp>
+              <p:nvSpPr>
+                <p:cNvPr id="107" name="Rectangle 106"/>
+                <p:cNvSpPr/>
+                <p:nvPr/>
+              </p:nvSpPr>
+              <p:spPr>
+                <a:xfrm>
+                  <a:off x="7086600" y="1059488"/>
+                  <a:ext cx="152400" cy="1752600"/>
+                </a:xfrm>
+                <a:prstGeom prst="rect">
+                  <a:avLst/>
+                </a:prstGeom>
+                <a:solidFill>
+                  <a:schemeClr val="accent1">
+                    <a:lumMod val="20000"/>
+                    <a:lumOff val="80000"/>
+                  </a:schemeClr>
+                </a:solidFill>
+              </p:spPr>
+              <p:style>
+                <a:lnRef idx="2">
+                  <a:schemeClr val="accent1">
+                    <a:shade val="50000"/>
+                  </a:schemeClr>
+                </a:lnRef>
+                <a:fillRef idx="1">
+                  <a:schemeClr val="accent1"/>
+                </a:fillRef>
+                <a:effectRef idx="0">
+                  <a:schemeClr val="accent1"/>
+                </a:effectRef>
+                <a:fontRef idx="minor">
+                  <a:schemeClr val="lt1"/>
+                </a:fontRef>
+              </p:style>
+              <p:txBody>
+                <a:bodyPr rtlCol="0" anchor="ctr"/>
+                <a:lstStyle/>
+                <a:p>
+                  <a:pPr algn="ctr"/>
+                  <a:endParaRPr lang="en-US" sz="1000"/>
+                </a:p>
+              </p:txBody>
+            </p:sp>
+            <p:sp>
+              <p:nvSpPr>
+                <p:cNvPr id="108" name="Rectangle 107"/>
+                <p:cNvSpPr/>
+                <p:nvPr/>
+              </p:nvSpPr>
+              <p:spPr>
+                <a:xfrm>
+                  <a:off x="6761729" y="2974032"/>
+                  <a:ext cx="152401" cy="150168"/>
+                </a:xfrm>
+                <a:prstGeom prst="rect">
+                  <a:avLst/>
+                </a:prstGeom>
+                <a:solidFill>
+                  <a:schemeClr val="accent2"/>
+                </a:solidFill>
+                <a:ln>
+                  <a:solidFill>
+                    <a:schemeClr val="accent2">
+                      <a:lumMod val="50000"/>
+                    </a:schemeClr>
+                  </a:solidFill>
+                </a:ln>
+              </p:spPr>
+              <p:style>
+                <a:lnRef idx="2">
+                  <a:schemeClr val="accent1">
+                    <a:shade val="50000"/>
+                  </a:schemeClr>
+                </a:lnRef>
+                <a:fillRef idx="1">
+                  <a:schemeClr val="accent1"/>
+                </a:fillRef>
+                <a:effectRef idx="0">
+                  <a:schemeClr val="accent1"/>
+                </a:effectRef>
+                <a:fontRef idx="minor">
+                  <a:schemeClr val="lt1"/>
+                </a:fontRef>
+              </p:style>
+              <p:txBody>
+                <a:bodyPr rtlCol="0" anchor="ctr"/>
+                <a:lstStyle/>
+                <a:p>
+                  <a:pPr algn="ctr"/>
+                  <a:endParaRPr lang="en-US" sz="1000"/>
+                </a:p>
+              </p:txBody>
+            </p:sp>
+            <p:sp>
+              <p:nvSpPr>
+                <p:cNvPr id="109" name="Rectangle 108"/>
+                <p:cNvSpPr/>
+                <p:nvPr/>
+              </p:nvSpPr>
+              <p:spPr>
+                <a:xfrm>
+                  <a:off x="7239000" y="2133520"/>
+                  <a:ext cx="152400" cy="150168"/>
+                </a:xfrm>
+                <a:prstGeom prst="rect">
+                  <a:avLst/>
+                </a:prstGeom>
+                <a:solidFill>
+                  <a:schemeClr val="accent2"/>
+                </a:solidFill>
+                <a:ln>
+                  <a:solidFill>
+                    <a:schemeClr val="accent2">
+                      <a:lumMod val="50000"/>
+                    </a:schemeClr>
+                  </a:solidFill>
+                </a:ln>
+              </p:spPr>
+              <p:style>
+                <a:lnRef idx="2">
+                  <a:schemeClr val="accent1">
+                    <a:shade val="50000"/>
+                  </a:schemeClr>
+                </a:lnRef>
+                <a:fillRef idx="1">
+                  <a:schemeClr val="accent1"/>
+                </a:fillRef>
+                <a:effectRef idx="0">
+                  <a:schemeClr val="accent1"/>
+                </a:effectRef>
+                <a:fontRef idx="minor">
+                  <a:schemeClr val="lt1"/>
+                </a:fontRef>
+              </p:style>
+              <p:txBody>
+                <a:bodyPr rtlCol="0" anchor="ctr"/>
+                <a:lstStyle/>
+                <a:p>
+                  <a:pPr algn="ctr"/>
+                  <a:endParaRPr lang="en-US" sz="1000"/>
+                </a:p>
+              </p:txBody>
+            </p:sp>
+            <p:sp>
+              <p:nvSpPr>
+                <p:cNvPr id="110" name="Rectangle 109"/>
+                <p:cNvSpPr/>
+                <p:nvPr/>
+              </p:nvSpPr>
+              <p:spPr>
+                <a:xfrm>
+                  <a:off x="7239000" y="1499757"/>
+                  <a:ext cx="152400" cy="150168"/>
+                </a:xfrm>
+                <a:prstGeom prst="rect">
+                  <a:avLst/>
+                </a:prstGeom>
+                <a:solidFill>
+                  <a:schemeClr val="accent2"/>
+                </a:solidFill>
+                <a:ln>
+                  <a:solidFill>
+                    <a:schemeClr val="accent2">
+                      <a:lumMod val="50000"/>
+                    </a:schemeClr>
+                  </a:solidFill>
+                </a:ln>
+              </p:spPr>
+              <p:style>
+                <a:lnRef idx="2">
+                  <a:schemeClr val="accent1">
+                    <a:shade val="50000"/>
+                  </a:schemeClr>
+                </a:lnRef>
+                <a:fillRef idx="1">
+                  <a:schemeClr val="accent1"/>
+                </a:fillRef>
+                <a:effectRef idx="0">
+                  <a:schemeClr val="accent1"/>
+                </a:effectRef>
+                <a:fontRef idx="minor">
+                  <a:schemeClr val="lt1"/>
+                </a:fontRef>
+              </p:style>
+              <p:txBody>
+                <a:bodyPr rtlCol="0" anchor="ctr"/>
+                <a:lstStyle/>
+                <a:p>
+                  <a:pPr algn="ctr"/>
+                  <a:endParaRPr lang="en-US" sz="1000"/>
+                </a:p>
+              </p:txBody>
+            </p:sp>
+            <p:sp>
+              <p:nvSpPr>
+                <p:cNvPr id="111" name="Rectangle 110"/>
+                <p:cNvSpPr/>
+                <p:nvPr/>
+              </p:nvSpPr>
+              <p:spPr>
+                <a:xfrm>
+                  <a:off x="7431584" y="2971800"/>
+                  <a:ext cx="152401" cy="150168"/>
+                </a:xfrm>
+                <a:prstGeom prst="rect">
+                  <a:avLst/>
+                </a:prstGeom>
+                <a:solidFill>
+                  <a:schemeClr val="accent2"/>
+                </a:solidFill>
+                <a:ln>
+                  <a:solidFill>
+                    <a:schemeClr val="accent2">
+                      <a:lumMod val="50000"/>
+                    </a:schemeClr>
+                  </a:solidFill>
+                </a:ln>
+              </p:spPr>
+              <p:style>
+                <a:lnRef idx="2">
+                  <a:schemeClr val="accent1">
+                    <a:shade val="50000"/>
+                  </a:schemeClr>
+                </a:lnRef>
+                <a:fillRef idx="1">
+                  <a:schemeClr val="accent1"/>
+                </a:fillRef>
+                <a:effectRef idx="0">
+                  <a:schemeClr val="accent1"/>
+                </a:effectRef>
+                <a:fontRef idx="minor">
+                  <a:schemeClr val="lt1"/>
+                </a:fontRef>
+              </p:style>
+              <p:txBody>
+                <a:bodyPr rtlCol="0" anchor="ctr"/>
+                <a:lstStyle/>
+                <a:p>
+                  <a:pPr algn="ctr"/>
+                  <a:endParaRPr lang="en-US" sz="1000"/>
+                </a:p>
+              </p:txBody>
+            </p:sp>
+          </p:grpSp>
+          <p:cxnSp>
+            <p:nvCxnSpPr>
+              <p:cNvPr id="113" name="Straight Arrow Connector 112"/>
+              <p:cNvCxnSpPr/>
+              <p:nvPr/>
+            </p:nvCxnSpPr>
+            <p:spPr>
+              <a:xfrm flipV="1">
+                <a:off x="-1205120" y="3954111"/>
+                <a:ext cx="0" cy="301686"/>
+              </a:xfrm>
+              <a:prstGeom prst="straightConnector1">
+                <a:avLst/>
+              </a:prstGeom>
+              <a:ln w="22225">
+                <a:solidFill>
+                  <a:schemeClr val="tx1"/>
+                </a:solidFill>
+                <a:headEnd type="arrow"/>
+                <a:tailEnd type="arrow"/>
+              </a:ln>
+            </p:spPr>
+            <p:style>
+              <a:lnRef idx="1">
+                <a:schemeClr val="accent1"/>
+              </a:lnRef>
+              <a:fillRef idx="0">
+                <a:schemeClr val="accent1"/>
+              </a:fillRef>
+              <a:effectRef idx="0">
+                <a:schemeClr val="accent1"/>
+              </a:effectRef>
+              <a:fontRef idx="minor">
+                <a:schemeClr val="tx1"/>
+              </a:fontRef>
+            </p:style>
+          </p:cxnSp>
+          <p:sp>
+            <p:nvSpPr>
+              <p:cNvPr id="114" name="TextBox 113"/>
+              <p:cNvSpPr txBox="1"/>
+              <p:nvPr/>
+            </p:nvSpPr>
+            <p:spPr>
+              <a:xfrm>
+                <a:off x="-1444831" y="4024144"/>
+                <a:ext cx="781250" cy="246221"/>
+              </a:xfrm>
+              <a:prstGeom prst="rect">
+                <a:avLst/>
+              </a:prstGeom>
+              <a:noFill/>
+            </p:spPr>
+            <p:txBody>
+              <a:bodyPr wrap="square" rtlCol="0">
+                <a:spAutoFit/>
+              </a:bodyPr>
+              <a:lstStyle/>
+              <a:p>
+                <a:pPr algn="ctr"/>
+                <a:r>
+                  <a:rPr lang="en-US" sz="1000" dirty="0" smtClean="0"/>
+                  <a:t>h/3</a:t>
+                </a:r>
+                <a:endParaRPr lang="en-US" sz="1000" dirty="0"/>
+              </a:p>
+            </p:txBody>
+          </p:sp>
+          <p:cxnSp>
+            <p:nvCxnSpPr>
+              <p:cNvPr id="115" name="Straight Arrow Connector 114"/>
+              <p:cNvCxnSpPr/>
+              <p:nvPr/>
+            </p:nvCxnSpPr>
+            <p:spPr>
+              <a:xfrm flipV="1">
+                <a:off x="-1205120" y="4218086"/>
+                <a:ext cx="0" cy="301686"/>
+              </a:xfrm>
+              <a:prstGeom prst="straightConnector1">
+                <a:avLst/>
+              </a:prstGeom>
+              <a:ln w="22225">
+                <a:solidFill>
+                  <a:schemeClr val="tx1"/>
+                </a:solidFill>
+                <a:headEnd type="arrow"/>
+                <a:tailEnd type="arrow"/>
+              </a:ln>
+            </p:spPr>
+            <p:style>
+              <a:lnRef idx="1">
+                <a:schemeClr val="accent1"/>
+              </a:lnRef>
+              <a:fillRef idx="0">
+                <a:schemeClr val="accent1"/>
+              </a:fillRef>
+              <a:effectRef idx="0">
+                <a:schemeClr val="accent1"/>
+              </a:effectRef>
+              <a:fontRef idx="minor">
+                <a:schemeClr val="tx1"/>
+              </a:fontRef>
+            </p:style>
+          </p:cxnSp>
+          <p:sp>
+            <p:nvSpPr>
+              <p:cNvPr id="116" name="TextBox 115"/>
+              <p:cNvSpPr txBox="1"/>
+              <p:nvPr/>
+            </p:nvSpPr>
+            <p:spPr>
+              <a:xfrm>
+                <a:off x="-1444831" y="4288120"/>
+                <a:ext cx="781250" cy="246221"/>
+              </a:xfrm>
+              <a:prstGeom prst="rect">
+                <a:avLst/>
+              </a:prstGeom>
+              <a:noFill/>
+            </p:spPr>
+            <p:txBody>
+              <a:bodyPr wrap="square" rtlCol="0">
+                <a:spAutoFit/>
+              </a:bodyPr>
+              <a:lstStyle/>
+              <a:p>
+                <a:pPr algn="ctr"/>
+                <a:r>
+                  <a:rPr lang="en-US" sz="1000" dirty="0" smtClean="0"/>
+                  <a:t>h/3</a:t>
+                </a:r>
+                <a:endParaRPr lang="en-US" sz="1000" dirty="0"/>
+              </a:p>
+            </p:txBody>
+          </p:sp>
+          <p:cxnSp>
+            <p:nvCxnSpPr>
+              <p:cNvPr id="117" name="Straight Arrow Connector 116"/>
+              <p:cNvCxnSpPr/>
+              <p:nvPr/>
+            </p:nvCxnSpPr>
+            <p:spPr>
+              <a:xfrm flipV="1">
+                <a:off x="-1205120" y="4503611"/>
+                <a:ext cx="0" cy="301686"/>
+              </a:xfrm>
+              <a:prstGeom prst="straightConnector1">
+                <a:avLst/>
+              </a:prstGeom>
+              <a:ln w="22225">
+                <a:solidFill>
+                  <a:schemeClr val="tx1"/>
+                </a:solidFill>
+                <a:headEnd type="arrow"/>
+                <a:tailEnd type="arrow"/>
+              </a:ln>
+            </p:spPr>
+            <p:style>
+              <a:lnRef idx="1">
+                <a:schemeClr val="accent1"/>
+              </a:lnRef>
+              <a:fillRef idx="0">
+                <a:schemeClr val="accent1"/>
+              </a:fillRef>
+              <a:effectRef idx="0">
+                <a:schemeClr val="accent1"/>
+              </a:effectRef>
+              <a:fontRef idx="minor">
+                <a:schemeClr val="tx1"/>
+              </a:fontRef>
+            </p:style>
+          </p:cxnSp>
+          <p:sp>
+            <p:nvSpPr>
+              <p:cNvPr id="118" name="TextBox 117"/>
+              <p:cNvSpPr txBox="1"/>
+              <p:nvPr/>
+            </p:nvSpPr>
+            <p:spPr>
+              <a:xfrm>
+                <a:off x="-1444831" y="4573645"/>
+                <a:ext cx="781250" cy="246221"/>
+              </a:xfrm>
+              <a:prstGeom prst="rect">
+                <a:avLst/>
+              </a:prstGeom>
+              <a:noFill/>
+            </p:spPr>
+            <p:txBody>
+              <a:bodyPr wrap="square" rtlCol="0">
+                <a:spAutoFit/>
+              </a:bodyPr>
+              <a:lstStyle/>
+              <a:p>
+                <a:pPr algn="ctr"/>
+                <a:r>
+                  <a:rPr lang="en-US" sz="1000" dirty="0" smtClean="0"/>
+                  <a:t>h/3</a:t>
+                </a:r>
+                <a:endParaRPr lang="en-US" sz="1000" dirty="0"/>
+              </a:p>
+            </p:txBody>
+          </p:sp>
+          <p:cxnSp>
+            <p:nvCxnSpPr>
+              <p:cNvPr id="119" name="Straight Arrow Connector 118"/>
+              <p:cNvCxnSpPr/>
+              <p:nvPr/>
+            </p:nvCxnSpPr>
+            <p:spPr>
+              <a:xfrm flipH="1">
+                <a:off x="-2057400" y="4961527"/>
+                <a:ext cx="274320" cy="0"/>
+              </a:xfrm>
+              <a:prstGeom prst="straightConnector1">
+                <a:avLst/>
+              </a:prstGeom>
+              <a:ln w="22225">
+                <a:solidFill>
+                  <a:schemeClr val="tx1"/>
+                </a:solidFill>
+                <a:headEnd type="arrow"/>
+                <a:tailEnd type="arrow"/>
+              </a:ln>
+            </p:spPr>
+            <p:style>
+              <a:lnRef idx="1">
+                <a:schemeClr val="accent1"/>
+              </a:lnRef>
+              <a:fillRef idx="0">
+                <a:schemeClr val="accent1"/>
+              </a:fillRef>
+              <a:effectRef idx="0">
+                <a:schemeClr val="accent1"/>
+              </a:effectRef>
+              <a:fontRef idx="minor">
+                <a:schemeClr val="tx1"/>
+              </a:fontRef>
+            </p:style>
+          </p:cxnSp>
+          <p:cxnSp>
+            <p:nvCxnSpPr>
+              <p:cNvPr id="120" name="Straight Arrow Connector 119"/>
+              <p:cNvCxnSpPr/>
+              <p:nvPr/>
+            </p:nvCxnSpPr>
+            <p:spPr>
+              <a:xfrm flipH="1">
+                <a:off x="-1570602" y="4956140"/>
+                <a:ext cx="274320" cy="5387"/>
+              </a:xfrm>
+              <a:prstGeom prst="straightConnector1">
+                <a:avLst/>
+              </a:prstGeom>
+              <a:ln w="22225">
+                <a:solidFill>
+                  <a:schemeClr val="tx1"/>
+                </a:solidFill>
+                <a:headEnd type="arrow"/>
+                <a:tailEnd type="arrow"/>
+              </a:ln>
+            </p:spPr>
+            <p:style>
+              <a:lnRef idx="1">
+                <a:schemeClr val="accent1"/>
+              </a:lnRef>
+              <a:fillRef idx="0">
+                <a:schemeClr val="accent1"/>
+              </a:fillRef>
+              <a:effectRef idx="0">
+                <a:schemeClr val="accent1"/>
+              </a:effectRef>
+              <a:fontRef idx="minor">
+                <a:schemeClr val="tx1"/>
+              </a:fontRef>
+            </p:style>
+          </p:cxnSp>
+          <p:sp>
+            <p:nvSpPr>
+              <p:cNvPr id="121" name="TextBox 120"/>
+              <p:cNvSpPr txBox="1"/>
+              <p:nvPr/>
+            </p:nvSpPr>
+            <p:spPr>
+              <a:xfrm>
+                <a:off x="-1775227" y="4972302"/>
+                <a:ext cx="781250" cy="246221"/>
+              </a:xfrm>
+              <a:prstGeom prst="rect">
+                <a:avLst/>
+              </a:prstGeom>
+              <a:noFill/>
+            </p:spPr>
+            <p:txBody>
+              <a:bodyPr wrap="square" rtlCol="0">
+                <a:spAutoFit/>
+              </a:bodyPr>
+              <a:lstStyle/>
+              <a:p>
+                <a:pPr algn="ctr"/>
+                <a:r>
+                  <a:rPr lang="en-US" sz="1000" dirty="0" smtClean="0"/>
+                  <a:t>6”</a:t>
+                </a:r>
+                <a:endParaRPr lang="en-US" sz="1000" dirty="0"/>
+              </a:p>
+            </p:txBody>
+          </p:sp>
+        </p:grpSp>
+        <p:sp>
+          <p:nvSpPr>
+            <p:cNvPr id="151" name="Oval 150"/>
+            <p:cNvSpPr/>
+            <p:nvPr/>
+          </p:nvSpPr>
+          <p:spPr>
+            <a:xfrm>
+              <a:off x="-2133600" y="4270383"/>
+              <a:ext cx="228600" cy="225417"/>
+            </a:xfrm>
+            <a:prstGeom prst="ellipse">
+              <a:avLst/>
+            </a:prstGeom>
+            <a:noFill/>
+            <a:ln>
+              <a:solidFill>
+                <a:srgbClr val="FF0000"/>
+              </a:solidFill>
+            </a:ln>
+          </p:spPr>
+          <p:style>
+            <a:lnRef idx="2">
+              <a:schemeClr val="accent1">
+                <a:shade val="50000"/>
+              </a:schemeClr>
+            </a:lnRef>
+            <a:fillRef idx="1">
+              <a:schemeClr val="accent1"/>
+            </a:fillRef>
+            <a:effectRef idx="0">
+              <a:schemeClr val="accent1"/>
+            </a:effectRef>
+            <a:fontRef idx="minor">
+              <a:schemeClr val="lt1"/>
+            </a:fontRef>
+          </p:style>
+          <p:txBody>
+            <a:bodyPr rtlCol="0" anchor="ctr"/>
+            <a:lstStyle/>
+            <a:p>
+              <a:pPr algn="ctr"/>
+              <a:endParaRPr lang="en-US"/>
+            </a:p>
+          </p:txBody>
+        </p:sp>
+      </p:grpSp>
+      <p:grpSp>
+        <p:nvGrpSpPr>
+          <p:cNvPr id="163" name="Group 162"/>
+          <p:cNvGrpSpPr/>
+          <p:nvPr/>
+        </p:nvGrpSpPr>
+        <p:grpSpPr>
+          <a:xfrm>
+            <a:off x="4302476" y="76200"/>
+            <a:ext cx="4725243" cy="3276600"/>
+            <a:chOff x="4302476" y="76200"/>
+            <a:chExt cx="4725243" cy="3276600"/>
+          </a:xfrm>
+        </p:grpSpPr>
+        <p:sp>
+          <p:nvSpPr>
+            <p:cNvPr id="45" name="Rectangle 44"/>
+            <p:cNvSpPr/>
+            <p:nvPr/>
+          </p:nvSpPr>
+          <p:spPr>
+            <a:xfrm>
+              <a:off x="4439920" y="370388"/>
+              <a:ext cx="4166270" cy="573196"/>
+            </a:xfrm>
+            <a:prstGeom prst="rect">
+              <a:avLst/>
+            </a:prstGeom>
+            <a:solidFill>
+              <a:schemeClr val="accent3">
+                <a:lumMod val="60000"/>
+                <a:lumOff val="40000"/>
+              </a:schemeClr>
+            </a:solidFill>
+            <a:ln>
+              <a:solidFill>
+                <a:schemeClr val="accent3"/>
+              </a:solidFill>
+            </a:ln>
+          </p:spPr>
+          <p:style>
+            <a:lnRef idx="2">
+              <a:schemeClr val="accent1">
+                <a:shade val="50000"/>
+              </a:schemeClr>
+            </a:lnRef>
+            <a:fillRef idx="1">
+              <a:schemeClr val="accent1"/>
+            </a:fillRef>
+            <a:effectRef idx="0">
+              <a:schemeClr val="accent1"/>
+            </a:effectRef>
+            <a:fontRef idx="minor">
+              <a:schemeClr val="lt1"/>
+            </a:fontRef>
+          </p:style>
+          <p:txBody>
+            <a:bodyPr rtlCol="0" anchor="ctr"/>
+            <a:lstStyle/>
+            <a:p>
+              <a:pPr algn="ctr"/>
+              <a:endParaRPr lang="en-US"/>
+            </a:p>
+          </p:txBody>
+        </p:sp>
+        <p:sp>
+          <p:nvSpPr>
+            <p:cNvPr id="141" name="Rectangle 140"/>
+            <p:cNvSpPr/>
+            <p:nvPr/>
+          </p:nvSpPr>
+          <p:spPr>
+            <a:xfrm>
+              <a:off x="6324600" y="953312"/>
+              <a:ext cx="381000" cy="71650"/>
+            </a:xfrm>
+            <a:prstGeom prst="rect">
+              <a:avLst/>
+            </a:prstGeom>
+            <a:solidFill>
+              <a:schemeClr val="accent2"/>
+            </a:solidFill>
+            <a:ln>
+              <a:solidFill>
+                <a:schemeClr val="accent2"/>
+              </a:solidFill>
+            </a:ln>
+          </p:spPr>
+          <p:style>
+            <a:lnRef idx="2">
+              <a:schemeClr val="accent1">
+                <a:shade val="50000"/>
+              </a:schemeClr>
+            </a:lnRef>
+            <a:fillRef idx="1">
+              <a:schemeClr val="accent1"/>
+            </a:fillRef>
+            <a:effectRef idx="0">
+              <a:schemeClr val="accent1"/>
+            </a:effectRef>
+            <a:fontRef idx="minor">
+              <a:schemeClr val="lt1"/>
+            </a:fontRef>
+          </p:style>
+          <p:txBody>
+            <a:bodyPr rtlCol="0" anchor="ctr"/>
+            <a:lstStyle/>
+            <a:p>
+              <a:pPr algn="ctr"/>
+              <a:endParaRPr lang="en-US"/>
+            </a:p>
+          </p:txBody>
+        </p:sp>
+        <p:sp>
+          <p:nvSpPr>
+            <p:cNvPr id="48" name="Trapezoid 47"/>
+            <p:cNvSpPr/>
+            <p:nvPr/>
+          </p:nvSpPr>
+          <p:spPr>
+            <a:xfrm>
+              <a:off x="4783530" y="1015234"/>
+              <a:ext cx="678567" cy="2337566"/>
+            </a:xfrm>
+            <a:prstGeom prst="trapezoid">
+              <a:avLst>
+                <a:gd name="adj" fmla="val 8543"/>
+              </a:avLst>
+            </a:prstGeom>
+            <a:solidFill>
+              <a:schemeClr val="bg1">
+                <a:lumMod val="75000"/>
+              </a:schemeClr>
+            </a:solidFill>
+            <a:ln w="12700">
+              <a:solidFill>
+                <a:schemeClr val="tx1"/>
+              </a:solidFill>
+            </a:ln>
+          </p:spPr>
+          <p:style>
+            <a:lnRef idx="2">
+              <a:schemeClr val="accent1">
+                <a:shade val="50000"/>
+              </a:schemeClr>
+            </a:lnRef>
+            <a:fillRef idx="1">
+              <a:schemeClr val="accent1"/>
+            </a:fillRef>
+            <a:effectRef idx="0">
+              <a:schemeClr val="accent1"/>
+            </a:effectRef>
+            <a:fontRef idx="minor">
+              <a:schemeClr val="lt1"/>
+            </a:fontRef>
+          </p:style>
+          <p:txBody>
+            <a:bodyPr rtlCol="0" anchor="ctr"/>
+            <a:lstStyle/>
+            <a:p>
+              <a:pPr algn="ctr"/>
+              <a:endParaRPr lang="en-US"/>
+            </a:p>
+          </p:txBody>
+        </p:sp>
+        <p:sp>
+          <p:nvSpPr>
+            <p:cNvPr id="51" name="Rectangle 50"/>
+            <p:cNvSpPr/>
+            <p:nvPr/>
+          </p:nvSpPr>
+          <p:spPr>
+            <a:xfrm>
+              <a:off x="4999114" y="943584"/>
+              <a:ext cx="247399" cy="71650"/>
+            </a:xfrm>
+            <a:prstGeom prst="rect">
+              <a:avLst/>
+            </a:prstGeom>
+            <a:solidFill>
+              <a:schemeClr val="bg2">
+                <a:lumMod val="25000"/>
+              </a:schemeClr>
+            </a:solidFill>
+            <a:ln>
+              <a:solidFill>
+                <a:schemeClr val="bg2">
+                  <a:lumMod val="50000"/>
+                </a:schemeClr>
+              </a:solidFill>
+            </a:ln>
+          </p:spPr>
+          <p:style>
+            <a:lnRef idx="2">
+              <a:schemeClr val="accent1">
+                <a:shade val="50000"/>
+              </a:schemeClr>
+            </a:lnRef>
+            <a:fillRef idx="1">
+              <a:schemeClr val="accent1"/>
+            </a:fillRef>
+            <a:effectRef idx="0">
+              <a:schemeClr val="accent1"/>
+            </a:effectRef>
+            <a:fontRef idx="minor">
+              <a:schemeClr val="lt1"/>
+            </a:fontRef>
+          </p:style>
+          <p:txBody>
+            <a:bodyPr rtlCol="0" anchor="ctr"/>
+            <a:lstStyle/>
+            <a:p>
+              <a:pPr algn="ctr"/>
+              <a:endParaRPr lang="en-US"/>
+            </a:p>
+          </p:txBody>
+        </p:sp>
+        <p:sp>
+          <p:nvSpPr>
+            <p:cNvPr id="52" name="Trapezoid 51"/>
+            <p:cNvSpPr/>
+            <p:nvPr/>
+          </p:nvSpPr>
+          <p:spPr>
+            <a:xfrm>
+              <a:off x="7574470" y="1015234"/>
+              <a:ext cx="678567" cy="2337566"/>
+            </a:xfrm>
+            <a:prstGeom prst="trapezoid">
+              <a:avLst>
+                <a:gd name="adj" fmla="val 8543"/>
+              </a:avLst>
+            </a:prstGeom>
+            <a:solidFill>
+              <a:schemeClr val="bg1">
+                <a:lumMod val="75000"/>
+              </a:schemeClr>
+            </a:solidFill>
+            <a:ln w="12700">
+              <a:solidFill>
+                <a:schemeClr val="tx1"/>
+              </a:solidFill>
+            </a:ln>
+          </p:spPr>
+          <p:style>
+            <a:lnRef idx="2">
+              <a:schemeClr val="accent1">
+                <a:shade val="50000"/>
+              </a:schemeClr>
+            </a:lnRef>
+            <a:fillRef idx="1">
+              <a:schemeClr val="accent1"/>
+            </a:fillRef>
+            <a:effectRef idx="0">
+              <a:schemeClr val="accent1"/>
+            </a:effectRef>
+            <a:fontRef idx="minor">
+              <a:schemeClr val="lt1"/>
+            </a:fontRef>
+          </p:style>
+          <p:txBody>
+            <a:bodyPr rtlCol="0" anchor="ctr"/>
+            <a:lstStyle/>
+            <a:p>
+              <a:pPr algn="ctr"/>
+              <a:endParaRPr lang="en-US"/>
+            </a:p>
+          </p:txBody>
+        </p:sp>
+        <p:sp>
+          <p:nvSpPr>
+            <p:cNvPr id="53" name="Rectangle 52"/>
+            <p:cNvSpPr/>
+            <p:nvPr/>
+          </p:nvSpPr>
+          <p:spPr>
+            <a:xfrm>
+              <a:off x="7790054" y="943584"/>
+              <a:ext cx="247399" cy="71650"/>
+            </a:xfrm>
+            <a:prstGeom prst="rect">
+              <a:avLst/>
+            </a:prstGeom>
+            <a:solidFill>
+              <a:schemeClr val="bg2">
+                <a:lumMod val="25000"/>
+              </a:schemeClr>
+            </a:solidFill>
+            <a:ln>
+              <a:solidFill>
+                <a:schemeClr val="bg2">
+                  <a:lumMod val="50000"/>
+                </a:schemeClr>
+              </a:solidFill>
+            </a:ln>
+          </p:spPr>
+          <p:style>
+            <a:lnRef idx="2">
+              <a:schemeClr val="accent1">
+                <a:shade val="50000"/>
+              </a:schemeClr>
+            </a:lnRef>
+            <a:fillRef idx="1">
+              <a:schemeClr val="accent1"/>
+            </a:fillRef>
+            <a:effectRef idx="0">
+              <a:schemeClr val="accent1"/>
+            </a:effectRef>
+            <a:fontRef idx="minor">
+              <a:schemeClr val="lt1"/>
+            </a:fontRef>
+          </p:style>
+          <p:txBody>
+            <a:bodyPr rtlCol="0" anchor="ctr"/>
+            <a:lstStyle/>
+            <a:p>
+              <a:pPr algn="ctr"/>
+              <a:endParaRPr lang="en-US"/>
+            </a:p>
+          </p:txBody>
+        </p:sp>
+        <p:sp>
+          <p:nvSpPr>
+            <p:cNvPr id="54" name="Isosceles Triangle 53"/>
+            <p:cNvSpPr/>
+            <p:nvPr/>
+          </p:nvSpPr>
+          <p:spPr>
+            <a:xfrm flipV="1">
+              <a:off x="6454333" y="943584"/>
+              <a:ext cx="137444" cy="143299"/>
+            </a:xfrm>
+            <a:prstGeom prst="triangle">
+              <a:avLst/>
+            </a:prstGeom>
+          </p:spPr>
+          <p:style>
+            <a:lnRef idx="2">
+              <a:schemeClr val="accent1">
+                <a:shade val="50000"/>
+              </a:schemeClr>
+            </a:lnRef>
+            <a:fillRef idx="1">
+              <a:schemeClr val="accent1"/>
+            </a:fillRef>
+            <a:effectRef idx="0">
+              <a:schemeClr val="accent1"/>
+            </a:effectRef>
+            <a:fontRef idx="minor">
+              <a:schemeClr val="lt1"/>
+            </a:fontRef>
+          </p:style>
+          <p:txBody>
+            <a:bodyPr rtlCol="0" anchor="ctr"/>
+            <a:lstStyle/>
+            <a:p>
+              <a:pPr algn="ctr"/>
+              <a:endParaRPr lang="en-US"/>
+            </a:p>
+          </p:txBody>
+        </p:sp>
+        <p:sp>
+          <p:nvSpPr>
+            <p:cNvPr id="55" name="Oval 54"/>
+            <p:cNvSpPr/>
+            <p:nvPr/>
+          </p:nvSpPr>
+          <p:spPr>
+            <a:xfrm>
+              <a:off x="5019731" y="549512"/>
+              <a:ext cx="206166" cy="214949"/>
+            </a:xfrm>
+            <a:prstGeom prst="ellipse">
+              <a:avLst/>
+            </a:prstGeom>
+          </p:spPr>
+          <p:style>
+            <a:lnRef idx="2">
+              <a:schemeClr val="accent1">
+                <a:shade val="50000"/>
+              </a:schemeClr>
+            </a:lnRef>
+            <a:fillRef idx="1">
+              <a:schemeClr val="accent1"/>
+            </a:fillRef>
+            <a:effectRef idx="0">
+              <a:schemeClr val="accent1"/>
+            </a:effectRef>
+            <a:fontRef idx="minor">
+              <a:schemeClr val="lt1"/>
+            </a:fontRef>
+          </p:style>
+          <p:txBody>
+            <a:bodyPr rtlCol="0" anchor="ctr"/>
+            <a:lstStyle/>
+            <a:p>
+              <a:pPr algn="ctr"/>
+              <a:endParaRPr lang="en-US"/>
+            </a:p>
+          </p:txBody>
+        </p:sp>
+        <p:sp>
+          <p:nvSpPr>
+            <p:cNvPr id="56" name="Oval 55"/>
+            <p:cNvSpPr/>
+            <p:nvPr/>
+          </p:nvSpPr>
+          <p:spPr>
+            <a:xfrm>
+              <a:off x="7810671" y="549512"/>
+              <a:ext cx="206166" cy="214949"/>
+            </a:xfrm>
+            <a:prstGeom prst="ellipse">
+              <a:avLst/>
+            </a:prstGeom>
+          </p:spPr>
+          <p:style>
+            <a:lnRef idx="2">
+              <a:schemeClr val="accent1">
+                <a:shade val="50000"/>
+              </a:schemeClr>
+            </a:lnRef>
+            <a:fillRef idx="1">
+              <a:schemeClr val="accent1"/>
+            </a:fillRef>
+            <a:effectRef idx="0">
+              <a:schemeClr val="accent1"/>
+            </a:effectRef>
+            <a:fontRef idx="minor">
+              <a:schemeClr val="lt1"/>
+            </a:fontRef>
+          </p:style>
+          <p:txBody>
+            <a:bodyPr rtlCol="0" anchor="ctr"/>
+            <a:lstStyle/>
+            <a:p>
+              <a:pPr algn="ctr"/>
+              <a:endParaRPr lang="en-US"/>
+            </a:p>
+          </p:txBody>
+        </p:sp>
+        <p:sp>
+          <p:nvSpPr>
+            <p:cNvPr id="57" name="Isosceles Triangle 56"/>
+            <p:cNvSpPr/>
+            <p:nvPr/>
+          </p:nvSpPr>
+          <p:spPr>
+            <a:xfrm rot="5400000" flipV="1">
+              <a:off x="4299548" y="588264"/>
+              <a:ext cx="143299" cy="137444"/>
+            </a:xfrm>
+            <a:prstGeom prst="triangle">
+              <a:avLst/>
+            </a:prstGeom>
+          </p:spPr>
+          <p:style>
+            <a:lnRef idx="2">
+              <a:schemeClr val="accent1">
+                <a:shade val="50000"/>
+              </a:schemeClr>
+            </a:lnRef>
+            <a:fillRef idx="1">
+              <a:schemeClr val="accent1"/>
+            </a:fillRef>
+            <a:effectRef idx="0">
+              <a:schemeClr val="accent1"/>
+            </a:effectRef>
+            <a:fontRef idx="minor">
+              <a:schemeClr val="lt1"/>
+            </a:fontRef>
+          </p:style>
+          <p:txBody>
+            <a:bodyPr rtlCol="0" anchor="ctr"/>
+            <a:lstStyle/>
+            <a:p>
+              <a:pPr algn="ctr"/>
+              <a:endParaRPr lang="en-US"/>
+            </a:p>
+          </p:txBody>
+        </p:sp>
+        <p:sp>
+          <p:nvSpPr>
+            <p:cNvPr id="58" name="Oval 57"/>
+            <p:cNvSpPr/>
+            <p:nvPr/>
+          </p:nvSpPr>
+          <p:spPr>
+            <a:xfrm>
+              <a:off x="5019731" y="1212270"/>
+              <a:ext cx="206166" cy="214949"/>
+            </a:xfrm>
+            <a:prstGeom prst="ellipse">
+              <a:avLst/>
+            </a:prstGeom>
+          </p:spPr>
+          <p:style>
+            <a:lnRef idx="2">
+              <a:schemeClr val="accent1">
+                <a:shade val="50000"/>
+              </a:schemeClr>
+            </a:lnRef>
+            <a:fillRef idx="1">
+              <a:schemeClr val="accent1"/>
+            </a:fillRef>
+            <a:effectRef idx="0">
+              <a:schemeClr val="accent1"/>
+            </a:effectRef>
+            <a:fontRef idx="minor">
+              <a:schemeClr val="lt1"/>
+            </a:fontRef>
+          </p:style>
+          <p:txBody>
+            <a:bodyPr rtlCol="0" anchor="ctr"/>
+            <a:lstStyle/>
+            <a:p>
+              <a:pPr algn="ctr"/>
+              <a:endParaRPr lang="en-US"/>
+            </a:p>
+          </p:txBody>
+        </p:sp>
+        <p:sp>
+          <p:nvSpPr>
+            <p:cNvPr id="59" name="Isosceles Triangle 58"/>
+            <p:cNvSpPr/>
+            <p:nvPr/>
+          </p:nvSpPr>
+          <p:spPr>
+            <a:xfrm rot="5400000" flipV="1">
+              <a:off x="4703290" y="1251022"/>
+              <a:ext cx="143299" cy="137444"/>
+            </a:xfrm>
+            <a:prstGeom prst="triangle">
+              <a:avLst/>
+            </a:prstGeom>
+          </p:spPr>
+          <p:style>
+            <a:lnRef idx="2">
+              <a:schemeClr val="accent1">
+                <a:shade val="50000"/>
+              </a:schemeClr>
+            </a:lnRef>
+            <a:fillRef idx="1">
+              <a:schemeClr val="accent1"/>
+            </a:fillRef>
+            <a:effectRef idx="0">
+              <a:schemeClr val="accent1"/>
+            </a:effectRef>
+            <a:fontRef idx="minor">
+              <a:schemeClr val="lt1"/>
+            </a:fontRef>
+          </p:style>
+          <p:txBody>
+            <a:bodyPr rtlCol="0" anchor="ctr"/>
+            <a:lstStyle/>
+            <a:p>
+              <a:pPr algn="ctr"/>
+              <a:endParaRPr lang="en-US"/>
+            </a:p>
+          </p:txBody>
+        </p:sp>
+        <p:sp>
+          <p:nvSpPr>
+            <p:cNvPr id="60" name="Oval 59"/>
+            <p:cNvSpPr/>
+            <p:nvPr/>
+          </p:nvSpPr>
+          <p:spPr>
+            <a:xfrm>
+              <a:off x="7810671" y="1212270"/>
+              <a:ext cx="206166" cy="214949"/>
+            </a:xfrm>
+            <a:prstGeom prst="ellipse">
+              <a:avLst/>
+            </a:prstGeom>
+          </p:spPr>
+          <p:style>
+            <a:lnRef idx="2">
+              <a:schemeClr val="accent1">
+                <a:shade val="50000"/>
+              </a:schemeClr>
+            </a:lnRef>
+            <a:fillRef idx="1">
+              <a:schemeClr val="accent1"/>
+            </a:fillRef>
+            <a:effectRef idx="0">
+              <a:schemeClr val="accent1"/>
+            </a:effectRef>
+            <a:fontRef idx="minor">
+              <a:schemeClr val="lt1"/>
+            </a:fontRef>
+          </p:style>
+          <p:txBody>
+            <a:bodyPr rtlCol="0" anchor="ctr"/>
+            <a:lstStyle/>
+            <a:p>
+              <a:pPr algn="ctr"/>
+              <a:endParaRPr lang="en-US"/>
+            </a:p>
+          </p:txBody>
+        </p:sp>
+        <p:sp>
+          <p:nvSpPr>
+            <p:cNvPr id="61" name="Isosceles Triangle 60"/>
+            <p:cNvSpPr/>
+            <p:nvPr/>
+          </p:nvSpPr>
+          <p:spPr>
+            <a:xfrm rot="5400000" flipV="1">
+              <a:off x="7481314" y="1251022"/>
+              <a:ext cx="143299" cy="137444"/>
+            </a:xfrm>
+            <a:prstGeom prst="triangle">
+              <a:avLst/>
+            </a:prstGeom>
+          </p:spPr>
+          <p:style>
+            <a:lnRef idx="2">
+              <a:schemeClr val="accent1">
+                <a:shade val="50000"/>
+              </a:schemeClr>
+            </a:lnRef>
+            <a:fillRef idx="1">
+              <a:schemeClr val="accent1"/>
+            </a:fillRef>
+            <a:effectRef idx="0">
+              <a:schemeClr val="accent1"/>
+            </a:effectRef>
+            <a:fontRef idx="minor">
+              <a:schemeClr val="lt1"/>
+            </a:fontRef>
+          </p:style>
+          <p:txBody>
+            <a:bodyPr rtlCol="0" anchor="ctr"/>
+            <a:lstStyle/>
+            <a:p>
+              <a:pPr algn="ctr"/>
+              <a:endParaRPr lang="en-US"/>
+            </a:p>
+          </p:txBody>
+        </p:sp>
+        <p:sp>
+          <p:nvSpPr>
+            <p:cNvPr id="62" name="Oval 61"/>
+            <p:cNvSpPr/>
+            <p:nvPr/>
+          </p:nvSpPr>
+          <p:spPr>
+            <a:xfrm>
+              <a:off x="5019731" y="2340750"/>
+              <a:ext cx="206166" cy="214949"/>
+            </a:xfrm>
+            <a:prstGeom prst="ellipse">
+              <a:avLst/>
+            </a:prstGeom>
+          </p:spPr>
+          <p:style>
+            <a:lnRef idx="2">
+              <a:schemeClr val="accent1">
+                <a:shade val="50000"/>
+              </a:schemeClr>
+            </a:lnRef>
+            <a:fillRef idx="1">
+              <a:schemeClr val="accent1"/>
+            </a:fillRef>
+            <a:effectRef idx="0">
+              <a:schemeClr val="accent1"/>
+            </a:effectRef>
+            <a:fontRef idx="minor">
+              <a:schemeClr val="lt1"/>
+            </a:fontRef>
+          </p:style>
+          <p:txBody>
+            <a:bodyPr rtlCol="0" anchor="ctr"/>
+            <a:lstStyle/>
+            <a:p>
+              <a:pPr algn="ctr"/>
+              <a:endParaRPr lang="en-US"/>
+            </a:p>
+          </p:txBody>
+        </p:sp>
+        <p:sp>
+          <p:nvSpPr>
+            <p:cNvPr id="63" name="Isosceles Triangle 62"/>
+            <p:cNvSpPr/>
+            <p:nvPr/>
+          </p:nvSpPr>
+          <p:spPr>
+            <a:xfrm rot="5400000" flipV="1">
+              <a:off x="4648375" y="2379503"/>
+              <a:ext cx="143299" cy="137444"/>
+            </a:xfrm>
+            <a:prstGeom prst="triangle">
+              <a:avLst/>
+            </a:prstGeom>
+          </p:spPr>
+          <p:style>
+            <a:lnRef idx="2">
+              <a:schemeClr val="accent1">
+                <a:shade val="50000"/>
+              </a:schemeClr>
+            </a:lnRef>
+            <a:fillRef idx="1">
+              <a:schemeClr val="accent1"/>
+            </a:fillRef>
+            <a:effectRef idx="0">
+              <a:schemeClr val="accent1"/>
+            </a:effectRef>
+            <a:fontRef idx="minor">
+              <a:schemeClr val="lt1"/>
+            </a:fontRef>
+          </p:style>
+          <p:txBody>
+            <a:bodyPr rtlCol="0" anchor="ctr"/>
+            <a:lstStyle/>
+            <a:p>
+              <a:pPr algn="ctr"/>
+              <a:endParaRPr lang="en-US"/>
+            </a:p>
+          </p:txBody>
+        </p:sp>
+        <p:sp>
+          <p:nvSpPr>
+            <p:cNvPr id="64" name="Oval 63"/>
+            <p:cNvSpPr/>
+            <p:nvPr/>
+          </p:nvSpPr>
+          <p:spPr>
+            <a:xfrm>
+              <a:off x="7810671" y="2340750"/>
+              <a:ext cx="206166" cy="214949"/>
+            </a:xfrm>
+            <a:prstGeom prst="ellipse">
+              <a:avLst/>
+            </a:prstGeom>
+          </p:spPr>
+          <p:style>
+            <a:lnRef idx="2">
+              <a:schemeClr val="accent1">
+                <a:shade val="50000"/>
+              </a:schemeClr>
+            </a:lnRef>
+            <a:fillRef idx="1">
+              <a:schemeClr val="accent1"/>
+            </a:fillRef>
+            <a:effectRef idx="0">
+              <a:schemeClr val="accent1"/>
+            </a:effectRef>
+            <a:fontRef idx="minor">
+              <a:schemeClr val="lt1"/>
+            </a:fontRef>
+          </p:style>
+          <p:txBody>
+            <a:bodyPr rtlCol="0" anchor="ctr"/>
+            <a:lstStyle/>
+            <a:p>
+              <a:pPr algn="ctr"/>
+              <a:endParaRPr lang="en-US"/>
+            </a:p>
+          </p:txBody>
+        </p:sp>
+        <p:sp>
+          <p:nvSpPr>
+            <p:cNvPr id="65" name="Isosceles Triangle 64"/>
+            <p:cNvSpPr/>
+            <p:nvPr/>
+          </p:nvSpPr>
+          <p:spPr>
+            <a:xfrm rot="5400000" flipV="1">
+              <a:off x="7434989" y="2379503"/>
+              <a:ext cx="143299" cy="137444"/>
+            </a:xfrm>
+            <a:prstGeom prst="triangle">
+              <a:avLst/>
+            </a:prstGeom>
+          </p:spPr>
+          <p:style>
+            <a:lnRef idx="2">
+              <a:schemeClr val="accent1">
+                <a:shade val="50000"/>
+              </a:schemeClr>
+            </a:lnRef>
+            <a:fillRef idx="1">
+              <a:schemeClr val="accent1"/>
+            </a:fillRef>
+            <a:effectRef idx="0">
+              <a:schemeClr val="accent1"/>
+            </a:effectRef>
+            <a:fontRef idx="minor">
+              <a:schemeClr val="lt1"/>
+            </a:fontRef>
+          </p:style>
+          <p:txBody>
+            <a:bodyPr rtlCol="0" anchor="ctr"/>
+            <a:lstStyle/>
+            <a:p>
+              <a:pPr algn="ctr"/>
+              <a:endParaRPr lang="en-US"/>
+            </a:p>
+          </p:txBody>
+        </p:sp>
+        <p:sp>
+          <p:nvSpPr>
+            <p:cNvPr id="17" name="Rectangle 16"/>
+            <p:cNvSpPr/>
+            <p:nvPr/>
+          </p:nvSpPr>
+          <p:spPr>
+            <a:xfrm>
+              <a:off x="6324600" y="585336"/>
+              <a:ext cx="381000" cy="71650"/>
+            </a:xfrm>
+            <a:prstGeom prst="rect">
+              <a:avLst/>
+            </a:prstGeom>
+            <a:solidFill>
+              <a:schemeClr val="accent2"/>
+            </a:solidFill>
+            <a:ln>
+              <a:solidFill>
+                <a:schemeClr val="accent2"/>
+              </a:solidFill>
+            </a:ln>
+          </p:spPr>
+          <p:style>
+            <a:lnRef idx="2">
+              <a:schemeClr val="accent1">
+                <a:shade val="50000"/>
+              </a:schemeClr>
+            </a:lnRef>
+            <a:fillRef idx="1">
+              <a:schemeClr val="accent1"/>
+            </a:fillRef>
+            <a:effectRef idx="0">
+              <a:schemeClr val="accent1"/>
+            </a:effectRef>
+            <a:fontRef idx="minor">
+              <a:schemeClr val="lt1"/>
+            </a:fontRef>
+          </p:style>
+          <p:txBody>
+            <a:bodyPr rtlCol="0" anchor="ctr"/>
+            <a:lstStyle/>
+            <a:p>
+              <a:pPr algn="ctr"/>
+              <a:endParaRPr lang="en-US"/>
+            </a:p>
+          </p:txBody>
+        </p:sp>
+        <p:sp>
+          <p:nvSpPr>
+            <p:cNvPr id="74" name="Oval 73"/>
+            <p:cNvSpPr/>
+            <p:nvPr/>
+          </p:nvSpPr>
+          <p:spPr>
+            <a:xfrm>
+              <a:off x="6412017" y="513686"/>
+              <a:ext cx="206166" cy="214949"/>
+            </a:xfrm>
+            <a:prstGeom prst="ellipse">
+              <a:avLst/>
+            </a:prstGeom>
+          </p:spPr>
+          <p:style>
+            <a:lnRef idx="2">
+              <a:schemeClr val="accent1">
+                <a:shade val="50000"/>
+              </a:schemeClr>
+            </a:lnRef>
+            <a:fillRef idx="1">
+              <a:schemeClr val="accent1"/>
+            </a:fillRef>
+            <a:effectRef idx="0">
+              <a:schemeClr val="accent1"/>
+            </a:effectRef>
+            <a:fontRef idx="minor">
+              <a:schemeClr val="lt1"/>
+            </a:fontRef>
+          </p:style>
+          <p:txBody>
+            <a:bodyPr rtlCol="0" anchor="ctr"/>
+            <a:lstStyle/>
+            <a:p>
+              <a:pPr algn="ctr"/>
+              <a:endParaRPr lang="en-US"/>
+            </a:p>
+          </p:txBody>
+        </p:sp>
+        <p:cxnSp>
+          <p:nvCxnSpPr>
+            <p:cNvPr id="34" name="Straight Arrow Connector 33"/>
+            <p:cNvCxnSpPr/>
+            <p:nvPr/>
+          </p:nvCxnSpPr>
+          <p:spPr>
+            <a:xfrm flipV="1">
+              <a:off x="5635102" y="979409"/>
+              <a:ext cx="0" cy="340335"/>
+            </a:xfrm>
+            <a:prstGeom prst="straightConnector1">
+              <a:avLst/>
+            </a:prstGeom>
+            <a:ln>
+              <a:solidFill>
+                <a:schemeClr val="tx1"/>
+              </a:solidFill>
+              <a:headEnd type="arrow"/>
+              <a:tailEnd type="arrow"/>
+            </a:ln>
+          </p:spPr>
+          <p:style>
+            <a:lnRef idx="1">
+              <a:schemeClr val="accent1"/>
+            </a:lnRef>
+            <a:fillRef idx="0">
+              <a:schemeClr val="accent1"/>
+            </a:fillRef>
+            <a:effectRef idx="0">
+              <a:schemeClr val="accent1"/>
+            </a:effectRef>
+            <a:fontRef idx="minor">
+              <a:schemeClr val="tx1"/>
+            </a:fontRef>
+          </p:style>
+        </p:cxnSp>
+        <p:cxnSp>
+          <p:nvCxnSpPr>
+            <p:cNvPr id="98" name="Straight Arrow Connector 97"/>
+            <p:cNvCxnSpPr/>
+            <p:nvPr/>
+          </p:nvCxnSpPr>
+          <p:spPr>
+            <a:xfrm flipV="1">
+              <a:off x="8534400" y="977880"/>
+              <a:ext cx="0" cy="1470344"/>
+            </a:xfrm>
+            <a:prstGeom prst="straightConnector1">
+              <a:avLst/>
+            </a:prstGeom>
+            <a:ln>
+              <a:solidFill>
+                <a:schemeClr val="tx1"/>
+              </a:solidFill>
+              <a:headEnd type="arrow"/>
+              <a:tailEnd type="arrow"/>
+            </a:ln>
+          </p:spPr>
+          <p:style>
+            <a:lnRef idx="1">
+              <a:schemeClr val="accent1"/>
+            </a:lnRef>
+            <a:fillRef idx="0">
+              <a:schemeClr val="accent1"/>
+            </a:fillRef>
+            <a:effectRef idx="0">
+              <a:schemeClr val="accent1"/>
+            </a:effectRef>
+            <a:fontRef idx="minor">
+              <a:schemeClr val="tx1"/>
+            </a:fontRef>
+          </p:style>
+        </p:cxnSp>
+        <p:cxnSp>
+          <p:nvCxnSpPr>
+            <p:cNvPr id="44" name="Straight Connector 43"/>
+            <p:cNvCxnSpPr>
+              <a:stCxn id="58" idx="6"/>
+            </p:cNvCxnSpPr>
+            <p:nvPr/>
+          </p:nvCxnSpPr>
+          <p:spPr>
+            <a:xfrm flipV="1">
+              <a:off x="5225897" y="1319744"/>
+              <a:ext cx="651051" cy="1"/>
+            </a:xfrm>
+            <a:prstGeom prst="line">
+              <a:avLst/>
+            </a:prstGeom>
+            <a:ln>
+              <a:solidFill>
+                <a:schemeClr val="tx1"/>
+              </a:solidFill>
+            </a:ln>
+          </p:spPr>
+          <p:style>
+            <a:lnRef idx="1">
+              <a:schemeClr val="accent1"/>
+            </a:lnRef>
+            <a:fillRef idx="0">
+              <a:schemeClr val="accent1"/>
+            </a:fillRef>
+            <a:effectRef idx="0">
+              <a:schemeClr val="accent1"/>
+            </a:effectRef>
+            <a:fontRef idx="minor">
+              <a:schemeClr val="tx1"/>
+            </a:fontRef>
+          </p:style>
+        </p:cxnSp>
+        <p:cxnSp>
+          <p:nvCxnSpPr>
+            <p:cNvPr id="99" name="Straight Connector 98"/>
+            <p:cNvCxnSpPr/>
+            <p:nvPr/>
+          </p:nvCxnSpPr>
+          <p:spPr>
+            <a:xfrm>
+              <a:off x="7883349" y="2448225"/>
+              <a:ext cx="803451" cy="0"/>
+            </a:xfrm>
+            <a:prstGeom prst="line">
+              <a:avLst/>
+            </a:prstGeom>
+            <a:ln>
+              <a:solidFill>
+                <a:schemeClr val="tx1"/>
+              </a:solidFill>
+            </a:ln>
+          </p:spPr>
+          <p:style>
+            <a:lnRef idx="1">
+              <a:schemeClr val="accent1"/>
+            </a:lnRef>
+            <a:fillRef idx="0">
+              <a:schemeClr val="accent1"/>
+            </a:fillRef>
+            <a:effectRef idx="0">
+              <a:schemeClr val="accent1"/>
+            </a:effectRef>
+            <a:fontRef idx="minor">
+              <a:schemeClr val="tx1"/>
+            </a:fontRef>
+          </p:style>
+        </p:cxnSp>
+        <p:sp>
+          <p:nvSpPr>
+            <p:cNvPr id="47" name="TextBox 46"/>
+            <p:cNvSpPr txBox="1"/>
+            <p:nvPr/>
+          </p:nvSpPr>
+          <p:spPr>
+            <a:xfrm>
+              <a:off x="5617720" y="966594"/>
+              <a:ext cx="533400" cy="369332"/>
+            </a:xfrm>
+            <a:prstGeom prst="rect">
+              <a:avLst/>
+            </a:prstGeom>
+            <a:noFill/>
+          </p:spPr>
+          <p:txBody>
+            <a:bodyPr wrap="square" rtlCol="0">
+              <a:spAutoFit/>
+            </a:bodyPr>
+            <a:lstStyle/>
+            <a:p>
+              <a:r>
+                <a:rPr lang="en-US" dirty="0" smtClean="0"/>
+                <a:t>3’</a:t>
+              </a:r>
+              <a:endParaRPr lang="en-US" dirty="0"/>
+            </a:p>
+          </p:txBody>
+        </p:sp>
+        <p:sp>
+          <p:nvSpPr>
+            <p:cNvPr id="100" name="TextBox 99"/>
+            <p:cNvSpPr txBox="1"/>
+            <p:nvPr/>
+          </p:nvSpPr>
+          <p:spPr>
+            <a:xfrm>
+              <a:off x="8494319" y="1528386"/>
+              <a:ext cx="533400" cy="369332"/>
+            </a:xfrm>
+            <a:prstGeom prst="rect">
+              <a:avLst/>
+            </a:prstGeom>
+            <a:noFill/>
+          </p:spPr>
+          <p:txBody>
+            <a:bodyPr wrap="square" rtlCol="0">
+              <a:spAutoFit/>
+            </a:bodyPr>
+            <a:lstStyle/>
+            <a:p>
+              <a:r>
+                <a:rPr lang="en-US" dirty="0" smtClean="0"/>
+                <a:t>15’</a:t>
+              </a:r>
+              <a:endParaRPr lang="en-US" dirty="0"/>
+            </a:p>
+          </p:txBody>
+        </p:sp>
+        <p:sp>
+          <p:nvSpPr>
+            <p:cNvPr id="140" name="Rectangle 139"/>
+            <p:cNvSpPr/>
+            <p:nvPr/>
+          </p:nvSpPr>
+          <p:spPr>
+            <a:xfrm>
+              <a:off x="6324600" y="285344"/>
+              <a:ext cx="381000" cy="71650"/>
+            </a:xfrm>
+            <a:prstGeom prst="rect">
+              <a:avLst/>
+            </a:prstGeom>
+            <a:solidFill>
+              <a:schemeClr val="accent2"/>
+            </a:solidFill>
+            <a:ln>
+              <a:solidFill>
+                <a:schemeClr val="accent2"/>
+              </a:solidFill>
+            </a:ln>
+          </p:spPr>
+          <p:style>
+            <a:lnRef idx="2">
+              <a:schemeClr val="accent1">
+                <a:shade val="50000"/>
+              </a:schemeClr>
+            </a:lnRef>
+            <a:fillRef idx="1">
+              <a:schemeClr val="accent1"/>
+            </a:fillRef>
+            <a:effectRef idx="0">
+              <a:schemeClr val="accent1"/>
+            </a:effectRef>
+            <a:fontRef idx="minor">
+              <a:schemeClr val="lt1"/>
+            </a:fontRef>
+          </p:style>
+          <p:txBody>
+            <a:bodyPr rtlCol="0" anchor="ctr"/>
+            <a:lstStyle/>
+            <a:p>
+              <a:pPr algn="ctr"/>
+              <a:endParaRPr lang="en-US"/>
+            </a:p>
+          </p:txBody>
+        </p:sp>
+        <p:sp>
+          <p:nvSpPr>
+            <p:cNvPr id="153" name="Rectangle 152"/>
+            <p:cNvSpPr/>
+            <p:nvPr/>
+          </p:nvSpPr>
+          <p:spPr>
+            <a:xfrm>
+              <a:off x="6057088" y="1897718"/>
+              <a:ext cx="914400" cy="843926"/>
+            </a:xfrm>
+            <a:prstGeom prst="rect">
+              <a:avLst/>
+            </a:prstGeom>
+            <a:solidFill>
+              <a:schemeClr val="accent3">
+                <a:lumMod val="60000"/>
+                <a:lumOff val="40000"/>
+              </a:schemeClr>
+            </a:solidFill>
+            <a:ln>
+              <a:solidFill>
+                <a:schemeClr val="accent3"/>
+              </a:solidFill>
+            </a:ln>
+          </p:spPr>
+          <p:style>
+            <a:lnRef idx="2">
+              <a:schemeClr val="accent1">
+                <a:shade val="50000"/>
+              </a:schemeClr>
+            </a:lnRef>
+            <a:fillRef idx="1">
+              <a:schemeClr val="accent1"/>
+            </a:fillRef>
+            <a:effectRef idx="0">
+              <a:schemeClr val="accent1"/>
+            </a:effectRef>
+            <a:fontRef idx="minor">
+              <a:schemeClr val="lt1"/>
+            </a:fontRef>
+          </p:style>
+          <p:txBody>
+            <a:bodyPr rtlCol="0" anchor="ctr"/>
+            <a:lstStyle/>
+            <a:p>
+              <a:pPr algn="ctr"/>
+              <a:r>
+                <a:rPr lang="en-US" sz="1100" b="1" dirty="0" smtClean="0">
+                  <a:solidFill>
+                    <a:schemeClr val="tx1"/>
+                  </a:solidFill>
+                </a:rPr>
+                <a:t>X-Section</a:t>
+              </a:r>
+              <a:endParaRPr lang="en-US" sz="1100" b="1" dirty="0">
+                <a:solidFill>
+                  <a:schemeClr val="tx1"/>
+                </a:solidFill>
+              </a:endParaRPr>
+            </a:p>
+          </p:txBody>
+        </p:sp>
+        <p:sp>
+          <p:nvSpPr>
+            <p:cNvPr id="154" name="Isosceles Triangle 153"/>
+            <p:cNvSpPr/>
+            <p:nvPr/>
+          </p:nvSpPr>
+          <p:spPr>
+            <a:xfrm flipV="1">
+              <a:off x="6361888" y="2755758"/>
+              <a:ext cx="137444" cy="143299"/>
+            </a:xfrm>
+            <a:prstGeom prst="triangle">
+              <a:avLst/>
+            </a:prstGeom>
+          </p:spPr>
+          <p:style>
+            <a:lnRef idx="2">
+              <a:schemeClr val="accent1">
+                <a:shade val="50000"/>
+              </a:schemeClr>
+            </a:lnRef>
+            <a:fillRef idx="1">
+              <a:schemeClr val="accent1"/>
+            </a:fillRef>
+            <a:effectRef idx="0">
+              <a:schemeClr val="accent1"/>
+            </a:effectRef>
+            <a:fontRef idx="minor">
+              <a:schemeClr val="lt1"/>
+            </a:fontRef>
+          </p:style>
+          <p:txBody>
+            <a:bodyPr rtlCol="0" anchor="ctr"/>
+            <a:lstStyle/>
+            <a:p>
+              <a:pPr algn="ctr"/>
+              <a:endParaRPr lang="en-US"/>
+            </a:p>
+          </p:txBody>
+        </p:sp>
+        <p:sp>
+          <p:nvSpPr>
+            <p:cNvPr id="155" name="Rectangle 154"/>
+            <p:cNvSpPr/>
+            <p:nvPr/>
+          </p:nvSpPr>
+          <p:spPr>
+            <a:xfrm>
+              <a:off x="6525505" y="2751372"/>
+              <a:ext cx="141183" cy="150843"/>
+            </a:xfrm>
+            <a:prstGeom prst="rect">
+              <a:avLst/>
+            </a:prstGeom>
+            <a:solidFill>
+              <a:schemeClr val="accent2"/>
+            </a:solidFill>
+            <a:ln>
+              <a:solidFill>
+                <a:schemeClr val="accent2"/>
+              </a:solidFill>
+            </a:ln>
+          </p:spPr>
+          <p:style>
+            <a:lnRef idx="2">
+              <a:schemeClr val="accent1">
+                <a:shade val="50000"/>
+              </a:schemeClr>
+            </a:lnRef>
+            <a:fillRef idx="1">
+              <a:schemeClr val="accent1"/>
+            </a:fillRef>
+            <a:effectRef idx="0">
+              <a:schemeClr val="accent1"/>
+            </a:effectRef>
+            <a:fontRef idx="minor">
+              <a:schemeClr val="lt1"/>
+            </a:fontRef>
+          </p:style>
+          <p:txBody>
+            <a:bodyPr rtlCol="0" anchor="ctr"/>
+            <a:lstStyle/>
+            <a:p>
+              <a:pPr algn="ctr"/>
+              <a:endParaRPr lang="en-US"/>
+            </a:p>
+          </p:txBody>
+        </p:sp>
+        <p:sp>
+          <p:nvSpPr>
+            <p:cNvPr id="156" name="Rectangle 155"/>
+            <p:cNvSpPr/>
+            <p:nvPr/>
+          </p:nvSpPr>
+          <p:spPr>
+            <a:xfrm>
+              <a:off x="6443697" y="1746875"/>
+              <a:ext cx="141183" cy="150843"/>
+            </a:xfrm>
+            <a:prstGeom prst="rect">
+              <a:avLst/>
+            </a:prstGeom>
+            <a:solidFill>
+              <a:schemeClr val="accent2"/>
+            </a:solidFill>
+            <a:ln>
+              <a:solidFill>
+                <a:schemeClr val="accent2"/>
+              </a:solidFill>
+            </a:ln>
+          </p:spPr>
+          <p:style>
+            <a:lnRef idx="2">
+              <a:schemeClr val="accent1">
+                <a:shade val="50000"/>
+              </a:schemeClr>
+            </a:lnRef>
+            <a:fillRef idx="1">
+              <a:schemeClr val="accent1"/>
+            </a:fillRef>
+            <a:effectRef idx="0">
+              <a:schemeClr val="accent1"/>
+            </a:effectRef>
+            <a:fontRef idx="minor">
+              <a:schemeClr val="lt1"/>
+            </a:fontRef>
+          </p:style>
+          <p:txBody>
+            <a:bodyPr rtlCol="0" anchor="ctr"/>
+            <a:lstStyle/>
+            <a:p>
+              <a:pPr algn="ctr"/>
+              <a:endParaRPr lang="en-US"/>
+            </a:p>
+          </p:txBody>
+        </p:sp>
+        <p:grpSp>
+          <p:nvGrpSpPr>
+            <p:cNvPr id="159" name="Group 158"/>
+            <p:cNvGrpSpPr/>
+            <p:nvPr/>
+          </p:nvGrpSpPr>
+          <p:grpSpPr>
+            <a:xfrm>
+              <a:off x="6976037" y="2167281"/>
+              <a:ext cx="143299" cy="304800"/>
+              <a:chOff x="7014949" y="2133600"/>
+              <a:chExt cx="143299" cy="304800"/>
+            </a:xfrm>
+          </p:grpSpPr>
+          <p:sp>
+            <p:nvSpPr>
+              <p:cNvPr id="157" name="Rectangle 156"/>
+              <p:cNvSpPr/>
+              <p:nvPr/>
+            </p:nvSpPr>
+            <p:spPr>
+              <a:xfrm>
+                <a:off x="7016973" y="2133600"/>
+                <a:ext cx="141183" cy="150843"/>
+              </a:xfrm>
+              <a:prstGeom prst="rect">
+                <a:avLst/>
+              </a:prstGeom>
+              <a:solidFill>
+                <a:schemeClr val="accent2"/>
+              </a:solidFill>
+              <a:ln>
+                <a:solidFill>
+                  <a:schemeClr val="accent2"/>
+                </a:solidFill>
+              </a:ln>
+            </p:spPr>
+            <p:style>
+              <a:lnRef idx="2">
+                <a:schemeClr val="accent1">
+                  <a:shade val="50000"/>
+                </a:schemeClr>
+              </a:lnRef>
+              <a:fillRef idx="1">
+                <a:schemeClr val="accent1"/>
+              </a:fillRef>
+              <a:effectRef idx="0">
+                <a:schemeClr val="accent1"/>
+              </a:effectRef>
+              <a:fontRef idx="minor">
+                <a:schemeClr val="lt1"/>
+              </a:fontRef>
+            </p:style>
+            <p:txBody>
+              <a:bodyPr rtlCol="0" anchor="ctr"/>
+              <a:lstStyle/>
+              <a:p>
+                <a:pPr algn="ctr"/>
+                <a:endParaRPr lang="en-US"/>
+              </a:p>
+            </p:txBody>
+          </p:sp>
+          <p:sp>
+            <p:nvSpPr>
+              <p:cNvPr id="158" name="Isosceles Triangle 157"/>
+              <p:cNvSpPr/>
+              <p:nvPr/>
+            </p:nvSpPr>
+            <p:spPr>
+              <a:xfrm rot="16200000" flipV="1">
+                <a:off x="7017877" y="2298028"/>
+                <a:ext cx="137444" cy="143299"/>
+              </a:xfrm>
+              <a:prstGeom prst="triangle">
+                <a:avLst/>
+              </a:prstGeom>
+            </p:spPr>
+            <p:style>
+              <a:lnRef idx="2">
+                <a:schemeClr val="accent1">
+                  <a:shade val="50000"/>
+                </a:schemeClr>
+              </a:lnRef>
+              <a:fillRef idx="1">
+                <a:schemeClr val="accent1"/>
+              </a:fillRef>
+              <a:effectRef idx="0">
+                <a:schemeClr val="accent1"/>
+              </a:effectRef>
+              <a:fontRef idx="minor">
+                <a:schemeClr val="lt1"/>
+              </a:fontRef>
+            </p:style>
+            <p:txBody>
+              <a:bodyPr rtlCol="0" anchor="ctr"/>
+              <a:lstStyle/>
+              <a:p>
+                <a:pPr algn="ctr"/>
+                <a:endParaRPr lang="en-US"/>
+              </a:p>
+            </p:txBody>
+          </p:sp>
+        </p:grpSp>
+        <p:sp>
+          <p:nvSpPr>
+            <p:cNvPr id="160" name="Rounded Rectangle 159"/>
+            <p:cNvSpPr/>
+            <p:nvPr/>
+          </p:nvSpPr>
+          <p:spPr>
+            <a:xfrm>
+              <a:off x="5999066" y="76200"/>
+              <a:ext cx="1011334" cy="1171894"/>
+            </a:xfrm>
+            <a:prstGeom prst="roundRect">
+              <a:avLst/>
+            </a:prstGeom>
+            <a:noFill/>
+            <a:ln>
+              <a:solidFill>
+                <a:srgbClr val="C00000"/>
+              </a:solidFill>
+            </a:ln>
+          </p:spPr>
+          <p:style>
+            <a:lnRef idx="2">
+              <a:schemeClr val="accent1">
+                <a:shade val="50000"/>
+              </a:schemeClr>
+            </a:lnRef>
+            <a:fillRef idx="1">
+              <a:schemeClr val="accent1"/>
+            </a:fillRef>
+            <a:effectRef idx="0">
+              <a:schemeClr val="accent1"/>
+            </a:effectRef>
+            <a:fontRef idx="minor">
+              <a:schemeClr val="lt1"/>
+            </a:fontRef>
+          </p:style>
+          <p:txBody>
+            <a:bodyPr rtlCol="0" anchor="ctr"/>
+            <a:lstStyle/>
+            <a:p>
+              <a:pPr algn="ctr"/>
+              <a:endParaRPr lang="en-US"/>
+            </a:p>
+          </p:txBody>
+        </p:sp>
+        <p:cxnSp>
+          <p:nvCxnSpPr>
+            <p:cNvPr id="162" name="Straight Arrow Connector 161"/>
+            <p:cNvCxnSpPr>
+              <a:stCxn id="160" idx="2"/>
+            </p:cNvCxnSpPr>
+            <p:nvPr/>
+          </p:nvCxnSpPr>
+          <p:spPr>
+            <a:xfrm>
+              <a:off x="6504733" y="1248094"/>
+              <a:ext cx="0" cy="428306"/>
+            </a:xfrm>
+            <a:prstGeom prst="straightConnector1">
+              <a:avLst/>
+            </a:prstGeom>
+            <a:ln w="28575">
+              <a:solidFill>
+                <a:srgbClr val="C00000"/>
+              </a:solidFill>
+              <a:tailEnd type="arrow"/>
+            </a:ln>
+          </p:spPr>
+          <p:style>
+            <a:lnRef idx="1">
+              <a:schemeClr val="accent1"/>
+            </a:lnRef>
+            <a:fillRef idx="0">
+              <a:schemeClr val="accent1"/>
+            </a:fillRef>
+            <a:effectRef idx="0">
+              <a:schemeClr val="accent1"/>
+            </a:effectRef>
+            <a:fontRef idx="minor">
+              <a:schemeClr val="tx1"/>
+            </a:fontRef>
+          </p:style>
+        </p:cxnSp>
+      </p:grpSp>
+      <p:sp>
+        <p:nvSpPr>
+          <p:cNvPr id="164" name="Rectangle 163"/>
+          <p:cNvSpPr/>
+          <p:nvPr/>
+        </p:nvSpPr>
+        <p:spPr>
+          <a:xfrm>
+            <a:off x="5638800" y="3200400"/>
+            <a:ext cx="841342" cy="166339"/>
+          </a:xfrm>
+          <a:prstGeom prst="rect">
+            <a:avLst/>
+          </a:prstGeom>
+        </p:spPr>
+        <p:style>
+          <a:lnRef idx="2">
+            <a:schemeClr val="accent1">
+              <a:shade val="50000"/>
+            </a:schemeClr>
+          </a:lnRef>
+          <a:fillRef idx="1">
+            <a:schemeClr val="accent1"/>
+          </a:fillRef>
+          <a:effectRef idx="0">
+            <a:schemeClr val="accent1"/>
+          </a:effectRef>
+          <a:fontRef idx="minor">
+            <a:schemeClr val="lt1"/>
+          </a:fontRef>
+        </p:style>
+        <p:txBody>
+          <a:bodyPr rtlCol="0" anchor="ctr"/>
+          <a:lstStyle/>
+          <a:p>
+            <a:pPr algn="ctr"/>
+            <a:r>
+              <a:rPr lang="en-US" dirty="0" err="1" smtClean="0"/>
+              <a:t>Accel</a:t>
+            </a:r>
+            <a:r>
+              <a:rPr lang="en-US" dirty="0" smtClean="0"/>
+              <a:t>.</a:t>
+            </a:r>
+            <a:endParaRPr lang="en-US" dirty="0"/>
+          </a:p>
+        </p:txBody>
+      </p:sp>
+      <p:sp>
+        <p:nvSpPr>
+          <p:cNvPr id="165" name="Rectangle 164"/>
+          <p:cNvSpPr/>
+          <p:nvPr/>
+        </p:nvSpPr>
+        <p:spPr>
+          <a:xfrm>
+            <a:off x="6626258" y="3200400"/>
+            <a:ext cx="841342" cy="166339"/>
+          </a:xfrm>
+          <a:prstGeom prst="rect">
+            <a:avLst/>
+          </a:prstGeom>
+          <a:solidFill>
+            <a:schemeClr val="accent2"/>
+          </a:solidFill>
+          <a:ln>
+            <a:solidFill>
+              <a:srgbClr val="C00000"/>
+            </a:solidFill>
+          </a:ln>
+        </p:spPr>
+        <p:style>
+          <a:lnRef idx="2">
+            <a:schemeClr val="accent1">
+              <a:shade val="50000"/>
+            </a:schemeClr>
+          </a:lnRef>
+          <a:fillRef idx="1">
+            <a:schemeClr val="accent1"/>
+          </a:fillRef>
+          <a:effectRef idx="0">
+            <a:schemeClr val="accent1"/>
+          </a:effectRef>
+          <a:fontRef idx="minor">
+            <a:schemeClr val="lt1"/>
+          </a:fontRef>
+        </p:style>
+        <p:txBody>
+          <a:bodyPr rtlCol="0" anchor="ctr"/>
+          <a:lstStyle/>
+          <a:p>
+            <a:pPr algn="ctr"/>
+            <a:r>
+              <a:rPr lang="en-US" dirty="0" smtClean="0"/>
+              <a:t>Strain</a:t>
+            </a:r>
+            <a:endParaRPr lang="en-US" dirty="0"/>
+          </a:p>
+        </p:txBody>
+      </p:sp>
+      <p:sp>
+        <p:nvSpPr>
+          <p:cNvPr id="143" name="Multiply 142"/>
+          <p:cNvSpPr/>
+          <p:nvPr/>
+        </p:nvSpPr>
+        <p:spPr>
+          <a:xfrm>
+            <a:off x="2667000" y="4992439"/>
+            <a:ext cx="202398" cy="189161"/>
+          </a:xfrm>
+          <a:prstGeom prst="mathMultiply">
+            <a:avLst/>
+          </a:prstGeom>
+          <a:solidFill>
+            <a:srgbClr val="FF0000"/>
+          </a:solidFill>
+          <a:ln>
+            <a:solidFill>
+              <a:srgbClr val="C00000"/>
+            </a:solidFill>
+          </a:ln>
+        </p:spPr>
+        <p:style>
+          <a:lnRef idx="2">
+            <a:schemeClr val="accent1">
+              <a:shade val="50000"/>
+            </a:schemeClr>
+          </a:lnRef>
+          <a:fillRef idx="1">
+            <a:schemeClr val="accent1"/>
+          </a:fillRef>
+          <a:effectRef idx="0">
+            <a:schemeClr val="accent1"/>
+          </a:effectRef>
+          <a:fontRef idx="minor">
+            <a:schemeClr val="lt1"/>
+          </a:fontRef>
+        </p:style>
+        <p:txBody>
+          <a:bodyPr rtlCol="0" anchor="ctr"/>
+          <a:lstStyle/>
+          <a:p>
+            <a:pPr algn="ctr"/>
+            <a:endParaRPr lang="en-US"/>
+          </a:p>
+        </p:txBody>
+      </p:sp>
+      <p:sp>
+        <p:nvSpPr>
+          <p:cNvPr id="144" name="Multiply 143"/>
+          <p:cNvSpPr/>
+          <p:nvPr/>
+        </p:nvSpPr>
+        <p:spPr>
+          <a:xfrm>
+            <a:off x="3607602" y="4992439"/>
+            <a:ext cx="202398" cy="189161"/>
+          </a:xfrm>
+          <a:prstGeom prst="mathMultiply">
+            <a:avLst/>
+          </a:prstGeom>
+          <a:solidFill>
+            <a:srgbClr val="FF0000"/>
+          </a:solidFill>
+          <a:ln>
+            <a:solidFill>
+              <a:srgbClr val="C00000"/>
+            </a:solidFill>
+          </a:ln>
+        </p:spPr>
+        <p:style>
+          <a:lnRef idx="2">
+            <a:schemeClr val="accent1">
+              <a:shade val="50000"/>
+            </a:schemeClr>
+          </a:lnRef>
+          <a:fillRef idx="1">
+            <a:schemeClr val="accent1"/>
+          </a:fillRef>
+          <a:effectRef idx="0">
+            <a:schemeClr val="accent1"/>
+          </a:effectRef>
+          <a:fontRef idx="minor">
+            <a:schemeClr val="lt1"/>
+          </a:fontRef>
+        </p:style>
+        <p:txBody>
+          <a:bodyPr rtlCol="0" anchor="ctr"/>
+          <a:lstStyle/>
+          <a:p>
+            <a:pPr algn="ctr"/>
+            <a:endParaRPr lang="en-US"/>
+          </a:p>
+        </p:txBody>
+      </p:sp>
+      <p:sp>
+        <p:nvSpPr>
+          <p:cNvPr id="148" name="Multiply 147"/>
+          <p:cNvSpPr/>
+          <p:nvPr/>
+        </p:nvSpPr>
+        <p:spPr>
+          <a:xfrm>
+            <a:off x="2667000" y="5268664"/>
+            <a:ext cx="202398" cy="189161"/>
+          </a:xfrm>
+          <a:prstGeom prst="mathMultiply">
+            <a:avLst/>
+          </a:prstGeom>
+          <a:solidFill>
+            <a:srgbClr val="FF0000"/>
+          </a:solidFill>
+          <a:ln>
+            <a:solidFill>
+              <a:srgbClr val="C00000"/>
+            </a:solidFill>
+          </a:ln>
+        </p:spPr>
+        <p:style>
+          <a:lnRef idx="2">
+            <a:schemeClr val="accent1">
+              <a:shade val="50000"/>
+            </a:schemeClr>
+          </a:lnRef>
+          <a:fillRef idx="1">
+            <a:schemeClr val="accent1"/>
+          </a:fillRef>
+          <a:effectRef idx="0">
+            <a:schemeClr val="accent1"/>
+          </a:effectRef>
+          <a:fontRef idx="minor">
+            <a:schemeClr val="lt1"/>
+          </a:fontRef>
+        </p:style>
+        <p:txBody>
+          <a:bodyPr rtlCol="0" anchor="ctr"/>
+          <a:lstStyle/>
+          <a:p>
+            <a:pPr algn="ctr"/>
+            <a:endParaRPr lang="en-US"/>
+          </a:p>
+        </p:txBody>
+      </p:sp>
+      <p:sp>
+        <p:nvSpPr>
+          <p:cNvPr id="149" name="Multiply 148"/>
+          <p:cNvSpPr/>
+          <p:nvPr/>
+        </p:nvSpPr>
+        <p:spPr>
+          <a:xfrm>
+            <a:off x="4191000" y="4992439"/>
+            <a:ext cx="202398" cy="189161"/>
+          </a:xfrm>
+          <a:prstGeom prst="mathMultiply">
+            <a:avLst/>
+          </a:prstGeom>
+          <a:solidFill>
+            <a:srgbClr val="FF0000"/>
+          </a:solidFill>
+          <a:ln>
+            <a:solidFill>
+              <a:srgbClr val="C00000"/>
+            </a:solidFill>
+          </a:ln>
+        </p:spPr>
+        <p:style>
+          <a:lnRef idx="2">
+            <a:schemeClr val="accent1">
+              <a:shade val="50000"/>
+            </a:schemeClr>
+          </a:lnRef>
+          <a:fillRef idx="1">
+            <a:schemeClr val="accent1"/>
+          </a:fillRef>
+          <a:effectRef idx="0">
+            <a:schemeClr val="accent1"/>
+          </a:effectRef>
+          <a:fontRef idx="minor">
+            <a:schemeClr val="lt1"/>
+          </a:fontRef>
+        </p:style>
+        <p:txBody>
+          <a:bodyPr rtlCol="0" anchor="ctr"/>
+          <a:lstStyle/>
+          <a:p>
+            <a:pPr algn="ctr"/>
+            <a:endParaRPr lang="en-US"/>
+          </a:p>
+        </p:txBody>
+      </p:sp>
+      <p:sp>
+        <p:nvSpPr>
+          <p:cNvPr id="161" name="Multiply 160"/>
+          <p:cNvSpPr/>
+          <p:nvPr/>
+        </p:nvSpPr>
+        <p:spPr>
+          <a:xfrm>
+            <a:off x="4512477" y="5144839"/>
+            <a:ext cx="202398" cy="189161"/>
+          </a:xfrm>
+          <a:prstGeom prst="mathMultiply">
+            <a:avLst/>
+          </a:prstGeom>
+          <a:solidFill>
+            <a:srgbClr val="FF0000"/>
+          </a:solidFill>
+          <a:ln>
+            <a:solidFill>
+              <a:srgbClr val="C00000"/>
+            </a:solidFill>
+          </a:ln>
+        </p:spPr>
+        <p:style>
+          <a:lnRef idx="2">
+            <a:schemeClr val="accent1">
+              <a:shade val="50000"/>
+            </a:schemeClr>
+          </a:lnRef>
+          <a:fillRef idx="1">
+            <a:schemeClr val="accent1"/>
+          </a:fillRef>
+          <a:effectRef idx="0">
+            <a:schemeClr val="accent1"/>
+          </a:effectRef>
+          <a:fontRef idx="minor">
+            <a:schemeClr val="lt1"/>
+          </a:fontRef>
+        </p:style>
+        <p:txBody>
+          <a:bodyPr rtlCol="0" anchor="ctr"/>
+          <a:lstStyle/>
+          <a:p>
+            <a:pPr algn="ctr"/>
+            <a:endParaRPr lang="en-US"/>
+          </a:p>
+        </p:txBody>
+      </p:sp>
+    </p:spTree>
+    <p:extLst>
+      <p:ext uri="{BB962C8B-B14F-4D97-AF65-F5344CB8AC3E}">
+        <p14:creationId xmlns:p14="http://schemas.microsoft.com/office/powerpoint/2010/main" val="3850859372"/>
+      </p:ext>
+    </p:extLst>
+  </p:cSld>
+  <p:clrMapOvr>
+    <a:masterClrMapping/>
+  </p:clrMapOvr>
+  <p:timing>
+    <p:tnLst>
+      <p:par>
+        <p:cTn id="1" dur="indefinite" restart="never" nodeType="tmRoot"/>
+      </p:par>
+    </p:tnLst>
+  </p:timing>
+</p:sld>
+</file>
+
+<file path=ppt/slides/slide5.xml><?xml version="1.0" encoding="utf-8"?>
+<p:sld xmlns:a="http://schemas.openxmlformats.org/drawingml/2006/main" xmlns:r="http://schemas.openxmlformats.org/officeDocument/2006/relationships" xmlns:p="http://schemas.openxmlformats.org/presentationml/2006/main">
+  <p:cSld>
+    <p:spTree>
+      <p:nvGrpSpPr>
+        <p:cNvPr id="1" name=""/>
+        <p:cNvGrpSpPr/>
+        <p:nvPr/>
+      </p:nvGrpSpPr>
+      <p:grpSpPr>
+        <a:xfrm>
+          <a:off x="0" y="0"/>
+          <a:ext cx="0" cy="0"/>
+          <a:chOff x="0" y="0"/>
+          <a:chExt cx="0" cy="0"/>
+        </a:xfrm>
+      </p:grpSpPr>
+    </p:spTree>
+    <p:extLst>
+      <p:ext uri="{BB962C8B-B14F-4D97-AF65-F5344CB8AC3E}">
+        <p14:creationId xmlns:p14="http://schemas.microsoft.com/office/powerpoint/2010/main" val="3921688072"/>
+      </p:ext>
+    </p:extLst>
+  </p:cSld>
+  <p:clrMapOvr>
+    <a:masterClrMapping/>
+  </p:clrMapOvr>
+</p:sld>
+</file>
+
+<file path=ppt/slides/slide6.xml><?xml version="1.0" encoding="utf-8"?>
 <p:sld xmlns:a="http://schemas.openxmlformats.org/drawingml/2006/main" xmlns:r="http://schemas.openxmlformats.org/officeDocument/2006/relationships" xmlns:p="http://schemas.openxmlformats.org/presentationml/2006/main">
   <p:cSld>
     <p:spTree>

--- a/Planning/Instrumentation.pptx
+++ b/Planning/Instrumentation.pptx
@@ -9,8 +9,9 @@
     <p:sldId id="261" r:id="rId3"/>
     <p:sldId id="257" r:id="rId4"/>
     <p:sldId id="263" r:id="rId5"/>
-    <p:sldId id="262" r:id="rId6"/>
-    <p:sldId id="260" r:id="rId7"/>
+    <p:sldId id="264" r:id="rId6"/>
+    <p:sldId id="262" r:id="rId7"/>
+    <p:sldId id="260" r:id="rId8"/>
   </p:sldIdLst>
   <p:sldSz cx="9144000" cy="6858000" type="screen4x3"/>
   <p:notesSz cx="6858000" cy="9144000"/>
@@ -293,7 +294,7 @@
           <a:p>
             <a:fld id="{529DB64B-6E35-4203-B64C-6EB56B5A725F}" type="datetimeFigureOut">
               <a:rPr lang="en-US" smtClean="0"/>
-              <a:t>8/12/2016</a:t>
+              <a:t>8/24/2016</a:t>
             </a:fld>
             <a:endParaRPr lang="en-US"/>
           </a:p>
@@ -463,7 +464,7 @@
           <a:p>
             <a:fld id="{529DB64B-6E35-4203-B64C-6EB56B5A725F}" type="datetimeFigureOut">
               <a:rPr lang="en-US" smtClean="0"/>
-              <a:t>8/12/2016</a:t>
+              <a:t>8/24/2016</a:t>
             </a:fld>
             <a:endParaRPr lang="en-US"/>
           </a:p>
@@ -643,7 +644,7 @@
           <a:p>
             <a:fld id="{529DB64B-6E35-4203-B64C-6EB56B5A725F}" type="datetimeFigureOut">
               <a:rPr lang="en-US" smtClean="0"/>
-              <a:t>8/12/2016</a:t>
+              <a:t>8/24/2016</a:t>
             </a:fld>
             <a:endParaRPr lang="en-US"/>
           </a:p>
@@ -813,7 +814,7 @@
           <a:p>
             <a:fld id="{529DB64B-6E35-4203-B64C-6EB56B5A725F}" type="datetimeFigureOut">
               <a:rPr lang="en-US" smtClean="0"/>
-              <a:t>8/12/2016</a:t>
+              <a:t>8/24/2016</a:t>
             </a:fld>
             <a:endParaRPr lang="en-US"/>
           </a:p>
@@ -1059,7 +1060,7 @@
           <a:p>
             <a:fld id="{529DB64B-6E35-4203-B64C-6EB56B5A725F}" type="datetimeFigureOut">
               <a:rPr lang="en-US" smtClean="0"/>
-              <a:t>8/12/2016</a:t>
+              <a:t>8/24/2016</a:t>
             </a:fld>
             <a:endParaRPr lang="en-US"/>
           </a:p>
@@ -1347,7 +1348,7 @@
           <a:p>
             <a:fld id="{529DB64B-6E35-4203-B64C-6EB56B5A725F}" type="datetimeFigureOut">
               <a:rPr lang="en-US" smtClean="0"/>
-              <a:t>8/12/2016</a:t>
+              <a:t>8/24/2016</a:t>
             </a:fld>
             <a:endParaRPr lang="en-US"/>
           </a:p>
@@ -1769,7 +1770,7 @@
           <a:p>
             <a:fld id="{529DB64B-6E35-4203-B64C-6EB56B5A725F}" type="datetimeFigureOut">
               <a:rPr lang="en-US" smtClean="0"/>
-              <a:t>8/12/2016</a:t>
+              <a:t>8/24/2016</a:t>
             </a:fld>
             <a:endParaRPr lang="en-US"/>
           </a:p>
@@ -1887,7 +1888,7 @@
           <a:p>
             <a:fld id="{529DB64B-6E35-4203-B64C-6EB56B5A725F}" type="datetimeFigureOut">
               <a:rPr lang="en-US" smtClean="0"/>
-              <a:t>8/12/2016</a:t>
+              <a:t>8/24/2016</a:t>
             </a:fld>
             <a:endParaRPr lang="en-US"/>
           </a:p>
@@ -1982,7 +1983,7 @@
           <a:p>
             <a:fld id="{529DB64B-6E35-4203-B64C-6EB56B5A725F}" type="datetimeFigureOut">
               <a:rPr lang="en-US" smtClean="0"/>
-              <a:t>8/12/2016</a:t>
+              <a:t>8/24/2016</a:t>
             </a:fld>
             <a:endParaRPr lang="en-US"/>
           </a:p>
@@ -2259,7 +2260,7 @@
           <a:p>
             <a:fld id="{529DB64B-6E35-4203-B64C-6EB56B5A725F}" type="datetimeFigureOut">
               <a:rPr lang="en-US" smtClean="0"/>
-              <a:t>8/12/2016</a:t>
+              <a:t>8/24/2016</a:t>
             </a:fld>
             <a:endParaRPr lang="en-US"/>
           </a:p>
@@ -2512,7 +2513,7 @@
           <a:p>
             <a:fld id="{529DB64B-6E35-4203-B64C-6EB56B5A725F}" type="datetimeFigureOut">
               <a:rPr lang="en-US" smtClean="0"/>
-              <a:t>8/12/2016</a:t>
+              <a:t>8/24/2016</a:t>
             </a:fld>
             <a:endParaRPr lang="en-US"/>
           </a:p>
@@ -2725,7 +2726,7 @@
           <a:p>
             <a:fld id="{529DB64B-6E35-4203-B64C-6EB56B5A725F}" type="datetimeFigureOut">
               <a:rPr lang="en-US" smtClean="0"/>
-              <a:t>8/12/2016</a:t>
+              <a:t>8/24/2016</a:t>
             </a:fld>
             <a:endParaRPr lang="en-US"/>
           </a:p>
@@ -13961,6 +13962,9549 @@
           <a:chExt cx="0" cy="0"/>
         </a:xfrm>
       </p:grpSpPr>
+      <p:grpSp>
+        <p:nvGrpSpPr>
+          <p:cNvPr id="229" name="Group 228"/>
+          <p:cNvGrpSpPr/>
+          <p:nvPr/>
+        </p:nvGrpSpPr>
+        <p:grpSpPr>
+          <a:xfrm>
+            <a:off x="624040" y="1981200"/>
+            <a:ext cx="3643160" cy="1447261"/>
+            <a:chOff x="4776223" y="5453390"/>
+            <a:chExt cx="3643160" cy="1447261"/>
+          </a:xfrm>
+        </p:grpSpPr>
+        <p:sp>
+          <p:nvSpPr>
+            <p:cNvPr id="230" name="TextBox 229"/>
+            <p:cNvSpPr txBox="1"/>
+            <p:nvPr/>
+          </p:nvSpPr>
+          <p:spPr>
+            <a:xfrm>
+              <a:off x="5315662" y="6669819"/>
+              <a:ext cx="861955" cy="230832"/>
+            </a:xfrm>
+            <a:prstGeom prst="rect">
+              <a:avLst/>
+            </a:prstGeom>
+            <a:noFill/>
+          </p:spPr>
+          <p:txBody>
+            <a:bodyPr wrap="square" rtlCol="0">
+              <a:spAutoFit/>
+            </a:bodyPr>
+            <a:lstStyle/>
+            <a:p>
+              <a:pPr algn="ctr"/>
+              <a:r>
+                <a:rPr lang="en-US" sz="900" dirty="0" smtClean="0"/>
+                <a:t>Mid-span</a:t>
+              </a:r>
+              <a:endParaRPr lang="en-US" sz="900" dirty="0"/>
+            </a:p>
+          </p:txBody>
+        </p:sp>
+        <p:sp>
+          <p:nvSpPr>
+            <p:cNvPr id="231" name="Rectangle 230"/>
+            <p:cNvSpPr/>
+            <p:nvPr/>
+          </p:nvSpPr>
+          <p:spPr>
+            <a:xfrm>
+              <a:off x="4817578" y="5685018"/>
+              <a:ext cx="3554890" cy="1032660"/>
+            </a:xfrm>
+            <a:prstGeom prst="rect">
+              <a:avLst/>
+            </a:prstGeom>
+            <a:solidFill>
+              <a:srgbClr val="F6F5EE"/>
+            </a:solidFill>
+            <a:ln w="12700">
+              <a:solidFill>
+                <a:srgbClr val="73614F"/>
+              </a:solidFill>
+              <a:prstDash val="lgDash"/>
+            </a:ln>
+          </p:spPr>
+          <p:style>
+            <a:lnRef idx="2">
+              <a:schemeClr val="accent1">
+                <a:shade val="50000"/>
+              </a:schemeClr>
+            </a:lnRef>
+            <a:fillRef idx="1">
+              <a:schemeClr val="accent1"/>
+            </a:fillRef>
+            <a:effectRef idx="0">
+              <a:schemeClr val="accent1"/>
+            </a:effectRef>
+            <a:fontRef idx="minor">
+              <a:schemeClr val="lt1"/>
+            </a:fontRef>
+          </p:style>
+          <p:txBody>
+            <a:bodyPr rtlCol="0" anchor="ctr"/>
+            <a:lstStyle/>
+            <a:p>
+              <a:pPr algn="ctr"/>
+              <a:endParaRPr lang="en-US"/>
+            </a:p>
+          </p:txBody>
+        </p:sp>
+        <p:sp>
+          <p:nvSpPr>
+            <p:cNvPr id="232" name="Rectangle 231"/>
+            <p:cNvSpPr/>
+            <p:nvPr/>
+          </p:nvSpPr>
+          <p:spPr>
+            <a:xfrm>
+              <a:off x="4776223" y="5661514"/>
+              <a:ext cx="160492" cy="1081166"/>
+            </a:xfrm>
+            <a:prstGeom prst="rect">
+              <a:avLst/>
+            </a:prstGeom>
+            <a:solidFill>
+              <a:schemeClr val="accent3">
+                <a:lumMod val="20000"/>
+                <a:lumOff val="80000"/>
+              </a:schemeClr>
+            </a:solidFill>
+            <a:ln w="12700">
+              <a:solidFill>
+                <a:schemeClr val="accent3">
+                  <a:lumMod val="50000"/>
+                </a:schemeClr>
+              </a:solidFill>
+            </a:ln>
+          </p:spPr>
+          <p:style>
+            <a:lnRef idx="2">
+              <a:schemeClr val="accent1">
+                <a:shade val="50000"/>
+              </a:schemeClr>
+            </a:lnRef>
+            <a:fillRef idx="1">
+              <a:schemeClr val="accent1"/>
+            </a:fillRef>
+            <a:effectRef idx="0">
+              <a:schemeClr val="accent1"/>
+            </a:effectRef>
+            <a:fontRef idx="minor">
+              <a:schemeClr val="lt1"/>
+            </a:fontRef>
+          </p:style>
+          <p:txBody>
+            <a:bodyPr rtlCol="0" anchor="ctr"/>
+            <a:lstStyle/>
+            <a:p>
+              <a:pPr algn="ctr"/>
+              <a:endParaRPr lang="en-US"/>
+            </a:p>
+          </p:txBody>
+        </p:sp>
+        <p:sp>
+          <p:nvSpPr>
+            <p:cNvPr id="233" name="Rectangle 232"/>
+            <p:cNvSpPr/>
+            <p:nvPr/>
+          </p:nvSpPr>
+          <p:spPr>
+            <a:xfrm>
+              <a:off x="6525582" y="5661514"/>
+              <a:ext cx="160492" cy="1081166"/>
+            </a:xfrm>
+            <a:prstGeom prst="rect">
+              <a:avLst/>
+            </a:prstGeom>
+            <a:solidFill>
+              <a:schemeClr val="accent3">
+                <a:lumMod val="20000"/>
+                <a:lumOff val="80000"/>
+              </a:schemeClr>
+            </a:solidFill>
+            <a:ln w="12700">
+              <a:solidFill>
+                <a:schemeClr val="accent3">
+                  <a:lumMod val="50000"/>
+                </a:schemeClr>
+              </a:solidFill>
+            </a:ln>
+          </p:spPr>
+          <p:style>
+            <a:lnRef idx="2">
+              <a:schemeClr val="accent1">
+                <a:shade val="50000"/>
+              </a:schemeClr>
+            </a:lnRef>
+            <a:fillRef idx="1">
+              <a:schemeClr val="accent1"/>
+            </a:fillRef>
+            <a:effectRef idx="0">
+              <a:schemeClr val="accent1"/>
+            </a:effectRef>
+            <a:fontRef idx="minor">
+              <a:schemeClr val="lt1"/>
+            </a:fontRef>
+          </p:style>
+          <p:txBody>
+            <a:bodyPr rtlCol="0" anchor="ctr"/>
+            <a:lstStyle/>
+            <a:p>
+              <a:pPr algn="ctr"/>
+              <a:endParaRPr lang="en-US"/>
+            </a:p>
+          </p:txBody>
+        </p:sp>
+        <p:sp>
+          <p:nvSpPr>
+            <p:cNvPr id="234" name="Rectangle 233"/>
+            <p:cNvSpPr/>
+            <p:nvPr/>
+          </p:nvSpPr>
+          <p:spPr>
+            <a:xfrm>
+              <a:off x="8258891" y="5661514"/>
+              <a:ext cx="160492" cy="1081166"/>
+            </a:xfrm>
+            <a:prstGeom prst="rect">
+              <a:avLst/>
+            </a:prstGeom>
+            <a:solidFill>
+              <a:schemeClr val="accent3">
+                <a:lumMod val="20000"/>
+                <a:lumOff val="80000"/>
+              </a:schemeClr>
+            </a:solidFill>
+            <a:ln w="12700">
+              <a:solidFill>
+                <a:schemeClr val="accent3">
+                  <a:lumMod val="50000"/>
+                </a:schemeClr>
+              </a:solidFill>
+            </a:ln>
+          </p:spPr>
+          <p:style>
+            <a:lnRef idx="2">
+              <a:schemeClr val="accent1">
+                <a:shade val="50000"/>
+              </a:schemeClr>
+            </a:lnRef>
+            <a:fillRef idx="1">
+              <a:schemeClr val="accent1"/>
+            </a:fillRef>
+            <a:effectRef idx="0">
+              <a:schemeClr val="accent1"/>
+            </a:effectRef>
+            <a:fontRef idx="minor">
+              <a:schemeClr val="lt1"/>
+            </a:fontRef>
+          </p:style>
+          <p:txBody>
+            <a:bodyPr rtlCol="0" anchor="ctr"/>
+            <a:lstStyle/>
+            <a:p>
+              <a:pPr algn="ctr"/>
+              <a:endParaRPr lang="en-US"/>
+            </a:p>
+          </p:txBody>
+        </p:sp>
+        <p:sp>
+          <p:nvSpPr>
+            <p:cNvPr id="235" name="Rectangle 234"/>
+            <p:cNvSpPr/>
+            <p:nvPr/>
+          </p:nvSpPr>
+          <p:spPr>
+            <a:xfrm>
+              <a:off x="4877333" y="5708521"/>
+              <a:ext cx="3466619" cy="42306"/>
+            </a:xfrm>
+            <a:prstGeom prst="rect">
+              <a:avLst/>
+            </a:prstGeom>
+            <a:solidFill>
+              <a:schemeClr val="accent1">
+                <a:lumMod val="60000"/>
+                <a:lumOff val="40000"/>
+                <a:alpha val="47000"/>
+              </a:schemeClr>
+            </a:solidFill>
+            <a:ln w="12700">
+              <a:solidFill>
+                <a:schemeClr val="tx2">
+                  <a:lumMod val="50000"/>
+                </a:schemeClr>
+              </a:solidFill>
+            </a:ln>
+          </p:spPr>
+          <p:style>
+            <a:lnRef idx="2">
+              <a:schemeClr val="accent1">
+                <a:shade val="50000"/>
+              </a:schemeClr>
+            </a:lnRef>
+            <a:fillRef idx="1">
+              <a:schemeClr val="accent1"/>
+            </a:fillRef>
+            <a:effectRef idx="0">
+              <a:schemeClr val="accent1"/>
+            </a:effectRef>
+            <a:fontRef idx="minor">
+              <a:schemeClr val="lt1"/>
+            </a:fontRef>
+          </p:style>
+          <p:txBody>
+            <a:bodyPr rtlCol="0" anchor="ctr"/>
+            <a:lstStyle/>
+            <a:p>
+              <a:pPr algn="ctr"/>
+              <a:endParaRPr lang="en-US"/>
+            </a:p>
+          </p:txBody>
+        </p:sp>
+        <p:sp>
+          <p:nvSpPr>
+            <p:cNvPr id="236" name="Rectangle 235"/>
+            <p:cNvSpPr/>
+            <p:nvPr/>
+          </p:nvSpPr>
+          <p:spPr>
+            <a:xfrm>
+              <a:off x="4877333" y="6648666"/>
+              <a:ext cx="3466619" cy="42306"/>
+            </a:xfrm>
+            <a:prstGeom prst="rect">
+              <a:avLst/>
+            </a:prstGeom>
+            <a:solidFill>
+              <a:schemeClr val="accent1">
+                <a:lumMod val="60000"/>
+                <a:lumOff val="40000"/>
+                <a:alpha val="47000"/>
+              </a:schemeClr>
+            </a:solidFill>
+            <a:ln w="12700">
+              <a:solidFill>
+                <a:schemeClr val="tx2">
+                  <a:lumMod val="50000"/>
+                </a:schemeClr>
+              </a:solidFill>
+            </a:ln>
+          </p:spPr>
+          <p:style>
+            <a:lnRef idx="2">
+              <a:schemeClr val="accent1">
+                <a:shade val="50000"/>
+              </a:schemeClr>
+            </a:lnRef>
+            <a:fillRef idx="1">
+              <a:schemeClr val="accent1"/>
+            </a:fillRef>
+            <a:effectRef idx="0">
+              <a:schemeClr val="accent1"/>
+            </a:effectRef>
+            <a:fontRef idx="minor">
+              <a:schemeClr val="lt1"/>
+            </a:fontRef>
+          </p:style>
+          <p:txBody>
+            <a:bodyPr rtlCol="0" anchor="ctr"/>
+            <a:lstStyle/>
+            <a:p>
+              <a:pPr algn="ctr"/>
+              <a:endParaRPr lang="en-US"/>
+            </a:p>
+          </p:txBody>
+        </p:sp>
+        <p:sp>
+          <p:nvSpPr>
+            <p:cNvPr id="237" name="Rectangle 236"/>
+            <p:cNvSpPr/>
+            <p:nvPr/>
+          </p:nvSpPr>
+          <p:spPr>
+            <a:xfrm>
+              <a:off x="4872518" y="5851042"/>
+              <a:ext cx="3466619" cy="42306"/>
+            </a:xfrm>
+            <a:prstGeom prst="rect">
+              <a:avLst/>
+            </a:prstGeom>
+            <a:solidFill>
+              <a:schemeClr val="accent1">
+                <a:lumMod val="60000"/>
+                <a:lumOff val="40000"/>
+                <a:alpha val="47000"/>
+              </a:schemeClr>
+            </a:solidFill>
+            <a:ln w="12700">
+              <a:solidFill>
+                <a:schemeClr val="tx2">
+                  <a:lumMod val="50000"/>
+                </a:schemeClr>
+              </a:solidFill>
+            </a:ln>
+          </p:spPr>
+          <p:style>
+            <a:lnRef idx="2">
+              <a:schemeClr val="accent1">
+                <a:shade val="50000"/>
+              </a:schemeClr>
+            </a:lnRef>
+            <a:fillRef idx="1">
+              <a:schemeClr val="accent1"/>
+            </a:fillRef>
+            <a:effectRef idx="0">
+              <a:schemeClr val="accent1"/>
+            </a:effectRef>
+            <a:fontRef idx="minor">
+              <a:schemeClr val="lt1"/>
+            </a:fontRef>
+          </p:style>
+          <p:txBody>
+            <a:bodyPr rtlCol="0" anchor="ctr"/>
+            <a:lstStyle/>
+            <a:p>
+              <a:pPr algn="ctr"/>
+              <a:endParaRPr lang="en-US"/>
+            </a:p>
+          </p:txBody>
+        </p:sp>
+        <p:sp>
+          <p:nvSpPr>
+            <p:cNvPr id="238" name="Rectangle 237"/>
+            <p:cNvSpPr/>
+            <p:nvPr/>
+          </p:nvSpPr>
+          <p:spPr>
+            <a:xfrm>
+              <a:off x="4872518" y="6133673"/>
+              <a:ext cx="3466619" cy="42306"/>
+            </a:xfrm>
+            <a:prstGeom prst="rect">
+              <a:avLst/>
+            </a:prstGeom>
+            <a:solidFill>
+              <a:schemeClr val="accent1">
+                <a:lumMod val="60000"/>
+                <a:lumOff val="40000"/>
+                <a:alpha val="47000"/>
+              </a:schemeClr>
+            </a:solidFill>
+            <a:ln w="12700">
+              <a:solidFill>
+                <a:schemeClr val="tx2">
+                  <a:lumMod val="50000"/>
+                </a:schemeClr>
+              </a:solidFill>
+            </a:ln>
+          </p:spPr>
+          <p:style>
+            <a:lnRef idx="2">
+              <a:schemeClr val="accent1">
+                <a:shade val="50000"/>
+              </a:schemeClr>
+            </a:lnRef>
+            <a:fillRef idx="1">
+              <a:schemeClr val="accent1"/>
+            </a:fillRef>
+            <a:effectRef idx="0">
+              <a:schemeClr val="accent1"/>
+            </a:effectRef>
+            <a:fontRef idx="minor">
+              <a:schemeClr val="lt1"/>
+            </a:fontRef>
+          </p:style>
+          <p:txBody>
+            <a:bodyPr rtlCol="0" anchor="ctr"/>
+            <a:lstStyle/>
+            <a:p>
+              <a:pPr algn="ctr"/>
+              <a:endParaRPr lang="en-US"/>
+            </a:p>
+          </p:txBody>
+        </p:sp>
+        <p:sp>
+          <p:nvSpPr>
+            <p:cNvPr id="239" name="Rectangle 238"/>
+            <p:cNvSpPr/>
+            <p:nvPr/>
+          </p:nvSpPr>
+          <p:spPr>
+            <a:xfrm>
+              <a:off x="4872518" y="5992064"/>
+              <a:ext cx="3466619" cy="42306"/>
+            </a:xfrm>
+            <a:prstGeom prst="rect">
+              <a:avLst/>
+            </a:prstGeom>
+            <a:solidFill>
+              <a:schemeClr val="accent1">
+                <a:lumMod val="60000"/>
+                <a:lumOff val="40000"/>
+                <a:alpha val="47000"/>
+              </a:schemeClr>
+            </a:solidFill>
+            <a:ln w="12700">
+              <a:solidFill>
+                <a:schemeClr val="tx2">
+                  <a:lumMod val="50000"/>
+                </a:schemeClr>
+              </a:solidFill>
+            </a:ln>
+          </p:spPr>
+          <p:style>
+            <a:lnRef idx="2">
+              <a:schemeClr val="accent1">
+                <a:shade val="50000"/>
+              </a:schemeClr>
+            </a:lnRef>
+            <a:fillRef idx="1">
+              <a:schemeClr val="accent1"/>
+            </a:fillRef>
+            <a:effectRef idx="0">
+              <a:schemeClr val="accent1"/>
+            </a:effectRef>
+            <a:fontRef idx="minor">
+              <a:schemeClr val="lt1"/>
+            </a:fontRef>
+          </p:style>
+          <p:txBody>
+            <a:bodyPr rtlCol="0" anchor="ctr"/>
+            <a:lstStyle/>
+            <a:p>
+              <a:pPr algn="ctr"/>
+              <a:endParaRPr lang="en-US"/>
+            </a:p>
+          </p:txBody>
+        </p:sp>
+        <p:sp>
+          <p:nvSpPr>
+            <p:cNvPr id="240" name="Rectangle 239"/>
+            <p:cNvSpPr/>
+            <p:nvPr/>
+          </p:nvSpPr>
+          <p:spPr>
+            <a:xfrm>
+              <a:off x="4872518" y="6231213"/>
+              <a:ext cx="3466619" cy="42306"/>
+            </a:xfrm>
+            <a:prstGeom prst="rect">
+              <a:avLst/>
+            </a:prstGeom>
+            <a:solidFill>
+              <a:schemeClr val="accent1">
+                <a:lumMod val="60000"/>
+                <a:lumOff val="40000"/>
+                <a:alpha val="47000"/>
+              </a:schemeClr>
+            </a:solidFill>
+            <a:ln w="12700">
+              <a:solidFill>
+                <a:schemeClr val="tx2">
+                  <a:lumMod val="50000"/>
+                </a:schemeClr>
+              </a:solidFill>
+            </a:ln>
+          </p:spPr>
+          <p:style>
+            <a:lnRef idx="2">
+              <a:schemeClr val="accent1">
+                <a:shade val="50000"/>
+              </a:schemeClr>
+            </a:lnRef>
+            <a:fillRef idx="1">
+              <a:schemeClr val="accent1"/>
+            </a:fillRef>
+            <a:effectRef idx="0">
+              <a:schemeClr val="accent1"/>
+            </a:effectRef>
+            <a:fontRef idx="minor">
+              <a:schemeClr val="lt1"/>
+            </a:fontRef>
+          </p:style>
+          <p:txBody>
+            <a:bodyPr rtlCol="0" anchor="ctr"/>
+            <a:lstStyle/>
+            <a:p>
+              <a:pPr algn="ctr"/>
+              <a:endParaRPr lang="en-US"/>
+            </a:p>
+          </p:txBody>
+        </p:sp>
+        <p:sp>
+          <p:nvSpPr>
+            <p:cNvPr id="241" name="Rectangle 240"/>
+            <p:cNvSpPr/>
+            <p:nvPr/>
+          </p:nvSpPr>
+          <p:spPr>
+            <a:xfrm>
+              <a:off x="4872518" y="6372235"/>
+              <a:ext cx="3466619" cy="42306"/>
+            </a:xfrm>
+            <a:prstGeom prst="rect">
+              <a:avLst/>
+            </a:prstGeom>
+            <a:solidFill>
+              <a:schemeClr val="accent1">
+                <a:lumMod val="60000"/>
+                <a:lumOff val="40000"/>
+                <a:alpha val="47000"/>
+              </a:schemeClr>
+            </a:solidFill>
+            <a:ln w="12700">
+              <a:solidFill>
+                <a:schemeClr val="tx2">
+                  <a:lumMod val="50000"/>
+                </a:schemeClr>
+              </a:solidFill>
+            </a:ln>
+          </p:spPr>
+          <p:style>
+            <a:lnRef idx="2">
+              <a:schemeClr val="accent1">
+                <a:shade val="50000"/>
+              </a:schemeClr>
+            </a:lnRef>
+            <a:fillRef idx="1">
+              <a:schemeClr val="accent1"/>
+            </a:fillRef>
+            <a:effectRef idx="0">
+              <a:schemeClr val="accent1"/>
+            </a:effectRef>
+            <a:fontRef idx="minor">
+              <a:schemeClr val="lt1"/>
+            </a:fontRef>
+          </p:style>
+          <p:txBody>
+            <a:bodyPr rtlCol="0" anchor="ctr"/>
+            <a:lstStyle/>
+            <a:p>
+              <a:pPr algn="ctr"/>
+              <a:endParaRPr lang="en-US"/>
+            </a:p>
+          </p:txBody>
+        </p:sp>
+        <p:sp>
+          <p:nvSpPr>
+            <p:cNvPr id="242" name="Rectangle 241"/>
+            <p:cNvSpPr/>
+            <p:nvPr/>
+          </p:nvSpPr>
+          <p:spPr>
+            <a:xfrm>
+              <a:off x="4872518" y="6513845"/>
+              <a:ext cx="3466619" cy="42306"/>
+            </a:xfrm>
+            <a:prstGeom prst="rect">
+              <a:avLst/>
+            </a:prstGeom>
+            <a:solidFill>
+              <a:schemeClr val="accent1">
+                <a:lumMod val="60000"/>
+                <a:lumOff val="40000"/>
+                <a:alpha val="47000"/>
+              </a:schemeClr>
+            </a:solidFill>
+            <a:ln w="12700">
+              <a:solidFill>
+                <a:schemeClr val="tx2">
+                  <a:lumMod val="50000"/>
+                </a:schemeClr>
+              </a:solidFill>
+            </a:ln>
+          </p:spPr>
+          <p:style>
+            <a:lnRef idx="2">
+              <a:schemeClr val="accent1">
+                <a:shade val="50000"/>
+              </a:schemeClr>
+            </a:lnRef>
+            <a:fillRef idx="1">
+              <a:schemeClr val="accent1"/>
+            </a:fillRef>
+            <a:effectRef idx="0">
+              <a:schemeClr val="accent1"/>
+            </a:effectRef>
+            <a:fontRef idx="minor">
+              <a:schemeClr val="lt1"/>
+            </a:fontRef>
+          </p:style>
+          <p:txBody>
+            <a:bodyPr rtlCol="0" anchor="ctr"/>
+            <a:lstStyle/>
+            <a:p>
+              <a:pPr algn="ctr"/>
+              <a:endParaRPr lang="en-US"/>
+            </a:p>
+          </p:txBody>
+        </p:sp>
+        <p:sp>
+          <p:nvSpPr>
+            <p:cNvPr id="243" name="TextBox 242"/>
+            <p:cNvSpPr txBox="1"/>
+            <p:nvPr/>
+          </p:nvSpPr>
+          <p:spPr>
+            <a:xfrm>
+              <a:off x="7218415" y="5453390"/>
+              <a:ext cx="614798" cy="261610"/>
+            </a:xfrm>
+            <a:prstGeom prst="rect">
+              <a:avLst/>
+            </a:prstGeom>
+            <a:noFill/>
+          </p:spPr>
+          <p:txBody>
+            <a:bodyPr wrap="square" rtlCol="0">
+              <a:spAutoFit/>
+            </a:bodyPr>
+            <a:lstStyle/>
+            <a:p>
+              <a:pPr algn="ctr"/>
+              <a:r>
+                <a:rPr lang="en-US" sz="1100" dirty="0" smtClean="0"/>
+                <a:t>Span  8</a:t>
+              </a:r>
+              <a:endParaRPr lang="en-US" sz="1100" dirty="0"/>
+            </a:p>
+          </p:txBody>
+        </p:sp>
+        <p:cxnSp>
+          <p:nvCxnSpPr>
+            <p:cNvPr id="244" name="Straight Connector 243"/>
+            <p:cNvCxnSpPr/>
+            <p:nvPr/>
+          </p:nvCxnSpPr>
+          <p:spPr>
+            <a:xfrm>
+              <a:off x="5301833" y="5631436"/>
+              <a:ext cx="0" cy="1150364"/>
+            </a:xfrm>
+            <a:prstGeom prst="line">
+              <a:avLst/>
+            </a:prstGeom>
+            <a:ln w="19050">
+              <a:solidFill>
+                <a:schemeClr val="tx1"/>
+              </a:solidFill>
+              <a:prstDash val="sysDash"/>
+            </a:ln>
+          </p:spPr>
+          <p:style>
+            <a:lnRef idx="1">
+              <a:schemeClr val="accent1"/>
+            </a:lnRef>
+            <a:fillRef idx="0">
+              <a:schemeClr val="accent1"/>
+            </a:fillRef>
+            <a:effectRef idx="0">
+              <a:schemeClr val="accent1"/>
+            </a:effectRef>
+            <a:fontRef idx="minor">
+              <a:schemeClr val="tx1"/>
+            </a:fontRef>
+          </p:style>
+        </p:cxnSp>
+        <p:cxnSp>
+          <p:nvCxnSpPr>
+            <p:cNvPr id="245" name="Straight Connector 244"/>
+            <p:cNvCxnSpPr/>
+            <p:nvPr/>
+          </p:nvCxnSpPr>
+          <p:spPr>
+            <a:xfrm>
+              <a:off x="5737291" y="5630920"/>
+              <a:ext cx="0" cy="1150364"/>
+            </a:xfrm>
+            <a:prstGeom prst="line">
+              <a:avLst/>
+            </a:prstGeom>
+            <a:ln w="19050">
+              <a:solidFill>
+                <a:schemeClr val="tx1"/>
+              </a:solidFill>
+              <a:prstDash val="sysDash"/>
+            </a:ln>
+          </p:spPr>
+          <p:style>
+            <a:lnRef idx="1">
+              <a:schemeClr val="accent1"/>
+            </a:lnRef>
+            <a:fillRef idx="0">
+              <a:schemeClr val="accent1"/>
+            </a:fillRef>
+            <a:effectRef idx="0">
+              <a:schemeClr val="accent1"/>
+            </a:effectRef>
+            <a:fontRef idx="minor">
+              <a:schemeClr val="tx1"/>
+            </a:fontRef>
+          </p:style>
+        </p:cxnSp>
+        <p:cxnSp>
+          <p:nvCxnSpPr>
+            <p:cNvPr id="246" name="Straight Connector 245"/>
+            <p:cNvCxnSpPr/>
+            <p:nvPr/>
+          </p:nvCxnSpPr>
+          <p:spPr>
+            <a:xfrm>
+              <a:off x="6177617" y="5630920"/>
+              <a:ext cx="0" cy="1150364"/>
+            </a:xfrm>
+            <a:prstGeom prst="line">
+              <a:avLst/>
+            </a:prstGeom>
+            <a:ln w="19050">
+              <a:solidFill>
+                <a:schemeClr val="tx1"/>
+              </a:solidFill>
+              <a:prstDash val="sysDash"/>
+            </a:ln>
+          </p:spPr>
+          <p:style>
+            <a:lnRef idx="1">
+              <a:schemeClr val="accent1"/>
+            </a:lnRef>
+            <a:fillRef idx="0">
+              <a:schemeClr val="accent1"/>
+            </a:fillRef>
+            <a:effectRef idx="0">
+              <a:schemeClr val="accent1"/>
+            </a:effectRef>
+            <a:fontRef idx="minor">
+              <a:schemeClr val="tx1"/>
+            </a:fontRef>
+          </p:style>
+        </p:cxnSp>
+        <p:sp>
+          <p:nvSpPr>
+            <p:cNvPr id="247" name="TextBox 246"/>
+            <p:cNvSpPr txBox="1"/>
+            <p:nvPr/>
+          </p:nvSpPr>
+          <p:spPr>
+            <a:xfrm>
+              <a:off x="5439240" y="5453390"/>
+              <a:ext cx="614798" cy="261610"/>
+            </a:xfrm>
+            <a:prstGeom prst="rect">
+              <a:avLst/>
+            </a:prstGeom>
+            <a:noFill/>
+          </p:spPr>
+          <p:txBody>
+            <a:bodyPr wrap="square" rtlCol="0">
+              <a:spAutoFit/>
+            </a:bodyPr>
+            <a:lstStyle/>
+            <a:p>
+              <a:pPr algn="ctr"/>
+              <a:r>
+                <a:rPr lang="en-US" sz="1100" dirty="0" smtClean="0"/>
+                <a:t>Span  7</a:t>
+              </a:r>
+              <a:endParaRPr lang="en-US" sz="1100" dirty="0"/>
+            </a:p>
+          </p:txBody>
+        </p:sp>
+      </p:grpSp>
+      <p:grpSp>
+        <p:nvGrpSpPr>
+          <p:cNvPr id="154" name="Group 153"/>
+          <p:cNvGrpSpPr/>
+          <p:nvPr/>
+        </p:nvGrpSpPr>
+        <p:grpSpPr>
+          <a:xfrm>
+            <a:off x="4776223" y="5453390"/>
+            <a:ext cx="3643160" cy="1447261"/>
+            <a:chOff x="4776223" y="5453390"/>
+            <a:chExt cx="3643160" cy="1447261"/>
+          </a:xfrm>
+        </p:grpSpPr>
+        <p:sp>
+          <p:nvSpPr>
+            <p:cNvPr id="130" name="TextBox 129"/>
+            <p:cNvSpPr txBox="1"/>
+            <p:nvPr/>
+          </p:nvSpPr>
+          <p:spPr>
+            <a:xfrm>
+              <a:off x="5315662" y="6669819"/>
+              <a:ext cx="861955" cy="230832"/>
+            </a:xfrm>
+            <a:prstGeom prst="rect">
+              <a:avLst/>
+            </a:prstGeom>
+            <a:noFill/>
+          </p:spPr>
+          <p:txBody>
+            <a:bodyPr wrap="square" rtlCol="0">
+              <a:spAutoFit/>
+            </a:bodyPr>
+            <a:lstStyle/>
+            <a:p>
+              <a:pPr algn="ctr"/>
+              <a:r>
+                <a:rPr lang="en-US" sz="900" dirty="0" smtClean="0"/>
+                <a:t>Mid-span</a:t>
+              </a:r>
+              <a:endParaRPr lang="en-US" sz="900" dirty="0"/>
+            </a:p>
+          </p:txBody>
+        </p:sp>
+        <p:sp>
+          <p:nvSpPr>
+            <p:cNvPr id="5" name="Rectangle 4"/>
+            <p:cNvSpPr/>
+            <p:nvPr/>
+          </p:nvSpPr>
+          <p:spPr>
+            <a:xfrm>
+              <a:off x="4817578" y="5685018"/>
+              <a:ext cx="3554890" cy="1032660"/>
+            </a:xfrm>
+            <a:prstGeom prst="rect">
+              <a:avLst/>
+            </a:prstGeom>
+            <a:solidFill>
+              <a:srgbClr val="F6F5EE"/>
+            </a:solidFill>
+            <a:ln w="12700">
+              <a:solidFill>
+                <a:srgbClr val="73614F"/>
+              </a:solidFill>
+              <a:prstDash val="lgDash"/>
+            </a:ln>
+          </p:spPr>
+          <p:style>
+            <a:lnRef idx="2">
+              <a:schemeClr val="accent1">
+                <a:shade val="50000"/>
+              </a:schemeClr>
+            </a:lnRef>
+            <a:fillRef idx="1">
+              <a:schemeClr val="accent1"/>
+            </a:fillRef>
+            <a:effectRef idx="0">
+              <a:schemeClr val="accent1"/>
+            </a:effectRef>
+            <a:fontRef idx="minor">
+              <a:schemeClr val="lt1"/>
+            </a:fontRef>
+          </p:style>
+          <p:txBody>
+            <a:bodyPr rtlCol="0" anchor="ctr"/>
+            <a:lstStyle/>
+            <a:p>
+              <a:pPr algn="ctr"/>
+              <a:endParaRPr lang="en-US"/>
+            </a:p>
+          </p:txBody>
+        </p:sp>
+        <p:sp>
+          <p:nvSpPr>
+            <p:cNvPr id="8" name="Rectangle 7"/>
+            <p:cNvSpPr/>
+            <p:nvPr/>
+          </p:nvSpPr>
+          <p:spPr>
+            <a:xfrm>
+              <a:off x="4776223" y="5661514"/>
+              <a:ext cx="160492" cy="1081166"/>
+            </a:xfrm>
+            <a:prstGeom prst="rect">
+              <a:avLst/>
+            </a:prstGeom>
+            <a:solidFill>
+              <a:schemeClr val="accent3">
+                <a:lumMod val="20000"/>
+                <a:lumOff val="80000"/>
+              </a:schemeClr>
+            </a:solidFill>
+            <a:ln w="12700">
+              <a:solidFill>
+                <a:schemeClr val="accent3">
+                  <a:lumMod val="50000"/>
+                </a:schemeClr>
+              </a:solidFill>
+            </a:ln>
+          </p:spPr>
+          <p:style>
+            <a:lnRef idx="2">
+              <a:schemeClr val="accent1">
+                <a:shade val="50000"/>
+              </a:schemeClr>
+            </a:lnRef>
+            <a:fillRef idx="1">
+              <a:schemeClr val="accent1"/>
+            </a:fillRef>
+            <a:effectRef idx="0">
+              <a:schemeClr val="accent1"/>
+            </a:effectRef>
+            <a:fontRef idx="minor">
+              <a:schemeClr val="lt1"/>
+            </a:fontRef>
+          </p:style>
+          <p:txBody>
+            <a:bodyPr rtlCol="0" anchor="ctr"/>
+            <a:lstStyle/>
+            <a:p>
+              <a:pPr algn="ctr"/>
+              <a:endParaRPr lang="en-US"/>
+            </a:p>
+          </p:txBody>
+        </p:sp>
+        <p:sp>
+          <p:nvSpPr>
+            <p:cNvPr id="6" name="Rectangle 5"/>
+            <p:cNvSpPr/>
+            <p:nvPr/>
+          </p:nvSpPr>
+          <p:spPr>
+            <a:xfrm>
+              <a:off x="6525582" y="5661514"/>
+              <a:ext cx="160492" cy="1081166"/>
+            </a:xfrm>
+            <a:prstGeom prst="rect">
+              <a:avLst/>
+            </a:prstGeom>
+            <a:solidFill>
+              <a:schemeClr val="accent3">
+                <a:lumMod val="20000"/>
+                <a:lumOff val="80000"/>
+              </a:schemeClr>
+            </a:solidFill>
+            <a:ln w="12700">
+              <a:solidFill>
+                <a:schemeClr val="accent3">
+                  <a:lumMod val="50000"/>
+                </a:schemeClr>
+              </a:solidFill>
+            </a:ln>
+          </p:spPr>
+          <p:style>
+            <a:lnRef idx="2">
+              <a:schemeClr val="accent1">
+                <a:shade val="50000"/>
+              </a:schemeClr>
+            </a:lnRef>
+            <a:fillRef idx="1">
+              <a:schemeClr val="accent1"/>
+            </a:fillRef>
+            <a:effectRef idx="0">
+              <a:schemeClr val="accent1"/>
+            </a:effectRef>
+            <a:fontRef idx="minor">
+              <a:schemeClr val="lt1"/>
+            </a:fontRef>
+          </p:style>
+          <p:txBody>
+            <a:bodyPr rtlCol="0" anchor="ctr"/>
+            <a:lstStyle/>
+            <a:p>
+              <a:pPr algn="ctr"/>
+              <a:endParaRPr lang="en-US"/>
+            </a:p>
+          </p:txBody>
+        </p:sp>
+        <p:sp>
+          <p:nvSpPr>
+            <p:cNvPr id="7" name="Rectangle 6"/>
+            <p:cNvSpPr/>
+            <p:nvPr/>
+          </p:nvSpPr>
+          <p:spPr>
+            <a:xfrm>
+              <a:off x="8258891" y="5661514"/>
+              <a:ext cx="160492" cy="1081166"/>
+            </a:xfrm>
+            <a:prstGeom prst="rect">
+              <a:avLst/>
+            </a:prstGeom>
+            <a:solidFill>
+              <a:schemeClr val="accent3">
+                <a:lumMod val="20000"/>
+                <a:lumOff val="80000"/>
+              </a:schemeClr>
+            </a:solidFill>
+            <a:ln w="12700">
+              <a:solidFill>
+                <a:schemeClr val="accent3">
+                  <a:lumMod val="50000"/>
+                </a:schemeClr>
+              </a:solidFill>
+            </a:ln>
+          </p:spPr>
+          <p:style>
+            <a:lnRef idx="2">
+              <a:schemeClr val="accent1">
+                <a:shade val="50000"/>
+              </a:schemeClr>
+            </a:lnRef>
+            <a:fillRef idx="1">
+              <a:schemeClr val="accent1"/>
+            </a:fillRef>
+            <a:effectRef idx="0">
+              <a:schemeClr val="accent1"/>
+            </a:effectRef>
+            <a:fontRef idx="minor">
+              <a:schemeClr val="lt1"/>
+            </a:fontRef>
+          </p:style>
+          <p:txBody>
+            <a:bodyPr rtlCol="0" anchor="ctr"/>
+            <a:lstStyle/>
+            <a:p>
+              <a:pPr algn="ctr"/>
+              <a:endParaRPr lang="en-US"/>
+            </a:p>
+          </p:txBody>
+        </p:sp>
+        <p:sp>
+          <p:nvSpPr>
+            <p:cNvPr id="50" name="Rectangle 49"/>
+            <p:cNvSpPr/>
+            <p:nvPr/>
+          </p:nvSpPr>
+          <p:spPr>
+            <a:xfrm>
+              <a:off x="4877333" y="5708521"/>
+              <a:ext cx="3466619" cy="42306"/>
+            </a:xfrm>
+            <a:prstGeom prst="rect">
+              <a:avLst/>
+            </a:prstGeom>
+            <a:solidFill>
+              <a:schemeClr val="accent1">
+                <a:lumMod val="60000"/>
+                <a:lumOff val="40000"/>
+                <a:alpha val="47000"/>
+              </a:schemeClr>
+            </a:solidFill>
+            <a:ln w="12700">
+              <a:solidFill>
+                <a:schemeClr val="tx2">
+                  <a:lumMod val="50000"/>
+                </a:schemeClr>
+              </a:solidFill>
+            </a:ln>
+          </p:spPr>
+          <p:style>
+            <a:lnRef idx="2">
+              <a:schemeClr val="accent1">
+                <a:shade val="50000"/>
+              </a:schemeClr>
+            </a:lnRef>
+            <a:fillRef idx="1">
+              <a:schemeClr val="accent1"/>
+            </a:fillRef>
+            <a:effectRef idx="0">
+              <a:schemeClr val="accent1"/>
+            </a:effectRef>
+            <a:fontRef idx="minor">
+              <a:schemeClr val="lt1"/>
+            </a:fontRef>
+          </p:style>
+          <p:txBody>
+            <a:bodyPr rtlCol="0" anchor="ctr"/>
+            <a:lstStyle/>
+            <a:p>
+              <a:pPr algn="ctr"/>
+              <a:endParaRPr lang="en-US"/>
+            </a:p>
+          </p:txBody>
+        </p:sp>
+        <p:sp>
+          <p:nvSpPr>
+            <p:cNvPr id="49" name="Rectangle 48"/>
+            <p:cNvSpPr/>
+            <p:nvPr/>
+          </p:nvSpPr>
+          <p:spPr>
+            <a:xfrm>
+              <a:off x="4877333" y="6648666"/>
+              <a:ext cx="3466619" cy="42306"/>
+            </a:xfrm>
+            <a:prstGeom prst="rect">
+              <a:avLst/>
+            </a:prstGeom>
+            <a:solidFill>
+              <a:schemeClr val="accent1">
+                <a:lumMod val="60000"/>
+                <a:lumOff val="40000"/>
+                <a:alpha val="47000"/>
+              </a:schemeClr>
+            </a:solidFill>
+            <a:ln w="12700">
+              <a:solidFill>
+                <a:schemeClr val="tx2">
+                  <a:lumMod val="50000"/>
+                </a:schemeClr>
+              </a:solidFill>
+            </a:ln>
+          </p:spPr>
+          <p:style>
+            <a:lnRef idx="2">
+              <a:schemeClr val="accent1">
+                <a:shade val="50000"/>
+              </a:schemeClr>
+            </a:lnRef>
+            <a:fillRef idx="1">
+              <a:schemeClr val="accent1"/>
+            </a:fillRef>
+            <a:effectRef idx="0">
+              <a:schemeClr val="accent1"/>
+            </a:effectRef>
+            <a:fontRef idx="minor">
+              <a:schemeClr val="lt1"/>
+            </a:fontRef>
+          </p:style>
+          <p:txBody>
+            <a:bodyPr rtlCol="0" anchor="ctr"/>
+            <a:lstStyle/>
+            <a:p>
+              <a:pPr algn="ctr"/>
+              <a:endParaRPr lang="en-US"/>
+            </a:p>
+          </p:txBody>
+        </p:sp>
+        <p:sp>
+          <p:nvSpPr>
+            <p:cNvPr id="9" name="Rectangle 8"/>
+            <p:cNvSpPr/>
+            <p:nvPr/>
+          </p:nvSpPr>
+          <p:spPr>
+            <a:xfrm>
+              <a:off x="4872518" y="5851042"/>
+              <a:ext cx="3466619" cy="42306"/>
+            </a:xfrm>
+            <a:prstGeom prst="rect">
+              <a:avLst/>
+            </a:prstGeom>
+            <a:solidFill>
+              <a:schemeClr val="accent1">
+                <a:lumMod val="60000"/>
+                <a:lumOff val="40000"/>
+                <a:alpha val="47000"/>
+              </a:schemeClr>
+            </a:solidFill>
+            <a:ln w="12700">
+              <a:solidFill>
+                <a:schemeClr val="tx2">
+                  <a:lumMod val="50000"/>
+                </a:schemeClr>
+              </a:solidFill>
+            </a:ln>
+          </p:spPr>
+          <p:style>
+            <a:lnRef idx="2">
+              <a:schemeClr val="accent1">
+                <a:shade val="50000"/>
+              </a:schemeClr>
+            </a:lnRef>
+            <a:fillRef idx="1">
+              <a:schemeClr val="accent1"/>
+            </a:fillRef>
+            <a:effectRef idx="0">
+              <a:schemeClr val="accent1"/>
+            </a:effectRef>
+            <a:fontRef idx="minor">
+              <a:schemeClr val="lt1"/>
+            </a:fontRef>
+          </p:style>
+          <p:txBody>
+            <a:bodyPr rtlCol="0" anchor="ctr"/>
+            <a:lstStyle/>
+            <a:p>
+              <a:pPr algn="ctr"/>
+              <a:endParaRPr lang="en-US"/>
+            </a:p>
+          </p:txBody>
+        </p:sp>
+        <p:sp>
+          <p:nvSpPr>
+            <p:cNvPr id="10" name="Rectangle 9"/>
+            <p:cNvSpPr/>
+            <p:nvPr/>
+          </p:nvSpPr>
+          <p:spPr>
+            <a:xfrm>
+              <a:off x="4872518" y="6133673"/>
+              <a:ext cx="3466619" cy="42306"/>
+            </a:xfrm>
+            <a:prstGeom prst="rect">
+              <a:avLst/>
+            </a:prstGeom>
+            <a:solidFill>
+              <a:schemeClr val="accent1">
+                <a:lumMod val="60000"/>
+                <a:lumOff val="40000"/>
+                <a:alpha val="47000"/>
+              </a:schemeClr>
+            </a:solidFill>
+            <a:ln w="12700">
+              <a:solidFill>
+                <a:schemeClr val="tx2">
+                  <a:lumMod val="50000"/>
+                </a:schemeClr>
+              </a:solidFill>
+            </a:ln>
+          </p:spPr>
+          <p:style>
+            <a:lnRef idx="2">
+              <a:schemeClr val="accent1">
+                <a:shade val="50000"/>
+              </a:schemeClr>
+            </a:lnRef>
+            <a:fillRef idx="1">
+              <a:schemeClr val="accent1"/>
+            </a:fillRef>
+            <a:effectRef idx="0">
+              <a:schemeClr val="accent1"/>
+            </a:effectRef>
+            <a:fontRef idx="minor">
+              <a:schemeClr val="lt1"/>
+            </a:fontRef>
+          </p:style>
+          <p:txBody>
+            <a:bodyPr rtlCol="0" anchor="ctr"/>
+            <a:lstStyle/>
+            <a:p>
+              <a:pPr algn="ctr"/>
+              <a:endParaRPr lang="en-US"/>
+            </a:p>
+          </p:txBody>
+        </p:sp>
+        <p:sp>
+          <p:nvSpPr>
+            <p:cNvPr id="11" name="Rectangle 10"/>
+            <p:cNvSpPr/>
+            <p:nvPr/>
+          </p:nvSpPr>
+          <p:spPr>
+            <a:xfrm>
+              <a:off x="4872518" y="5992064"/>
+              <a:ext cx="3466619" cy="42306"/>
+            </a:xfrm>
+            <a:prstGeom prst="rect">
+              <a:avLst/>
+            </a:prstGeom>
+            <a:solidFill>
+              <a:schemeClr val="accent1">
+                <a:lumMod val="60000"/>
+                <a:lumOff val="40000"/>
+                <a:alpha val="47000"/>
+              </a:schemeClr>
+            </a:solidFill>
+            <a:ln w="12700">
+              <a:solidFill>
+                <a:schemeClr val="tx2">
+                  <a:lumMod val="50000"/>
+                </a:schemeClr>
+              </a:solidFill>
+            </a:ln>
+          </p:spPr>
+          <p:style>
+            <a:lnRef idx="2">
+              <a:schemeClr val="accent1">
+                <a:shade val="50000"/>
+              </a:schemeClr>
+            </a:lnRef>
+            <a:fillRef idx="1">
+              <a:schemeClr val="accent1"/>
+            </a:fillRef>
+            <a:effectRef idx="0">
+              <a:schemeClr val="accent1"/>
+            </a:effectRef>
+            <a:fontRef idx="minor">
+              <a:schemeClr val="lt1"/>
+            </a:fontRef>
+          </p:style>
+          <p:txBody>
+            <a:bodyPr rtlCol="0" anchor="ctr"/>
+            <a:lstStyle/>
+            <a:p>
+              <a:pPr algn="ctr"/>
+              <a:endParaRPr lang="en-US"/>
+            </a:p>
+          </p:txBody>
+        </p:sp>
+        <p:sp>
+          <p:nvSpPr>
+            <p:cNvPr id="12" name="Rectangle 11"/>
+            <p:cNvSpPr/>
+            <p:nvPr/>
+          </p:nvSpPr>
+          <p:spPr>
+            <a:xfrm>
+              <a:off x="4872518" y="6231213"/>
+              <a:ext cx="3466619" cy="42306"/>
+            </a:xfrm>
+            <a:prstGeom prst="rect">
+              <a:avLst/>
+            </a:prstGeom>
+            <a:solidFill>
+              <a:schemeClr val="accent1">
+                <a:lumMod val="60000"/>
+                <a:lumOff val="40000"/>
+                <a:alpha val="47000"/>
+              </a:schemeClr>
+            </a:solidFill>
+            <a:ln w="12700">
+              <a:solidFill>
+                <a:schemeClr val="tx2">
+                  <a:lumMod val="50000"/>
+                </a:schemeClr>
+              </a:solidFill>
+            </a:ln>
+          </p:spPr>
+          <p:style>
+            <a:lnRef idx="2">
+              <a:schemeClr val="accent1">
+                <a:shade val="50000"/>
+              </a:schemeClr>
+            </a:lnRef>
+            <a:fillRef idx="1">
+              <a:schemeClr val="accent1"/>
+            </a:fillRef>
+            <a:effectRef idx="0">
+              <a:schemeClr val="accent1"/>
+            </a:effectRef>
+            <a:fontRef idx="minor">
+              <a:schemeClr val="lt1"/>
+            </a:fontRef>
+          </p:style>
+          <p:txBody>
+            <a:bodyPr rtlCol="0" anchor="ctr"/>
+            <a:lstStyle/>
+            <a:p>
+              <a:pPr algn="ctr"/>
+              <a:endParaRPr lang="en-US"/>
+            </a:p>
+          </p:txBody>
+        </p:sp>
+        <p:sp>
+          <p:nvSpPr>
+            <p:cNvPr id="13" name="Rectangle 12"/>
+            <p:cNvSpPr/>
+            <p:nvPr/>
+          </p:nvSpPr>
+          <p:spPr>
+            <a:xfrm>
+              <a:off x="4872518" y="6372235"/>
+              <a:ext cx="3466619" cy="42306"/>
+            </a:xfrm>
+            <a:prstGeom prst="rect">
+              <a:avLst/>
+            </a:prstGeom>
+            <a:solidFill>
+              <a:schemeClr val="accent1">
+                <a:lumMod val="60000"/>
+                <a:lumOff val="40000"/>
+                <a:alpha val="47000"/>
+              </a:schemeClr>
+            </a:solidFill>
+            <a:ln w="12700">
+              <a:solidFill>
+                <a:schemeClr val="tx2">
+                  <a:lumMod val="50000"/>
+                </a:schemeClr>
+              </a:solidFill>
+            </a:ln>
+          </p:spPr>
+          <p:style>
+            <a:lnRef idx="2">
+              <a:schemeClr val="accent1">
+                <a:shade val="50000"/>
+              </a:schemeClr>
+            </a:lnRef>
+            <a:fillRef idx="1">
+              <a:schemeClr val="accent1"/>
+            </a:fillRef>
+            <a:effectRef idx="0">
+              <a:schemeClr val="accent1"/>
+            </a:effectRef>
+            <a:fontRef idx="minor">
+              <a:schemeClr val="lt1"/>
+            </a:fontRef>
+          </p:style>
+          <p:txBody>
+            <a:bodyPr rtlCol="0" anchor="ctr"/>
+            <a:lstStyle/>
+            <a:p>
+              <a:pPr algn="ctr"/>
+              <a:endParaRPr lang="en-US"/>
+            </a:p>
+          </p:txBody>
+        </p:sp>
+        <p:sp>
+          <p:nvSpPr>
+            <p:cNvPr id="14" name="Rectangle 13"/>
+            <p:cNvSpPr/>
+            <p:nvPr/>
+          </p:nvSpPr>
+          <p:spPr>
+            <a:xfrm>
+              <a:off x="4872518" y="6513845"/>
+              <a:ext cx="3466619" cy="42306"/>
+            </a:xfrm>
+            <a:prstGeom prst="rect">
+              <a:avLst/>
+            </a:prstGeom>
+            <a:solidFill>
+              <a:schemeClr val="accent1">
+                <a:lumMod val="60000"/>
+                <a:lumOff val="40000"/>
+                <a:alpha val="47000"/>
+              </a:schemeClr>
+            </a:solidFill>
+            <a:ln w="12700">
+              <a:solidFill>
+                <a:schemeClr val="tx2">
+                  <a:lumMod val="50000"/>
+                </a:schemeClr>
+              </a:solidFill>
+            </a:ln>
+          </p:spPr>
+          <p:style>
+            <a:lnRef idx="2">
+              <a:schemeClr val="accent1">
+                <a:shade val="50000"/>
+              </a:schemeClr>
+            </a:lnRef>
+            <a:fillRef idx="1">
+              <a:schemeClr val="accent1"/>
+            </a:fillRef>
+            <a:effectRef idx="0">
+              <a:schemeClr val="accent1"/>
+            </a:effectRef>
+            <a:fontRef idx="minor">
+              <a:schemeClr val="lt1"/>
+            </a:fontRef>
+          </p:style>
+          <p:txBody>
+            <a:bodyPr rtlCol="0" anchor="ctr"/>
+            <a:lstStyle/>
+            <a:p>
+              <a:pPr algn="ctr"/>
+              <a:endParaRPr lang="en-US"/>
+            </a:p>
+          </p:txBody>
+        </p:sp>
+        <p:sp>
+          <p:nvSpPr>
+            <p:cNvPr id="67" name="TextBox 66"/>
+            <p:cNvSpPr txBox="1"/>
+            <p:nvPr/>
+          </p:nvSpPr>
+          <p:spPr>
+            <a:xfrm>
+              <a:off x="5439240" y="5453390"/>
+              <a:ext cx="614798" cy="261610"/>
+            </a:xfrm>
+            <a:prstGeom prst="rect">
+              <a:avLst/>
+            </a:prstGeom>
+            <a:noFill/>
+          </p:spPr>
+          <p:txBody>
+            <a:bodyPr wrap="square" rtlCol="0">
+              <a:spAutoFit/>
+            </a:bodyPr>
+            <a:lstStyle/>
+            <a:p>
+              <a:pPr algn="ctr"/>
+              <a:r>
+                <a:rPr lang="en-US" sz="1100" dirty="0" smtClean="0"/>
+                <a:t>Span  7</a:t>
+              </a:r>
+              <a:endParaRPr lang="en-US" sz="1100" dirty="0"/>
+            </a:p>
+          </p:txBody>
+        </p:sp>
+        <p:sp>
+          <p:nvSpPr>
+            <p:cNvPr id="68" name="TextBox 67"/>
+            <p:cNvSpPr txBox="1"/>
+            <p:nvPr/>
+          </p:nvSpPr>
+          <p:spPr>
+            <a:xfrm>
+              <a:off x="7218415" y="5453390"/>
+              <a:ext cx="614798" cy="261610"/>
+            </a:xfrm>
+            <a:prstGeom prst="rect">
+              <a:avLst/>
+            </a:prstGeom>
+            <a:noFill/>
+          </p:spPr>
+          <p:txBody>
+            <a:bodyPr wrap="square" rtlCol="0">
+              <a:spAutoFit/>
+            </a:bodyPr>
+            <a:lstStyle/>
+            <a:p>
+              <a:pPr algn="ctr"/>
+              <a:r>
+                <a:rPr lang="en-US" sz="1100" dirty="0" smtClean="0"/>
+                <a:t>Span  8</a:t>
+              </a:r>
+              <a:endParaRPr lang="en-US" sz="1100" dirty="0"/>
+            </a:p>
+          </p:txBody>
+        </p:sp>
+        <p:cxnSp>
+          <p:nvCxnSpPr>
+            <p:cNvPr id="127" name="Straight Connector 126"/>
+            <p:cNvCxnSpPr/>
+            <p:nvPr/>
+          </p:nvCxnSpPr>
+          <p:spPr>
+            <a:xfrm>
+              <a:off x="5301833" y="5631436"/>
+              <a:ext cx="0" cy="1150364"/>
+            </a:xfrm>
+            <a:prstGeom prst="line">
+              <a:avLst/>
+            </a:prstGeom>
+            <a:ln w="19050">
+              <a:solidFill>
+                <a:schemeClr val="tx1"/>
+              </a:solidFill>
+              <a:prstDash val="sysDash"/>
+            </a:ln>
+          </p:spPr>
+          <p:style>
+            <a:lnRef idx="1">
+              <a:schemeClr val="accent1"/>
+            </a:lnRef>
+            <a:fillRef idx="0">
+              <a:schemeClr val="accent1"/>
+            </a:fillRef>
+            <a:effectRef idx="0">
+              <a:schemeClr val="accent1"/>
+            </a:effectRef>
+            <a:fontRef idx="minor">
+              <a:schemeClr val="tx1"/>
+            </a:fontRef>
+          </p:style>
+        </p:cxnSp>
+        <p:cxnSp>
+          <p:nvCxnSpPr>
+            <p:cNvPr id="129" name="Straight Connector 128"/>
+            <p:cNvCxnSpPr/>
+            <p:nvPr/>
+          </p:nvCxnSpPr>
+          <p:spPr>
+            <a:xfrm>
+              <a:off x="5737291" y="5630920"/>
+              <a:ext cx="0" cy="1150364"/>
+            </a:xfrm>
+            <a:prstGeom prst="line">
+              <a:avLst/>
+            </a:prstGeom>
+            <a:ln w="19050">
+              <a:solidFill>
+                <a:schemeClr val="tx1"/>
+              </a:solidFill>
+              <a:prstDash val="sysDash"/>
+            </a:ln>
+          </p:spPr>
+          <p:style>
+            <a:lnRef idx="1">
+              <a:schemeClr val="accent1"/>
+            </a:lnRef>
+            <a:fillRef idx="0">
+              <a:schemeClr val="accent1"/>
+            </a:fillRef>
+            <a:effectRef idx="0">
+              <a:schemeClr val="accent1"/>
+            </a:effectRef>
+            <a:fontRef idx="minor">
+              <a:schemeClr val="tx1"/>
+            </a:fontRef>
+          </p:style>
+        </p:cxnSp>
+        <p:cxnSp>
+          <p:nvCxnSpPr>
+            <p:cNvPr id="131" name="Straight Connector 130"/>
+            <p:cNvCxnSpPr/>
+            <p:nvPr/>
+          </p:nvCxnSpPr>
+          <p:spPr>
+            <a:xfrm>
+              <a:off x="6177617" y="5630920"/>
+              <a:ext cx="0" cy="1150364"/>
+            </a:xfrm>
+            <a:prstGeom prst="line">
+              <a:avLst/>
+            </a:prstGeom>
+            <a:ln w="19050">
+              <a:solidFill>
+                <a:schemeClr val="tx1"/>
+              </a:solidFill>
+              <a:prstDash val="sysDash"/>
+            </a:ln>
+          </p:spPr>
+          <p:style>
+            <a:lnRef idx="1">
+              <a:schemeClr val="accent1"/>
+            </a:lnRef>
+            <a:fillRef idx="0">
+              <a:schemeClr val="accent1"/>
+            </a:fillRef>
+            <a:effectRef idx="0">
+              <a:schemeClr val="accent1"/>
+            </a:effectRef>
+            <a:fontRef idx="minor">
+              <a:schemeClr val="tx1"/>
+            </a:fontRef>
+          </p:style>
+        </p:cxnSp>
+      </p:grpSp>
+      <p:grpSp>
+        <p:nvGrpSpPr>
+          <p:cNvPr id="155" name="Group 154"/>
+          <p:cNvGrpSpPr/>
+          <p:nvPr/>
+        </p:nvGrpSpPr>
+        <p:grpSpPr>
+          <a:xfrm>
+            <a:off x="5546791" y="5834361"/>
+            <a:ext cx="803635" cy="760288"/>
+            <a:chOff x="5546791" y="5834361"/>
+            <a:chExt cx="803635" cy="760288"/>
+          </a:xfrm>
+        </p:grpSpPr>
+        <p:sp>
+          <p:nvSpPr>
+            <p:cNvPr id="3" name="Oval 2"/>
+            <p:cNvSpPr/>
+            <p:nvPr/>
+          </p:nvSpPr>
+          <p:spPr>
+            <a:xfrm>
+              <a:off x="5546791" y="6016532"/>
+              <a:ext cx="381000" cy="380171"/>
+            </a:xfrm>
+            <a:prstGeom prst="ellipse">
+              <a:avLst/>
+            </a:prstGeom>
+            <a:solidFill>
+              <a:srgbClr val="F6F5EE">
+                <a:alpha val="67000"/>
+              </a:srgbClr>
+            </a:solidFill>
+            <a:ln w="19050">
+              <a:solidFill>
+                <a:srgbClr val="C00000"/>
+              </a:solidFill>
+            </a:ln>
+          </p:spPr>
+          <p:style>
+            <a:lnRef idx="2">
+              <a:schemeClr val="accent1">
+                <a:shade val="50000"/>
+              </a:schemeClr>
+            </a:lnRef>
+            <a:fillRef idx="1">
+              <a:schemeClr val="accent1"/>
+            </a:fillRef>
+            <a:effectRef idx="0">
+              <a:schemeClr val="accent1"/>
+            </a:effectRef>
+            <a:fontRef idx="minor">
+              <a:schemeClr val="lt1"/>
+            </a:fontRef>
+          </p:style>
+          <p:txBody>
+            <a:bodyPr rtlCol="0" anchor="ctr"/>
+            <a:lstStyle/>
+            <a:p>
+              <a:pPr algn="ctr"/>
+              <a:endParaRPr lang="en-US"/>
+            </a:p>
+          </p:txBody>
+        </p:sp>
+        <p:cxnSp>
+          <p:nvCxnSpPr>
+            <p:cNvPr id="15" name="Straight Connector 14"/>
+            <p:cNvCxnSpPr>
+              <a:stCxn id="3" idx="0"/>
+              <a:endCxn id="2" idx="1"/>
+            </p:cNvCxnSpPr>
+            <p:nvPr/>
+          </p:nvCxnSpPr>
+          <p:spPr>
+            <a:xfrm flipV="1">
+              <a:off x="5737291" y="5834361"/>
+              <a:ext cx="613135" cy="182171"/>
+            </a:xfrm>
+            <a:prstGeom prst="line">
+              <a:avLst/>
+            </a:prstGeom>
+            <a:ln w="19050">
+              <a:solidFill>
+                <a:srgbClr val="C00000"/>
+              </a:solidFill>
+            </a:ln>
+          </p:spPr>
+          <p:style>
+            <a:lnRef idx="1">
+              <a:schemeClr val="accent1"/>
+            </a:lnRef>
+            <a:fillRef idx="0">
+              <a:schemeClr val="accent1"/>
+            </a:fillRef>
+            <a:effectRef idx="0">
+              <a:schemeClr val="accent1"/>
+            </a:effectRef>
+            <a:fontRef idx="minor">
+              <a:schemeClr val="tx1"/>
+            </a:fontRef>
+          </p:style>
+        </p:cxnSp>
+        <p:cxnSp>
+          <p:nvCxnSpPr>
+            <p:cNvPr id="18" name="Straight Connector 17"/>
+            <p:cNvCxnSpPr>
+              <a:stCxn id="3" idx="4"/>
+              <a:endCxn id="2" idx="3"/>
+            </p:cNvCxnSpPr>
+            <p:nvPr/>
+          </p:nvCxnSpPr>
+          <p:spPr>
+            <a:xfrm>
+              <a:off x="5737291" y="6396703"/>
+              <a:ext cx="613135" cy="197946"/>
+            </a:xfrm>
+            <a:prstGeom prst="line">
+              <a:avLst/>
+            </a:prstGeom>
+            <a:ln w="19050">
+              <a:solidFill>
+                <a:srgbClr val="C00000"/>
+              </a:solidFill>
+            </a:ln>
+          </p:spPr>
+          <p:style>
+            <a:lnRef idx="1">
+              <a:schemeClr val="accent1"/>
+            </a:lnRef>
+            <a:fillRef idx="0">
+              <a:schemeClr val="accent1"/>
+            </a:fillRef>
+            <a:effectRef idx="0">
+              <a:schemeClr val="accent1"/>
+            </a:effectRef>
+            <a:fontRef idx="minor">
+              <a:schemeClr val="tx1"/>
+            </a:fontRef>
+          </p:style>
+        </p:cxnSp>
+      </p:grpSp>
+      <p:grpSp>
+        <p:nvGrpSpPr>
+          <p:cNvPr id="78" name="Group 77"/>
+          <p:cNvGrpSpPr/>
+          <p:nvPr/>
+        </p:nvGrpSpPr>
+        <p:grpSpPr>
+          <a:xfrm>
+            <a:off x="4815040" y="2286539"/>
+            <a:ext cx="3643160" cy="1447261"/>
+            <a:chOff x="4815040" y="2286000"/>
+            <a:chExt cx="3643160" cy="1447261"/>
+          </a:xfrm>
+        </p:grpSpPr>
+        <p:sp>
+          <p:nvSpPr>
+            <p:cNvPr id="111" name="TextBox 110"/>
+            <p:cNvSpPr txBox="1"/>
+            <p:nvPr/>
+          </p:nvSpPr>
+          <p:spPr>
+            <a:xfrm>
+              <a:off x="5354479" y="3502429"/>
+              <a:ext cx="861955" cy="230832"/>
+            </a:xfrm>
+            <a:prstGeom prst="rect">
+              <a:avLst/>
+            </a:prstGeom>
+            <a:noFill/>
+          </p:spPr>
+          <p:txBody>
+            <a:bodyPr wrap="square" rtlCol="0">
+              <a:spAutoFit/>
+            </a:bodyPr>
+            <a:lstStyle/>
+            <a:p>
+              <a:pPr algn="ctr"/>
+              <a:r>
+                <a:rPr lang="en-US" sz="900" dirty="0" smtClean="0"/>
+                <a:t>Mid-span</a:t>
+              </a:r>
+              <a:endParaRPr lang="en-US" sz="900" dirty="0"/>
+            </a:p>
+          </p:txBody>
+        </p:sp>
+        <p:sp>
+          <p:nvSpPr>
+            <p:cNvPr id="112" name="Rectangle 111"/>
+            <p:cNvSpPr/>
+            <p:nvPr/>
+          </p:nvSpPr>
+          <p:spPr>
+            <a:xfrm>
+              <a:off x="4856395" y="2517628"/>
+              <a:ext cx="3554890" cy="1032660"/>
+            </a:xfrm>
+            <a:prstGeom prst="rect">
+              <a:avLst/>
+            </a:prstGeom>
+            <a:solidFill>
+              <a:srgbClr val="F6F5EE"/>
+            </a:solidFill>
+            <a:ln w="12700">
+              <a:solidFill>
+                <a:srgbClr val="73614F"/>
+              </a:solidFill>
+              <a:prstDash val="lgDash"/>
+            </a:ln>
+          </p:spPr>
+          <p:style>
+            <a:lnRef idx="2">
+              <a:schemeClr val="accent1">
+                <a:shade val="50000"/>
+              </a:schemeClr>
+            </a:lnRef>
+            <a:fillRef idx="1">
+              <a:schemeClr val="accent1"/>
+            </a:fillRef>
+            <a:effectRef idx="0">
+              <a:schemeClr val="accent1"/>
+            </a:effectRef>
+            <a:fontRef idx="minor">
+              <a:schemeClr val="lt1"/>
+            </a:fontRef>
+          </p:style>
+          <p:txBody>
+            <a:bodyPr rtlCol="0" anchor="ctr"/>
+            <a:lstStyle/>
+            <a:p>
+              <a:pPr algn="ctr"/>
+              <a:endParaRPr lang="en-US"/>
+            </a:p>
+          </p:txBody>
+        </p:sp>
+        <p:sp>
+          <p:nvSpPr>
+            <p:cNvPr id="113" name="Rectangle 112"/>
+            <p:cNvSpPr/>
+            <p:nvPr/>
+          </p:nvSpPr>
+          <p:spPr>
+            <a:xfrm>
+              <a:off x="4815040" y="2494124"/>
+              <a:ext cx="160492" cy="1081166"/>
+            </a:xfrm>
+            <a:prstGeom prst="rect">
+              <a:avLst/>
+            </a:prstGeom>
+            <a:solidFill>
+              <a:schemeClr val="accent3">
+                <a:lumMod val="20000"/>
+                <a:lumOff val="80000"/>
+              </a:schemeClr>
+            </a:solidFill>
+            <a:ln w="12700">
+              <a:solidFill>
+                <a:schemeClr val="accent3">
+                  <a:lumMod val="50000"/>
+                </a:schemeClr>
+              </a:solidFill>
+            </a:ln>
+          </p:spPr>
+          <p:style>
+            <a:lnRef idx="2">
+              <a:schemeClr val="accent1">
+                <a:shade val="50000"/>
+              </a:schemeClr>
+            </a:lnRef>
+            <a:fillRef idx="1">
+              <a:schemeClr val="accent1"/>
+            </a:fillRef>
+            <a:effectRef idx="0">
+              <a:schemeClr val="accent1"/>
+            </a:effectRef>
+            <a:fontRef idx="minor">
+              <a:schemeClr val="lt1"/>
+            </a:fontRef>
+          </p:style>
+          <p:txBody>
+            <a:bodyPr rtlCol="0" anchor="ctr"/>
+            <a:lstStyle/>
+            <a:p>
+              <a:pPr algn="ctr"/>
+              <a:endParaRPr lang="en-US"/>
+            </a:p>
+          </p:txBody>
+        </p:sp>
+        <p:sp>
+          <p:nvSpPr>
+            <p:cNvPr id="114" name="Rectangle 113"/>
+            <p:cNvSpPr/>
+            <p:nvPr/>
+          </p:nvSpPr>
+          <p:spPr>
+            <a:xfrm>
+              <a:off x="6564399" y="2494124"/>
+              <a:ext cx="160492" cy="1081166"/>
+            </a:xfrm>
+            <a:prstGeom prst="rect">
+              <a:avLst/>
+            </a:prstGeom>
+            <a:solidFill>
+              <a:schemeClr val="accent3">
+                <a:lumMod val="20000"/>
+                <a:lumOff val="80000"/>
+              </a:schemeClr>
+            </a:solidFill>
+            <a:ln w="12700">
+              <a:solidFill>
+                <a:schemeClr val="accent3">
+                  <a:lumMod val="50000"/>
+                </a:schemeClr>
+              </a:solidFill>
+            </a:ln>
+          </p:spPr>
+          <p:style>
+            <a:lnRef idx="2">
+              <a:schemeClr val="accent1">
+                <a:shade val="50000"/>
+              </a:schemeClr>
+            </a:lnRef>
+            <a:fillRef idx="1">
+              <a:schemeClr val="accent1"/>
+            </a:fillRef>
+            <a:effectRef idx="0">
+              <a:schemeClr val="accent1"/>
+            </a:effectRef>
+            <a:fontRef idx="minor">
+              <a:schemeClr val="lt1"/>
+            </a:fontRef>
+          </p:style>
+          <p:txBody>
+            <a:bodyPr rtlCol="0" anchor="ctr"/>
+            <a:lstStyle/>
+            <a:p>
+              <a:pPr algn="ctr"/>
+              <a:endParaRPr lang="en-US"/>
+            </a:p>
+          </p:txBody>
+        </p:sp>
+        <p:sp>
+          <p:nvSpPr>
+            <p:cNvPr id="115" name="Rectangle 114"/>
+            <p:cNvSpPr/>
+            <p:nvPr/>
+          </p:nvSpPr>
+          <p:spPr>
+            <a:xfrm>
+              <a:off x="8297708" y="2494124"/>
+              <a:ext cx="160492" cy="1081166"/>
+            </a:xfrm>
+            <a:prstGeom prst="rect">
+              <a:avLst/>
+            </a:prstGeom>
+            <a:solidFill>
+              <a:schemeClr val="accent3">
+                <a:lumMod val="20000"/>
+                <a:lumOff val="80000"/>
+              </a:schemeClr>
+            </a:solidFill>
+            <a:ln w="12700">
+              <a:solidFill>
+                <a:schemeClr val="accent3">
+                  <a:lumMod val="50000"/>
+                </a:schemeClr>
+              </a:solidFill>
+            </a:ln>
+          </p:spPr>
+          <p:style>
+            <a:lnRef idx="2">
+              <a:schemeClr val="accent1">
+                <a:shade val="50000"/>
+              </a:schemeClr>
+            </a:lnRef>
+            <a:fillRef idx="1">
+              <a:schemeClr val="accent1"/>
+            </a:fillRef>
+            <a:effectRef idx="0">
+              <a:schemeClr val="accent1"/>
+            </a:effectRef>
+            <a:fontRef idx="minor">
+              <a:schemeClr val="lt1"/>
+            </a:fontRef>
+          </p:style>
+          <p:txBody>
+            <a:bodyPr rtlCol="0" anchor="ctr"/>
+            <a:lstStyle/>
+            <a:p>
+              <a:pPr algn="ctr"/>
+              <a:endParaRPr lang="en-US"/>
+            </a:p>
+          </p:txBody>
+        </p:sp>
+        <p:sp>
+          <p:nvSpPr>
+            <p:cNvPr id="116" name="Rectangle 115"/>
+            <p:cNvSpPr/>
+            <p:nvPr/>
+          </p:nvSpPr>
+          <p:spPr>
+            <a:xfrm>
+              <a:off x="4916150" y="2541131"/>
+              <a:ext cx="3466619" cy="42306"/>
+            </a:xfrm>
+            <a:prstGeom prst="rect">
+              <a:avLst/>
+            </a:prstGeom>
+            <a:solidFill>
+              <a:schemeClr val="accent1">
+                <a:lumMod val="60000"/>
+                <a:lumOff val="40000"/>
+                <a:alpha val="47000"/>
+              </a:schemeClr>
+            </a:solidFill>
+            <a:ln w="12700">
+              <a:solidFill>
+                <a:schemeClr val="tx2">
+                  <a:lumMod val="50000"/>
+                </a:schemeClr>
+              </a:solidFill>
+            </a:ln>
+          </p:spPr>
+          <p:style>
+            <a:lnRef idx="2">
+              <a:schemeClr val="accent1">
+                <a:shade val="50000"/>
+              </a:schemeClr>
+            </a:lnRef>
+            <a:fillRef idx="1">
+              <a:schemeClr val="accent1"/>
+            </a:fillRef>
+            <a:effectRef idx="0">
+              <a:schemeClr val="accent1"/>
+            </a:effectRef>
+            <a:fontRef idx="minor">
+              <a:schemeClr val="lt1"/>
+            </a:fontRef>
+          </p:style>
+          <p:txBody>
+            <a:bodyPr rtlCol="0" anchor="ctr"/>
+            <a:lstStyle/>
+            <a:p>
+              <a:pPr algn="ctr"/>
+              <a:endParaRPr lang="en-US"/>
+            </a:p>
+          </p:txBody>
+        </p:sp>
+        <p:sp>
+          <p:nvSpPr>
+            <p:cNvPr id="117" name="Rectangle 116"/>
+            <p:cNvSpPr/>
+            <p:nvPr/>
+          </p:nvSpPr>
+          <p:spPr>
+            <a:xfrm>
+              <a:off x="4916150" y="3481276"/>
+              <a:ext cx="3466619" cy="42306"/>
+            </a:xfrm>
+            <a:prstGeom prst="rect">
+              <a:avLst/>
+            </a:prstGeom>
+            <a:solidFill>
+              <a:schemeClr val="accent1">
+                <a:lumMod val="60000"/>
+                <a:lumOff val="40000"/>
+                <a:alpha val="47000"/>
+              </a:schemeClr>
+            </a:solidFill>
+            <a:ln w="12700">
+              <a:solidFill>
+                <a:schemeClr val="tx2">
+                  <a:lumMod val="50000"/>
+                </a:schemeClr>
+              </a:solidFill>
+            </a:ln>
+          </p:spPr>
+          <p:style>
+            <a:lnRef idx="2">
+              <a:schemeClr val="accent1">
+                <a:shade val="50000"/>
+              </a:schemeClr>
+            </a:lnRef>
+            <a:fillRef idx="1">
+              <a:schemeClr val="accent1"/>
+            </a:fillRef>
+            <a:effectRef idx="0">
+              <a:schemeClr val="accent1"/>
+            </a:effectRef>
+            <a:fontRef idx="minor">
+              <a:schemeClr val="lt1"/>
+            </a:fontRef>
+          </p:style>
+          <p:txBody>
+            <a:bodyPr rtlCol="0" anchor="ctr"/>
+            <a:lstStyle/>
+            <a:p>
+              <a:pPr algn="ctr"/>
+              <a:endParaRPr lang="en-US"/>
+            </a:p>
+          </p:txBody>
+        </p:sp>
+        <p:sp>
+          <p:nvSpPr>
+            <p:cNvPr id="118" name="Rectangle 117"/>
+            <p:cNvSpPr/>
+            <p:nvPr/>
+          </p:nvSpPr>
+          <p:spPr>
+            <a:xfrm>
+              <a:off x="4911335" y="2683652"/>
+              <a:ext cx="3466619" cy="42306"/>
+            </a:xfrm>
+            <a:prstGeom prst="rect">
+              <a:avLst/>
+            </a:prstGeom>
+            <a:solidFill>
+              <a:schemeClr val="accent1">
+                <a:lumMod val="60000"/>
+                <a:lumOff val="40000"/>
+                <a:alpha val="47000"/>
+              </a:schemeClr>
+            </a:solidFill>
+            <a:ln w="12700">
+              <a:solidFill>
+                <a:schemeClr val="tx2">
+                  <a:lumMod val="50000"/>
+                </a:schemeClr>
+              </a:solidFill>
+            </a:ln>
+          </p:spPr>
+          <p:style>
+            <a:lnRef idx="2">
+              <a:schemeClr val="accent1">
+                <a:shade val="50000"/>
+              </a:schemeClr>
+            </a:lnRef>
+            <a:fillRef idx="1">
+              <a:schemeClr val="accent1"/>
+            </a:fillRef>
+            <a:effectRef idx="0">
+              <a:schemeClr val="accent1"/>
+            </a:effectRef>
+            <a:fontRef idx="minor">
+              <a:schemeClr val="lt1"/>
+            </a:fontRef>
+          </p:style>
+          <p:txBody>
+            <a:bodyPr rtlCol="0" anchor="ctr"/>
+            <a:lstStyle/>
+            <a:p>
+              <a:pPr algn="ctr"/>
+              <a:endParaRPr lang="en-US"/>
+            </a:p>
+          </p:txBody>
+        </p:sp>
+        <p:sp>
+          <p:nvSpPr>
+            <p:cNvPr id="119" name="Rectangle 118"/>
+            <p:cNvSpPr/>
+            <p:nvPr/>
+          </p:nvSpPr>
+          <p:spPr>
+            <a:xfrm>
+              <a:off x="4911335" y="2966283"/>
+              <a:ext cx="3466619" cy="42306"/>
+            </a:xfrm>
+            <a:prstGeom prst="rect">
+              <a:avLst/>
+            </a:prstGeom>
+            <a:solidFill>
+              <a:schemeClr val="accent1">
+                <a:lumMod val="60000"/>
+                <a:lumOff val="40000"/>
+                <a:alpha val="47000"/>
+              </a:schemeClr>
+            </a:solidFill>
+            <a:ln w="12700">
+              <a:solidFill>
+                <a:schemeClr val="tx2">
+                  <a:lumMod val="50000"/>
+                </a:schemeClr>
+              </a:solidFill>
+            </a:ln>
+          </p:spPr>
+          <p:style>
+            <a:lnRef idx="2">
+              <a:schemeClr val="accent1">
+                <a:shade val="50000"/>
+              </a:schemeClr>
+            </a:lnRef>
+            <a:fillRef idx="1">
+              <a:schemeClr val="accent1"/>
+            </a:fillRef>
+            <a:effectRef idx="0">
+              <a:schemeClr val="accent1"/>
+            </a:effectRef>
+            <a:fontRef idx="minor">
+              <a:schemeClr val="lt1"/>
+            </a:fontRef>
+          </p:style>
+          <p:txBody>
+            <a:bodyPr rtlCol="0" anchor="ctr"/>
+            <a:lstStyle/>
+            <a:p>
+              <a:pPr algn="ctr"/>
+              <a:endParaRPr lang="en-US"/>
+            </a:p>
+          </p:txBody>
+        </p:sp>
+        <p:sp>
+          <p:nvSpPr>
+            <p:cNvPr id="120" name="Rectangle 119"/>
+            <p:cNvSpPr/>
+            <p:nvPr/>
+          </p:nvSpPr>
+          <p:spPr>
+            <a:xfrm>
+              <a:off x="4911335" y="2824674"/>
+              <a:ext cx="3466619" cy="42306"/>
+            </a:xfrm>
+            <a:prstGeom prst="rect">
+              <a:avLst/>
+            </a:prstGeom>
+            <a:solidFill>
+              <a:schemeClr val="accent1">
+                <a:lumMod val="60000"/>
+                <a:lumOff val="40000"/>
+                <a:alpha val="47000"/>
+              </a:schemeClr>
+            </a:solidFill>
+            <a:ln w="12700">
+              <a:solidFill>
+                <a:schemeClr val="tx2">
+                  <a:lumMod val="50000"/>
+                </a:schemeClr>
+              </a:solidFill>
+            </a:ln>
+          </p:spPr>
+          <p:style>
+            <a:lnRef idx="2">
+              <a:schemeClr val="accent1">
+                <a:shade val="50000"/>
+              </a:schemeClr>
+            </a:lnRef>
+            <a:fillRef idx="1">
+              <a:schemeClr val="accent1"/>
+            </a:fillRef>
+            <a:effectRef idx="0">
+              <a:schemeClr val="accent1"/>
+            </a:effectRef>
+            <a:fontRef idx="minor">
+              <a:schemeClr val="lt1"/>
+            </a:fontRef>
+          </p:style>
+          <p:txBody>
+            <a:bodyPr rtlCol="0" anchor="ctr"/>
+            <a:lstStyle/>
+            <a:p>
+              <a:pPr algn="ctr"/>
+              <a:endParaRPr lang="en-US"/>
+            </a:p>
+          </p:txBody>
+        </p:sp>
+        <p:sp>
+          <p:nvSpPr>
+            <p:cNvPr id="121" name="Rectangle 120"/>
+            <p:cNvSpPr/>
+            <p:nvPr/>
+          </p:nvSpPr>
+          <p:spPr>
+            <a:xfrm>
+              <a:off x="4911335" y="3063823"/>
+              <a:ext cx="3466619" cy="42306"/>
+            </a:xfrm>
+            <a:prstGeom prst="rect">
+              <a:avLst/>
+            </a:prstGeom>
+            <a:solidFill>
+              <a:schemeClr val="accent1">
+                <a:lumMod val="60000"/>
+                <a:lumOff val="40000"/>
+                <a:alpha val="47000"/>
+              </a:schemeClr>
+            </a:solidFill>
+            <a:ln w="12700">
+              <a:solidFill>
+                <a:schemeClr val="tx2">
+                  <a:lumMod val="50000"/>
+                </a:schemeClr>
+              </a:solidFill>
+            </a:ln>
+          </p:spPr>
+          <p:style>
+            <a:lnRef idx="2">
+              <a:schemeClr val="accent1">
+                <a:shade val="50000"/>
+              </a:schemeClr>
+            </a:lnRef>
+            <a:fillRef idx="1">
+              <a:schemeClr val="accent1"/>
+            </a:fillRef>
+            <a:effectRef idx="0">
+              <a:schemeClr val="accent1"/>
+            </a:effectRef>
+            <a:fontRef idx="minor">
+              <a:schemeClr val="lt1"/>
+            </a:fontRef>
+          </p:style>
+          <p:txBody>
+            <a:bodyPr rtlCol="0" anchor="ctr"/>
+            <a:lstStyle/>
+            <a:p>
+              <a:pPr algn="ctr"/>
+              <a:endParaRPr lang="en-US"/>
+            </a:p>
+          </p:txBody>
+        </p:sp>
+        <p:sp>
+          <p:nvSpPr>
+            <p:cNvPr id="122" name="Rectangle 121"/>
+            <p:cNvSpPr/>
+            <p:nvPr/>
+          </p:nvSpPr>
+          <p:spPr>
+            <a:xfrm>
+              <a:off x="4911335" y="3204845"/>
+              <a:ext cx="3466619" cy="42306"/>
+            </a:xfrm>
+            <a:prstGeom prst="rect">
+              <a:avLst/>
+            </a:prstGeom>
+            <a:solidFill>
+              <a:schemeClr val="accent1">
+                <a:lumMod val="60000"/>
+                <a:lumOff val="40000"/>
+                <a:alpha val="47000"/>
+              </a:schemeClr>
+            </a:solidFill>
+            <a:ln w="12700">
+              <a:solidFill>
+                <a:schemeClr val="tx2">
+                  <a:lumMod val="50000"/>
+                </a:schemeClr>
+              </a:solidFill>
+            </a:ln>
+          </p:spPr>
+          <p:style>
+            <a:lnRef idx="2">
+              <a:schemeClr val="accent1">
+                <a:shade val="50000"/>
+              </a:schemeClr>
+            </a:lnRef>
+            <a:fillRef idx="1">
+              <a:schemeClr val="accent1"/>
+            </a:fillRef>
+            <a:effectRef idx="0">
+              <a:schemeClr val="accent1"/>
+            </a:effectRef>
+            <a:fontRef idx="minor">
+              <a:schemeClr val="lt1"/>
+            </a:fontRef>
+          </p:style>
+          <p:txBody>
+            <a:bodyPr rtlCol="0" anchor="ctr"/>
+            <a:lstStyle/>
+            <a:p>
+              <a:pPr algn="ctr"/>
+              <a:endParaRPr lang="en-US"/>
+            </a:p>
+          </p:txBody>
+        </p:sp>
+        <p:sp>
+          <p:nvSpPr>
+            <p:cNvPr id="123" name="Rectangle 122"/>
+            <p:cNvSpPr/>
+            <p:nvPr/>
+          </p:nvSpPr>
+          <p:spPr>
+            <a:xfrm>
+              <a:off x="4911335" y="3346455"/>
+              <a:ext cx="3466619" cy="42306"/>
+            </a:xfrm>
+            <a:prstGeom prst="rect">
+              <a:avLst/>
+            </a:prstGeom>
+            <a:solidFill>
+              <a:schemeClr val="accent1">
+                <a:lumMod val="60000"/>
+                <a:lumOff val="40000"/>
+                <a:alpha val="47000"/>
+              </a:schemeClr>
+            </a:solidFill>
+            <a:ln w="12700">
+              <a:solidFill>
+                <a:schemeClr val="tx2">
+                  <a:lumMod val="50000"/>
+                </a:schemeClr>
+              </a:solidFill>
+            </a:ln>
+          </p:spPr>
+          <p:style>
+            <a:lnRef idx="2">
+              <a:schemeClr val="accent1">
+                <a:shade val="50000"/>
+              </a:schemeClr>
+            </a:lnRef>
+            <a:fillRef idx="1">
+              <a:schemeClr val="accent1"/>
+            </a:fillRef>
+            <a:effectRef idx="0">
+              <a:schemeClr val="accent1"/>
+            </a:effectRef>
+            <a:fontRef idx="minor">
+              <a:schemeClr val="lt1"/>
+            </a:fontRef>
+          </p:style>
+          <p:txBody>
+            <a:bodyPr rtlCol="0" anchor="ctr"/>
+            <a:lstStyle/>
+            <a:p>
+              <a:pPr algn="ctr"/>
+              <a:endParaRPr lang="en-US"/>
+            </a:p>
+          </p:txBody>
+        </p:sp>
+        <p:sp>
+          <p:nvSpPr>
+            <p:cNvPr id="124" name="TextBox 123"/>
+            <p:cNvSpPr txBox="1"/>
+            <p:nvPr/>
+          </p:nvSpPr>
+          <p:spPr>
+            <a:xfrm>
+              <a:off x="5478057" y="2286000"/>
+              <a:ext cx="614798" cy="261610"/>
+            </a:xfrm>
+            <a:prstGeom prst="rect">
+              <a:avLst/>
+            </a:prstGeom>
+            <a:noFill/>
+          </p:spPr>
+          <p:txBody>
+            <a:bodyPr wrap="square" rtlCol="0">
+              <a:spAutoFit/>
+            </a:bodyPr>
+            <a:lstStyle/>
+            <a:p>
+              <a:pPr algn="ctr"/>
+              <a:r>
+                <a:rPr lang="en-US" sz="1100" dirty="0" smtClean="0"/>
+                <a:t>Span  7</a:t>
+              </a:r>
+              <a:endParaRPr lang="en-US" sz="1100" dirty="0"/>
+            </a:p>
+          </p:txBody>
+        </p:sp>
+        <p:sp>
+          <p:nvSpPr>
+            <p:cNvPr id="125" name="TextBox 124"/>
+            <p:cNvSpPr txBox="1"/>
+            <p:nvPr/>
+          </p:nvSpPr>
+          <p:spPr>
+            <a:xfrm>
+              <a:off x="7257232" y="2286000"/>
+              <a:ext cx="614798" cy="261610"/>
+            </a:xfrm>
+            <a:prstGeom prst="rect">
+              <a:avLst/>
+            </a:prstGeom>
+            <a:noFill/>
+          </p:spPr>
+          <p:txBody>
+            <a:bodyPr wrap="square" rtlCol="0">
+              <a:spAutoFit/>
+            </a:bodyPr>
+            <a:lstStyle/>
+            <a:p>
+              <a:pPr algn="ctr"/>
+              <a:r>
+                <a:rPr lang="en-US" sz="1100" dirty="0" smtClean="0"/>
+                <a:t>Span  8</a:t>
+              </a:r>
+              <a:endParaRPr lang="en-US" sz="1100" dirty="0"/>
+            </a:p>
+          </p:txBody>
+        </p:sp>
+        <p:cxnSp>
+          <p:nvCxnSpPr>
+            <p:cNvPr id="126" name="Straight Connector 125"/>
+            <p:cNvCxnSpPr/>
+            <p:nvPr/>
+          </p:nvCxnSpPr>
+          <p:spPr>
+            <a:xfrm>
+              <a:off x="5340650" y="2464046"/>
+              <a:ext cx="0" cy="1150364"/>
+            </a:xfrm>
+            <a:prstGeom prst="line">
+              <a:avLst/>
+            </a:prstGeom>
+            <a:ln w="19050">
+              <a:solidFill>
+                <a:schemeClr val="tx1"/>
+              </a:solidFill>
+              <a:prstDash val="sysDash"/>
+            </a:ln>
+          </p:spPr>
+          <p:style>
+            <a:lnRef idx="1">
+              <a:schemeClr val="accent1"/>
+            </a:lnRef>
+            <a:fillRef idx="0">
+              <a:schemeClr val="accent1"/>
+            </a:fillRef>
+            <a:effectRef idx="0">
+              <a:schemeClr val="accent1"/>
+            </a:effectRef>
+            <a:fontRef idx="minor">
+              <a:schemeClr val="tx1"/>
+            </a:fontRef>
+          </p:style>
+        </p:cxnSp>
+        <p:cxnSp>
+          <p:nvCxnSpPr>
+            <p:cNvPr id="128" name="Straight Connector 127"/>
+            <p:cNvCxnSpPr/>
+            <p:nvPr/>
+          </p:nvCxnSpPr>
+          <p:spPr>
+            <a:xfrm>
+              <a:off x="5776108" y="2463530"/>
+              <a:ext cx="0" cy="1150364"/>
+            </a:xfrm>
+            <a:prstGeom prst="line">
+              <a:avLst/>
+            </a:prstGeom>
+            <a:ln w="19050">
+              <a:solidFill>
+                <a:schemeClr val="tx1"/>
+              </a:solidFill>
+              <a:prstDash val="sysDash"/>
+            </a:ln>
+          </p:spPr>
+          <p:style>
+            <a:lnRef idx="1">
+              <a:schemeClr val="accent1"/>
+            </a:lnRef>
+            <a:fillRef idx="0">
+              <a:schemeClr val="accent1"/>
+            </a:fillRef>
+            <a:effectRef idx="0">
+              <a:schemeClr val="accent1"/>
+            </a:effectRef>
+            <a:fontRef idx="minor">
+              <a:schemeClr val="tx1"/>
+            </a:fontRef>
+          </p:style>
+        </p:cxnSp>
+        <p:cxnSp>
+          <p:nvCxnSpPr>
+            <p:cNvPr id="132" name="Straight Connector 131"/>
+            <p:cNvCxnSpPr/>
+            <p:nvPr/>
+          </p:nvCxnSpPr>
+          <p:spPr>
+            <a:xfrm>
+              <a:off x="6216434" y="2463530"/>
+              <a:ext cx="0" cy="1150364"/>
+            </a:xfrm>
+            <a:prstGeom prst="line">
+              <a:avLst/>
+            </a:prstGeom>
+            <a:ln w="19050">
+              <a:solidFill>
+                <a:schemeClr val="tx1"/>
+              </a:solidFill>
+              <a:prstDash val="sysDash"/>
+            </a:ln>
+          </p:spPr>
+          <p:style>
+            <a:lnRef idx="1">
+              <a:schemeClr val="accent1"/>
+            </a:lnRef>
+            <a:fillRef idx="0">
+              <a:schemeClr val="accent1"/>
+            </a:fillRef>
+            <a:effectRef idx="0">
+              <a:schemeClr val="accent1"/>
+            </a:effectRef>
+            <a:fontRef idx="minor">
+              <a:schemeClr val="tx1"/>
+            </a:fontRef>
+          </p:style>
+        </p:cxnSp>
+      </p:grpSp>
+      <p:cxnSp>
+        <p:nvCxnSpPr>
+          <p:cNvPr id="145" name="Straight Connector 144"/>
+          <p:cNvCxnSpPr/>
+          <p:nvPr/>
+        </p:nvCxnSpPr>
+        <p:spPr>
+          <a:xfrm flipV="1">
+            <a:off x="6635019" y="2324639"/>
+            <a:ext cx="0" cy="1331845"/>
+          </a:xfrm>
+          <a:prstGeom prst="line">
+            <a:avLst/>
+          </a:prstGeom>
+          <a:ln w="12700">
+            <a:prstDash val="sysDash"/>
+          </a:ln>
+        </p:spPr>
+        <p:style>
+          <a:lnRef idx="1">
+            <a:schemeClr val="dk1"/>
+          </a:lnRef>
+          <a:fillRef idx="0">
+            <a:schemeClr val="dk1"/>
+          </a:fillRef>
+          <a:effectRef idx="0">
+            <a:schemeClr val="dk1"/>
+          </a:effectRef>
+          <a:fontRef idx="minor">
+            <a:schemeClr val="tx1"/>
+          </a:fontRef>
+        </p:style>
+      </p:cxnSp>
+      <p:cxnSp>
+        <p:nvCxnSpPr>
+          <p:cNvPr id="147" name="Straight Connector 146"/>
+          <p:cNvCxnSpPr/>
+          <p:nvPr/>
+        </p:nvCxnSpPr>
+        <p:spPr>
+          <a:xfrm flipV="1">
+            <a:off x="6591300" y="2316480"/>
+            <a:ext cx="0" cy="731520"/>
+          </a:xfrm>
+          <a:prstGeom prst="line">
+            <a:avLst/>
+          </a:prstGeom>
+          <a:ln w="12700">
+            <a:prstDash val="sysDash"/>
+          </a:ln>
+        </p:spPr>
+        <p:style>
+          <a:lnRef idx="1">
+            <a:schemeClr val="dk1"/>
+          </a:lnRef>
+          <a:fillRef idx="0">
+            <a:schemeClr val="dk1"/>
+          </a:fillRef>
+          <a:effectRef idx="0">
+            <a:schemeClr val="dk1"/>
+          </a:effectRef>
+          <a:fontRef idx="minor">
+            <a:schemeClr val="tx1"/>
+          </a:fontRef>
+        </p:style>
+      </p:cxnSp>
+      <p:sp>
+        <p:nvSpPr>
+          <p:cNvPr id="134" name="Oval 133"/>
+          <p:cNvSpPr/>
+          <p:nvPr/>
+        </p:nvSpPr>
+        <p:spPr>
+          <a:xfrm>
+            <a:off x="6397688" y="2800350"/>
+            <a:ext cx="381000" cy="380171"/>
+          </a:xfrm>
+          <a:prstGeom prst="ellipse">
+            <a:avLst/>
+          </a:prstGeom>
+          <a:solidFill>
+            <a:schemeClr val="bg1">
+              <a:alpha val="67000"/>
+            </a:schemeClr>
+          </a:solidFill>
+          <a:ln w="19050">
+            <a:solidFill>
+              <a:srgbClr val="C00000"/>
+            </a:solidFill>
+          </a:ln>
+        </p:spPr>
+        <p:style>
+          <a:lnRef idx="2">
+            <a:schemeClr val="accent1">
+              <a:shade val="50000"/>
+            </a:schemeClr>
+          </a:lnRef>
+          <a:fillRef idx="1">
+            <a:schemeClr val="accent1"/>
+          </a:fillRef>
+          <a:effectRef idx="0">
+            <a:schemeClr val="accent1"/>
+          </a:effectRef>
+          <a:fontRef idx="minor">
+            <a:schemeClr val="lt1"/>
+          </a:fontRef>
+        </p:style>
+        <p:txBody>
+          <a:bodyPr rtlCol="0" anchor="ctr"/>
+          <a:lstStyle/>
+          <a:p>
+            <a:pPr algn="ctr"/>
+            <a:endParaRPr lang="en-US"/>
+          </a:p>
+        </p:txBody>
+      </p:sp>
+      <p:grpSp>
+        <p:nvGrpSpPr>
+          <p:cNvPr id="156" name="Group 155"/>
+          <p:cNvGrpSpPr/>
+          <p:nvPr/>
+        </p:nvGrpSpPr>
+        <p:grpSpPr>
+          <a:xfrm>
+            <a:off x="4815040" y="457200"/>
+            <a:ext cx="3643160" cy="1447261"/>
+            <a:chOff x="4776223" y="5453390"/>
+            <a:chExt cx="3643160" cy="1447261"/>
+          </a:xfrm>
+        </p:grpSpPr>
+        <p:sp>
+          <p:nvSpPr>
+            <p:cNvPr id="157" name="TextBox 156"/>
+            <p:cNvSpPr txBox="1"/>
+            <p:nvPr/>
+          </p:nvSpPr>
+          <p:spPr>
+            <a:xfrm>
+              <a:off x="5315662" y="6669819"/>
+              <a:ext cx="861955" cy="230832"/>
+            </a:xfrm>
+            <a:prstGeom prst="rect">
+              <a:avLst/>
+            </a:prstGeom>
+            <a:noFill/>
+          </p:spPr>
+          <p:txBody>
+            <a:bodyPr wrap="square" rtlCol="0">
+              <a:spAutoFit/>
+            </a:bodyPr>
+            <a:lstStyle/>
+            <a:p>
+              <a:pPr algn="ctr"/>
+              <a:r>
+                <a:rPr lang="en-US" sz="900" dirty="0" smtClean="0"/>
+                <a:t>Mid-span</a:t>
+              </a:r>
+              <a:endParaRPr lang="en-US" sz="900" dirty="0"/>
+            </a:p>
+          </p:txBody>
+        </p:sp>
+        <p:sp>
+          <p:nvSpPr>
+            <p:cNvPr id="158" name="Rectangle 157"/>
+            <p:cNvSpPr/>
+            <p:nvPr/>
+          </p:nvSpPr>
+          <p:spPr>
+            <a:xfrm>
+              <a:off x="4817578" y="5685018"/>
+              <a:ext cx="3554890" cy="1032660"/>
+            </a:xfrm>
+            <a:prstGeom prst="rect">
+              <a:avLst/>
+            </a:prstGeom>
+            <a:solidFill>
+              <a:srgbClr val="F6F5EE"/>
+            </a:solidFill>
+            <a:ln w="12700">
+              <a:solidFill>
+                <a:srgbClr val="73614F"/>
+              </a:solidFill>
+              <a:prstDash val="lgDash"/>
+            </a:ln>
+          </p:spPr>
+          <p:style>
+            <a:lnRef idx="2">
+              <a:schemeClr val="accent1">
+                <a:shade val="50000"/>
+              </a:schemeClr>
+            </a:lnRef>
+            <a:fillRef idx="1">
+              <a:schemeClr val="accent1"/>
+            </a:fillRef>
+            <a:effectRef idx="0">
+              <a:schemeClr val="accent1"/>
+            </a:effectRef>
+            <a:fontRef idx="minor">
+              <a:schemeClr val="lt1"/>
+            </a:fontRef>
+          </p:style>
+          <p:txBody>
+            <a:bodyPr rtlCol="0" anchor="ctr"/>
+            <a:lstStyle/>
+            <a:p>
+              <a:pPr algn="ctr"/>
+              <a:endParaRPr lang="en-US"/>
+            </a:p>
+          </p:txBody>
+        </p:sp>
+        <p:sp>
+          <p:nvSpPr>
+            <p:cNvPr id="159" name="Rectangle 158"/>
+            <p:cNvSpPr/>
+            <p:nvPr/>
+          </p:nvSpPr>
+          <p:spPr>
+            <a:xfrm>
+              <a:off x="4776223" y="5661514"/>
+              <a:ext cx="160492" cy="1081166"/>
+            </a:xfrm>
+            <a:prstGeom prst="rect">
+              <a:avLst/>
+            </a:prstGeom>
+            <a:solidFill>
+              <a:schemeClr val="accent3">
+                <a:lumMod val="20000"/>
+                <a:lumOff val="80000"/>
+              </a:schemeClr>
+            </a:solidFill>
+            <a:ln w="12700">
+              <a:solidFill>
+                <a:schemeClr val="accent3">
+                  <a:lumMod val="50000"/>
+                </a:schemeClr>
+              </a:solidFill>
+            </a:ln>
+          </p:spPr>
+          <p:style>
+            <a:lnRef idx="2">
+              <a:schemeClr val="accent1">
+                <a:shade val="50000"/>
+              </a:schemeClr>
+            </a:lnRef>
+            <a:fillRef idx="1">
+              <a:schemeClr val="accent1"/>
+            </a:fillRef>
+            <a:effectRef idx="0">
+              <a:schemeClr val="accent1"/>
+            </a:effectRef>
+            <a:fontRef idx="minor">
+              <a:schemeClr val="lt1"/>
+            </a:fontRef>
+          </p:style>
+          <p:txBody>
+            <a:bodyPr rtlCol="0" anchor="ctr"/>
+            <a:lstStyle/>
+            <a:p>
+              <a:pPr algn="ctr"/>
+              <a:endParaRPr lang="en-US"/>
+            </a:p>
+          </p:txBody>
+        </p:sp>
+        <p:sp>
+          <p:nvSpPr>
+            <p:cNvPr id="160" name="Rectangle 159"/>
+            <p:cNvSpPr/>
+            <p:nvPr/>
+          </p:nvSpPr>
+          <p:spPr>
+            <a:xfrm>
+              <a:off x="6525582" y="5661514"/>
+              <a:ext cx="160492" cy="1081166"/>
+            </a:xfrm>
+            <a:prstGeom prst="rect">
+              <a:avLst/>
+            </a:prstGeom>
+            <a:solidFill>
+              <a:schemeClr val="accent3">
+                <a:lumMod val="20000"/>
+                <a:lumOff val="80000"/>
+              </a:schemeClr>
+            </a:solidFill>
+            <a:ln w="12700">
+              <a:solidFill>
+                <a:schemeClr val="accent3">
+                  <a:lumMod val="50000"/>
+                </a:schemeClr>
+              </a:solidFill>
+            </a:ln>
+          </p:spPr>
+          <p:style>
+            <a:lnRef idx="2">
+              <a:schemeClr val="accent1">
+                <a:shade val="50000"/>
+              </a:schemeClr>
+            </a:lnRef>
+            <a:fillRef idx="1">
+              <a:schemeClr val="accent1"/>
+            </a:fillRef>
+            <a:effectRef idx="0">
+              <a:schemeClr val="accent1"/>
+            </a:effectRef>
+            <a:fontRef idx="minor">
+              <a:schemeClr val="lt1"/>
+            </a:fontRef>
+          </p:style>
+          <p:txBody>
+            <a:bodyPr rtlCol="0" anchor="ctr"/>
+            <a:lstStyle/>
+            <a:p>
+              <a:pPr algn="ctr"/>
+              <a:endParaRPr lang="en-US"/>
+            </a:p>
+          </p:txBody>
+        </p:sp>
+        <p:sp>
+          <p:nvSpPr>
+            <p:cNvPr id="161" name="Rectangle 160"/>
+            <p:cNvSpPr/>
+            <p:nvPr/>
+          </p:nvSpPr>
+          <p:spPr>
+            <a:xfrm>
+              <a:off x="8258891" y="5661514"/>
+              <a:ext cx="160492" cy="1081166"/>
+            </a:xfrm>
+            <a:prstGeom prst="rect">
+              <a:avLst/>
+            </a:prstGeom>
+            <a:solidFill>
+              <a:schemeClr val="accent3">
+                <a:lumMod val="20000"/>
+                <a:lumOff val="80000"/>
+              </a:schemeClr>
+            </a:solidFill>
+            <a:ln w="12700">
+              <a:solidFill>
+                <a:schemeClr val="accent3">
+                  <a:lumMod val="50000"/>
+                </a:schemeClr>
+              </a:solidFill>
+            </a:ln>
+          </p:spPr>
+          <p:style>
+            <a:lnRef idx="2">
+              <a:schemeClr val="accent1">
+                <a:shade val="50000"/>
+              </a:schemeClr>
+            </a:lnRef>
+            <a:fillRef idx="1">
+              <a:schemeClr val="accent1"/>
+            </a:fillRef>
+            <a:effectRef idx="0">
+              <a:schemeClr val="accent1"/>
+            </a:effectRef>
+            <a:fontRef idx="minor">
+              <a:schemeClr val="lt1"/>
+            </a:fontRef>
+          </p:style>
+          <p:txBody>
+            <a:bodyPr rtlCol="0" anchor="ctr"/>
+            <a:lstStyle/>
+            <a:p>
+              <a:pPr algn="ctr"/>
+              <a:endParaRPr lang="en-US"/>
+            </a:p>
+          </p:txBody>
+        </p:sp>
+        <p:sp>
+          <p:nvSpPr>
+            <p:cNvPr id="162" name="Rectangle 161"/>
+            <p:cNvSpPr/>
+            <p:nvPr/>
+          </p:nvSpPr>
+          <p:spPr>
+            <a:xfrm>
+              <a:off x="4877333" y="5708521"/>
+              <a:ext cx="3466619" cy="42306"/>
+            </a:xfrm>
+            <a:prstGeom prst="rect">
+              <a:avLst/>
+            </a:prstGeom>
+            <a:solidFill>
+              <a:schemeClr val="accent1">
+                <a:lumMod val="60000"/>
+                <a:lumOff val="40000"/>
+                <a:alpha val="47000"/>
+              </a:schemeClr>
+            </a:solidFill>
+            <a:ln w="12700">
+              <a:solidFill>
+                <a:schemeClr val="tx2">
+                  <a:lumMod val="50000"/>
+                </a:schemeClr>
+              </a:solidFill>
+            </a:ln>
+          </p:spPr>
+          <p:style>
+            <a:lnRef idx="2">
+              <a:schemeClr val="accent1">
+                <a:shade val="50000"/>
+              </a:schemeClr>
+            </a:lnRef>
+            <a:fillRef idx="1">
+              <a:schemeClr val="accent1"/>
+            </a:fillRef>
+            <a:effectRef idx="0">
+              <a:schemeClr val="accent1"/>
+            </a:effectRef>
+            <a:fontRef idx="minor">
+              <a:schemeClr val="lt1"/>
+            </a:fontRef>
+          </p:style>
+          <p:txBody>
+            <a:bodyPr rtlCol="0" anchor="ctr"/>
+            <a:lstStyle/>
+            <a:p>
+              <a:pPr algn="ctr"/>
+              <a:endParaRPr lang="en-US"/>
+            </a:p>
+          </p:txBody>
+        </p:sp>
+        <p:sp>
+          <p:nvSpPr>
+            <p:cNvPr id="163" name="Rectangle 162"/>
+            <p:cNvSpPr/>
+            <p:nvPr/>
+          </p:nvSpPr>
+          <p:spPr>
+            <a:xfrm>
+              <a:off x="4877333" y="6648666"/>
+              <a:ext cx="3466619" cy="42306"/>
+            </a:xfrm>
+            <a:prstGeom prst="rect">
+              <a:avLst/>
+            </a:prstGeom>
+            <a:solidFill>
+              <a:schemeClr val="accent1">
+                <a:lumMod val="60000"/>
+                <a:lumOff val="40000"/>
+                <a:alpha val="47000"/>
+              </a:schemeClr>
+            </a:solidFill>
+            <a:ln w="12700">
+              <a:solidFill>
+                <a:schemeClr val="tx2">
+                  <a:lumMod val="50000"/>
+                </a:schemeClr>
+              </a:solidFill>
+            </a:ln>
+          </p:spPr>
+          <p:style>
+            <a:lnRef idx="2">
+              <a:schemeClr val="accent1">
+                <a:shade val="50000"/>
+              </a:schemeClr>
+            </a:lnRef>
+            <a:fillRef idx="1">
+              <a:schemeClr val="accent1"/>
+            </a:fillRef>
+            <a:effectRef idx="0">
+              <a:schemeClr val="accent1"/>
+            </a:effectRef>
+            <a:fontRef idx="minor">
+              <a:schemeClr val="lt1"/>
+            </a:fontRef>
+          </p:style>
+          <p:txBody>
+            <a:bodyPr rtlCol="0" anchor="ctr"/>
+            <a:lstStyle/>
+            <a:p>
+              <a:pPr algn="ctr"/>
+              <a:endParaRPr lang="en-US"/>
+            </a:p>
+          </p:txBody>
+        </p:sp>
+        <p:sp>
+          <p:nvSpPr>
+            <p:cNvPr id="164" name="Rectangle 163"/>
+            <p:cNvSpPr/>
+            <p:nvPr/>
+          </p:nvSpPr>
+          <p:spPr>
+            <a:xfrm>
+              <a:off x="4872518" y="5851042"/>
+              <a:ext cx="3466619" cy="42306"/>
+            </a:xfrm>
+            <a:prstGeom prst="rect">
+              <a:avLst/>
+            </a:prstGeom>
+            <a:solidFill>
+              <a:schemeClr val="accent1">
+                <a:lumMod val="60000"/>
+                <a:lumOff val="40000"/>
+                <a:alpha val="47000"/>
+              </a:schemeClr>
+            </a:solidFill>
+            <a:ln w="12700">
+              <a:solidFill>
+                <a:schemeClr val="tx2">
+                  <a:lumMod val="50000"/>
+                </a:schemeClr>
+              </a:solidFill>
+            </a:ln>
+          </p:spPr>
+          <p:style>
+            <a:lnRef idx="2">
+              <a:schemeClr val="accent1">
+                <a:shade val="50000"/>
+              </a:schemeClr>
+            </a:lnRef>
+            <a:fillRef idx="1">
+              <a:schemeClr val="accent1"/>
+            </a:fillRef>
+            <a:effectRef idx="0">
+              <a:schemeClr val="accent1"/>
+            </a:effectRef>
+            <a:fontRef idx="minor">
+              <a:schemeClr val="lt1"/>
+            </a:fontRef>
+          </p:style>
+          <p:txBody>
+            <a:bodyPr rtlCol="0" anchor="ctr"/>
+            <a:lstStyle/>
+            <a:p>
+              <a:pPr algn="ctr"/>
+              <a:endParaRPr lang="en-US"/>
+            </a:p>
+          </p:txBody>
+        </p:sp>
+        <p:sp>
+          <p:nvSpPr>
+            <p:cNvPr id="165" name="Rectangle 164"/>
+            <p:cNvSpPr/>
+            <p:nvPr/>
+          </p:nvSpPr>
+          <p:spPr>
+            <a:xfrm>
+              <a:off x="4872518" y="6133673"/>
+              <a:ext cx="3466619" cy="42306"/>
+            </a:xfrm>
+            <a:prstGeom prst="rect">
+              <a:avLst/>
+            </a:prstGeom>
+            <a:solidFill>
+              <a:schemeClr val="accent1">
+                <a:lumMod val="60000"/>
+                <a:lumOff val="40000"/>
+                <a:alpha val="47000"/>
+              </a:schemeClr>
+            </a:solidFill>
+            <a:ln w="12700">
+              <a:solidFill>
+                <a:schemeClr val="tx2">
+                  <a:lumMod val="50000"/>
+                </a:schemeClr>
+              </a:solidFill>
+            </a:ln>
+          </p:spPr>
+          <p:style>
+            <a:lnRef idx="2">
+              <a:schemeClr val="accent1">
+                <a:shade val="50000"/>
+              </a:schemeClr>
+            </a:lnRef>
+            <a:fillRef idx="1">
+              <a:schemeClr val="accent1"/>
+            </a:fillRef>
+            <a:effectRef idx="0">
+              <a:schemeClr val="accent1"/>
+            </a:effectRef>
+            <a:fontRef idx="minor">
+              <a:schemeClr val="lt1"/>
+            </a:fontRef>
+          </p:style>
+          <p:txBody>
+            <a:bodyPr rtlCol="0" anchor="ctr"/>
+            <a:lstStyle/>
+            <a:p>
+              <a:pPr algn="ctr"/>
+              <a:endParaRPr lang="en-US"/>
+            </a:p>
+          </p:txBody>
+        </p:sp>
+        <p:sp>
+          <p:nvSpPr>
+            <p:cNvPr id="166" name="Rectangle 165"/>
+            <p:cNvSpPr/>
+            <p:nvPr/>
+          </p:nvSpPr>
+          <p:spPr>
+            <a:xfrm>
+              <a:off x="4872518" y="5992064"/>
+              <a:ext cx="3466619" cy="42306"/>
+            </a:xfrm>
+            <a:prstGeom prst="rect">
+              <a:avLst/>
+            </a:prstGeom>
+            <a:solidFill>
+              <a:schemeClr val="accent1">
+                <a:lumMod val="60000"/>
+                <a:lumOff val="40000"/>
+                <a:alpha val="47000"/>
+              </a:schemeClr>
+            </a:solidFill>
+            <a:ln w="12700">
+              <a:solidFill>
+                <a:schemeClr val="tx2">
+                  <a:lumMod val="50000"/>
+                </a:schemeClr>
+              </a:solidFill>
+            </a:ln>
+          </p:spPr>
+          <p:style>
+            <a:lnRef idx="2">
+              <a:schemeClr val="accent1">
+                <a:shade val="50000"/>
+              </a:schemeClr>
+            </a:lnRef>
+            <a:fillRef idx="1">
+              <a:schemeClr val="accent1"/>
+            </a:fillRef>
+            <a:effectRef idx="0">
+              <a:schemeClr val="accent1"/>
+            </a:effectRef>
+            <a:fontRef idx="minor">
+              <a:schemeClr val="lt1"/>
+            </a:fontRef>
+          </p:style>
+          <p:txBody>
+            <a:bodyPr rtlCol="0" anchor="ctr"/>
+            <a:lstStyle/>
+            <a:p>
+              <a:pPr algn="ctr"/>
+              <a:endParaRPr lang="en-US"/>
+            </a:p>
+          </p:txBody>
+        </p:sp>
+        <p:sp>
+          <p:nvSpPr>
+            <p:cNvPr id="167" name="Rectangle 166"/>
+            <p:cNvSpPr/>
+            <p:nvPr/>
+          </p:nvSpPr>
+          <p:spPr>
+            <a:xfrm>
+              <a:off x="4872518" y="6231213"/>
+              <a:ext cx="3466619" cy="42306"/>
+            </a:xfrm>
+            <a:prstGeom prst="rect">
+              <a:avLst/>
+            </a:prstGeom>
+            <a:solidFill>
+              <a:schemeClr val="accent1">
+                <a:lumMod val="60000"/>
+                <a:lumOff val="40000"/>
+                <a:alpha val="47000"/>
+              </a:schemeClr>
+            </a:solidFill>
+            <a:ln w="12700">
+              <a:solidFill>
+                <a:schemeClr val="tx2">
+                  <a:lumMod val="50000"/>
+                </a:schemeClr>
+              </a:solidFill>
+            </a:ln>
+          </p:spPr>
+          <p:style>
+            <a:lnRef idx="2">
+              <a:schemeClr val="accent1">
+                <a:shade val="50000"/>
+              </a:schemeClr>
+            </a:lnRef>
+            <a:fillRef idx="1">
+              <a:schemeClr val="accent1"/>
+            </a:fillRef>
+            <a:effectRef idx="0">
+              <a:schemeClr val="accent1"/>
+            </a:effectRef>
+            <a:fontRef idx="minor">
+              <a:schemeClr val="lt1"/>
+            </a:fontRef>
+          </p:style>
+          <p:txBody>
+            <a:bodyPr rtlCol="0" anchor="ctr"/>
+            <a:lstStyle/>
+            <a:p>
+              <a:pPr algn="ctr"/>
+              <a:endParaRPr lang="en-US"/>
+            </a:p>
+          </p:txBody>
+        </p:sp>
+        <p:sp>
+          <p:nvSpPr>
+            <p:cNvPr id="168" name="Rectangle 167"/>
+            <p:cNvSpPr/>
+            <p:nvPr/>
+          </p:nvSpPr>
+          <p:spPr>
+            <a:xfrm>
+              <a:off x="4872518" y="6372235"/>
+              <a:ext cx="3466619" cy="42306"/>
+            </a:xfrm>
+            <a:prstGeom prst="rect">
+              <a:avLst/>
+            </a:prstGeom>
+            <a:solidFill>
+              <a:schemeClr val="accent1">
+                <a:lumMod val="60000"/>
+                <a:lumOff val="40000"/>
+                <a:alpha val="47000"/>
+              </a:schemeClr>
+            </a:solidFill>
+            <a:ln w="12700">
+              <a:solidFill>
+                <a:schemeClr val="tx2">
+                  <a:lumMod val="50000"/>
+                </a:schemeClr>
+              </a:solidFill>
+            </a:ln>
+          </p:spPr>
+          <p:style>
+            <a:lnRef idx="2">
+              <a:schemeClr val="accent1">
+                <a:shade val="50000"/>
+              </a:schemeClr>
+            </a:lnRef>
+            <a:fillRef idx="1">
+              <a:schemeClr val="accent1"/>
+            </a:fillRef>
+            <a:effectRef idx="0">
+              <a:schemeClr val="accent1"/>
+            </a:effectRef>
+            <a:fontRef idx="minor">
+              <a:schemeClr val="lt1"/>
+            </a:fontRef>
+          </p:style>
+          <p:txBody>
+            <a:bodyPr rtlCol="0" anchor="ctr"/>
+            <a:lstStyle/>
+            <a:p>
+              <a:pPr algn="ctr"/>
+              <a:endParaRPr lang="en-US"/>
+            </a:p>
+          </p:txBody>
+        </p:sp>
+        <p:sp>
+          <p:nvSpPr>
+            <p:cNvPr id="169" name="Rectangle 168"/>
+            <p:cNvSpPr/>
+            <p:nvPr/>
+          </p:nvSpPr>
+          <p:spPr>
+            <a:xfrm>
+              <a:off x="4872518" y="6513845"/>
+              <a:ext cx="3466619" cy="42306"/>
+            </a:xfrm>
+            <a:prstGeom prst="rect">
+              <a:avLst/>
+            </a:prstGeom>
+            <a:solidFill>
+              <a:schemeClr val="accent1">
+                <a:lumMod val="60000"/>
+                <a:lumOff val="40000"/>
+                <a:alpha val="47000"/>
+              </a:schemeClr>
+            </a:solidFill>
+            <a:ln w="12700">
+              <a:solidFill>
+                <a:schemeClr val="tx2">
+                  <a:lumMod val="50000"/>
+                </a:schemeClr>
+              </a:solidFill>
+            </a:ln>
+          </p:spPr>
+          <p:style>
+            <a:lnRef idx="2">
+              <a:schemeClr val="accent1">
+                <a:shade val="50000"/>
+              </a:schemeClr>
+            </a:lnRef>
+            <a:fillRef idx="1">
+              <a:schemeClr val="accent1"/>
+            </a:fillRef>
+            <a:effectRef idx="0">
+              <a:schemeClr val="accent1"/>
+            </a:effectRef>
+            <a:fontRef idx="minor">
+              <a:schemeClr val="lt1"/>
+            </a:fontRef>
+          </p:style>
+          <p:txBody>
+            <a:bodyPr rtlCol="0" anchor="ctr"/>
+            <a:lstStyle/>
+            <a:p>
+              <a:pPr algn="ctr"/>
+              <a:endParaRPr lang="en-US"/>
+            </a:p>
+          </p:txBody>
+        </p:sp>
+        <p:sp>
+          <p:nvSpPr>
+            <p:cNvPr id="171" name="TextBox 170"/>
+            <p:cNvSpPr txBox="1"/>
+            <p:nvPr/>
+          </p:nvSpPr>
+          <p:spPr>
+            <a:xfrm>
+              <a:off x="7218415" y="5453390"/>
+              <a:ext cx="614798" cy="261610"/>
+            </a:xfrm>
+            <a:prstGeom prst="rect">
+              <a:avLst/>
+            </a:prstGeom>
+            <a:noFill/>
+          </p:spPr>
+          <p:txBody>
+            <a:bodyPr wrap="square" rtlCol="0">
+              <a:spAutoFit/>
+            </a:bodyPr>
+            <a:lstStyle/>
+            <a:p>
+              <a:pPr algn="ctr"/>
+              <a:r>
+                <a:rPr lang="en-US" sz="1100" dirty="0" smtClean="0"/>
+                <a:t>Span  8</a:t>
+              </a:r>
+              <a:endParaRPr lang="en-US" sz="1100" dirty="0"/>
+            </a:p>
+          </p:txBody>
+        </p:sp>
+        <p:cxnSp>
+          <p:nvCxnSpPr>
+            <p:cNvPr id="172" name="Straight Connector 171"/>
+            <p:cNvCxnSpPr/>
+            <p:nvPr/>
+          </p:nvCxnSpPr>
+          <p:spPr>
+            <a:xfrm>
+              <a:off x="5301833" y="5631436"/>
+              <a:ext cx="0" cy="1150364"/>
+            </a:xfrm>
+            <a:prstGeom prst="line">
+              <a:avLst/>
+            </a:prstGeom>
+            <a:ln w="19050">
+              <a:solidFill>
+                <a:schemeClr val="tx1"/>
+              </a:solidFill>
+              <a:prstDash val="sysDash"/>
+            </a:ln>
+          </p:spPr>
+          <p:style>
+            <a:lnRef idx="1">
+              <a:schemeClr val="accent1"/>
+            </a:lnRef>
+            <a:fillRef idx="0">
+              <a:schemeClr val="accent1"/>
+            </a:fillRef>
+            <a:effectRef idx="0">
+              <a:schemeClr val="accent1"/>
+            </a:effectRef>
+            <a:fontRef idx="minor">
+              <a:schemeClr val="tx1"/>
+            </a:fontRef>
+          </p:style>
+        </p:cxnSp>
+        <p:cxnSp>
+          <p:nvCxnSpPr>
+            <p:cNvPr id="173" name="Straight Connector 172"/>
+            <p:cNvCxnSpPr/>
+            <p:nvPr/>
+          </p:nvCxnSpPr>
+          <p:spPr>
+            <a:xfrm>
+              <a:off x="5737291" y="5630920"/>
+              <a:ext cx="0" cy="1150364"/>
+            </a:xfrm>
+            <a:prstGeom prst="line">
+              <a:avLst/>
+            </a:prstGeom>
+            <a:ln w="19050">
+              <a:solidFill>
+                <a:schemeClr val="tx1"/>
+              </a:solidFill>
+              <a:prstDash val="sysDash"/>
+            </a:ln>
+          </p:spPr>
+          <p:style>
+            <a:lnRef idx="1">
+              <a:schemeClr val="accent1"/>
+            </a:lnRef>
+            <a:fillRef idx="0">
+              <a:schemeClr val="accent1"/>
+            </a:fillRef>
+            <a:effectRef idx="0">
+              <a:schemeClr val="accent1"/>
+            </a:effectRef>
+            <a:fontRef idx="minor">
+              <a:schemeClr val="tx1"/>
+            </a:fontRef>
+          </p:style>
+        </p:cxnSp>
+        <p:cxnSp>
+          <p:nvCxnSpPr>
+            <p:cNvPr id="174" name="Straight Connector 173"/>
+            <p:cNvCxnSpPr/>
+            <p:nvPr/>
+          </p:nvCxnSpPr>
+          <p:spPr>
+            <a:xfrm>
+              <a:off x="6177617" y="5630920"/>
+              <a:ext cx="0" cy="1150364"/>
+            </a:xfrm>
+            <a:prstGeom prst="line">
+              <a:avLst/>
+            </a:prstGeom>
+            <a:ln w="19050">
+              <a:solidFill>
+                <a:schemeClr val="tx1"/>
+              </a:solidFill>
+              <a:prstDash val="sysDash"/>
+            </a:ln>
+          </p:spPr>
+          <p:style>
+            <a:lnRef idx="1">
+              <a:schemeClr val="accent1"/>
+            </a:lnRef>
+            <a:fillRef idx="0">
+              <a:schemeClr val="accent1"/>
+            </a:fillRef>
+            <a:effectRef idx="0">
+              <a:schemeClr val="accent1"/>
+            </a:effectRef>
+            <a:fontRef idx="minor">
+              <a:schemeClr val="tx1"/>
+            </a:fontRef>
+          </p:style>
+        </p:cxnSp>
+        <p:sp>
+          <p:nvSpPr>
+            <p:cNvPr id="170" name="TextBox 169"/>
+            <p:cNvSpPr txBox="1"/>
+            <p:nvPr/>
+          </p:nvSpPr>
+          <p:spPr>
+            <a:xfrm>
+              <a:off x="5439240" y="5453390"/>
+              <a:ext cx="614798" cy="261610"/>
+            </a:xfrm>
+            <a:prstGeom prst="rect">
+              <a:avLst/>
+            </a:prstGeom>
+            <a:noFill/>
+          </p:spPr>
+          <p:txBody>
+            <a:bodyPr wrap="square" rtlCol="0">
+              <a:spAutoFit/>
+            </a:bodyPr>
+            <a:lstStyle/>
+            <a:p>
+              <a:pPr algn="ctr"/>
+              <a:r>
+                <a:rPr lang="en-US" sz="1100" dirty="0" smtClean="0"/>
+                <a:t>Span  7</a:t>
+              </a:r>
+              <a:endParaRPr lang="en-US" sz="1100" dirty="0"/>
+            </a:p>
+          </p:txBody>
+        </p:sp>
+      </p:grpSp>
+      <p:sp>
+        <p:nvSpPr>
+          <p:cNvPr id="196" name="Rounded Rectangle 195"/>
+          <p:cNvSpPr/>
+          <p:nvPr/>
+        </p:nvSpPr>
+        <p:spPr>
+          <a:xfrm>
+            <a:off x="5594028" y="627626"/>
+            <a:ext cx="779258" cy="740799"/>
+          </a:xfrm>
+          <a:prstGeom prst="roundRect">
+            <a:avLst/>
+          </a:prstGeom>
+          <a:solidFill>
+            <a:schemeClr val="bg1">
+              <a:alpha val="67000"/>
+            </a:schemeClr>
+          </a:solidFill>
+          <a:ln w="9525">
+            <a:solidFill>
+              <a:srgbClr val="C00000"/>
+            </a:solidFill>
+          </a:ln>
+        </p:spPr>
+        <p:style>
+          <a:lnRef idx="2">
+            <a:schemeClr val="accent1">
+              <a:shade val="50000"/>
+            </a:schemeClr>
+          </a:lnRef>
+          <a:fillRef idx="1">
+            <a:schemeClr val="accent1"/>
+          </a:fillRef>
+          <a:effectRef idx="0">
+            <a:schemeClr val="accent1"/>
+          </a:effectRef>
+          <a:fontRef idx="minor">
+            <a:schemeClr val="lt1"/>
+          </a:fontRef>
+        </p:style>
+        <p:txBody>
+          <a:bodyPr rtlCol="0" anchor="ctr"/>
+          <a:lstStyle/>
+          <a:p>
+            <a:pPr algn="ctr"/>
+            <a:endParaRPr lang="en-US"/>
+          </a:p>
+        </p:txBody>
+      </p:sp>
+      <p:sp>
+        <p:nvSpPr>
+          <p:cNvPr id="143" name="Multiply 142"/>
+          <p:cNvSpPr/>
+          <p:nvPr/>
+        </p:nvSpPr>
+        <p:spPr>
+          <a:xfrm>
+            <a:off x="5668711" y="6096000"/>
+            <a:ext cx="137160" cy="137160"/>
+          </a:xfrm>
+          <a:prstGeom prst="mathMultiply">
+            <a:avLst/>
+          </a:prstGeom>
+          <a:solidFill>
+            <a:schemeClr val="tx2"/>
+          </a:solidFill>
+          <a:ln w="9525">
+            <a:solidFill>
+              <a:schemeClr val="accent1"/>
+            </a:solidFill>
+          </a:ln>
+        </p:spPr>
+        <p:style>
+          <a:lnRef idx="2">
+            <a:schemeClr val="accent1">
+              <a:shade val="50000"/>
+            </a:schemeClr>
+          </a:lnRef>
+          <a:fillRef idx="1">
+            <a:schemeClr val="accent1"/>
+          </a:fillRef>
+          <a:effectRef idx="0">
+            <a:schemeClr val="accent1"/>
+          </a:effectRef>
+          <a:fontRef idx="minor">
+            <a:schemeClr val="lt1"/>
+          </a:fontRef>
+        </p:style>
+        <p:txBody>
+          <a:bodyPr rtlCol="0" anchor="ctr"/>
+          <a:lstStyle/>
+          <a:p>
+            <a:pPr algn="ctr"/>
+            <a:endParaRPr lang="en-US">
+              <a:ln>
+                <a:solidFill>
+                  <a:schemeClr val="accent1"/>
+                </a:solidFill>
+              </a:ln>
+            </a:endParaRPr>
+          </a:p>
+        </p:txBody>
+      </p:sp>
+      <p:sp>
+        <p:nvSpPr>
+          <p:cNvPr id="148" name="Multiply 147"/>
+          <p:cNvSpPr/>
+          <p:nvPr/>
+        </p:nvSpPr>
+        <p:spPr>
+          <a:xfrm>
+            <a:off x="5668711" y="6184256"/>
+            <a:ext cx="137160" cy="137160"/>
+          </a:xfrm>
+          <a:prstGeom prst="mathMultiply">
+            <a:avLst/>
+          </a:prstGeom>
+          <a:solidFill>
+            <a:srgbClr val="FF0000"/>
+          </a:solidFill>
+          <a:ln w="9525">
+            <a:solidFill>
+              <a:srgbClr val="C00000"/>
+            </a:solidFill>
+          </a:ln>
+        </p:spPr>
+        <p:style>
+          <a:lnRef idx="2">
+            <a:schemeClr val="accent1">
+              <a:shade val="50000"/>
+            </a:schemeClr>
+          </a:lnRef>
+          <a:fillRef idx="1">
+            <a:schemeClr val="accent1"/>
+          </a:fillRef>
+          <a:effectRef idx="0">
+            <a:schemeClr val="accent1"/>
+          </a:effectRef>
+          <a:fontRef idx="minor">
+            <a:schemeClr val="lt1"/>
+          </a:fontRef>
+        </p:style>
+        <p:txBody>
+          <a:bodyPr rtlCol="0" anchor="ctr"/>
+          <a:lstStyle/>
+          <a:p>
+            <a:pPr algn="ctr"/>
+            <a:endParaRPr lang="en-US"/>
+          </a:p>
+        </p:txBody>
+      </p:sp>
+      <p:grpSp>
+        <p:nvGrpSpPr>
+          <p:cNvPr id="153" name="Group 152"/>
+          <p:cNvGrpSpPr/>
+          <p:nvPr/>
+        </p:nvGrpSpPr>
+        <p:grpSpPr>
+          <a:xfrm>
+            <a:off x="6184897" y="5676900"/>
+            <a:ext cx="1130303" cy="1075210"/>
+            <a:chOff x="6108697" y="5638800"/>
+            <a:chExt cx="1130303" cy="1075210"/>
+          </a:xfrm>
+        </p:grpSpPr>
+        <p:pic>
+          <p:nvPicPr>
+            <p:cNvPr id="2" name="Picture 1"/>
+            <p:cNvPicPr>
+              <a:picLocks noChangeAspect="1"/>
+            </p:cNvPicPr>
+            <p:nvPr/>
+          </p:nvPicPr>
+          <p:blipFill rotWithShape="1">
+            <a:blip r:embed="rId2" cstate="print">
+              <a:extLst>
+                <a:ext uri="{28A0092B-C50C-407E-A947-70E740481C1C}">
+                  <a14:useLocalDpi xmlns:a14="http://schemas.microsoft.com/office/drawing/2010/main" val="0"/>
+                </a:ext>
+              </a:extLst>
+            </a:blip>
+            <a:srcRect l="15988" t="18527" r="17925" b="1677"/>
+            <a:stretch/>
+          </p:blipFill>
+          <p:spPr>
+            <a:xfrm>
+              <a:off x="6108697" y="5638800"/>
+              <a:ext cx="1130303" cy="1075210"/>
+            </a:xfrm>
+            <a:prstGeom prst="ellipse">
+              <a:avLst/>
+            </a:prstGeom>
+            <a:ln w="19050">
+              <a:solidFill>
+                <a:srgbClr val="C00000"/>
+              </a:solidFill>
+            </a:ln>
+          </p:spPr>
+        </p:pic>
+        <p:sp>
+          <p:nvSpPr>
+            <p:cNvPr id="32" name="Oval 31"/>
+            <p:cNvSpPr/>
+            <p:nvPr/>
+          </p:nvSpPr>
+          <p:spPr>
+            <a:xfrm>
+              <a:off x="6500390" y="6440518"/>
+              <a:ext cx="256218" cy="264416"/>
+            </a:xfrm>
+            <a:prstGeom prst="ellipse">
+              <a:avLst/>
+            </a:prstGeom>
+            <a:noFill/>
+            <a:ln w="12700">
+              <a:solidFill>
+                <a:srgbClr val="FF0000"/>
+              </a:solidFill>
+              <a:prstDash val="sysDash"/>
+            </a:ln>
+          </p:spPr>
+          <p:style>
+            <a:lnRef idx="2">
+              <a:schemeClr val="accent1">
+                <a:shade val="50000"/>
+              </a:schemeClr>
+            </a:lnRef>
+            <a:fillRef idx="1">
+              <a:schemeClr val="accent1"/>
+            </a:fillRef>
+            <a:effectRef idx="0">
+              <a:schemeClr val="accent1"/>
+            </a:effectRef>
+            <a:fontRef idx="minor">
+              <a:schemeClr val="lt1"/>
+            </a:fontRef>
+          </p:style>
+          <p:txBody>
+            <a:bodyPr rtlCol="0" anchor="ctr"/>
+            <a:lstStyle/>
+            <a:p>
+              <a:pPr algn="ctr"/>
+              <a:endParaRPr lang="en-US"/>
+            </a:p>
+          </p:txBody>
+        </p:sp>
+        <p:sp>
+          <p:nvSpPr>
+            <p:cNvPr id="34" name="Rounded Rectangle 33"/>
+            <p:cNvSpPr/>
+            <p:nvPr/>
+          </p:nvSpPr>
+          <p:spPr>
+            <a:xfrm>
+              <a:off x="6285537" y="5791200"/>
+              <a:ext cx="776623" cy="173117"/>
+            </a:xfrm>
+            <a:prstGeom prst="roundRect">
+              <a:avLst>
+                <a:gd name="adj" fmla="val 50000"/>
+              </a:avLst>
+            </a:prstGeom>
+            <a:gradFill flip="none" rotWithShape="1">
+              <a:gsLst>
+                <a:gs pos="83000">
+                  <a:schemeClr val="bg1">
+                    <a:alpha val="78000"/>
+                  </a:schemeClr>
+                </a:gs>
+                <a:gs pos="100000">
+                  <a:schemeClr val="bg1">
+                    <a:alpha val="36000"/>
+                  </a:schemeClr>
+                </a:gs>
+              </a:gsLst>
+              <a:path path="rect">
+                <a:fillToRect l="50000" t="50000" r="50000" b="50000"/>
+              </a:path>
+              <a:tileRect/>
+            </a:gradFill>
+          </p:spPr>
+          <p:txBody>
+            <a:bodyPr wrap="square" lIns="0" tIns="0" rIns="0" bIns="0" rtlCol="0">
+              <a:spAutoFit/>
+            </a:bodyPr>
+            <a:lstStyle/>
+            <a:p>
+              <a:pPr algn="ctr"/>
+              <a:r>
+                <a:rPr lang="en-US" sz="800" b="1" dirty="0">
+                  <a:solidFill>
+                    <a:schemeClr val="tx1"/>
+                  </a:solidFill>
+                </a:rPr>
+                <a:t>Typ. </a:t>
+              </a:r>
+              <a:r>
+                <a:rPr lang="en-US" sz="800" b="1" dirty="0">
+                  <a:solidFill>
+                    <a:schemeClr val="tx1"/>
+                  </a:solidFill>
+                </a:rPr>
+                <a:t>Gauge Loc</a:t>
+              </a:r>
+              <a:r>
+                <a:rPr lang="en-US" sz="800" b="1" dirty="0" smtClean="0">
+                  <a:solidFill>
+                    <a:schemeClr val="tx1"/>
+                  </a:solidFill>
+                </a:rPr>
+                <a:t>.</a:t>
+              </a:r>
+              <a:endParaRPr lang="en-US" sz="800" b="1" dirty="0">
+                <a:solidFill>
+                  <a:schemeClr val="tx1"/>
+                </a:solidFill>
+              </a:endParaRPr>
+            </a:p>
+          </p:txBody>
+        </p:sp>
+      </p:grpSp>
+      <p:sp>
+        <p:nvSpPr>
+          <p:cNvPr id="45" name="TextBox 44"/>
+          <p:cNvSpPr txBox="1"/>
+          <p:nvPr/>
+        </p:nvSpPr>
+        <p:spPr>
+          <a:xfrm>
+            <a:off x="5340039" y="5102629"/>
+            <a:ext cx="861955" cy="230832"/>
+          </a:xfrm>
+          <a:prstGeom prst="rect">
+            <a:avLst/>
+          </a:prstGeom>
+          <a:noFill/>
+        </p:spPr>
+        <p:txBody>
+          <a:bodyPr wrap="square" rtlCol="0">
+            <a:spAutoFit/>
+          </a:bodyPr>
+          <a:lstStyle/>
+          <a:p>
+            <a:pPr algn="ctr"/>
+            <a:r>
+              <a:rPr lang="en-US" sz="900" dirty="0" smtClean="0"/>
+              <a:t>Mid-span</a:t>
+            </a:r>
+            <a:endParaRPr lang="en-US" sz="900" dirty="0"/>
+          </a:p>
+        </p:txBody>
+      </p:sp>
+      <p:sp>
+        <p:nvSpPr>
+          <p:cNvPr id="46" name="Rectangle 45"/>
+          <p:cNvSpPr/>
+          <p:nvPr/>
+        </p:nvSpPr>
+        <p:spPr>
+          <a:xfrm>
+            <a:off x="4841955" y="4117828"/>
+            <a:ext cx="3554890" cy="1032660"/>
+          </a:xfrm>
+          <a:prstGeom prst="rect">
+            <a:avLst/>
+          </a:prstGeom>
+          <a:solidFill>
+            <a:srgbClr val="F6F5EE"/>
+          </a:solidFill>
+          <a:ln w="12700">
+            <a:solidFill>
+              <a:srgbClr val="73614F"/>
+            </a:solidFill>
+            <a:prstDash val="lgDash"/>
+          </a:ln>
+        </p:spPr>
+        <p:style>
+          <a:lnRef idx="2">
+            <a:schemeClr val="accent1">
+              <a:shade val="50000"/>
+            </a:schemeClr>
+          </a:lnRef>
+          <a:fillRef idx="1">
+            <a:schemeClr val="accent1"/>
+          </a:fillRef>
+          <a:effectRef idx="0">
+            <a:schemeClr val="accent1"/>
+          </a:effectRef>
+          <a:fontRef idx="minor">
+            <a:schemeClr val="lt1"/>
+          </a:fontRef>
+        </p:style>
+        <p:txBody>
+          <a:bodyPr rtlCol="0" anchor="ctr"/>
+          <a:lstStyle/>
+          <a:p>
+            <a:pPr algn="ctr"/>
+            <a:endParaRPr lang="en-US"/>
+          </a:p>
+        </p:txBody>
+      </p:sp>
+      <p:sp>
+        <p:nvSpPr>
+          <p:cNvPr id="47" name="Rectangle 46"/>
+          <p:cNvSpPr/>
+          <p:nvPr/>
+        </p:nvSpPr>
+        <p:spPr>
+          <a:xfrm>
+            <a:off x="4800600" y="4094324"/>
+            <a:ext cx="160492" cy="1081166"/>
+          </a:xfrm>
+          <a:prstGeom prst="rect">
+            <a:avLst/>
+          </a:prstGeom>
+          <a:solidFill>
+            <a:schemeClr val="accent3">
+              <a:lumMod val="20000"/>
+              <a:lumOff val="80000"/>
+            </a:schemeClr>
+          </a:solidFill>
+          <a:ln w="12700">
+            <a:solidFill>
+              <a:schemeClr val="accent3">
+                <a:lumMod val="50000"/>
+              </a:schemeClr>
+            </a:solidFill>
+          </a:ln>
+        </p:spPr>
+        <p:style>
+          <a:lnRef idx="2">
+            <a:schemeClr val="accent1">
+              <a:shade val="50000"/>
+            </a:schemeClr>
+          </a:lnRef>
+          <a:fillRef idx="1">
+            <a:schemeClr val="accent1"/>
+          </a:fillRef>
+          <a:effectRef idx="0">
+            <a:schemeClr val="accent1"/>
+          </a:effectRef>
+          <a:fontRef idx="minor">
+            <a:schemeClr val="lt1"/>
+          </a:fontRef>
+        </p:style>
+        <p:txBody>
+          <a:bodyPr rtlCol="0" anchor="ctr"/>
+          <a:lstStyle/>
+          <a:p>
+            <a:pPr algn="ctr"/>
+            <a:endParaRPr lang="en-US"/>
+          </a:p>
+        </p:txBody>
+      </p:sp>
+      <p:sp>
+        <p:nvSpPr>
+          <p:cNvPr id="48" name="Rectangle 47"/>
+          <p:cNvSpPr/>
+          <p:nvPr/>
+        </p:nvSpPr>
+        <p:spPr>
+          <a:xfrm>
+            <a:off x="6549959" y="4094324"/>
+            <a:ext cx="160492" cy="1081166"/>
+          </a:xfrm>
+          <a:prstGeom prst="rect">
+            <a:avLst/>
+          </a:prstGeom>
+          <a:solidFill>
+            <a:schemeClr val="accent3">
+              <a:lumMod val="20000"/>
+              <a:lumOff val="80000"/>
+            </a:schemeClr>
+          </a:solidFill>
+          <a:ln w="12700">
+            <a:solidFill>
+              <a:schemeClr val="accent3">
+                <a:lumMod val="50000"/>
+              </a:schemeClr>
+            </a:solidFill>
+          </a:ln>
+        </p:spPr>
+        <p:style>
+          <a:lnRef idx="2">
+            <a:schemeClr val="accent1">
+              <a:shade val="50000"/>
+            </a:schemeClr>
+          </a:lnRef>
+          <a:fillRef idx="1">
+            <a:schemeClr val="accent1"/>
+          </a:fillRef>
+          <a:effectRef idx="0">
+            <a:schemeClr val="accent1"/>
+          </a:effectRef>
+          <a:fontRef idx="minor">
+            <a:schemeClr val="lt1"/>
+          </a:fontRef>
+        </p:style>
+        <p:txBody>
+          <a:bodyPr rtlCol="0" anchor="ctr"/>
+          <a:lstStyle/>
+          <a:p>
+            <a:pPr algn="ctr"/>
+            <a:endParaRPr lang="en-US"/>
+          </a:p>
+        </p:txBody>
+      </p:sp>
+      <p:sp>
+        <p:nvSpPr>
+          <p:cNvPr id="51" name="Rectangle 50"/>
+          <p:cNvSpPr/>
+          <p:nvPr/>
+        </p:nvSpPr>
+        <p:spPr>
+          <a:xfrm>
+            <a:off x="8283268" y="4094324"/>
+            <a:ext cx="160492" cy="1081166"/>
+          </a:xfrm>
+          <a:prstGeom prst="rect">
+            <a:avLst/>
+          </a:prstGeom>
+          <a:solidFill>
+            <a:schemeClr val="accent3">
+              <a:lumMod val="20000"/>
+              <a:lumOff val="80000"/>
+            </a:schemeClr>
+          </a:solidFill>
+          <a:ln w="12700">
+            <a:solidFill>
+              <a:schemeClr val="accent3">
+                <a:lumMod val="50000"/>
+              </a:schemeClr>
+            </a:solidFill>
+          </a:ln>
+        </p:spPr>
+        <p:style>
+          <a:lnRef idx="2">
+            <a:schemeClr val="accent1">
+              <a:shade val="50000"/>
+            </a:schemeClr>
+          </a:lnRef>
+          <a:fillRef idx="1">
+            <a:schemeClr val="accent1"/>
+          </a:fillRef>
+          <a:effectRef idx="0">
+            <a:schemeClr val="accent1"/>
+          </a:effectRef>
+          <a:fontRef idx="minor">
+            <a:schemeClr val="lt1"/>
+          </a:fontRef>
+        </p:style>
+        <p:txBody>
+          <a:bodyPr rtlCol="0" anchor="ctr"/>
+          <a:lstStyle/>
+          <a:p>
+            <a:pPr algn="ctr"/>
+            <a:endParaRPr lang="en-US"/>
+          </a:p>
+        </p:txBody>
+      </p:sp>
+      <p:sp>
+        <p:nvSpPr>
+          <p:cNvPr id="52" name="Rectangle 51"/>
+          <p:cNvSpPr/>
+          <p:nvPr/>
+        </p:nvSpPr>
+        <p:spPr>
+          <a:xfrm>
+            <a:off x="4901710" y="4141331"/>
+            <a:ext cx="3466619" cy="42306"/>
+          </a:xfrm>
+          <a:prstGeom prst="rect">
+            <a:avLst/>
+          </a:prstGeom>
+          <a:solidFill>
+            <a:schemeClr val="accent1">
+              <a:lumMod val="60000"/>
+              <a:lumOff val="40000"/>
+              <a:alpha val="47000"/>
+            </a:schemeClr>
+          </a:solidFill>
+          <a:ln w="12700">
+            <a:solidFill>
+              <a:schemeClr val="tx2">
+                <a:lumMod val="50000"/>
+              </a:schemeClr>
+            </a:solidFill>
+          </a:ln>
+        </p:spPr>
+        <p:style>
+          <a:lnRef idx="2">
+            <a:schemeClr val="accent1">
+              <a:shade val="50000"/>
+            </a:schemeClr>
+          </a:lnRef>
+          <a:fillRef idx="1">
+            <a:schemeClr val="accent1"/>
+          </a:fillRef>
+          <a:effectRef idx="0">
+            <a:schemeClr val="accent1"/>
+          </a:effectRef>
+          <a:fontRef idx="minor">
+            <a:schemeClr val="lt1"/>
+          </a:fontRef>
+        </p:style>
+        <p:txBody>
+          <a:bodyPr rtlCol="0" anchor="ctr"/>
+          <a:lstStyle/>
+          <a:p>
+            <a:pPr algn="ctr"/>
+            <a:endParaRPr lang="en-US"/>
+          </a:p>
+        </p:txBody>
+      </p:sp>
+      <p:sp>
+        <p:nvSpPr>
+          <p:cNvPr id="53" name="Rectangle 52"/>
+          <p:cNvSpPr/>
+          <p:nvPr/>
+        </p:nvSpPr>
+        <p:spPr>
+          <a:xfrm>
+            <a:off x="4901710" y="5081476"/>
+            <a:ext cx="3466619" cy="42306"/>
+          </a:xfrm>
+          <a:prstGeom prst="rect">
+            <a:avLst/>
+          </a:prstGeom>
+          <a:solidFill>
+            <a:schemeClr val="accent1">
+              <a:lumMod val="60000"/>
+              <a:lumOff val="40000"/>
+              <a:alpha val="47000"/>
+            </a:schemeClr>
+          </a:solidFill>
+          <a:ln w="12700">
+            <a:solidFill>
+              <a:schemeClr val="tx2">
+                <a:lumMod val="50000"/>
+              </a:schemeClr>
+            </a:solidFill>
+          </a:ln>
+        </p:spPr>
+        <p:style>
+          <a:lnRef idx="2">
+            <a:schemeClr val="accent1">
+              <a:shade val="50000"/>
+            </a:schemeClr>
+          </a:lnRef>
+          <a:fillRef idx="1">
+            <a:schemeClr val="accent1"/>
+          </a:fillRef>
+          <a:effectRef idx="0">
+            <a:schemeClr val="accent1"/>
+          </a:effectRef>
+          <a:fontRef idx="minor">
+            <a:schemeClr val="lt1"/>
+          </a:fontRef>
+        </p:style>
+        <p:txBody>
+          <a:bodyPr rtlCol="0" anchor="ctr"/>
+          <a:lstStyle/>
+          <a:p>
+            <a:pPr algn="ctr"/>
+            <a:endParaRPr lang="en-US"/>
+          </a:p>
+        </p:txBody>
+      </p:sp>
+      <p:sp>
+        <p:nvSpPr>
+          <p:cNvPr id="54" name="Rectangle 53"/>
+          <p:cNvSpPr/>
+          <p:nvPr/>
+        </p:nvSpPr>
+        <p:spPr>
+          <a:xfrm>
+            <a:off x="4896895" y="4283852"/>
+            <a:ext cx="3466619" cy="42306"/>
+          </a:xfrm>
+          <a:prstGeom prst="rect">
+            <a:avLst/>
+          </a:prstGeom>
+          <a:solidFill>
+            <a:schemeClr val="accent1">
+              <a:lumMod val="60000"/>
+              <a:lumOff val="40000"/>
+              <a:alpha val="47000"/>
+            </a:schemeClr>
+          </a:solidFill>
+          <a:ln w="12700">
+            <a:solidFill>
+              <a:schemeClr val="tx2">
+                <a:lumMod val="50000"/>
+              </a:schemeClr>
+            </a:solidFill>
+          </a:ln>
+        </p:spPr>
+        <p:style>
+          <a:lnRef idx="2">
+            <a:schemeClr val="accent1">
+              <a:shade val="50000"/>
+            </a:schemeClr>
+          </a:lnRef>
+          <a:fillRef idx="1">
+            <a:schemeClr val="accent1"/>
+          </a:fillRef>
+          <a:effectRef idx="0">
+            <a:schemeClr val="accent1"/>
+          </a:effectRef>
+          <a:fontRef idx="minor">
+            <a:schemeClr val="lt1"/>
+          </a:fontRef>
+        </p:style>
+        <p:txBody>
+          <a:bodyPr rtlCol="0" anchor="ctr"/>
+          <a:lstStyle/>
+          <a:p>
+            <a:pPr algn="ctr"/>
+            <a:endParaRPr lang="en-US"/>
+          </a:p>
+        </p:txBody>
+      </p:sp>
+      <p:sp>
+        <p:nvSpPr>
+          <p:cNvPr id="55" name="Rectangle 54"/>
+          <p:cNvSpPr/>
+          <p:nvPr/>
+        </p:nvSpPr>
+        <p:spPr>
+          <a:xfrm>
+            <a:off x="4896895" y="4566483"/>
+            <a:ext cx="3466619" cy="42306"/>
+          </a:xfrm>
+          <a:prstGeom prst="rect">
+            <a:avLst/>
+          </a:prstGeom>
+          <a:solidFill>
+            <a:schemeClr val="accent1">
+              <a:lumMod val="60000"/>
+              <a:lumOff val="40000"/>
+              <a:alpha val="47000"/>
+            </a:schemeClr>
+          </a:solidFill>
+          <a:ln w="12700">
+            <a:solidFill>
+              <a:schemeClr val="tx2">
+                <a:lumMod val="50000"/>
+              </a:schemeClr>
+            </a:solidFill>
+          </a:ln>
+        </p:spPr>
+        <p:style>
+          <a:lnRef idx="2">
+            <a:schemeClr val="accent1">
+              <a:shade val="50000"/>
+            </a:schemeClr>
+          </a:lnRef>
+          <a:fillRef idx="1">
+            <a:schemeClr val="accent1"/>
+          </a:fillRef>
+          <a:effectRef idx="0">
+            <a:schemeClr val="accent1"/>
+          </a:effectRef>
+          <a:fontRef idx="minor">
+            <a:schemeClr val="lt1"/>
+          </a:fontRef>
+        </p:style>
+        <p:txBody>
+          <a:bodyPr rtlCol="0" anchor="ctr"/>
+          <a:lstStyle/>
+          <a:p>
+            <a:pPr algn="ctr"/>
+            <a:endParaRPr lang="en-US"/>
+          </a:p>
+        </p:txBody>
+      </p:sp>
+      <p:sp>
+        <p:nvSpPr>
+          <p:cNvPr id="56" name="Rectangle 55"/>
+          <p:cNvSpPr/>
+          <p:nvPr/>
+        </p:nvSpPr>
+        <p:spPr>
+          <a:xfrm>
+            <a:off x="4896895" y="4424874"/>
+            <a:ext cx="3466619" cy="42306"/>
+          </a:xfrm>
+          <a:prstGeom prst="rect">
+            <a:avLst/>
+          </a:prstGeom>
+          <a:solidFill>
+            <a:schemeClr val="accent1">
+              <a:lumMod val="60000"/>
+              <a:lumOff val="40000"/>
+              <a:alpha val="47000"/>
+            </a:schemeClr>
+          </a:solidFill>
+          <a:ln w="12700">
+            <a:solidFill>
+              <a:schemeClr val="tx2">
+                <a:lumMod val="50000"/>
+              </a:schemeClr>
+            </a:solidFill>
+          </a:ln>
+        </p:spPr>
+        <p:style>
+          <a:lnRef idx="2">
+            <a:schemeClr val="accent1">
+              <a:shade val="50000"/>
+            </a:schemeClr>
+          </a:lnRef>
+          <a:fillRef idx="1">
+            <a:schemeClr val="accent1"/>
+          </a:fillRef>
+          <a:effectRef idx="0">
+            <a:schemeClr val="accent1"/>
+          </a:effectRef>
+          <a:fontRef idx="minor">
+            <a:schemeClr val="lt1"/>
+          </a:fontRef>
+        </p:style>
+        <p:txBody>
+          <a:bodyPr rtlCol="0" anchor="ctr"/>
+          <a:lstStyle/>
+          <a:p>
+            <a:pPr algn="ctr"/>
+            <a:endParaRPr lang="en-US"/>
+          </a:p>
+        </p:txBody>
+      </p:sp>
+      <p:sp>
+        <p:nvSpPr>
+          <p:cNvPr id="57" name="Rectangle 56"/>
+          <p:cNvSpPr/>
+          <p:nvPr/>
+        </p:nvSpPr>
+        <p:spPr>
+          <a:xfrm>
+            <a:off x="4896895" y="4664023"/>
+            <a:ext cx="3466619" cy="42306"/>
+          </a:xfrm>
+          <a:prstGeom prst="rect">
+            <a:avLst/>
+          </a:prstGeom>
+          <a:solidFill>
+            <a:schemeClr val="accent1">
+              <a:lumMod val="60000"/>
+              <a:lumOff val="40000"/>
+              <a:alpha val="47000"/>
+            </a:schemeClr>
+          </a:solidFill>
+          <a:ln w="12700">
+            <a:solidFill>
+              <a:schemeClr val="tx2">
+                <a:lumMod val="50000"/>
+              </a:schemeClr>
+            </a:solidFill>
+          </a:ln>
+        </p:spPr>
+        <p:style>
+          <a:lnRef idx="2">
+            <a:schemeClr val="accent1">
+              <a:shade val="50000"/>
+            </a:schemeClr>
+          </a:lnRef>
+          <a:fillRef idx="1">
+            <a:schemeClr val="accent1"/>
+          </a:fillRef>
+          <a:effectRef idx="0">
+            <a:schemeClr val="accent1"/>
+          </a:effectRef>
+          <a:fontRef idx="minor">
+            <a:schemeClr val="lt1"/>
+          </a:fontRef>
+        </p:style>
+        <p:txBody>
+          <a:bodyPr rtlCol="0" anchor="ctr"/>
+          <a:lstStyle/>
+          <a:p>
+            <a:pPr algn="ctr"/>
+            <a:endParaRPr lang="en-US"/>
+          </a:p>
+        </p:txBody>
+      </p:sp>
+      <p:sp>
+        <p:nvSpPr>
+          <p:cNvPr id="58" name="Rectangle 57"/>
+          <p:cNvSpPr/>
+          <p:nvPr/>
+        </p:nvSpPr>
+        <p:spPr>
+          <a:xfrm>
+            <a:off x="4896895" y="4805045"/>
+            <a:ext cx="3466619" cy="42306"/>
+          </a:xfrm>
+          <a:prstGeom prst="rect">
+            <a:avLst/>
+          </a:prstGeom>
+          <a:solidFill>
+            <a:schemeClr val="accent1">
+              <a:lumMod val="60000"/>
+              <a:lumOff val="40000"/>
+              <a:alpha val="47000"/>
+            </a:schemeClr>
+          </a:solidFill>
+          <a:ln w="12700">
+            <a:solidFill>
+              <a:schemeClr val="tx2">
+                <a:lumMod val="50000"/>
+              </a:schemeClr>
+            </a:solidFill>
+          </a:ln>
+        </p:spPr>
+        <p:style>
+          <a:lnRef idx="2">
+            <a:schemeClr val="accent1">
+              <a:shade val="50000"/>
+            </a:schemeClr>
+          </a:lnRef>
+          <a:fillRef idx="1">
+            <a:schemeClr val="accent1"/>
+          </a:fillRef>
+          <a:effectRef idx="0">
+            <a:schemeClr val="accent1"/>
+          </a:effectRef>
+          <a:fontRef idx="minor">
+            <a:schemeClr val="lt1"/>
+          </a:fontRef>
+        </p:style>
+        <p:txBody>
+          <a:bodyPr rtlCol="0" anchor="ctr"/>
+          <a:lstStyle/>
+          <a:p>
+            <a:pPr algn="ctr"/>
+            <a:endParaRPr lang="en-US"/>
+          </a:p>
+        </p:txBody>
+      </p:sp>
+      <p:sp>
+        <p:nvSpPr>
+          <p:cNvPr id="59" name="Rectangle 58"/>
+          <p:cNvSpPr/>
+          <p:nvPr/>
+        </p:nvSpPr>
+        <p:spPr>
+          <a:xfrm>
+            <a:off x="4896895" y="4946655"/>
+            <a:ext cx="3466619" cy="42306"/>
+          </a:xfrm>
+          <a:prstGeom prst="rect">
+            <a:avLst/>
+          </a:prstGeom>
+          <a:solidFill>
+            <a:schemeClr val="accent1">
+              <a:lumMod val="60000"/>
+              <a:lumOff val="40000"/>
+              <a:alpha val="47000"/>
+            </a:schemeClr>
+          </a:solidFill>
+          <a:ln w="12700">
+            <a:solidFill>
+              <a:schemeClr val="tx2">
+                <a:lumMod val="50000"/>
+              </a:schemeClr>
+            </a:solidFill>
+          </a:ln>
+        </p:spPr>
+        <p:style>
+          <a:lnRef idx="2">
+            <a:schemeClr val="accent1">
+              <a:shade val="50000"/>
+            </a:schemeClr>
+          </a:lnRef>
+          <a:fillRef idx="1">
+            <a:schemeClr val="accent1"/>
+          </a:fillRef>
+          <a:effectRef idx="0">
+            <a:schemeClr val="accent1"/>
+          </a:effectRef>
+          <a:fontRef idx="minor">
+            <a:schemeClr val="lt1"/>
+          </a:fontRef>
+        </p:style>
+        <p:txBody>
+          <a:bodyPr rtlCol="0" anchor="ctr"/>
+          <a:lstStyle/>
+          <a:p>
+            <a:pPr algn="ctr"/>
+            <a:endParaRPr lang="en-US"/>
+          </a:p>
+        </p:txBody>
+      </p:sp>
+      <p:sp>
+        <p:nvSpPr>
+          <p:cNvPr id="60" name="TextBox 59"/>
+          <p:cNvSpPr txBox="1"/>
+          <p:nvPr/>
+        </p:nvSpPr>
+        <p:spPr>
+          <a:xfrm>
+            <a:off x="5463617" y="3886200"/>
+            <a:ext cx="614798" cy="261610"/>
+          </a:xfrm>
+          <a:prstGeom prst="rect">
+            <a:avLst/>
+          </a:prstGeom>
+          <a:noFill/>
+        </p:spPr>
+        <p:txBody>
+          <a:bodyPr wrap="square" rtlCol="0">
+            <a:spAutoFit/>
+          </a:bodyPr>
+          <a:lstStyle/>
+          <a:p>
+            <a:pPr algn="ctr"/>
+            <a:r>
+              <a:rPr lang="en-US" sz="1100" dirty="0" smtClean="0"/>
+              <a:t>Span  7</a:t>
+            </a:r>
+            <a:endParaRPr lang="en-US" sz="1100" dirty="0"/>
+          </a:p>
+        </p:txBody>
+      </p:sp>
+      <p:sp>
+        <p:nvSpPr>
+          <p:cNvPr id="61" name="TextBox 60"/>
+          <p:cNvSpPr txBox="1"/>
+          <p:nvPr/>
+        </p:nvSpPr>
+        <p:spPr>
+          <a:xfrm>
+            <a:off x="7242792" y="3886200"/>
+            <a:ext cx="614798" cy="261610"/>
+          </a:xfrm>
+          <a:prstGeom prst="rect">
+            <a:avLst/>
+          </a:prstGeom>
+          <a:noFill/>
+        </p:spPr>
+        <p:txBody>
+          <a:bodyPr wrap="square" rtlCol="0">
+            <a:spAutoFit/>
+          </a:bodyPr>
+          <a:lstStyle/>
+          <a:p>
+            <a:pPr algn="ctr"/>
+            <a:r>
+              <a:rPr lang="en-US" sz="1100" dirty="0" smtClean="0"/>
+              <a:t>Span  8</a:t>
+            </a:r>
+            <a:endParaRPr lang="en-US" sz="1100" dirty="0"/>
+          </a:p>
+        </p:txBody>
+      </p:sp>
+      <p:cxnSp>
+        <p:nvCxnSpPr>
+          <p:cNvPr id="62" name="Straight Connector 61"/>
+          <p:cNvCxnSpPr/>
+          <p:nvPr/>
+        </p:nvCxnSpPr>
+        <p:spPr>
+          <a:xfrm>
+            <a:off x="5326210" y="4064246"/>
+            <a:ext cx="0" cy="1150364"/>
+          </a:xfrm>
+          <a:prstGeom prst="line">
+            <a:avLst/>
+          </a:prstGeom>
+          <a:ln w="19050">
+            <a:solidFill>
+              <a:schemeClr val="tx1"/>
+            </a:solidFill>
+            <a:prstDash val="sysDash"/>
+          </a:ln>
+        </p:spPr>
+        <p:style>
+          <a:lnRef idx="1">
+            <a:schemeClr val="accent1"/>
+          </a:lnRef>
+          <a:fillRef idx="0">
+            <a:schemeClr val="accent1"/>
+          </a:fillRef>
+          <a:effectRef idx="0">
+            <a:schemeClr val="accent1"/>
+          </a:effectRef>
+          <a:fontRef idx="minor">
+            <a:schemeClr val="tx1"/>
+          </a:fontRef>
+        </p:style>
+      </p:cxnSp>
+      <p:cxnSp>
+        <p:nvCxnSpPr>
+          <p:cNvPr id="63" name="Straight Connector 62"/>
+          <p:cNvCxnSpPr/>
+          <p:nvPr/>
+        </p:nvCxnSpPr>
+        <p:spPr>
+          <a:xfrm>
+            <a:off x="5761668" y="4063730"/>
+            <a:ext cx="0" cy="1150364"/>
+          </a:xfrm>
+          <a:prstGeom prst="line">
+            <a:avLst/>
+          </a:prstGeom>
+          <a:ln w="19050">
+            <a:solidFill>
+              <a:schemeClr val="tx1"/>
+            </a:solidFill>
+            <a:prstDash val="sysDash"/>
+          </a:ln>
+        </p:spPr>
+        <p:style>
+          <a:lnRef idx="1">
+            <a:schemeClr val="accent1"/>
+          </a:lnRef>
+          <a:fillRef idx="0">
+            <a:schemeClr val="accent1"/>
+          </a:fillRef>
+          <a:effectRef idx="0">
+            <a:schemeClr val="accent1"/>
+          </a:effectRef>
+          <a:fontRef idx="minor">
+            <a:schemeClr val="tx1"/>
+          </a:fontRef>
+        </p:style>
+      </p:cxnSp>
+      <p:cxnSp>
+        <p:nvCxnSpPr>
+          <p:cNvPr id="64" name="Straight Connector 63"/>
+          <p:cNvCxnSpPr/>
+          <p:nvPr/>
+        </p:nvCxnSpPr>
+        <p:spPr>
+          <a:xfrm>
+            <a:off x="6201994" y="4063730"/>
+            <a:ext cx="0" cy="1150364"/>
+          </a:xfrm>
+          <a:prstGeom prst="line">
+            <a:avLst/>
+          </a:prstGeom>
+          <a:ln w="19050">
+            <a:solidFill>
+              <a:schemeClr val="tx1"/>
+            </a:solidFill>
+            <a:prstDash val="sysDash"/>
+          </a:ln>
+        </p:spPr>
+        <p:style>
+          <a:lnRef idx="1">
+            <a:schemeClr val="accent1"/>
+          </a:lnRef>
+          <a:fillRef idx="0">
+            <a:schemeClr val="accent1"/>
+          </a:fillRef>
+          <a:effectRef idx="0">
+            <a:schemeClr val="accent1"/>
+          </a:effectRef>
+          <a:fontRef idx="minor">
+            <a:schemeClr val="tx1"/>
+          </a:fontRef>
+        </p:style>
+      </p:cxnSp>
+      <p:sp>
+        <p:nvSpPr>
+          <p:cNvPr id="70" name="Oval 69"/>
+          <p:cNvSpPr/>
+          <p:nvPr/>
+        </p:nvSpPr>
+        <p:spPr>
+          <a:xfrm>
+            <a:off x="5571168" y="4400550"/>
+            <a:ext cx="381000" cy="380171"/>
+          </a:xfrm>
+          <a:prstGeom prst="ellipse">
+            <a:avLst/>
+          </a:prstGeom>
+          <a:solidFill>
+            <a:srgbClr val="F6F5EE">
+              <a:alpha val="67000"/>
+            </a:srgbClr>
+          </a:solidFill>
+          <a:ln w="19050">
+            <a:solidFill>
+              <a:srgbClr val="C00000"/>
+            </a:solidFill>
+          </a:ln>
+        </p:spPr>
+        <p:style>
+          <a:lnRef idx="2">
+            <a:schemeClr val="accent1">
+              <a:shade val="50000"/>
+            </a:schemeClr>
+          </a:lnRef>
+          <a:fillRef idx="1">
+            <a:schemeClr val="accent1"/>
+          </a:fillRef>
+          <a:effectRef idx="0">
+            <a:schemeClr val="accent1"/>
+          </a:effectRef>
+          <a:fontRef idx="minor">
+            <a:schemeClr val="lt1"/>
+          </a:fontRef>
+        </p:style>
+        <p:txBody>
+          <a:bodyPr rtlCol="0" anchor="ctr"/>
+          <a:lstStyle/>
+          <a:p>
+            <a:pPr algn="ctr"/>
+            <a:endParaRPr lang="en-US"/>
+          </a:p>
+        </p:txBody>
+      </p:sp>
+      <p:sp>
+        <p:nvSpPr>
+          <p:cNvPr id="66" name="Multiply 65"/>
+          <p:cNvSpPr/>
+          <p:nvPr/>
+        </p:nvSpPr>
+        <p:spPr>
+          <a:xfrm>
+            <a:off x="5693088" y="4524375"/>
+            <a:ext cx="137160" cy="137160"/>
+          </a:xfrm>
+          <a:prstGeom prst="mathMultiply">
+            <a:avLst/>
+          </a:prstGeom>
+          <a:solidFill>
+            <a:srgbClr val="FF0000"/>
+          </a:solidFill>
+          <a:ln w="9525">
+            <a:solidFill>
+              <a:srgbClr val="C00000"/>
+            </a:solidFill>
+          </a:ln>
+        </p:spPr>
+        <p:style>
+          <a:lnRef idx="2">
+            <a:schemeClr val="accent1">
+              <a:shade val="50000"/>
+            </a:schemeClr>
+          </a:lnRef>
+          <a:fillRef idx="1">
+            <a:schemeClr val="accent1"/>
+          </a:fillRef>
+          <a:effectRef idx="0">
+            <a:schemeClr val="accent1"/>
+          </a:effectRef>
+          <a:fontRef idx="minor">
+            <a:schemeClr val="lt1"/>
+          </a:fontRef>
+        </p:style>
+        <p:txBody>
+          <a:bodyPr rtlCol="0" anchor="ctr"/>
+          <a:lstStyle/>
+          <a:p>
+            <a:pPr algn="ctr"/>
+            <a:endParaRPr lang="en-US"/>
+          </a:p>
+        </p:txBody>
+      </p:sp>
+      <p:cxnSp>
+        <p:nvCxnSpPr>
+          <p:cNvPr id="71" name="Straight Connector 70"/>
+          <p:cNvCxnSpPr>
+            <a:stCxn id="70" idx="0"/>
+            <a:endCxn id="69" idx="1"/>
+          </p:cNvCxnSpPr>
+          <p:nvPr/>
+        </p:nvCxnSpPr>
+        <p:spPr>
+          <a:xfrm flipV="1">
+            <a:off x="5761668" y="4265313"/>
+            <a:ext cx="655831" cy="135237"/>
+          </a:xfrm>
+          <a:prstGeom prst="line">
+            <a:avLst/>
+          </a:prstGeom>
+          <a:ln w="19050">
+            <a:solidFill>
+              <a:srgbClr val="C00000"/>
+            </a:solidFill>
+          </a:ln>
+        </p:spPr>
+        <p:style>
+          <a:lnRef idx="1">
+            <a:schemeClr val="accent1"/>
+          </a:lnRef>
+          <a:fillRef idx="0">
+            <a:schemeClr val="accent1"/>
+          </a:fillRef>
+          <a:effectRef idx="0">
+            <a:schemeClr val="accent1"/>
+          </a:effectRef>
+          <a:fontRef idx="minor">
+            <a:schemeClr val="tx1"/>
+          </a:fontRef>
+        </p:style>
+      </p:cxnSp>
+      <p:cxnSp>
+        <p:nvCxnSpPr>
+          <p:cNvPr id="72" name="Straight Connector 71"/>
+          <p:cNvCxnSpPr>
+            <a:stCxn id="70" idx="4"/>
+            <a:endCxn id="69" idx="3"/>
+          </p:cNvCxnSpPr>
+          <p:nvPr/>
+        </p:nvCxnSpPr>
+        <p:spPr>
+          <a:xfrm>
+            <a:off x="5761668" y="4780721"/>
+            <a:ext cx="655831" cy="243669"/>
+          </a:xfrm>
+          <a:prstGeom prst="line">
+            <a:avLst/>
+          </a:prstGeom>
+          <a:ln w="19050">
+            <a:solidFill>
+              <a:srgbClr val="C00000"/>
+            </a:solidFill>
+          </a:ln>
+        </p:spPr>
+        <p:style>
+          <a:lnRef idx="1">
+            <a:schemeClr val="accent1"/>
+          </a:lnRef>
+          <a:fillRef idx="0">
+            <a:schemeClr val="accent1"/>
+          </a:fillRef>
+          <a:effectRef idx="0">
+            <a:schemeClr val="accent1"/>
+          </a:effectRef>
+          <a:fontRef idx="minor">
+            <a:schemeClr val="tx1"/>
+          </a:fontRef>
+        </p:style>
+      </p:cxnSp>
+      <p:grpSp>
+        <p:nvGrpSpPr>
+          <p:cNvPr id="77" name="Group 76"/>
+          <p:cNvGrpSpPr/>
+          <p:nvPr/>
+        </p:nvGrpSpPr>
+        <p:grpSpPr>
+          <a:xfrm>
+            <a:off x="6248400" y="4108103"/>
+            <a:ext cx="1154680" cy="1073497"/>
+            <a:chOff x="6108698" y="4108103"/>
+            <a:chExt cx="1154680" cy="1073497"/>
+          </a:xfrm>
+        </p:grpSpPr>
+        <p:pic>
+          <p:nvPicPr>
+            <p:cNvPr id="69" name="Picture 68"/>
+            <p:cNvPicPr>
+              <a:picLocks noChangeAspect="1"/>
+            </p:cNvPicPr>
+            <p:nvPr/>
+          </p:nvPicPr>
+          <p:blipFill rotWithShape="1">
+            <a:blip r:embed="rId3" cstate="print">
+              <a:extLst>
+                <a:ext uri="{28A0092B-C50C-407E-A947-70E740481C1C}">
+                  <a14:useLocalDpi xmlns:a14="http://schemas.microsoft.com/office/drawing/2010/main" val="0"/>
+                </a:ext>
+              </a:extLst>
+            </a:blip>
+            <a:srcRect l="18260" t="23006" r="12115" b="5562"/>
+            <a:stretch/>
+          </p:blipFill>
+          <p:spPr>
+            <a:xfrm>
+              <a:off x="6108698" y="4108103"/>
+              <a:ext cx="1154680" cy="1073497"/>
+            </a:xfrm>
+            <a:prstGeom prst="ellipse">
+              <a:avLst/>
+            </a:prstGeom>
+            <a:ln w="19050">
+              <a:solidFill>
+                <a:srgbClr val="C00000"/>
+              </a:solidFill>
+            </a:ln>
+          </p:spPr>
+        </p:pic>
+        <p:sp>
+          <p:nvSpPr>
+            <p:cNvPr id="74" name="Rounded Rectangle 73"/>
+            <p:cNvSpPr/>
+            <p:nvPr/>
+          </p:nvSpPr>
+          <p:spPr>
+            <a:xfrm>
+              <a:off x="6297727" y="4246483"/>
+              <a:ext cx="776623" cy="173117"/>
+            </a:xfrm>
+            <a:prstGeom prst="roundRect">
+              <a:avLst>
+                <a:gd name="adj" fmla="val 50000"/>
+              </a:avLst>
+            </a:prstGeom>
+            <a:gradFill flip="none" rotWithShape="1">
+              <a:gsLst>
+                <a:gs pos="83000">
+                  <a:schemeClr val="bg1">
+                    <a:alpha val="78000"/>
+                  </a:schemeClr>
+                </a:gs>
+                <a:gs pos="100000">
+                  <a:schemeClr val="bg1">
+                    <a:alpha val="36000"/>
+                  </a:schemeClr>
+                </a:gs>
+              </a:gsLst>
+              <a:path path="rect">
+                <a:fillToRect l="50000" t="50000" r="50000" b="50000"/>
+              </a:path>
+              <a:tileRect/>
+            </a:gradFill>
+          </p:spPr>
+          <p:txBody>
+            <a:bodyPr wrap="square" lIns="0" tIns="0" rIns="0" bIns="0" rtlCol="0">
+              <a:spAutoFit/>
+            </a:bodyPr>
+            <a:lstStyle/>
+            <a:p>
+              <a:pPr algn="ctr"/>
+              <a:r>
+                <a:rPr lang="en-US" sz="800" b="1" dirty="0" smtClean="0">
+                  <a:solidFill>
+                    <a:schemeClr val="tx1"/>
+                  </a:solidFill>
+                </a:rPr>
+                <a:t>Gauge </a:t>
+              </a:r>
+              <a:r>
+                <a:rPr lang="en-US" sz="800" b="1" dirty="0" err="1" smtClean="0">
+                  <a:solidFill>
+                    <a:schemeClr val="tx1"/>
+                  </a:solidFill>
+                </a:rPr>
+                <a:t>Loc’s</a:t>
+              </a:r>
+              <a:r>
+                <a:rPr lang="en-US" sz="800" b="1" dirty="0" smtClean="0">
+                  <a:solidFill>
+                    <a:schemeClr val="tx1"/>
+                  </a:solidFill>
+                </a:rPr>
+                <a:t>.</a:t>
+              </a:r>
+              <a:endParaRPr lang="en-US" sz="800" b="1" dirty="0">
+                <a:solidFill>
+                  <a:schemeClr val="tx1"/>
+                </a:solidFill>
+              </a:endParaRPr>
+            </a:p>
+          </p:txBody>
+        </p:sp>
+        <p:sp>
+          <p:nvSpPr>
+            <p:cNvPr id="75" name="Rounded Rectangle 74"/>
+            <p:cNvSpPr/>
+            <p:nvPr/>
+          </p:nvSpPr>
+          <p:spPr>
+            <a:xfrm rot="1740000">
+              <a:off x="6485504" y="4765850"/>
+              <a:ext cx="256218" cy="112539"/>
+            </a:xfrm>
+            <a:prstGeom prst="roundRect">
+              <a:avLst/>
+            </a:prstGeom>
+            <a:noFill/>
+            <a:ln w="12700">
+              <a:solidFill>
+                <a:srgbClr val="FF0000"/>
+              </a:solidFill>
+              <a:prstDash val="sysDash"/>
+            </a:ln>
+          </p:spPr>
+          <p:style>
+            <a:lnRef idx="2">
+              <a:schemeClr val="accent1">
+                <a:shade val="50000"/>
+              </a:schemeClr>
+            </a:lnRef>
+            <a:fillRef idx="1">
+              <a:schemeClr val="accent1"/>
+            </a:fillRef>
+            <a:effectRef idx="0">
+              <a:schemeClr val="accent1"/>
+            </a:effectRef>
+            <a:fontRef idx="minor">
+              <a:schemeClr val="lt1"/>
+            </a:fontRef>
+          </p:style>
+          <p:txBody>
+            <a:bodyPr rtlCol="0" anchor="ctr"/>
+            <a:lstStyle/>
+            <a:p>
+              <a:pPr algn="ctr"/>
+              <a:endParaRPr lang="en-US"/>
+            </a:p>
+          </p:txBody>
+        </p:sp>
+        <p:sp>
+          <p:nvSpPr>
+            <p:cNvPr id="82" name="Rounded Rectangle 81"/>
+            <p:cNvSpPr/>
+            <p:nvPr/>
+          </p:nvSpPr>
+          <p:spPr>
+            <a:xfrm rot="1620000">
+              <a:off x="6466739" y="4975907"/>
+              <a:ext cx="256218" cy="112539"/>
+            </a:xfrm>
+            <a:prstGeom prst="roundRect">
+              <a:avLst/>
+            </a:prstGeom>
+            <a:noFill/>
+            <a:ln w="12700">
+              <a:solidFill>
+                <a:srgbClr val="001BE6"/>
+              </a:solidFill>
+              <a:prstDash val="sysDash"/>
+            </a:ln>
+          </p:spPr>
+          <p:style>
+            <a:lnRef idx="2">
+              <a:schemeClr val="accent1">
+                <a:shade val="50000"/>
+              </a:schemeClr>
+            </a:lnRef>
+            <a:fillRef idx="1">
+              <a:schemeClr val="accent1"/>
+            </a:fillRef>
+            <a:effectRef idx="0">
+              <a:schemeClr val="accent1"/>
+            </a:effectRef>
+            <a:fontRef idx="minor">
+              <a:schemeClr val="lt1"/>
+            </a:fontRef>
+          </p:style>
+          <p:txBody>
+            <a:bodyPr rtlCol="0" anchor="ctr"/>
+            <a:lstStyle/>
+            <a:p>
+              <a:pPr algn="ctr"/>
+              <a:endParaRPr lang="en-US"/>
+            </a:p>
+          </p:txBody>
+        </p:sp>
+      </p:grpSp>
+      <p:sp>
+        <p:nvSpPr>
+          <p:cNvPr id="133" name="Multiply 132"/>
+          <p:cNvSpPr/>
+          <p:nvPr/>
+        </p:nvSpPr>
+        <p:spPr>
+          <a:xfrm>
+            <a:off x="6519608" y="2924175"/>
+            <a:ext cx="137160" cy="137160"/>
+          </a:xfrm>
+          <a:prstGeom prst="mathMultiply">
+            <a:avLst/>
+          </a:prstGeom>
+          <a:solidFill>
+            <a:srgbClr val="FF0000"/>
+          </a:solidFill>
+          <a:ln w="9525">
+            <a:solidFill>
+              <a:srgbClr val="C00000"/>
+            </a:solidFill>
+          </a:ln>
+        </p:spPr>
+        <p:style>
+          <a:lnRef idx="2">
+            <a:schemeClr val="accent1">
+              <a:shade val="50000"/>
+            </a:schemeClr>
+          </a:lnRef>
+          <a:fillRef idx="1">
+            <a:schemeClr val="accent1"/>
+          </a:fillRef>
+          <a:effectRef idx="0">
+            <a:schemeClr val="accent1"/>
+          </a:effectRef>
+          <a:fontRef idx="minor">
+            <a:schemeClr val="lt1"/>
+          </a:fontRef>
+        </p:style>
+        <p:txBody>
+          <a:bodyPr rtlCol="0" anchor="ctr"/>
+          <a:lstStyle/>
+          <a:p>
+            <a:pPr algn="ctr"/>
+            <a:endParaRPr lang="en-US"/>
+          </a:p>
+        </p:txBody>
+      </p:sp>
+      <p:cxnSp>
+        <p:nvCxnSpPr>
+          <p:cNvPr id="135" name="Straight Connector 134"/>
+          <p:cNvCxnSpPr>
+            <a:stCxn id="134" idx="0"/>
+            <a:endCxn id="138" idx="1"/>
+          </p:cNvCxnSpPr>
+          <p:nvPr/>
+        </p:nvCxnSpPr>
+        <p:spPr>
+          <a:xfrm flipV="1">
+            <a:off x="6588188" y="2652089"/>
+            <a:ext cx="569185" cy="148261"/>
+          </a:xfrm>
+          <a:prstGeom prst="line">
+            <a:avLst/>
+          </a:prstGeom>
+          <a:ln w="19050">
+            <a:solidFill>
+              <a:srgbClr val="C00000"/>
+            </a:solidFill>
+          </a:ln>
+        </p:spPr>
+        <p:style>
+          <a:lnRef idx="1">
+            <a:schemeClr val="accent1"/>
+          </a:lnRef>
+          <a:fillRef idx="0">
+            <a:schemeClr val="accent1"/>
+          </a:fillRef>
+          <a:effectRef idx="0">
+            <a:schemeClr val="accent1"/>
+          </a:effectRef>
+          <a:fontRef idx="minor">
+            <a:schemeClr val="tx1"/>
+          </a:fontRef>
+        </p:style>
+      </p:cxnSp>
+      <p:cxnSp>
+        <p:nvCxnSpPr>
+          <p:cNvPr id="136" name="Straight Connector 135"/>
+          <p:cNvCxnSpPr>
+            <a:stCxn id="134" idx="4"/>
+            <a:endCxn id="138" idx="3"/>
+          </p:cNvCxnSpPr>
+          <p:nvPr/>
+        </p:nvCxnSpPr>
+        <p:spPr>
+          <a:xfrm>
+            <a:off x="6588188" y="3180521"/>
+            <a:ext cx="569185" cy="265599"/>
+          </a:xfrm>
+          <a:prstGeom prst="line">
+            <a:avLst/>
+          </a:prstGeom>
+          <a:ln w="19050">
+            <a:solidFill>
+              <a:srgbClr val="C00000"/>
+            </a:solidFill>
+          </a:ln>
+        </p:spPr>
+        <p:style>
+          <a:lnRef idx="1">
+            <a:schemeClr val="accent1"/>
+          </a:lnRef>
+          <a:fillRef idx="0">
+            <a:schemeClr val="accent1"/>
+          </a:fillRef>
+          <a:effectRef idx="0">
+            <a:schemeClr val="accent1"/>
+          </a:effectRef>
+          <a:fontRef idx="minor">
+            <a:schemeClr val="tx1"/>
+          </a:fontRef>
+        </p:style>
+      </p:cxnSp>
+      <p:grpSp>
+        <p:nvGrpSpPr>
+          <p:cNvPr id="137" name="Group 136"/>
+          <p:cNvGrpSpPr/>
+          <p:nvPr/>
+        </p:nvGrpSpPr>
+        <p:grpSpPr>
+          <a:xfrm>
+            <a:off x="6972100" y="2487640"/>
+            <a:ext cx="1265120" cy="1122929"/>
+            <a:chOff x="5998258" y="4017544"/>
+            <a:chExt cx="1265120" cy="1122929"/>
+          </a:xfrm>
+        </p:grpSpPr>
+        <p:pic>
+          <p:nvPicPr>
+            <p:cNvPr id="138" name="Picture 137"/>
+            <p:cNvPicPr>
+              <a:picLocks noChangeAspect="1"/>
+            </p:cNvPicPr>
+            <p:nvPr/>
+          </p:nvPicPr>
+          <p:blipFill rotWithShape="1">
+            <a:blip r:embed="rId4" cstate="print">
+              <a:extLst>
+                <a:ext uri="{28A0092B-C50C-407E-A947-70E740481C1C}">
+                  <a14:useLocalDpi xmlns:a14="http://schemas.microsoft.com/office/drawing/2010/main" val="0"/>
+                </a:ext>
+              </a:extLst>
+            </a:blip>
+            <a:srcRect l="15959" t="21689" r="11522" b="2636"/>
+            <a:stretch/>
+          </p:blipFill>
+          <p:spPr>
+            <a:xfrm>
+              <a:off x="5998258" y="4017544"/>
+              <a:ext cx="1265120" cy="1122929"/>
+            </a:xfrm>
+            <a:prstGeom prst="ellipse">
+              <a:avLst/>
+            </a:prstGeom>
+            <a:ln w="19050">
+              <a:solidFill>
+                <a:srgbClr val="C00000"/>
+              </a:solidFill>
+            </a:ln>
+          </p:spPr>
+        </p:pic>
+        <p:sp>
+          <p:nvSpPr>
+            <p:cNvPr id="139" name="Rounded Rectangle 138"/>
+            <p:cNvSpPr/>
+            <p:nvPr/>
+          </p:nvSpPr>
+          <p:spPr>
+            <a:xfrm>
+              <a:off x="6242915" y="4127013"/>
+              <a:ext cx="776623" cy="173117"/>
+            </a:xfrm>
+            <a:prstGeom prst="roundRect">
+              <a:avLst>
+                <a:gd name="adj" fmla="val 50000"/>
+              </a:avLst>
+            </a:prstGeom>
+            <a:gradFill flip="none" rotWithShape="1">
+              <a:gsLst>
+                <a:gs pos="83000">
+                  <a:schemeClr val="bg1">
+                    <a:alpha val="78000"/>
+                  </a:schemeClr>
+                </a:gs>
+                <a:gs pos="100000">
+                  <a:schemeClr val="bg1">
+                    <a:alpha val="36000"/>
+                  </a:schemeClr>
+                </a:gs>
+              </a:gsLst>
+              <a:path path="rect">
+                <a:fillToRect l="50000" t="50000" r="50000" b="50000"/>
+              </a:path>
+              <a:tileRect/>
+            </a:gradFill>
+          </p:spPr>
+          <p:txBody>
+            <a:bodyPr wrap="square" lIns="0" tIns="0" rIns="0" bIns="0" rtlCol="0">
+              <a:spAutoFit/>
+            </a:bodyPr>
+            <a:lstStyle/>
+            <a:p>
+              <a:pPr algn="ctr"/>
+              <a:r>
+                <a:rPr lang="en-US" sz="800" b="1" dirty="0" smtClean="0">
+                  <a:solidFill>
+                    <a:schemeClr val="tx1"/>
+                  </a:solidFill>
+                </a:rPr>
+                <a:t>Gauge </a:t>
+              </a:r>
+              <a:r>
+                <a:rPr lang="en-US" sz="800" b="1" dirty="0" err="1" smtClean="0">
+                  <a:solidFill>
+                    <a:schemeClr val="tx1"/>
+                  </a:solidFill>
+                </a:rPr>
+                <a:t>Loc’s</a:t>
+              </a:r>
+              <a:r>
+                <a:rPr lang="en-US" sz="800" b="1" dirty="0" smtClean="0">
+                  <a:solidFill>
+                    <a:schemeClr val="tx1"/>
+                  </a:solidFill>
+                </a:rPr>
+                <a:t>.</a:t>
+              </a:r>
+              <a:endParaRPr lang="en-US" sz="800" b="1" dirty="0">
+                <a:solidFill>
+                  <a:schemeClr val="tx1"/>
+                </a:solidFill>
+              </a:endParaRPr>
+            </a:p>
+          </p:txBody>
+        </p:sp>
+      </p:grpSp>
+      <p:sp>
+        <p:nvSpPr>
+          <p:cNvPr id="110" name="Parallelogram 109"/>
+          <p:cNvSpPr/>
+          <p:nvPr/>
+        </p:nvSpPr>
+        <p:spPr>
+          <a:xfrm rot="1223199">
+            <a:off x="7297341" y="3392479"/>
+            <a:ext cx="444230" cy="193816"/>
+          </a:xfrm>
+          <a:prstGeom prst="parallelogram">
+            <a:avLst>
+              <a:gd name="adj" fmla="val 116178"/>
+            </a:avLst>
+          </a:prstGeom>
+          <a:noFill/>
+          <a:ln w="12700">
+            <a:solidFill>
+              <a:srgbClr val="001BE6"/>
+            </a:solidFill>
+            <a:prstDash val="sysDash"/>
+          </a:ln>
+        </p:spPr>
+        <p:style>
+          <a:lnRef idx="2">
+            <a:schemeClr val="accent1">
+              <a:shade val="50000"/>
+            </a:schemeClr>
+          </a:lnRef>
+          <a:fillRef idx="1">
+            <a:schemeClr val="accent1"/>
+          </a:fillRef>
+          <a:effectRef idx="0">
+            <a:schemeClr val="accent1"/>
+          </a:effectRef>
+          <a:fontRef idx="minor">
+            <a:schemeClr val="lt1"/>
+          </a:fontRef>
+        </p:style>
+        <p:txBody>
+          <a:bodyPr rtlCol="0" anchor="ctr"/>
+          <a:lstStyle/>
+          <a:p>
+            <a:pPr algn="ctr"/>
+            <a:endParaRPr lang="en-US"/>
+          </a:p>
+        </p:txBody>
+      </p:sp>
+      <p:sp>
+        <p:nvSpPr>
+          <p:cNvPr id="144" name="Parallelogram 143"/>
+          <p:cNvSpPr/>
+          <p:nvPr/>
+        </p:nvSpPr>
+        <p:spPr>
+          <a:xfrm rot="1613081" flipV="1">
+            <a:off x="7397781" y="3033879"/>
+            <a:ext cx="277520" cy="116633"/>
+          </a:xfrm>
+          <a:prstGeom prst="parallelogram">
+            <a:avLst>
+              <a:gd name="adj" fmla="val 48928"/>
+            </a:avLst>
+          </a:prstGeom>
+          <a:noFill/>
+          <a:ln w="12700">
+            <a:solidFill>
+              <a:srgbClr val="FF0000"/>
+            </a:solidFill>
+            <a:prstDash val="sysDash"/>
+          </a:ln>
+        </p:spPr>
+        <p:style>
+          <a:lnRef idx="2">
+            <a:schemeClr val="accent1">
+              <a:shade val="50000"/>
+            </a:schemeClr>
+          </a:lnRef>
+          <a:fillRef idx="1">
+            <a:schemeClr val="accent1"/>
+          </a:fillRef>
+          <a:effectRef idx="0">
+            <a:schemeClr val="accent1"/>
+          </a:effectRef>
+          <a:fontRef idx="minor">
+            <a:schemeClr val="lt1"/>
+          </a:fontRef>
+        </p:style>
+        <p:txBody>
+          <a:bodyPr rtlCol="0" anchor="ctr"/>
+          <a:lstStyle/>
+          <a:p>
+            <a:pPr algn="ctr"/>
+            <a:endParaRPr lang="en-US"/>
+          </a:p>
+        </p:txBody>
+      </p:sp>
+      <p:cxnSp>
+        <p:nvCxnSpPr>
+          <p:cNvPr id="150" name="Straight Arrow Connector 149"/>
+          <p:cNvCxnSpPr/>
+          <p:nvPr/>
+        </p:nvCxnSpPr>
+        <p:spPr>
+          <a:xfrm flipH="1">
+            <a:off x="6634219" y="2415540"/>
+            <a:ext cx="243183" cy="0"/>
+          </a:xfrm>
+          <a:prstGeom prst="straightConnector1">
+            <a:avLst/>
+          </a:prstGeom>
+          <a:ln>
+            <a:tailEnd type="arrow" w="sm" len="sm"/>
+          </a:ln>
+        </p:spPr>
+        <p:style>
+          <a:lnRef idx="1">
+            <a:schemeClr val="dk1"/>
+          </a:lnRef>
+          <a:fillRef idx="0">
+            <a:schemeClr val="dk1"/>
+          </a:fillRef>
+          <a:effectRef idx="0">
+            <a:schemeClr val="dk1"/>
+          </a:effectRef>
+          <a:fontRef idx="minor">
+            <a:schemeClr val="tx1"/>
+          </a:fontRef>
+        </p:style>
+      </p:cxnSp>
+      <p:cxnSp>
+        <p:nvCxnSpPr>
+          <p:cNvPr id="151" name="Straight Arrow Connector 150"/>
+          <p:cNvCxnSpPr/>
+          <p:nvPr/>
+        </p:nvCxnSpPr>
+        <p:spPr>
+          <a:xfrm>
+            <a:off x="6492240" y="2415540"/>
+            <a:ext cx="91440" cy="0"/>
+          </a:xfrm>
+          <a:prstGeom prst="straightConnector1">
+            <a:avLst/>
+          </a:prstGeom>
+          <a:ln>
+            <a:tailEnd type="arrow" w="sm" len="sm"/>
+          </a:ln>
+        </p:spPr>
+        <p:style>
+          <a:lnRef idx="1">
+            <a:schemeClr val="dk1"/>
+          </a:lnRef>
+          <a:fillRef idx="0">
+            <a:schemeClr val="dk1"/>
+          </a:fillRef>
+          <a:effectRef idx="0">
+            <a:schemeClr val="dk1"/>
+          </a:effectRef>
+          <a:fontRef idx="minor">
+            <a:schemeClr val="tx1"/>
+          </a:fontRef>
+        </p:style>
+      </p:cxnSp>
+      <p:sp>
+        <p:nvSpPr>
+          <p:cNvPr id="152" name="Rectangle 151"/>
+          <p:cNvSpPr/>
+          <p:nvPr/>
+        </p:nvSpPr>
+        <p:spPr>
+          <a:xfrm>
+            <a:off x="6652265" y="2248477"/>
+            <a:ext cx="271228" cy="230832"/>
+          </a:xfrm>
+          <a:prstGeom prst="rect">
+            <a:avLst/>
+          </a:prstGeom>
+        </p:spPr>
+        <p:txBody>
+          <a:bodyPr wrap="none">
+            <a:spAutoFit/>
+          </a:bodyPr>
+          <a:lstStyle/>
+          <a:p>
+            <a:pPr algn="ctr"/>
+            <a:r>
+              <a:rPr lang="en-US" sz="900" dirty="0" smtClean="0"/>
+              <a:t>2’</a:t>
+            </a:r>
+            <a:endParaRPr lang="en-US" sz="900" dirty="0"/>
+          </a:p>
+        </p:txBody>
+      </p:sp>
+      <p:sp>
+        <p:nvSpPr>
+          <p:cNvPr id="175" name="Multiply 174"/>
+          <p:cNvSpPr/>
+          <p:nvPr/>
+        </p:nvSpPr>
+        <p:spPr>
+          <a:xfrm>
+            <a:off x="5707528" y="662940"/>
+            <a:ext cx="137160" cy="137160"/>
+          </a:xfrm>
+          <a:prstGeom prst="mathMultiply">
+            <a:avLst/>
+          </a:prstGeom>
+          <a:solidFill>
+            <a:schemeClr val="tx2"/>
+          </a:solidFill>
+          <a:ln w="9525">
+            <a:solidFill>
+              <a:schemeClr val="accent1"/>
+            </a:solidFill>
+          </a:ln>
+        </p:spPr>
+        <p:style>
+          <a:lnRef idx="2">
+            <a:schemeClr val="accent1">
+              <a:shade val="50000"/>
+            </a:schemeClr>
+          </a:lnRef>
+          <a:fillRef idx="1">
+            <a:schemeClr val="accent1"/>
+          </a:fillRef>
+          <a:effectRef idx="0">
+            <a:schemeClr val="accent1"/>
+          </a:effectRef>
+          <a:fontRef idx="minor">
+            <a:schemeClr val="lt1"/>
+          </a:fontRef>
+        </p:style>
+        <p:txBody>
+          <a:bodyPr rtlCol="0" anchor="ctr"/>
+          <a:lstStyle/>
+          <a:p>
+            <a:pPr algn="ctr"/>
+            <a:endParaRPr lang="en-US">
+              <a:ln>
+                <a:solidFill>
+                  <a:schemeClr val="accent1"/>
+                </a:solidFill>
+              </a:ln>
+            </a:endParaRPr>
+          </a:p>
+        </p:txBody>
+      </p:sp>
+      <p:sp>
+        <p:nvSpPr>
+          <p:cNvPr id="176" name="Multiply 175"/>
+          <p:cNvSpPr/>
+          <p:nvPr/>
+        </p:nvSpPr>
+        <p:spPr>
+          <a:xfrm>
+            <a:off x="5707528" y="1082040"/>
+            <a:ext cx="137160" cy="137160"/>
+          </a:xfrm>
+          <a:prstGeom prst="mathMultiply">
+            <a:avLst/>
+          </a:prstGeom>
+          <a:solidFill>
+            <a:srgbClr val="FF0000"/>
+          </a:solidFill>
+          <a:ln w="9525">
+            <a:solidFill>
+              <a:srgbClr val="C00000"/>
+            </a:solidFill>
+          </a:ln>
+        </p:spPr>
+        <p:style>
+          <a:lnRef idx="2">
+            <a:schemeClr val="accent1">
+              <a:shade val="50000"/>
+            </a:schemeClr>
+          </a:lnRef>
+          <a:fillRef idx="1">
+            <a:schemeClr val="accent1"/>
+          </a:fillRef>
+          <a:effectRef idx="0">
+            <a:schemeClr val="accent1"/>
+          </a:effectRef>
+          <a:fontRef idx="minor">
+            <a:schemeClr val="lt1"/>
+          </a:fontRef>
+        </p:style>
+        <p:txBody>
+          <a:bodyPr rtlCol="0" anchor="ctr"/>
+          <a:lstStyle/>
+          <a:p>
+            <a:pPr algn="ctr"/>
+            <a:endParaRPr lang="en-US"/>
+          </a:p>
+        </p:txBody>
+      </p:sp>
+      <p:sp>
+        <p:nvSpPr>
+          <p:cNvPr id="185" name="Multiply 184"/>
+          <p:cNvSpPr/>
+          <p:nvPr/>
+        </p:nvSpPr>
+        <p:spPr>
+          <a:xfrm>
+            <a:off x="5707380" y="1188720"/>
+            <a:ext cx="137160" cy="137160"/>
+          </a:xfrm>
+          <a:prstGeom prst="mathMultiply">
+            <a:avLst/>
+          </a:prstGeom>
+          <a:solidFill>
+            <a:srgbClr val="FFC000"/>
+          </a:solidFill>
+          <a:ln w="9525">
+            <a:solidFill>
+              <a:srgbClr val="A27B00"/>
+            </a:solidFill>
+          </a:ln>
+        </p:spPr>
+        <p:style>
+          <a:lnRef idx="2">
+            <a:schemeClr val="accent1">
+              <a:shade val="50000"/>
+            </a:schemeClr>
+          </a:lnRef>
+          <a:fillRef idx="1">
+            <a:schemeClr val="accent1"/>
+          </a:fillRef>
+          <a:effectRef idx="0">
+            <a:schemeClr val="accent1"/>
+          </a:effectRef>
+          <a:fontRef idx="minor">
+            <a:schemeClr val="lt1"/>
+          </a:fontRef>
+        </p:style>
+        <p:txBody>
+          <a:bodyPr rtlCol="0" anchor="ctr"/>
+          <a:lstStyle/>
+          <a:p>
+            <a:pPr algn="ctr"/>
+            <a:endParaRPr lang="en-US"/>
+          </a:p>
+        </p:txBody>
+      </p:sp>
+      <p:sp>
+        <p:nvSpPr>
+          <p:cNvPr id="186" name="Multiply 185"/>
+          <p:cNvSpPr/>
+          <p:nvPr/>
+        </p:nvSpPr>
+        <p:spPr>
+          <a:xfrm>
+            <a:off x="6149340" y="1082040"/>
+            <a:ext cx="137160" cy="137160"/>
+          </a:xfrm>
+          <a:prstGeom prst="mathMultiply">
+            <a:avLst/>
+          </a:prstGeom>
+          <a:solidFill>
+            <a:srgbClr val="7030A0"/>
+          </a:solidFill>
+          <a:ln w="9525">
+            <a:solidFill>
+              <a:schemeClr val="accent4"/>
+            </a:solidFill>
+          </a:ln>
+        </p:spPr>
+        <p:style>
+          <a:lnRef idx="2">
+            <a:schemeClr val="accent1">
+              <a:shade val="50000"/>
+            </a:schemeClr>
+          </a:lnRef>
+          <a:fillRef idx="1">
+            <a:schemeClr val="accent1"/>
+          </a:fillRef>
+          <a:effectRef idx="0">
+            <a:schemeClr val="accent1"/>
+          </a:effectRef>
+          <a:fontRef idx="minor">
+            <a:schemeClr val="lt1"/>
+          </a:fontRef>
+        </p:style>
+        <p:txBody>
+          <a:bodyPr rtlCol="0" anchor="ctr"/>
+          <a:lstStyle/>
+          <a:p>
+            <a:pPr algn="ctr"/>
+            <a:endParaRPr lang="en-US"/>
+          </a:p>
+        </p:txBody>
+      </p:sp>
+      <p:grpSp>
+        <p:nvGrpSpPr>
+          <p:cNvPr id="197" name="Group 196"/>
+          <p:cNvGrpSpPr/>
+          <p:nvPr/>
+        </p:nvGrpSpPr>
+        <p:grpSpPr>
+          <a:xfrm>
+            <a:off x="6595023" y="697418"/>
+            <a:ext cx="1130303" cy="1075210"/>
+            <a:chOff x="6108697" y="5638800"/>
+            <a:chExt cx="1130303" cy="1075210"/>
+          </a:xfrm>
+        </p:grpSpPr>
+        <p:pic>
+          <p:nvPicPr>
+            <p:cNvPr id="198" name="Picture 197"/>
+            <p:cNvPicPr>
+              <a:picLocks noChangeAspect="1"/>
+            </p:cNvPicPr>
+            <p:nvPr/>
+          </p:nvPicPr>
+          <p:blipFill rotWithShape="1">
+            <a:blip r:embed="rId2" cstate="print">
+              <a:extLst>
+                <a:ext uri="{28A0092B-C50C-407E-A947-70E740481C1C}">
+                  <a14:useLocalDpi xmlns:a14="http://schemas.microsoft.com/office/drawing/2010/main" val="0"/>
+                </a:ext>
+              </a:extLst>
+            </a:blip>
+            <a:srcRect l="15988" t="18527" r="17925" b="1677"/>
+            <a:stretch/>
+          </p:blipFill>
+          <p:spPr>
+            <a:xfrm>
+              <a:off x="6108697" y="5638800"/>
+              <a:ext cx="1130303" cy="1075210"/>
+            </a:xfrm>
+            <a:prstGeom prst="ellipse">
+              <a:avLst/>
+            </a:prstGeom>
+            <a:ln w="19050">
+              <a:solidFill>
+                <a:srgbClr val="C00000"/>
+              </a:solidFill>
+            </a:ln>
+          </p:spPr>
+        </p:pic>
+        <p:sp>
+          <p:nvSpPr>
+            <p:cNvPr id="199" name="Oval 198"/>
+            <p:cNvSpPr/>
+            <p:nvPr/>
+          </p:nvSpPr>
+          <p:spPr>
+            <a:xfrm>
+              <a:off x="6492770" y="6448138"/>
+              <a:ext cx="256218" cy="264416"/>
+            </a:xfrm>
+            <a:prstGeom prst="ellipse">
+              <a:avLst/>
+            </a:prstGeom>
+            <a:noFill/>
+            <a:ln w="12700">
+              <a:solidFill>
+                <a:srgbClr val="FF0000"/>
+              </a:solidFill>
+              <a:prstDash val="sysDash"/>
+            </a:ln>
+          </p:spPr>
+          <p:style>
+            <a:lnRef idx="2">
+              <a:schemeClr val="accent1">
+                <a:shade val="50000"/>
+              </a:schemeClr>
+            </a:lnRef>
+            <a:fillRef idx="1">
+              <a:schemeClr val="accent1"/>
+            </a:fillRef>
+            <a:effectRef idx="0">
+              <a:schemeClr val="accent1"/>
+            </a:effectRef>
+            <a:fontRef idx="minor">
+              <a:schemeClr val="lt1"/>
+            </a:fontRef>
+          </p:style>
+          <p:txBody>
+            <a:bodyPr rtlCol="0" anchor="ctr"/>
+            <a:lstStyle/>
+            <a:p>
+              <a:pPr algn="ctr"/>
+              <a:endParaRPr lang="en-US"/>
+            </a:p>
+          </p:txBody>
+        </p:sp>
+        <p:sp>
+          <p:nvSpPr>
+            <p:cNvPr id="200" name="Rounded Rectangle 199"/>
+            <p:cNvSpPr/>
+            <p:nvPr/>
+          </p:nvSpPr>
+          <p:spPr>
+            <a:xfrm>
+              <a:off x="6285537" y="5791200"/>
+              <a:ext cx="776623" cy="173117"/>
+            </a:xfrm>
+            <a:prstGeom prst="roundRect">
+              <a:avLst>
+                <a:gd name="adj" fmla="val 50000"/>
+              </a:avLst>
+            </a:prstGeom>
+            <a:gradFill flip="none" rotWithShape="1">
+              <a:gsLst>
+                <a:gs pos="83000">
+                  <a:schemeClr val="bg1">
+                    <a:alpha val="78000"/>
+                  </a:schemeClr>
+                </a:gs>
+                <a:gs pos="100000">
+                  <a:schemeClr val="bg1">
+                    <a:alpha val="36000"/>
+                  </a:schemeClr>
+                </a:gs>
+              </a:gsLst>
+              <a:path path="rect">
+                <a:fillToRect l="50000" t="50000" r="50000" b="50000"/>
+              </a:path>
+              <a:tileRect/>
+            </a:gradFill>
+          </p:spPr>
+          <p:txBody>
+            <a:bodyPr wrap="square" lIns="0" tIns="0" rIns="0" bIns="0" rtlCol="0">
+              <a:spAutoFit/>
+            </a:bodyPr>
+            <a:lstStyle/>
+            <a:p>
+              <a:pPr algn="ctr"/>
+              <a:r>
+                <a:rPr lang="en-US" sz="800" b="1" dirty="0">
+                  <a:solidFill>
+                    <a:schemeClr val="tx1"/>
+                  </a:solidFill>
+                </a:rPr>
+                <a:t>Typ. </a:t>
+              </a:r>
+              <a:r>
+                <a:rPr lang="en-US" sz="800" b="1" dirty="0">
+                  <a:solidFill>
+                    <a:schemeClr val="tx1"/>
+                  </a:solidFill>
+                </a:rPr>
+                <a:t>Gauge Loc</a:t>
+              </a:r>
+              <a:r>
+                <a:rPr lang="en-US" sz="800" b="1" dirty="0" smtClean="0">
+                  <a:solidFill>
+                    <a:schemeClr val="tx1"/>
+                  </a:solidFill>
+                </a:rPr>
+                <a:t>.</a:t>
+              </a:r>
+              <a:endParaRPr lang="en-US" sz="800" b="1" dirty="0">
+                <a:solidFill>
+                  <a:schemeClr val="tx1"/>
+                </a:solidFill>
+              </a:endParaRPr>
+            </a:p>
+          </p:txBody>
+        </p:sp>
+      </p:grpSp>
+      <p:grpSp>
+        <p:nvGrpSpPr>
+          <p:cNvPr id="201" name="Group 200"/>
+          <p:cNvGrpSpPr/>
+          <p:nvPr/>
+        </p:nvGrpSpPr>
+        <p:grpSpPr>
+          <a:xfrm>
+            <a:off x="609600" y="457200"/>
+            <a:ext cx="3643160" cy="1447261"/>
+            <a:chOff x="4776223" y="5453390"/>
+            <a:chExt cx="3643160" cy="1447261"/>
+          </a:xfrm>
+        </p:grpSpPr>
+        <p:sp>
+          <p:nvSpPr>
+            <p:cNvPr id="202" name="TextBox 201"/>
+            <p:cNvSpPr txBox="1"/>
+            <p:nvPr/>
+          </p:nvSpPr>
+          <p:spPr>
+            <a:xfrm>
+              <a:off x="5315662" y="6669819"/>
+              <a:ext cx="861955" cy="230832"/>
+            </a:xfrm>
+            <a:prstGeom prst="rect">
+              <a:avLst/>
+            </a:prstGeom>
+            <a:noFill/>
+          </p:spPr>
+          <p:txBody>
+            <a:bodyPr wrap="square" rtlCol="0">
+              <a:spAutoFit/>
+            </a:bodyPr>
+            <a:lstStyle/>
+            <a:p>
+              <a:pPr algn="ctr"/>
+              <a:r>
+                <a:rPr lang="en-US" sz="900" dirty="0" smtClean="0"/>
+                <a:t>Mid-span</a:t>
+              </a:r>
+              <a:endParaRPr lang="en-US" sz="900" dirty="0"/>
+            </a:p>
+          </p:txBody>
+        </p:sp>
+        <p:sp>
+          <p:nvSpPr>
+            <p:cNvPr id="203" name="Rectangle 202"/>
+            <p:cNvSpPr/>
+            <p:nvPr/>
+          </p:nvSpPr>
+          <p:spPr>
+            <a:xfrm>
+              <a:off x="4817578" y="5685018"/>
+              <a:ext cx="3554890" cy="1032660"/>
+            </a:xfrm>
+            <a:prstGeom prst="rect">
+              <a:avLst/>
+            </a:prstGeom>
+            <a:solidFill>
+              <a:srgbClr val="F6F5EE"/>
+            </a:solidFill>
+            <a:ln w="12700">
+              <a:solidFill>
+                <a:srgbClr val="73614F"/>
+              </a:solidFill>
+              <a:prstDash val="lgDash"/>
+            </a:ln>
+          </p:spPr>
+          <p:style>
+            <a:lnRef idx="2">
+              <a:schemeClr val="accent1">
+                <a:shade val="50000"/>
+              </a:schemeClr>
+            </a:lnRef>
+            <a:fillRef idx="1">
+              <a:schemeClr val="accent1"/>
+            </a:fillRef>
+            <a:effectRef idx="0">
+              <a:schemeClr val="accent1"/>
+            </a:effectRef>
+            <a:fontRef idx="minor">
+              <a:schemeClr val="lt1"/>
+            </a:fontRef>
+          </p:style>
+          <p:txBody>
+            <a:bodyPr rtlCol="0" anchor="ctr"/>
+            <a:lstStyle/>
+            <a:p>
+              <a:pPr algn="ctr"/>
+              <a:endParaRPr lang="en-US"/>
+            </a:p>
+          </p:txBody>
+        </p:sp>
+        <p:sp>
+          <p:nvSpPr>
+            <p:cNvPr id="204" name="Rectangle 203"/>
+            <p:cNvSpPr/>
+            <p:nvPr/>
+          </p:nvSpPr>
+          <p:spPr>
+            <a:xfrm>
+              <a:off x="4776223" y="5661514"/>
+              <a:ext cx="160492" cy="1081166"/>
+            </a:xfrm>
+            <a:prstGeom prst="rect">
+              <a:avLst/>
+            </a:prstGeom>
+            <a:solidFill>
+              <a:schemeClr val="accent3">
+                <a:lumMod val="20000"/>
+                <a:lumOff val="80000"/>
+              </a:schemeClr>
+            </a:solidFill>
+            <a:ln w="12700">
+              <a:solidFill>
+                <a:schemeClr val="accent3">
+                  <a:lumMod val="50000"/>
+                </a:schemeClr>
+              </a:solidFill>
+            </a:ln>
+          </p:spPr>
+          <p:style>
+            <a:lnRef idx="2">
+              <a:schemeClr val="accent1">
+                <a:shade val="50000"/>
+              </a:schemeClr>
+            </a:lnRef>
+            <a:fillRef idx="1">
+              <a:schemeClr val="accent1"/>
+            </a:fillRef>
+            <a:effectRef idx="0">
+              <a:schemeClr val="accent1"/>
+            </a:effectRef>
+            <a:fontRef idx="minor">
+              <a:schemeClr val="lt1"/>
+            </a:fontRef>
+          </p:style>
+          <p:txBody>
+            <a:bodyPr rtlCol="0" anchor="ctr"/>
+            <a:lstStyle/>
+            <a:p>
+              <a:pPr algn="ctr"/>
+              <a:endParaRPr lang="en-US"/>
+            </a:p>
+          </p:txBody>
+        </p:sp>
+        <p:sp>
+          <p:nvSpPr>
+            <p:cNvPr id="205" name="Rectangle 204"/>
+            <p:cNvSpPr/>
+            <p:nvPr/>
+          </p:nvSpPr>
+          <p:spPr>
+            <a:xfrm>
+              <a:off x="6525582" y="5661514"/>
+              <a:ext cx="160492" cy="1081166"/>
+            </a:xfrm>
+            <a:prstGeom prst="rect">
+              <a:avLst/>
+            </a:prstGeom>
+            <a:solidFill>
+              <a:schemeClr val="accent3">
+                <a:lumMod val="20000"/>
+                <a:lumOff val="80000"/>
+              </a:schemeClr>
+            </a:solidFill>
+            <a:ln w="12700">
+              <a:solidFill>
+                <a:schemeClr val="accent3">
+                  <a:lumMod val="50000"/>
+                </a:schemeClr>
+              </a:solidFill>
+            </a:ln>
+          </p:spPr>
+          <p:style>
+            <a:lnRef idx="2">
+              <a:schemeClr val="accent1">
+                <a:shade val="50000"/>
+              </a:schemeClr>
+            </a:lnRef>
+            <a:fillRef idx="1">
+              <a:schemeClr val="accent1"/>
+            </a:fillRef>
+            <a:effectRef idx="0">
+              <a:schemeClr val="accent1"/>
+            </a:effectRef>
+            <a:fontRef idx="minor">
+              <a:schemeClr val="lt1"/>
+            </a:fontRef>
+          </p:style>
+          <p:txBody>
+            <a:bodyPr rtlCol="0" anchor="ctr"/>
+            <a:lstStyle/>
+            <a:p>
+              <a:pPr algn="ctr"/>
+              <a:endParaRPr lang="en-US"/>
+            </a:p>
+          </p:txBody>
+        </p:sp>
+        <p:sp>
+          <p:nvSpPr>
+            <p:cNvPr id="206" name="Rectangle 205"/>
+            <p:cNvSpPr/>
+            <p:nvPr/>
+          </p:nvSpPr>
+          <p:spPr>
+            <a:xfrm>
+              <a:off x="8258891" y="5661514"/>
+              <a:ext cx="160492" cy="1081166"/>
+            </a:xfrm>
+            <a:prstGeom prst="rect">
+              <a:avLst/>
+            </a:prstGeom>
+            <a:solidFill>
+              <a:schemeClr val="accent3">
+                <a:lumMod val="20000"/>
+                <a:lumOff val="80000"/>
+              </a:schemeClr>
+            </a:solidFill>
+            <a:ln w="12700">
+              <a:solidFill>
+                <a:schemeClr val="accent3">
+                  <a:lumMod val="50000"/>
+                </a:schemeClr>
+              </a:solidFill>
+            </a:ln>
+          </p:spPr>
+          <p:style>
+            <a:lnRef idx="2">
+              <a:schemeClr val="accent1">
+                <a:shade val="50000"/>
+              </a:schemeClr>
+            </a:lnRef>
+            <a:fillRef idx="1">
+              <a:schemeClr val="accent1"/>
+            </a:fillRef>
+            <a:effectRef idx="0">
+              <a:schemeClr val="accent1"/>
+            </a:effectRef>
+            <a:fontRef idx="minor">
+              <a:schemeClr val="lt1"/>
+            </a:fontRef>
+          </p:style>
+          <p:txBody>
+            <a:bodyPr rtlCol="0" anchor="ctr"/>
+            <a:lstStyle/>
+            <a:p>
+              <a:pPr algn="ctr"/>
+              <a:endParaRPr lang="en-US"/>
+            </a:p>
+          </p:txBody>
+        </p:sp>
+        <p:sp>
+          <p:nvSpPr>
+            <p:cNvPr id="207" name="Rectangle 206"/>
+            <p:cNvSpPr/>
+            <p:nvPr/>
+          </p:nvSpPr>
+          <p:spPr>
+            <a:xfrm>
+              <a:off x="4877333" y="5708521"/>
+              <a:ext cx="3466619" cy="42306"/>
+            </a:xfrm>
+            <a:prstGeom prst="rect">
+              <a:avLst/>
+            </a:prstGeom>
+            <a:solidFill>
+              <a:schemeClr val="accent1">
+                <a:lumMod val="60000"/>
+                <a:lumOff val="40000"/>
+                <a:alpha val="47000"/>
+              </a:schemeClr>
+            </a:solidFill>
+            <a:ln w="12700">
+              <a:solidFill>
+                <a:schemeClr val="tx2">
+                  <a:lumMod val="50000"/>
+                </a:schemeClr>
+              </a:solidFill>
+            </a:ln>
+          </p:spPr>
+          <p:style>
+            <a:lnRef idx="2">
+              <a:schemeClr val="accent1">
+                <a:shade val="50000"/>
+              </a:schemeClr>
+            </a:lnRef>
+            <a:fillRef idx="1">
+              <a:schemeClr val="accent1"/>
+            </a:fillRef>
+            <a:effectRef idx="0">
+              <a:schemeClr val="accent1"/>
+            </a:effectRef>
+            <a:fontRef idx="minor">
+              <a:schemeClr val="lt1"/>
+            </a:fontRef>
+          </p:style>
+          <p:txBody>
+            <a:bodyPr rtlCol="0" anchor="ctr"/>
+            <a:lstStyle/>
+            <a:p>
+              <a:pPr algn="ctr"/>
+              <a:endParaRPr lang="en-US"/>
+            </a:p>
+          </p:txBody>
+        </p:sp>
+        <p:sp>
+          <p:nvSpPr>
+            <p:cNvPr id="208" name="Rectangle 207"/>
+            <p:cNvSpPr/>
+            <p:nvPr/>
+          </p:nvSpPr>
+          <p:spPr>
+            <a:xfrm>
+              <a:off x="4877333" y="6648666"/>
+              <a:ext cx="3466619" cy="42306"/>
+            </a:xfrm>
+            <a:prstGeom prst="rect">
+              <a:avLst/>
+            </a:prstGeom>
+            <a:solidFill>
+              <a:schemeClr val="accent1">
+                <a:lumMod val="60000"/>
+                <a:lumOff val="40000"/>
+                <a:alpha val="47000"/>
+              </a:schemeClr>
+            </a:solidFill>
+            <a:ln w="12700">
+              <a:solidFill>
+                <a:schemeClr val="tx2">
+                  <a:lumMod val="50000"/>
+                </a:schemeClr>
+              </a:solidFill>
+            </a:ln>
+          </p:spPr>
+          <p:style>
+            <a:lnRef idx="2">
+              <a:schemeClr val="accent1">
+                <a:shade val="50000"/>
+              </a:schemeClr>
+            </a:lnRef>
+            <a:fillRef idx="1">
+              <a:schemeClr val="accent1"/>
+            </a:fillRef>
+            <a:effectRef idx="0">
+              <a:schemeClr val="accent1"/>
+            </a:effectRef>
+            <a:fontRef idx="minor">
+              <a:schemeClr val="lt1"/>
+            </a:fontRef>
+          </p:style>
+          <p:txBody>
+            <a:bodyPr rtlCol="0" anchor="ctr"/>
+            <a:lstStyle/>
+            <a:p>
+              <a:pPr algn="ctr"/>
+              <a:endParaRPr lang="en-US"/>
+            </a:p>
+          </p:txBody>
+        </p:sp>
+        <p:sp>
+          <p:nvSpPr>
+            <p:cNvPr id="209" name="Rectangle 208"/>
+            <p:cNvSpPr/>
+            <p:nvPr/>
+          </p:nvSpPr>
+          <p:spPr>
+            <a:xfrm>
+              <a:off x="4872518" y="5851042"/>
+              <a:ext cx="3466619" cy="42306"/>
+            </a:xfrm>
+            <a:prstGeom prst="rect">
+              <a:avLst/>
+            </a:prstGeom>
+            <a:solidFill>
+              <a:schemeClr val="accent1">
+                <a:lumMod val="60000"/>
+                <a:lumOff val="40000"/>
+                <a:alpha val="47000"/>
+              </a:schemeClr>
+            </a:solidFill>
+            <a:ln w="12700">
+              <a:solidFill>
+                <a:schemeClr val="tx2">
+                  <a:lumMod val="50000"/>
+                </a:schemeClr>
+              </a:solidFill>
+            </a:ln>
+          </p:spPr>
+          <p:style>
+            <a:lnRef idx="2">
+              <a:schemeClr val="accent1">
+                <a:shade val="50000"/>
+              </a:schemeClr>
+            </a:lnRef>
+            <a:fillRef idx="1">
+              <a:schemeClr val="accent1"/>
+            </a:fillRef>
+            <a:effectRef idx="0">
+              <a:schemeClr val="accent1"/>
+            </a:effectRef>
+            <a:fontRef idx="minor">
+              <a:schemeClr val="lt1"/>
+            </a:fontRef>
+          </p:style>
+          <p:txBody>
+            <a:bodyPr rtlCol="0" anchor="ctr"/>
+            <a:lstStyle/>
+            <a:p>
+              <a:pPr algn="ctr"/>
+              <a:endParaRPr lang="en-US"/>
+            </a:p>
+          </p:txBody>
+        </p:sp>
+        <p:sp>
+          <p:nvSpPr>
+            <p:cNvPr id="210" name="Rectangle 209"/>
+            <p:cNvSpPr/>
+            <p:nvPr/>
+          </p:nvSpPr>
+          <p:spPr>
+            <a:xfrm>
+              <a:off x="4872518" y="6133673"/>
+              <a:ext cx="3466619" cy="42306"/>
+            </a:xfrm>
+            <a:prstGeom prst="rect">
+              <a:avLst/>
+            </a:prstGeom>
+            <a:solidFill>
+              <a:schemeClr val="accent1">
+                <a:lumMod val="60000"/>
+                <a:lumOff val="40000"/>
+                <a:alpha val="47000"/>
+              </a:schemeClr>
+            </a:solidFill>
+            <a:ln w="12700">
+              <a:solidFill>
+                <a:schemeClr val="tx2">
+                  <a:lumMod val="50000"/>
+                </a:schemeClr>
+              </a:solidFill>
+            </a:ln>
+          </p:spPr>
+          <p:style>
+            <a:lnRef idx="2">
+              <a:schemeClr val="accent1">
+                <a:shade val="50000"/>
+              </a:schemeClr>
+            </a:lnRef>
+            <a:fillRef idx="1">
+              <a:schemeClr val="accent1"/>
+            </a:fillRef>
+            <a:effectRef idx="0">
+              <a:schemeClr val="accent1"/>
+            </a:effectRef>
+            <a:fontRef idx="minor">
+              <a:schemeClr val="lt1"/>
+            </a:fontRef>
+          </p:style>
+          <p:txBody>
+            <a:bodyPr rtlCol="0" anchor="ctr"/>
+            <a:lstStyle/>
+            <a:p>
+              <a:pPr algn="ctr"/>
+              <a:endParaRPr lang="en-US"/>
+            </a:p>
+          </p:txBody>
+        </p:sp>
+        <p:sp>
+          <p:nvSpPr>
+            <p:cNvPr id="211" name="Rectangle 210"/>
+            <p:cNvSpPr/>
+            <p:nvPr/>
+          </p:nvSpPr>
+          <p:spPr>
+            <a:xfrm>
+              <a:off x="4872518" y="5992064"/>
+              <a:ext cx="3466619" cy="42306"/>
+            </a:xfrm>
+            <a:prstGeom prst="rect">
+              <a:avLst/>
+            </a:prstGeom>
+            <a:solidFill>
+              <a:schemeClr val="accent1">
+                <a:lumMod val="60000"/>
+                <a:lumOff val="40000"/>
+                <a:alpha val="47000"/>
+              </a:schemeClr>
+            </a:solidFill>
+            <a:ln w="12700">
+              <a:solidFill>
+                <a:schemeClr val="tx2">
+                  <a:lumMod val="50000"/>
+                </a:schemeClr>
+              </a:solidFill>
+            </a:ln>
+          </p:spPr>
+          <p:style>
+            <a:lnRef idx="2">
+              <a:schemeClr val="accent1">
+                <a:shade val="50000"/>
+              </a:schemeClr>
+            </a:lnRef>
+            <a:fillRef idx="1">
+              <a:schemeClr val="accent1"/>
+            </a:fillRef>
+            <a:effectRef idx="0">
+              <a:schemeClr val="accent1"/>
+            </a:effectRef>
+            <a:fontRef idx="minor">
+              <a:schemeClr val="lt1"/>
+            </a:fontRef>
+          </p:style>
+          <p:txBody>
+            <a:bodyPr rtlCol="0" anchor="ctr"/>
+            <a:lstStyle/>
+            <a:p>
+              <a:pPr algn="ctr"/>
+              <a:endParaRPr lang="en-US"/>
+            </a:p>
+          </p:txBody>
+        </p:sp>
+        <p:sp>
+          <p:nvSpPr>
+            <p:cNvPr id="212" name="Rectangle 211"/>
+            <p:cNvSpPr/>
+            <p:nvPr/>
+          </p:nvSpPr>
+          <p:spPr>
+            <a:xfrm>
+              <a:off x="4872518" y="6231213"/>
+              <a:ext cx="3466619" cy="42306"/>
+            </a:xfrm>
+            <a:prstGeom prst="rect">
+              <a:avLst/>
+            </a:prstGeom>
+            <a:solidFill>
+              <a:schemeClr val="accent1">
+                <a:lumMod val="60000"/>
+                <a:lumOff val="40000"/>
+                <a:alpha val="47000"/>
+              </a:schemeClr>
+            </a:solidFill>
+            <a:ln w="12700">
+              <a:solidFill>
+                <a:schemeClr val="tx2">
+                  <a:lumMod val="50000"/>
+                </a:schemeClr>
+              </a:solidFill>
+            </a:ln>
+          </p:spPr>
+          <p:style>
+            <a:lnRef idx="2">
+              <a:schemeClr val="accent1">
+                <a:shade val="50000"/>
+              </a:schemeClr>
+            </a:lnRef>
+            <a:fillRef idx="1">
+              <a:schemeClr val="accent1"/>
+            </a:fillRef>
+            <a:effectRef idx="0">
+              <a:schemeClr val="accent1"/>
+            </a:effectRef>
+            <a:fontRef idx="minor">
+              <a:schemeClr val="lt1"/>
+            </a:fontRef>
+          </p:style>
+          <p:txBody>
+            <a:bodyPr rtlCol="0" anchor="ctr"/>
+            <a:lstStyle/>
+            <a:p>
+              <a:pPr algn="ctr"/>
+              <a:endParaRPr lang="en-US"/>
+            </a:p>
+          </p:txBody>
+        </p:sp>
+        <p:sp>
+          <p:nvSpPr>
+            <p:cNvPr id="213" name="Rectangle 212"/>
+            <p:cNvSpPr/>
+            <p:nvPr/>
+          </p:nvSpPr>
+          <p:spPr>
+            <a:xfrm>
+              <a:off x="4872518" y="6372235"/>
+              <a:ext cx="3466619" cy="42306"/>
+            </a:xfrm>
+            <a:prstGeom prst="rect">
+              <a:avLst/>
+            </a:prstGeom>
+            <a:solidFill>
+              <a:schemeClr val="accent1">
+                <a:lumMod val="60000"/>
+                <a:lumOff val="40000"/>
+                <a:alpha val="47000"/>
+              </a:schemeClr>
+            </a:solidFill>
+            <a:ln w="12700">
+              <a:solidFill>
+                <a:schemeClr val="tx2">
+                  <a:lumMod val="50000"/>
+                </a:schemeClr>
+              </a:solidFill>
+            </a:ln>
+          </p:spPr>
+          <p:style>
+            <a:lnRef idx="2">
+              <a:schemeClr val="accent1">
+                <a:shade val="50000"/>
+              </a:schemeClr>
+            </a:lnRef>
+            <a:fillRef idx="1">
+              <a:schemeClr val="accent1"/>
+            </a:fillRef>
+            <a:effectRef idx="0">
+              <a:schemeClr val="accent1"/>
+            </a:effectRef>
+            <a:fontRef idx="minor">
+              <a:schemeClr val="lt1"/>
+            </a:fontRef>
+          </p:style>
+          <p:txBody>
+            <a:bodyPr rtlCol="0" anchor="ctr"/>
+            <a:lstStyle/>
+            <a:p>
+              <a:pPr algn="ctr"/>
+              <a:endParaRPr lang="en-US"/>
+            </a:p>
+          </p:txBody>
+        </p:sp>
+        <p:sp>
+          <p:nvSpPr>
+            <p:cNvPr id="214" name="Rectangle 213"/>
+            <p:cNvSpPr/>
+            <p:nvPr/>
+          </p:nvSpPr>
+          <p:spPr>
+            <a:xfrm>
+              <a:off x="4872518" y="6513845"/>
+              <a:ext cx="3466619" cy="42306"/>
+            </a:xfrm>
+            <a:prstGeom prst="rect">
+              <a:avLst/>
+            </a:prstGeom>
+            <a:solidFill>
+              <a:schemeClr val="accent1">
+                <a:lumMod val="60000"/>
+                <a:lumOff val="40000"/>
+                <a:alpha val="47000"/>
+              </a:schemeClr>
+            </a:solidFill>
+            <a:ln w="12700">
+              <a:solidFill>
+                <a:schemeClr val="tx2">
+                  <a:lumMod val="50000"/>
+                </a:schemeClr>
+              </a:solidFill>
+            </a:ln>
+          </p:spPr>
+          <p:style>
+            <a:lnRef idx="2">
+              <a:schemeClr val="accent1">
+                <a:shade val="50000"/>
+              </a:schemeClr>
+            </a:lnRef>
+            <a:fillRef idx="1">
+              <a:schemeClr val="accent1"/>
+            </a:fillRef>
+            <a:effectRef idx="0">
+              <a:schemeClr val="accent1"/>
+            </a:effectRef>
+            <a:fontRef idx="minor">
+              <a:schemeClr val="lt1"/>
+            </a:fontRef>
+          </p:style>
+          <p:txBody>
+            <a:bodyPr rtlCol="0" anchor="ctr"/>
+            <a:lstStyle/>
+            <a:p>
+              <a:pPr algn="ctr"/>
+              <a:endParaRPr lang="en-US"/>
+            </a:p>
+          </p:txBody>
+        </p:sp>
+        <p:sp>
+          <p:nvSpPr>
+            <p:cNvPr id="215" name="TextBox 214"/>
+            <p:cNvSpPr txBox="1"/>
+            <p:nvPr/>
+          </p:nvSpPr>
+          <p:spPr>
+            <a:xfrm>
+              <a:off x="7218415" y="5453390"/>
+              <a:ext cx="614798" cy="261610"/>
+            </a:xfrm>
+            <a:prstGeom prst="rect">
+              <a:avLst/>
+            </a:prstGeom>
+            <a:noFill/>
+          </p:spPr>
+          <p:txBody>
+            <a:bodyPr wrap="square" rtlCol="0">
+              <a:spAutoFit/>
+            </a:bodyPr>
+            <a:lstStyle/>
+            <a:p>
+              <a:pPr algn="ctr"/>
+              <a:r>
+                <a:rPr lang="en-US" sz="1100" dirty="0" smtClean="0"/>
+                <a:t>Span  8</a:t>
+              </a:r>
+              <a:endParaRPr lang="en-US" sz="1100" dirty="0"/>
+            </a:p>
+          </p:txBody>
+        </p:sp>
+        <p:cxnSp>
+          <p:nvCxnSpPr>
+            <p:cNvPr id="216" name="Straight Connector 215"/>
+            <p:cNvCxnSpPr/>
+            <p:nvPr/>
+          </p:nvCxnSpPr>
+          <p:spPr>
+            <a:xfrm>
+              <a:off x="5301833" y="5631436"/>
+              <a:ext cx="0" cy="1150364"/>
+            </a:xfrm>
+            <a:prstGeom prst="line">
+              <a:avLst/>
+            </a:prstGeom>
+            <a:ln w="19050">
+              <a:solidFill>
+                <a:schemeClr val="tx1"/>
+              </a:solidFill>
+              <a:prstDash val="sysDash"/>
+            </a:ln>
+          </p:spPr>
+          <p:style>
+            <a:lnRef idx="1">
+              <a:schemeClr val="accent1"/>
+            </a:lnRef>
+            <a:fillRef idx="0">
+              <a:schemeClr val="accent1"/>
+            </a:fillRef>
+            <a:effectRef idx="0">
+              <a:schemeClr val="accent1"/>
+            </a:effectRef>
+            <a:fontRef idx="minor">
+              <a:schemeClr val="tx1"/>
+            </a:fontRef>
+          </p:style>
+        </p:cxnSp>
+        <p:cxnSp>
+          <p:nvCxnSpPr>
+            <p:cNvPr id="217" name="Straight Connector 216"/>
+            <p:cNvCxnSpPr/>
+            <p:nvPr/>
+          </p:nvCxnSpPr>
+          <p:spPr>
+            <a:xfrm>
+              <a:off x="5737291" y="5630920"/>
+              <a:ext cx="0" cy="1150364"/>
+            </a:xfrm>
+            <a:prstGeom prst="line">
+              <a:avLst/>
+            </a:prstGeom>
+            <a:ln w="19050">
+              <a:solidFill>
+                <a:schemeClr val="tx1"/>
+              </a:solidFill>
+              <a:prstDash val="sysDash"/>
+            </a:ln>
+          </p:spPr>
+          <p:style>
+            <a:lnRef idx="1">
+              <a:schemeClr val="accent1"/>
+            </a:lnRef>
+            <a:fillRef idx="0">
+              <a:schemeClr val="accent1"/>
+            </a:fillRef>
+            <a:effectRef idx="0">
+              <a:schemeClr val="accent1"/>
+            </a:effectRef>
+            <a:fontRef idx="minor">
+              <a:schemeClr val="tx1"/>
+            </a:fontRef>
+          </p:style>
+        </p:cxnSp>
+        <p:cxnSp>
+          <p:nvCxnSpPr>
+            <p:cNvPr id="218" name="Straight Connector 217"/>
+            <p:cNvCxnSpPr/>
+            <p:nvPr/>
+          </p:nvCxnSpPr>
+          <p:spPr>
+            <a:xfrm>
+              <a:off x="6177617" y="5630920"/>
+              <a:ext cx="0" cy="1150364"/>
+            </a:xfrm>
+            <a:prstGeom prst="line">
+              <a:avLst/>
+            </a:prstGeom>
+            <a:ln w="19050">
+              <a:solidFill>
+                <a:schemeClr val="tx1"/>
+              </a:solidFill>
+              <a:prstDash val="sysDash"/>
+            </a:ln>
+          </p:spPr>
+          <p:style>
+            <a:lnRef idx="1">
+              <a:schemeClr val="accent1"/>
+            </a:lnRef>
+            <a:fillRef idx="0">
+              <a:schemeClr val="accent1"/>
+            </a:fillRef>
+            <a:effectRef idx="0">
+              <a:schemeClr val="accent1"/>
+            </a:effectRef>
+            <a:fontRef idx="minor">
+              <a:schemeClr val="tx1"/>
+            </a:fontRef>
+          </p:style>
+        </p:cxnSp>
+        <p:sp>
+          <p:nvSpPr>
+            <p:cNvPr id="219" name="TextBox 218"/>
+            <p:cNvSpPr txBox="1"/>
+            <p:nvPr/>
+          </p:nvSpPr>
+          <p:spPr>
+            <a:xfrm>
+              <a:off x="5439240" y="5453390"/>
+              <a:ext cx="614798" cy="261610"/>
+            </a:xfrm>
+            <a:prstGeom prst="rect">
+              <a:avLst/>
+            </a:prstGeom>
+            <a:noFill/>
+          </p:spPr>
+          <p:txBody>
+            <a:bodyPr wrap="square" rtlCol="0">
+              <a:spAutoFit/>
+            </a:bodyPr>
+            <a:lstStyle/>
+            <a:p>
+              <a:pPr algn="ctr"/>
+              <a:r>
+                <a:rPr lang="en-US" sz="1100" dirty="0" smtClean="0"/>
+                <a:t>Span  7</a:t>
+              </a:r>
+              <a:endParaRPr lang="en-US" sz="1100" dirty="0"/>
+            </a:p>
+          </p:txBody>
+        </p:sp>
+      </p:grpSp>
+      <p:sp>
+        <p:nvSpPr>
+          <p:cNvPr id="220" name="Rounded Rectangle 219"/>
+          <p:cNvSpPr/>
+          <p:nvPr/>
+        </p:nvSpPr>
+        <p:spPr>
+          <a:xfrm>
+            <a:off x="1432560" y="627626"/>
+            <a:ext cx="287812" cy="740799"/>
+          </a:xfrm>
+          <a:prstGeom prst="roundRect">
+            <a:avLst/>
+          </a:prstGeom>
+          <a:solidFill>
+            <a:schemeClr val="bg1">
+              <a:alpha val="67000"/>
+            </a:schemeClr>
+          </a:solidFill>
+          <a:ln w="9525">
+            <a:solidFill>
+              <a:srgbClr val="C00000"/>
+            </a:solidFill>
+          </a:ln>
+        </p:spPr>
+        <p:style>
+          <a:lnRef idx="2">
+            <a:schemeClr val="accent1">
+              <a:shade val="50000"/>
+            </a:schemeClr>
+          </a:lnRef>
+          <a:fillRef idx="1">
+            <a:schemeClr val="accent1"/>
+          </a:fillRef>
+          <a:effectRef idx="0">
+            <a:schemeClr val="accent1"/>
+          </a:effectRef>
+          <a:fontRef idx="minor">
+            <a:schemeClr val="lt1"/>
+          </a:fontRef>
+        </p:style>
+        <p:txBody>
+          <a:bodyPr rtlCol="0" anchor="ctr"/>
+          <a:lstStyle/>
+          <a:p>
+            <a:pPr algn="ctr"/>
+            <a:endParaRPr lang="en-US"/>
+          </a:p>
+        </p:txBody>
+      </p:sp>
+      <p:sp>
+        <p:nvSpPr>
+          <p:cNvPr id="221" name="Multiply 220"/>
+          <p:cNvSpPr/>
+          <p:nvPr/>
+        </p:nvSpPr>
+        <p:spPr>
+          <a:xfrm>
+            <a:off x="1502088" y="662940"/>
+            <a:ext cx="137160" cy="137160"/>
+          </a:xfrm>
+          <a:prstGeom prst="mathMultiply">
+            <a:avLst/>
+          </a:prstGeom>
+          <a:solidFill>
+            <a:schemeClr val="tx2"/>
+          </a:solidFill>
+          <a:ln w="9525">
+            <a:solidFill>
+              <a:schemeClr val="accent1"/>
+            </a:solidFill>
+          </a:ln>
+        </p:spPr>
+        <p:style>
+          <a:lnRef idx="2">
+            <a:schemeClr val="accent1">
+              <a:shade val="50000"/>
+            </a:schemeClr>
+          </a:lnRef>
+          <a:fillRef idx="1">
+            <a:schemeClr val="accent1"/>
+          </a:fillRef>
+          <a:effectRef idx="0">
+            <a:schemeClr val="accent1"/>
+          </a:effectRef>
+          <a:fontRef idx="minor">
+            <a:schemeClr val="lt1"/>
+          </a:fontRef>
+        </p:style>
+        <p:txBody>
+          <a:bodyPr rtlCol="0" anchor="ctr"/>
+          <a:lstStyle/>
+          <a:p>
+            <a:pPr algn="ctr"/>
+            <a:endParaRPr lang="en-US">
+              <a:ln>
+                <a:solidFill>
+                  <a:schemeClr val="accent1"/>
+                </a:solidFill>
+              </a:ln>
+            </a:endParaRPr>
+          </a:p>
+        </p:txBody>
+      </p:sp>
+      <p:sp>
+        <p:nvSpPr>
+          <p:cNvPr id="222" name="Multiply 221"/>
+          <p:cNvSpPr/>
+          <p:nvPr/>
+        </p:nvSpPr>
+        <p:spPr>
+          <a:xfrm>
+            <a:off x="1502088" y="1082040"/>
+            <a:ext cx="137160" cy="137160"/>
+          </a:xfrm>
+          <a:prstGeom prst="mathMultiply">
+            <a:avLst/>
+          </a:prstGeom>
+          <a:solidFill>
+            <a:srgbClr val="FF0000"/>
+          </a:solidFill>
+          <a:ln w="9525">
+            <a:solidFill>
+              <a:srgbClr val="C00000"/>
+            </a:solidFill>
+          </a:ln>
+        </p:spPr>
+        <p:style>
+          <a:lnRef idx="2">
+            <a:schemeClr val="accent1">
+              <a:shade val="50000"/>
+            </a:schemeClr>
+          </a:lnRef>
+          <a:fillRef idx="1">
+            <a:schemeClr val="accent1"/>
+          </a:fillRef>
+          <a:effectRef idx="0">
+            <a:schemeClr val="accent1"/>
+          </a:effectRef>
+          <a:fontRef idx="minor">
+            <a:schemeClr val="lt1"/>
+          </a:fontRef>
+        </p:style>
+        <p:txBody>
+          <a:bodyPr rtlCol="0" anchor="ctr"/>
+          <a:lstStyle/>
+          <a:p>
+            <a:pPr algn="ctr"/>
+            <a:endParaRPr lang="en-US"/>
+          </a:p>
+        </p:txBody>
+      </p:sp>
+      <p:sp>
+        <p:nvSpPr>
+          <p:cNvPr id="223" name="Multiply 222"/>
+          <p:cNvSpPr/>
+          <p:nvPr/>
+        </p:nvSpPr>
+        <p:spPr>
+          <a:xfrm>
+            <a:off x="1501940" y="1188720"/>
+            <a:ext cx="137160" cy="137160"/>
+          </a:xfrm>
+          <a:prstGeom prst="mathMultiply">
+            <a:avLst/>
+          </a:prstGeom>
+          <a:solidFill>
+            <a:srgbClr val="FFC000"/>
+          </a:solidFill>
+          <a:ln w="9525">
+            <a:solidFill>
+              <a:srgbClr val="A27B00"/>
+            </a:solidFill>
+          </a:ln>
+        </p:spPr>
+        <p:style>
+          <a:lnRef idx="2">
+            <a:schemeClr val="accent1">
+              <a:shade val="50000"/>
+            </a:schemeClr>
+          </a:lnRef>
+          <a:fillRef idx="1">
+            <a:schemeClr val="accent1"/>
+          </a:fillRef>
+          <a:effectRef idx="0">
+            <a:schemeClr val="accent1"/>
+          </a:effectRef>
+          <a:fontRef idx="minor">
+            <a:schemeClr val="lt1"/>
+          </a:fontRef>
+        </p:style>
+        <p:txBody>
+          <a:bodyPr rtlCol="0" anchor="ctr"/>
+          <a:lstStyle/>
+          <a:p>
+            <a:pPr algn="ctr"/>
+            <a:endParaRPr lang="en-US"/>
+          </a:p>
+        </p:txBody>
+      </p:sp>
+      <p:grpSp>
+        <p:nvGrpSpPr>
+          <p:cNvPr id="225" name="Group 224"/>
+          <p:cNvGrpSpPr/>
+          <p:nvPr/>
+        </p:nvGrpSpPr>
+        <p:grpSpPr>
+          <a:xfrm>
+            <a:off x="2389583" y="697418"/>
+            <a:ext cx="1130303" cy="1075210"/>
+            <a:chOff x="6108697" y="5638800"/>
+            <a:chExt cx="1130303" cy="1075210"/>
+          </a:xfrm>
+        </p:grpSpPr>
+        <p:pic>
+          <p:nvPicPr>
+            <p:cNvPr id="226" name="Picture 225"/>
+            <p:cNvPicPr>
+              <a:picLocks noChangeAspect="1"/>
+            </p:cNvPicPr>
+            <p:nvPr/>
+          </p:nvPicPr>
+          <p:blipFill rotWithShape="1">
+            <a:blip r:embed="rId2" cstate="print">
+              <a:extLst>
+                <a:ext uri="{28A0092B-C50C-407E-A947-70E740481C1C}">
+                  <a14:useLocalDpi xmlns:a14="http://schemas.microsoft.com/office/drawing/2010/main" val="0"/>
+                </a:ext>
+              </a:extLst>
+            </a:blip>
+            <a:srcRect l="15988" t="18527" r="17925" b="1677"/>
+            <a:stretch/>
+          </p:blipFill>
+          <p:spPr>
+            <a:xfrm>
+              <a:off x="6108697" y="5638800"/>
+              <a:ext cx="1130303" cy="1075210"/>
+            </a:xfrm>
+            <a:prstGeom prst="ellipse">
+              <a:avLst/>
+            </a:prstGeom>
+            <a:ln w="19050">
+              <a:solidFill>
+                <a:srgbClr val="C00000"/>
+              </a:solidFill>
+            </a:ln>
+          </p:spPr>
+        </p:pic>
+        <p:sp>
+          <p:nvSpPr>
+            <p:cNvPr id="227" name="Oval 226"/>
+            <p:cNvSpPr/>
+            <p:nvPr/>
+          </p:nvSpPr>
+          <p:spPr>
+            <a:xfrm>
+              <a:off x="6492770" y="6448138"/>
+              <a:ext cx="256218" cy="264416"/>
+            </a:xfrm>
+            <a:prstGeom prst="ellipse">
+              <a:avLst/>
+            </a:prstGeom>
+            <a:noFill/>
+            <a:ln w="12700">
+              <a:solidFill>
+                <a:srgbClr val="FF0000"/>
+              </a:solidFill>
+              <a:prstDash val="sysDash"/>
+            </a:ln>
+          </p:spPr>
+          <p:style>
+            <a:lnRef idx="2">
+              <a:schemeClr val="accent1">
+                <a:shade val="50000"/>
+              </a:schemeClr>
+            </a:lnRef>
+            <a:fillRef idx="1">
+              <a:schemeClr val="accent1"/>
+            </a:fillRef>
+            <a:effectRef idx="0">
+              <a:schemeClr val="accent1"/>
+            </a:effectRef>
+            <a:fontRef idx="minor">
+              <a:schemeClr val="lt1"/>
+            </a:fontRef>
+          </p:style>
+          <p:txBody>
+            <a:bodyPr rtlCol="0" anchor="ctr"/>
+            <a:lstStyle/>
+            <a:p>
+              <a:pPr algn="ctr"/>
+              <a:endParaRPr lang="en-US"/>
+            </a:p>
+          </p:txBody>
+        </p:sp>
+        <p:sp>
+          <p:nvSpPr>
+            <p:cNvPr id="228" name="Rounded Rectangle 227"/>
+            <p:cNvSpPr/>
+            <p:nvPr/>
+          </p:nvSpPr>
+          <p:spPr>
+            <a:xfrm>
+              <a:off x="6285537" y="5791200"/>
+              <a:ext cx="776623" cy="173117"/>
+            </a:xfrm>
+            <a:prstGeom prst="roundRect">
+              <a:avLst>
+                <a:gd name="adj" fmla="val 50000"/>
+              </a:avLst>
+            </a:prstGeom>
+            <a:gradFill flip="none" rotWithShape="1">
+              <a:gsLst>
+                <a:gs pos="83000">
+                  <a:schemeClr val="bg1">
+                    <a:alpha val="78000"/>
+                  </a:schemeClr>
+                </a:gs>
+                <a:gs pos="100000">
+                  <a:schemeClr val="bg1">
+                    <a:alpha val="36000"/>
+                  </a:schemeClr>
+                </a:gs>
+              </a:gsLst>
+              <a:path path="rect">
+                <a:fillToRect l="50000" t="50000" r="50000" b="50000"/>
+              </a:path>
+              <a:tileRect/>
+            </a:gradFill>
+          </p:spPr>
+          <p:txBody>
+            <a:bodyPr wrap="square" lIns="0" tIns="0" rIns="0" bIns="0" rtlCol="0">
+              <a:spAutoFit/>
+            </a:bodyPr>
+            <a:lstStyle/>
+            <a:p>
+              <a:pPr algn="ctr"/>
+              <a:r>
+                <a:rPr lang="en-US" sz="800" b="1" dirty="0">
+                  <a:solidFill>
+                    <a:schemeClr val="tx1"/>
+                  </a:solidFill>
+                </a:rPr>
+                <a:t>Typ. </a:t>
+              </a:r>
+              <a:r>
+                <a:rPr lang="en-US" sz="800" b="1" dirty="0">
+                  <a:solidFill>
+                    <a:schemeClr val="tx1"/>
+                  </a:solidFill>
+                </a:rPr>
+                <a:t>Gauge Loc</a:t>
+              </a:r>
+              <a:r>
+                <a:rPr lang="en-US" sz="800" b="1" dirty="0" smtClean="0">
+                  <a:solidFill>
+                    <a:schemeClr val="tx1"/>
+                  </a:solidFill>
+                </a:rPr>
+                <a:t>.</a:t>
+              </a:r>
+              <a:endParaRPr lang="en-US" sz="800" b="1" dirty="0">
+                <a:solidFill>
+                  <a:schemeClr val="tx1"/>
+                </a:solidFill>
+              </a:endParaRPr>
+            </a:p>
+          </p:txBody>
+        </p:sp>
+      </p:grpSp>
+      <p:sp>
+        <p:nvSpPr>
+          <p:cNvPr id="248" name="Rounded Rectangle 247"/>
+          <p:cNvSpPr/>
+          <p:nvPr/>
+        </p:nvSpPr>
+        <p:spPr>
+          <a:xfrm>
+            <a:off x="2339340" y="2613390"/>
+            <a:ext cx="228600" cy="228600"/>
+          </a:xfrm>
+          <a:prstGeom prst="roundRect">
+            <a:avLst/>
+          </a:prstGeom>
+          <a:solidFill>
+            <a:schemeClr val="bg1">
+              <a:alpha val="67000"/>
+            </a:schemeClr>
+          </a:solidFill>
+          <a:ln w="9525">
+            <a:solidFill>
+              <a:srgbClr val="C00000"/>
+            </a:solidFill>
+          </a:ln>
+        </p:spPr>
+        <p:style>
+          <a:lnRef idx="2">
+            <a:schemeClr val="accent1">
+              <a:shade val="50000"/>
+            </a:schemeClr>
+          </a:lnRef>
+          <a:fillRef idx="1">
+            <a:schemeClr val="accent1"/>
+          </a:fillRef>
+          <a:effectRef idx="0">
+            <a:schemeClr val="accent1"/>
+          </a:effectRef>
+          <a:fontRef idx="minor">
+            <a:schemeClr val="lt1"/>
+          </a:fontRef>
+        </p:style>
+        <p:txBody>
+          <a:bodyPr rtlCol="0" anchor="ctr"/>
+          <a:lstStyle/>
+          <a:p>
+            <a:pPr algn="ctr"/>
+            <a:endParaRPr lang="en-US"/>
+          </a:p>
+        </p:txBody>
+      </p:sp>
+      <p:sp>
+        <p:nvSpPr>
+          <p:cNvPr id="250" name="Multiply 249"/>
+          <p:cNvSpPr/>
+          <p:nvPr/>
+        </p:nvSpPr>
+        <p:spPr>
+          <a:xfrm>
+            <a:off x="2385060" y="2659110"/>
+            <a:ext cx="137160" cy="137160"/>
+          </a:xfrm>
+          <a:prstGeom prst="mathMultiply">
+            <a:avLst/>
+          </a:prstGeom>
+          <a:solidFill>
+            <a:srgbClr val="FF0000"/>
+          </a:solidFill>
+          <a:ln w="9525">
+            <a:solidFill>
+              <a:srgbClr val="C00000"/>
+            </a:solidFill>
+          </a:ln>
+        </p:spPr>
+        <p:style>
+          <a:lnRef idx="2">
+            <a:schemeClr val="accent1">
+              <a:shade val="50000"/>
+            </a:schemeClr>
+          </a:lnRef>
+          <a:fillRef idx="1">
+            <a:schemeClr val="accent1"/>
+          </a:fillRef>
+          <a:effectRef idx="0">
+            <a:schemeClr val="accent1"/>
+          </a:effectRef>
+          <a:fontRef idx="minor">
+            <a:schemeClr val="lt1"/>
+          </a:fontRef>
+        </p:style>
+        <p:txBody>
+          <a:bodyPr rtlCol="0" anchor="ctr"/>
+          <a:lstStyle/>
+          <a:p>
+            <a:pPr algn="ctr"/>
+            <a:endParaRPr lang="en-US"/>
+          </a:p>
+        </p:txBody>
+      </p:sp>
+      <p:grpSp>
+        <p:nvGrpSpPr>
+          <p:cNvPr id="259" name="Group 258"/>
+          <p:cNvGrpSpPr/>
+          <p:nvPr/>
+        </p:nvGrpSpPr>
+        <p:grpSpPr>
+          <a:xfrm>
+            <a:off x="2689857" y="2031597"/>
+            <a:ext cx="1367548" cy="1344383"/>
+            <a:chOff x="2689857" y="2031597"/>
+            <a:chExt cx="1367548" cy="1344383"/>
+          </a:xfrm>
+        </p:grpSpPr>
+        <p:pic>
+          <p:nvPicPr>
+            <p:cNvPr id="253" name="Picture 252"/>
+            <p:cNvPicPr>
+              <a:picLocks noChangeAspect="1"/>
+            </p:cNvPicPr>
+            <p:nvPr/>
+          </p:nvPicPr>
+          <p:blipFill rotWithShape="1">
+            <a:blip r:embed="rId5" cstate="print">
+              <a:extLst>
+                <a:ext uri="{28A0092B-C50C-407E-A947-70E740481C1C}">
+                  <a14:useLocalDpi xmlns:a14="http://schemas.microsoft.com/office/drawing/2010/main" val="0"/>
+                </a:ext>
+              </a:extLst>
+            </a:blip>
+            <a:srcRect l="10457" t="24744" r="16772" b="4684"/>
+            <a:stretch/>
+          </p:blipFill>
+          <p:spPr>
+            <a:xfrm>
+              <a:off x="2689857" y="2031597"/>
+              <a:ext cx="1367548" cy="1344383"/>
+            </a:xfrm>
+            <a:prstGeom prst="ellipse">
+              <a:avLst/>
+            </a:prstGeom>
+            <a:ln w="19050">
+              <a:solidFill>
+                <a:srgbClr val="C00000"/>
+              </a:solidFill>
+            </a:ln>
+          </p:spPr>
+        </p:pic>
+        <p:sp>
+          <p:nvSpPr>
+            <p:cNvPr id="258" name="Parallelogram 257"/>
+            <p:cNvSpPr/>
+            <p:nvPr/>
+          </p:nvSpPr>
+          <p:spPr>
+            <a:xfrm rot="8601380" flipV="1">
+              <a:off x="3009028" y="2343459"/>
+              <a:ext cx="396278" cy="152578"/>
+            </a:xfrm>
+            <a:prstGeom prst="parallelogram">
+              <a:avLst>
+                <a:gd name="adj" fmla="val 28945"/>
+              </a:avLst>
+            </a:prstGeom>
+            <a:noFill/>
+            <a:ln w="12700">
+              <a:solidFill>
+                <a:srgbClr val="C49500"/>
+              </a:solidFill>
+              <a:prstDash val="sysDash"/>
+            </a:ln>
+          </p:spPr>
+          <p:style>
+            <a:lnRef idx="2">
+              <a:schemeClr val="accent1">
+                <a:shade val="50000"/>
+              </a:schemeClr>
+            </a:lnRef>
+            <a:fillRef idx="1">
+              <a:schemeClr val="accent1"/>
+            </a:fillRef>
+            <a:effectRef idx="0">
+              <a:schemeClr val="accent1"/>
+            </a:effectRef>
+            <a:fontRef idx="minor">
+              <a:schemeClr val="lt1"/>
+            </a:fontRef>
+          </p:style>
+          <p:txBody>
+            <a:bodyPr rtlCol="0" anchor="ctr"/>
+            <a:lstStyle/>
+            <a:p>
+              <a:pPr algn="ctr"/>
+              <a:endParaRPr lang="en-US"/>
+            </a:p>
+          </p:txBody>
+        </p:sp>
+        <p:sp>
+          <p:nvSpPr>
+            <p:cNvPr id="256" name="Parallelogram 255"/>
+            <p:cNvSpPr/>
+            <p:nvPr/>
+          </p:nvSpPr>
+          <p:spPr>
+            <a:xfrm rot="8890157" flipV="1">
+              <a:off x="3265966" y="3073585"/>
+              <a:ext cx="444230" cy="193816"/>
+            </a:xfrm>
+            <a:prstGeom prst="parallelogram">
+              <a:avLst>
+                <a:gd name="adj" fmla="val 52842"/>
+              </a:avLst>
+            </a:prstGeom>
+            <a:noFill/>
+            <a:ln w="12700">
+              <a:solidFill>
+                <a:srgbClr val="001BE6"/>
+              </a:solidFill>
+              <a:prstDash val="sysDash"/>
+            </a:ln>
+          </p:spPr>
+          <p:style>
+            <a:lnRef idx="2">
+              <a:schemeClr val="accent1">
+                <a:shade val="50000"/>
+              </a:schemeClr>
+            </a:lnRef>
+            <a:fillRef idx="1">
+              <a:schemeClr val="accent1"/>
+            </a:fillRef>
+            <a:effectRef idx="0">
+              <a:schemeClr val="accent1"/>
+            </a:effectRef>
+            <a:fontRef idx="minor">
+              <a:schemeClr val="lt1"/>
+            </a:fontRef>
+          </p:style>
+          <p:txBody>
+            <a:bodyPr rtlCol="0" anchor="ctr"/>
+            <a:lstStyle/>
+            <a:p>
+              <a:pPr algn="ctr"/>
+              <a:endParaRPr lang="en-US"/>
+            </a:p>
+          </p:txBody>
+        </p:sp>
+        <p:sp>
+          <p:nvSpPr>
+            <p:cNvPr id="257" name="Parallelogram 256"/>
+            <p:cNvSpPr/>
+            <p:nvPr/>
+          </p:nvSpPr>
+          <p:spPr>
+            <a:xfrm rot="19331170">
+              <a:off x="2815393" y="2607320"/>
+              <a:ext cx="516680" cy="193816"/>
+            </a:xfrm>
+            <a:prstGeom prst="parallelogram">
+              <a:avLst>
+                <a:gd name="adj" fmla="val 96649"/>
+              </a:avLst>
+            </a:prstGeom>
+            <a:noFill/>
+            <a:ln w="12700">
+              <a:solidFill>
+                <a:srgbClr val="FF0000"/>
+              </a:solidFill>
+              <a:prstDash val="sysDash"/>
+            </a:ln>
+          </p:spPr>
+          <p:style>
+            <a:lnRef idx="2">
+              <a:schemeClr val="accent1">
+                <a:shade val="50000"/>
+              </a:schemeClr>
+            </a:lnRef>
+            <a:fillRef idx="1">
+              <a:schemeClr val="accent1"/>
+            </a:fillRef>
+            <a:effectRef idx="0">
+              <a:schemeClr val="accent1"/>
+            </a:effectRef>
+            <a:fontRef idx="minor">
+              <a:schemeClr val="lt1"/>
+            </a:fontRef>
+          </p:style>
+          <p:txBody>
+            <a:bodyPr rtlCol="0" anchor="ctr"/>
+            <a:lstStyle/>
+            <a:p>
+              <a:pPr algn="ctr"/>
+              <a:endParaRPr lang="en-US"/>
+            </a:p>
+          </p:txBody>
+        </p:sp>
+        <p:sp>
+          <p:nvSpPr>
+            <p:cNvPr id="255" name="Rounded Rectangle 254"/>
+            <p:cNvSpPr/>
+            <p:nvPr/>
+          </p:nvSpPr>
+          <p:spPr>
+            <a:xfrm>
+              <a:off x="2985319" y="2142799"/>
+              <a:ext cx="776623" cy="173117"/>
+            </a:xfrm>
+            <a:prstGeom prst="roundRect">
+              <a:avLst>
+                <a:gd name="adj" fmla="val 50000"/>
+              </a:avLst>
+            </a:prstGeom>
+            <a:gradFill flip="none" rotWithShape="1">
+              <a:gsLst>
+                <a:gs pos="83000">
+                  <a:schemeClr val="bg1">
+                    <a:alpha val="78000"/>
+                  </a:schemeClr>
+                </a:gs>
+                <a:gs pos="100000">
+                  <a:schemeClr val="bg1">
+                    <a:alpha val="36000"/>
+                  </a:schemeClr>
+                </a:gs>
+              </a:gsLst>
+              <a:path path="rect">
+                <a:fillToRect l="50000" t="50000" r="50000" b="50000"/>
+              </a:path>
+              <a:tileRect/>
+            </a:gradFill>
+          </p:spPr>
+          <p:txBody>
+            <a:bodyPr wrap="square" lIns="0" tIns="0" rIns="0" bIns="0" rtlCol="0">
+              <a:spAutoFit/>
+            </a:bodyPr>
+            <a:lstStyle/>
+            <a:p>
+              <a:pPr algn="ctr"/>
+              <a:r>
+                <a:rPr lang="en-US" sz="800" b="1" dirty="0" smtClean="0">
+                  <a:solidFill>
+                    <a:schemeClr val="tx1"/>
+                  </a:solidFill>
+                </a:rPr>
+                <a:t>Gauge </a:t>
+              </a:r>
+              <a:r>
+                <a:rPr lang="en-US" sz="800" b="1" dirty="0" err="1" smtClean="0">
+                  <a:solidFill>
+                    <a:schemeClr val="tx1"/>
+                  </a:solidFill>
+                </a:rPr>
+                <a:t>Loc’s</a:t>
+              </a:r>
+              <a:r>
+                <a:rPr lang="en-US" sz="800" b="1" dirty="0" smtClean="0">
+                  <a:solidFill>
+                    <a:schemeClr val="tx1"/>
+                  </a:solidFill>
+                </a:rPr>
+                <a:t>.</a:t>
+              </a:r>
+              <a:endParaRPr lang="en-US" sz="800" b="1" dirty="0">
+                <a:solidFill>
+                  <a:schemeClr val="tx1"/>
+                </a:solidFill>
+              </a:endParaRPr>
+            </a:p>
+          </p:txBody>
+        </p:sp>
+      </p:grpSp>
+    </p:spTree>
+    <p:extLst>
+      <p:ext uri="{BB962C8B-B14F-4D97-AF65-F5344CB8AC3E}">
+        <p14:creationId xmlns:p14="http://schemas.microsoft.com/office/powerpoint/2010/main" val="2776300647"/>
+      </p:ext>
+    </p:extLst>
+  </p:cSld>
+  <p:clrMapOvr>
+    <a:masterClrMapping/>
+  </p:clrMapOvr>
+  <p:timing>
+    <p:tnLst>
+      <p:par>
+        <p:cTn id="1" dur="indefinite" restart="never" nodeType="tmRoot"/>
+      </p:par>
+    </p:tnLst>
+  </p:timing>
+</p:sld>
+</file>
+
+<file path=ppt/slides/slide6.xml><?xml version="1.0" encoding="utf-8"?>
+<p:sld xmlns:a="http://schemas.openxmlformats.org/drawingml/2006/main" xmlns:r="http://schemas.openxmlformats.org/officeDocument/2006/relationships" xmlns:p="http://schemas.openxmlformats.org/presentationml/2006/main">
+  <p:cSld>
+    <p:spTree>
+      <p:nvGrpSpPr>
+        <p:cNvPr id="1" name=""/>
+        <p:cNvGrpSpPr/>
+        <p:nvPr/>
+      </p:nvGrpSpPr>
+      <p:grpSpPr>
+        <a:xfrm>
+          <a:off x="0" y="0"/>
+          <a:ext cx="0" cy="0"/>
+          <a:chOff x="0" y="0"/>
+          <a:chExt cx="0" cy="0"/>
+        </a:xfrm>
+      </p:grpSpPr>
+      <p:grpSp>
+        <p:nvGrpSpPr>
+          <p:cNvPr id="34" name="Group 33"/>
+          <p:cNvGrpSpPr/>
+          <p:nvPr/>
+        </p:nvGrpSpPr>
+        <p:grpSpPr>
+          <a:xfrm>
+            <a:off x="1439908" y="864647"/>
+            <a:ext cx="6264183" cy="5128705"/>
+            <a:chOff x="1439908" y="864647"/>
+            <a:chExt cx="6264183" cy="5128705"/>
+          </a:xfrm>
+        </p:grpSpPr>
+        <p:pic>
+          <p:nvPicPr>
+            <p:cNvPr id="3" name="Picture 2"/>
+            <p:cNvPicPr>
+              <a:picLocks noChangeAspect="1"/>
+            </p:cNvPicPr>
+            <p:nvPr/>
+          </p:nvPicPr>
+          <p:blipFill>
+            <a:blip r:embed="rId2">
+              <a:extLst>
+                <a:ext uri="{28A0092B-C50C-407E-A947-70E740481C1C}">
+                  <a14:useLocalDpi xmlns:a14="http://schemas.microsoft.com/office/drawing/2010/main" val="0"/>
+                </a:ext>
+              </a:extLst>
+            </a:blip>
+            <a:stretch>
+              <a:fillRect/>
+            </a:stretch>
+          </p:blipFill>
+          <p:spPr>
+            <a:xfrm>
+              <a:off x="1439908" y="864647"/>
+              <a:ext cx="6264183" cy="5128705"/>
+            </a:xfrm>
+            <a:prstGeom prst="rect">
+              <a:avLst/>
+            </a:prstGeom>
+          </p:spPr>
+        </p:pic>
+        <p:sp>
+          <p:nvSpPr>
+            <p:cNvPr id="4" name="TextBox 3"/>
+            <p:cNvSpPr txBox="1"/>
+            <p:nvPr/>
+          </p:nvSpPr>
+          <p:spPr>
+            <a:xfrm>
+              <a:off x="2400300" y="1112193"/>
+              <a:ext cx="304800" cy="230832"/>
+            </a:xfrm>
+            <a:prstGeom prst="rect">
+              <a:avLst/>
+            </a:prstGeom>
+            <a:gradFill flip="none" rotWithShape="1">
+              <a:gsLst>
+                <a:gs pos="31000">
+                  <a:schemeClr val="bg1">
+                    <a:alpha val="64000"/>
+                  </a:schemeClr>
+                </a:gs>
+                <a:gs pos="52000">
+                  <a:schemeClr val="bg1">
+                    <a:alpha val="0"/>
+                  </a:schemeClr>
+                </a:gs>
+              </a:gsLst>
+              <a:path path="circle">
+                <a:fillToRect l="50000" t="50000" r="50000" b="50000"/>
+              </a:path>
+              <a:tileRect/>
+            </a:gradFill>
+          </p:spPr>
+          <p:txBody>
+            <a:bodyPr wrap="square" rtlCol="0">
+              <a:spAutoFit/>
+            </a:bodyPr>
+            <a:lstStyle/>
+            <a:p>
+              <a:pPr algn="ctr"/>
+              <a:r>
+                <a:rPr lang="en-US" sz="900" b="1" dirty="0" smtClean="0"/>
+                <a:t>1</a:t>
+              </a:r>
+              <a:endParaRPr lang="en-US" sz="900" b="1" dirty="0"/>
+            </a:p>
+          </p:txBody>
+        </p:sp>
+        <p:sp>
+          <p:nvSpPr>
+            <p:cNvPr id="5" name="TextBox 4"/>
+            <p:cNvSpPr txBox="1"/>
+            <p:nvPr/>
+          </p:nvSpPr>
+          <p:spPr>
+            <a:xfrm>
+              <a:off x="3124200" y="1112193"/>
+              <a:ext cx="304800" cy="230832"/>
+            </a:xfrm>
+            <a:prstGeom prst="rect">
+              <a:avLst/>
+            </a:prstGeom>
+            <a:gradFill flip="none" rotWithShape="1">
+              <a:gsLst>
+                <a:gs pos="31000">
+                  <a:schemeClr val="bg1">
+                    <a:alpha val="64000"/>
+                  </a:schemeClr>
+                </a:gs>
+                <a:gs pos="52000">
+                  <a:schemeClr val="bg1">
+                    <a:alpha val="0"/>
+                  </a:schemeClr>
+                </a:gs>
+              </a:gsLst>
+              <a:path path="circle">
+                <a:fillToRect l="50000" t="50000" r="50000" b="50000"/>
+              </a:path>
+              <a:tileRect/>
+            </a:gradFill>
+          </p:spPr>
+          <p:txBody>
+            <a:bodyPr wrap="square" rtlCol="0">
+              <a:spAutoFit/>
+            </a:bodyPr>
+            <a:lstStyle/>
+            <a:p>
+              <a:pPr algn="ctr"/>
+              <a:r>
+                <a:rPr lang="en-US" sz="900" b="1" dirty="0"/>
+                <a:t>2</a:t>
+              </a:r>
+            </a:p>
+          </p:txBody>
+        </p:sp>
+        <p:sp>
+          <p:nvSpPr>
+            <p:cNvPr id="6" name="TextBox 5"/>
+            <p:cNvSpPr txBox="1"/>
+            <p:nvPr/>
+          </p:nvSpPr>
+          <p:spPr>
+            <a:xfrm>
+              <a:off x="3886200" y="1112193"/>
+              <a:ext cx="304800" cy="230832"/>
+            </a:xfrm>
+            <a:prstGeom prst="rect">
+              <a:avLst/>
+            </a:prstGeom>
+            <a:gradFill flip="none" rotWithShape="1">
+              <a:gsLst>
+                <a:gs pos="31000">
+                  <a:schemeClr val="bg1">
+                    <a:alpha val="64000"/>
+                  </a:schemeClr>
+                </a:gs>
+                <a:gs pos="52000">
+                  <a:schemeClr val="bg1">
+                    <a:alpha val="0"/>
+                  </a:schemeClr>
+                </a:gs>
+              </a:gsLst>
+              <a:path path="circle">
+                <a:fillToRect l="50000" t="50000" r="50000" b="50000"/>
+              </a:path>
+              <a:tileRect/>
+            </a:gradFill>
+          </p:spPr>
+          <p:txBody>
+            <a:bodyPr wrap="square" rtlCol="0">
+              <a:spAutoFit/>
+            </a:bodyPr>
+            <a:lstStyle/>
+            <a:p>
+              <a:pPr algn="ctr"/>
+              <a:r>
+                <a:rPr lang="en-US" sz="900" b="1" dirty="0" smtClean="0"/>
+                <a:t>3</a:t>
+              </a:r>
+              <a:endParaRPr lang="en-US" sz="900" b="1" dirty="0"/>
+            </a:p>
+          </p:txBody>
+        </p:sp>
+        <p:sp>
+          <p:nvSpPr>
+            <p:cNvPr id="7" name="TextBox 6"/>
+            <p:cNvSpPr txBox="1"/>
+            <p:nvPr/>
+          </p:nvSpPr>
+          <p:spPr>
+            <a:xfrm>
+              <a:off x="3124200" y="1590675"/>
+              <a:ext cx="304800" cy="230832"/>
+            </a:xfrm>
+            <a:prstGeom prst="rect">
+              <a:avLst/>
+            </a:prstGeom>
+            <a:gradFill flip="none" rotWithShape="1">
+              <a:gsLst>
+                <a:gs pos="31000">
+                  <a:schemeClr val="bg1">
+                    <a:alpha val="64000"/>
+                  </a:schemeClr>
+                </a:gs>
+                <a:gs pos="52000">
+                  <a:schemeClr val="bg1">
+                    <a:alpha val="0"/>
+                  </a:schemeClr>
+                </a:gs>
+              </a:gsLst>
+              <a:path path="circle">
+                <a:fillToRect l="50000" t="50000" r="50000" b="50000"/>
+              </a:path>
+              <a:tileRect/>
+            </a:gradFill>
+          </p:spPr>
+          <p:txBody>
+            <a:bodyPr wrap="square" rtlCol="0">
+              <a:spAutoFit/>
+            </a:bodyPr>
+            <a:lstStyle/>
+            <a:p>
+              <a:pPr algn="ctr"/>
+              <a:r>
+                <a:rPr lang="en-US" sz="900" b="1" dirty="0" smtClean="0"/>
+                <a:t>4</a:t>
+              </a:r>
+              <a:endParaRPr lang="en-US" sz="900" b="1" dirty="0"/>
+            </a:p>
+          </p:txBody>
+        </p:sp>
+        <p:sp>
+          <p:nvSpPr>
+            <p:cNvPr id="8" name="TextBox 7"/>
+            <p:cNvSpPr txBox="1"/>
+            <p:nvPr/>
+          </p:nvSpPr>
+          <p:spPr>
+            <a:xfrm>
+              <a:off x="2400300" y="2033200"/>
+              <a:ext cx="304800" cy="230832"/>
+            </a:xfrm>
+            <a:prstGeom prst="rect">
+              <a:avLst/>
+            </a:prstGeom>
+            <a:gradFill flip="none" rotWithShape="1">
+              <a:gsLst>
+                <a:gs pos="31000">
+                  <a:schemeClr val="bg1">
+                    <a:alpha val="64000"/>
+                  </a:schemeClr>
+                </a:gs>
+                <a:gs pos="52000">
+                  <a:schemeClr val="bg1">
+                    <a:alpha val="0"/>
+                  </a:schemeClr>
+                </a:gs>
+              </a:gsLst>
+              <a:path path="circle">
+                <a:fillToRect l="50000" t="50000" r="50000" b="50000"/>
+              </a:path>
+              <a:tileRect/>
+            </a:gradFill>
+          </p:spPr>
+          <p:txBody>
+            <a:bodyPr wrap="square" rtlCol="0">
+              <a:spAutoFit/>
+            </a:bodyPr>
+            <a:lstStyle/>
+            <a:p>
+              <a:pPr algn="ctr"/>
+              <a:r>
+                <a:rPr lang="en-US" sz="900" b="1" dirty="0" smtClean="0"/>
+                <a:t>5</a:t>
+              </a:r>
+              <a:endParaRPr lang="en-US" sz="900" b="1" dirty="0"/>
+            </a:p>
+          </p:txBody>
+        </p:sp>
+        <p:sp>
+          <p:nvSpPr>
+            <p:cNvPr id="9" name="TextBox 8"/>
+            <p:cNvSpPr txBox="1"/>
+            <p:nvPr/>
+          </p:nvSpPr>
+          <p:spPr>
+            <a:xfrm>
+              <a:off x="2400300" y="2252275"/>
+              <a:ext cx="304800" cy="230832"/>
+            </a:xfrm>
+            <a:prstGeom prst="rect">
+              <a:avLst/>
+            </a:prstGeom>
+            <a:gradFill flip="none" rotWithShape="1">
+              <a:gsLst>
+                <a:gs pos="31000">
+                  <a:schemeClr val="bg1">
+                    <a:alpha val="64000"/>
+                  </a:schemeClr>
+                </a:gs>
+                <a:gs pos="52000">
+                  <a:schemeClr val="bg1">
+                    <a:alpha val="0"/>
+                  </a:schemeClr>
+                </a:gs>
+              </a:gsLst>
+              <a:path path="circle">
+                <a:fillToRect l="50000" t="50000" r="50000" b="50000"/>
+              </a:path>
+              <a:tileRect/>
+            </a:gradFill>
+          </p:spPr>
+          <p:txBody>
+            <a:bodyPr wrap="square" rtlCol="0">
+              <a:spAutoFit/>
+            </a:bodyPr>
+            <a:lstStyle/>
+            <a:p>
+              <a:pPr algn="ctr"/>
+              <a:r>
+                <a:rPr lang="en-US" sz="900" b="1" dirty="0" smtClean="0"/>
+                <a:t>8</a:t>
+              </a:r>
+              <a:endParaRPr lang="en-US" sz="900" b="1" dirty="0"/>
+            </a:p>
+          </p:txBody>
+        </p:sp>
+        <p:sp>
+          <p:nvSpPr>
+            <p:cNvPr id="10" name="TextBox 9"/>
+            <p:cNvSpPr txBox="1"/>
+            <p:nvPr/>
+          </p:nvSpPr>
+          <p:spPr>
+            <a:xfrm>
+              <a:off x="1619250" y="2140893"/>
+              <a:ext cx="304800" cy="230832"/>
+            </a:xfrm>
+            <a:prstGeom prst="rect">
+              <a:avLst/>
+            </a:prstGeom>
+            <a:gradFill flip="none" rotWithShape="1">
+              <a:gsLst>
+                <a:gs pos="31000">
+                  <a:schemeClr val="bg1">
+                    <a:alpha val="64000"/>
+                  </a:schemeClr>
+                </a:gs>
+                <a:gs pos="52000">
+                  <a:schemeClr val="bg1">
+                    <a:alpha val="0"/>
+                  </a:schemeClr>
+                </a:gs>
+              </a:gsLst>
+              <a:path path="circle">
+                <a:fillToRect l="50000" t="50000" r="50000" b="50000"/>
+              </a:path>
+              <a:tileRect/>
+            </a:gradFill>
+          </p:spPr>
+          <p:txBody>
+            <a:bodyPr wrap="square" rtlCol="0">
+              <a:spAutoFit/>
+            </a:bodyPr>
+            <a:lstStyle/>
+            <a:p>
+              <a:pPr algn="ctr"/>
+              <a:r>
+                <a:rPr lang="en-US" sz="900" b="1" dirty="0" smtClean="0"/>
+                <a:t>28</a:t>
+              </a:r>
+              <a:endParaRPr lang="en-US" sz="900" b="1" dirty="0"/>
+            </a:p>
+          </p:txBody>
+        </p:sp>
+        <p:sp>
+          <p:nvSpPr>
+            <p:cNvPr id="11" name="TextBox 10"/>
+            <p:cNvSpPr txBox="1"/>
+            <p:nvPr/>
+          </p:nvSpPr>
+          <p:spPr>
+            <a:xfrm>
+              <a:off x="3124200" y="2033200"/>
+              <a:ext cx="304800" cy="230832"/>
+            </a:xfrm>
+            <a:prstGeom prst="rect">
+              <a:avLst/>
+            </a:prstGeom>
+            <a:gradFill flip="none" rotWithShape="1">
+              <a:gsLst>
+                <a:gs pos="31000">
+                  <a:schemeClr val="bg1">
+                    <a:alpha val="64000"/>
+                  </a:schemeClr>
+                </a:gs>
+                <a:gs pos="52000">
+                  <a:schemeClr val="bg1">
+                    <a:alpha val="0"/>
+                  </a:schemeClr>
+                </a:gs>
+              </a:gsLst>
+              <a:path path="circle">
+                <a:fillToRect l="50000" t="50000" r="50000" b="50000"/>
+              </a:path>
+              <a:tileRect/>
+            </a:gradFill>
+          </p:spPr>
+          <p:txBody>
+            <a:bodyPr wrap="square" rtlCol="0">
+              <a:spAutoFit/>
+            </a:bodyPr>
+            <a:lstStyle/>
+            <a:p>
+              <a:pPr algn="ctr"/>
+              <a:r>
+                <a:rPr lang="en-US" sz="900" b="1" dirty="0" smtClean="0"/>
+                <a:t>6</a:t>
+              </a:r>
+              <a:endParaRPr lang="en-US" sz="900" b="1" dirty="0"/>
+            </a:p>
+          </p:txBody>
+        </p:sp>
+        <p:sp>
+          <p:nvSpPr>
+            <p:cNvPr id="12" name="TextBox 11"/>
+            <p:cNvSpPr txBox="1"/>
+            <p:nvPr/>
+          </p:nvSpPr>
+          <p:spPr>
+            <a:xfrm>
+              <a:off x="3124200" y="2252275"/>
+              <a:ext cx="304800" cy="230832"/>
+            </a:xfrm>
+            <a:prstGeom prst="rect">
+              <a:avLst/>
+            </a:prstGeom>
+            <a:gradFill flip="none" rotWithShape="1">
+              <a:gsLst>
+                <a:gs pos="31000">
+                  <a:schemeClr val="bg1">
+                    <a:alpha val="64000"/>
+                  </a:schemeClr>
+                </a:gs>
+                <a:gs pos="52000">
+                  <a:schemeClr val="bg1">
+                    <a:alpha val="0"/>
+                  </a:schemeClr>
+                </a:gs>
+              </a:gsLst>
+              <a:path path="circle">
+                <a:fillToRect l="50000" t="50000" r="50000" b="50000"/>
+              </a:path>
+              <a:tileRect/>
+            </a:gradFill>
+          </p:spPr>
+          <p:txBody>
+            <a:bodyPr wrap="square" rtlCol="0">
+              <a:spAutoFit/>
+            </a:bodyPr>
+            <a:lstStyle/>
+            <a:p>
+              <a:pPr algn="ctr"/>
+              <a:r>
+                <a:rPr lang="en-US" sz="900" b="1" dirty="0" smtClean="0"/>
+                <a:t>9</a:t>
+              </a:r>
+              <a:endParaRPr lang="en-US" sz="900" b="1" dirty="0"/>
+            </a:p>
+          </p:txBody>
+        </p:sp>
+        <p:sp>
+          <p:nvSpPr>
+            <p:cNvPr id="13" name="TextBox 12"/>
+            <p:cNvSpPr txBox="1"/>
+            <p:nvPr/>
+          </p:nvSpPr>
+          <p:spPr>
+            <a:xfrm>
+              <a:off x="3124200" y="2702868"/>
+              <a:ext cx="304800" cy="230832"/>
+            </a:xfrm>
+            <a:prstGeom prst="rect">
+              <a:avLst/>
+            </a:prstGeom>
+            <a:gradFill flip="none" rotWithShape="1">
+              <a:gsLst>
+                <a:gs pos="31000">
+                  <a:schemeClr val="bg1">
+                    <a:alpha val="64000"/>
+                  </a:schemeClr>
+                </a:gs>
+                <a:gs pos="52000">
+                  <a:schemeClr val="bg1">
+                    <a:alpha val="0"/>
+                  </a:schemeClr>
+                </a:gs>
+              </a:gsLst>
+              <a:path path="circle">
+                <a:fillToRect l="50000" t="50000" r="50000" b="50000"/>
+              </a:path>
+              <a:tileRect/>
+            </a:gradFill>
+          </p:spPr>
+          <p:txBody>
+            <a:bodyPr wrap="square" rtlCol="0">
+              <a:spAutoFit/>
+            </a:bodyPr>
+            <a:lstStyle/>
+            <a:p>
+              <a:pPr algn="ctr"/>
+              <a:r>
+                <a:rPr lang="en-US" sz="900" b="1" dirty="0" smtClean="0"/>
+                <a:t>11</a:t>
+              </a:r>
+              <a:endParaRPr lang="en-US" sz="900" b="1" dirty="0"/>
+            </a:p>
+          </p:txBody>
+        </p:sp>
+        <p:sp>
+          <p:nvSpPr>
+            <p:cNvPr id="14" name="TextBox 13"/>
+            <p:cNvSpPr txBox="1"/>
+            <p:nvPr/>
+          </p:nvSpPr>
+          <p:spPr>
+            <a:xfrm>
+              <a:off x="3886200" y="2033200"/>
+              <a:ext cx="304800" cy="230832"/>
+            </a:xfrm>
+            <a:prstGeom prst="rect">
+              <a:avLst/>
+            </a:prstGeom>
+            <a:gradFill flip="none" rotWithShape="1">
+              <a:gsLst>
+                <a:gs pos="31000">
+                  <a:schemeClr val="bg1">
+                    <a:alpha val="64000"/>
+                  </a:schemeClr>
+                </a:gs>
+                <a:gs pos="52000">
+                  <a:schemeClr val="bg1">
+                    <a:alpha val="0"/>
+                  </a:schemeClr>
+                </a:gs>
+              </a:gsLst>
+              <a:path path="circle">
+                <a:fillToRect l="50000" t="50000" r="50000" b="50000"/>
+              </a:path>
+              <a:tileRect/>
+            </a:gradFill>
+          </p:spPr>
+          <p:txBody>
+            <a:bodyPr wrap="square" rtlCol="0">
+              <a:spAutoFit/>
+            </a:bodyPr>
+            <a:lstStyle/>
+            <a:p>
+              <a:pPr algn="ctr"/>
+              <a:r>
+                <a:rPr lang="en-US" sz="900" b="1" dirty="0" smtClean="0"/>
+                <a:t>7</a:t>
+              </a:r>
+              <a:endParaRPr lang="en-US" sz="900" b="1" dirty="0"/>
+            </a:p>
+          </p:txBody>
+        </p:sp>
+        <p:sp>
+          <p:nvSpPr>
+            <p:cNvPr id="15" name="TextBox 14"/>
+            <p:cNvSpPr txBox="1"/>
+            <p:nvPr/>
+          </p:nvSpPr>
+          <p:spPr>
+            <a:xfrm>
+              <a:off x="3886200" y="2252275"/>
+              <a:ext cx="304800" cy="230832"/>
+            </a:xfrm>
+            <a:prstGeom prst="rect">
+              <a:avLst/>
+            </a:prstGeom>
+            <a:gradFill flip="none" rotWithShape="1">
+              <a:gsLst>
+                <a:gs pos="31000">
+                  <a:schemeClr val="bg1">
+                    <a:alpha val="64000"/>
+                  </a:schemeClr>
+                </a:gs>
+                <a:gs pos="52000">
+                  <a:schemeClr val="bg1">
+                    <a:alpha val="0"/>
+                  </a:schemeClr>
+                </a:gs>
+              </a:gsLst>
+              <a:path path="circle">
+                <a:fillToRect l="50000" t="50000" r="50000" b="50000"/>
+              </a:path>
+              <a:tileRect/>
+            </a:gradFill>
+          </p:spPr>
+          <p:txBody>
+            <a:bodyPr wrap="square" rtlCol="0">
+              <a:spAutoFit/>
+            </a:bodyPr>
+            <a:lstStyle/>
+            <a:p>
+              <a:pPr algn="ctr"/>
+              <a:r>
+                <a:rPr lang="en-US" sz="900" b="1" dirty="0" smtClean="0"/>
+                <a:t>10</a:t>
+              </a:r>
+              <a:endParaRPr lang="en-US" sz="900" b="1" dirty="0"/>
+            </a:p>
+          </p:txBody>
+        </p:sp>
+        <p:sp>
+          <p:nvSpPr>
+            <p:cNvPr id="16" name="TextBox 15"/>
+            <p:cNvSpPr txBox="1"/>
+            <p:nvPr/>
+          </p:nvSpPr>
+          <p:spPr>
+            <a:xfrm>
+              <a:off x="2400300" y="3142476"/>
+              <a:ext cx="304800" cy="230832"/>
+            </a:xfrm>
+            <a:prstGeom prst="rect">
+              <a:avLst/>
+            </a:prstGeom>
+            <a:gradFill flip="none" rotWithShape="1">
+              <a:gsLst>
+                <a:gs pos="31000">
+                  <a:schemeClr val="bg1">
+                    <a:alpha val="64000"/>
+                  </a:schemeClr>
+                </a:gs>
+                <a:gs pos="52000">
+                  <a:schemeClr val="bg1">
+                    <a:alpha val="0"/>
+                  </a:schemeClr>
+                </a:gs>
+              </a:gsLst>
+              <a:path path="circle">
+                <a:fillToRect l="50000" t="50000" r="50000" b="50000"/>
+              </a:path>
+              <a:tileRect/>
+            </a:gradFill>
+          </p:spPr>
+          <p:txBody>
+            <a:bodyPr wrap="square" rtlCol="0">
+              <a:spAutoFit/>
+            </a:bodyPr>
+            <a:lstStyle/>
+            <a:p>
+              <a:pPr algn="ctr"/>
+              <a:r>
+                <a:rPr lang="en-US" sz="900" b="1" dirty="0" smtClean="0"/>
+                <a:t>12</a:t>
+              </a:r>
+              <a:endParaRPr lang="en-US" sz="900" b="1" dirty="0"/>
+            </a:p>
+          </p:txBody>
+        </p:sp>
+        <p:sp>
+          <p:nvSpPr>
+            <p:cNvPr id="17" name="TextBox 16"/>
+            <p:cNvSpPr txBox="1"/>
+            <p:nvPr/>
+          </p:nvSpPr>
+          <p:spPr>
+            <a:xfrm>
+              <a:off x="3124200" y="3142476"/>
+              <a:ext cx="304800" cy="230832"/>
+            </a:xfrm>
+            <a:prstGeom prst="rect">
+              <a:avLst/>
+            </a:prstGeom>
+            <a:gradFill flip="none" rotWithShape="1">
+              <a:gsLst>
+                <a:gs pos="31000">
+                  <a:schemeClr val="bg1">
+                    <a:alpha val="64000"/>
+                  </a:schemeClr>
+                </a:gs>
+                <a:gs pos="52000">
+                  <a:schemeClr val="bg1">
+                    <a:alpha val="0"/>
+                  </a:schemeClr>
+                </a:gs>
+              </a:gsLst>
+              <a:path path="circle">
+                <a:fillToRect l="50000" t="50000" r="50000" b="50000"/>
+              </a:path>
+              <a:tileRect/>
+            </a:gradFill>
+          </p:spPr>
+          <p:txBody>
+            <a:bodyPr wrap="square" rtlCol="0">
+              <a:spAutoFit/>
+            </a:bodyPr>
+            <a:lstStyle/>
+            <a:p>
+              <a:pPr algn="ctr"/>
+              <a:r>
+                <a:rPr lang="en-US" sz="900" b="1" dirty="0" smtClean="0"/>
+                <a:t>13</a:t>
+              </a:r>
+              <a:endParaRPr lang="en-US" sz="900" b="1" dirty="0"/>
+            </a:p>
+          </p:txBody>
+        </p:sp>
+        <p:sp>
+          <p:nvSpPr>
+            <p:cNvPr id="18" name="TextBox 17"/>
+            <p:cNvSpPr txBox="1"/>
+            <p:nvPr/>
+          </p:nvSpPr>
+          <p:spPr>
+            <a:xfrm>
+              <a:off x="3886200" y="3142476"/>
+              <a:ext cx="304800" cy="230832"/>
+            </a:xfrm>
+            <a:prstGeom prst="rect">
+              <a:avLst/>
+            </a:prstGeom>
+            <a:gradFill flip="none" rotWithShape="1">
+              <a:gsLst>
+                <a:gs pos="31000">
+                  <a:schemeClr val="bg1">
+                    <a:alpha val="64000"/>
+                  </a:schemeClr>
+                </a:gs>
+                <a:gs pos="52000">
+                  <a:schemeClr val="bg1">
+                    <a:alpha val="0"/>
+                  </a:schemeClr>
+                </a:gs>
+              </a:gsLst>
+              <a:path path="circle">
+                <a:fillToRect l="50000" t="50000" r="50000" b="50000"/>
+              </a:path>
+              <a:tileRect/>
+            </a:gradFill>
+          </p:spPr>
+          <p:txBody>
+            <a:bodyPr wrap="square" rtlCol="0">
+              <a:spAutoFit/>
+            </a:bodyPr>
+            <a:lstStyle/>
+            <a:p>
+              <a:pPr algn="ctr"/>
+              <a:r>
+                <a:rPr lang="en-US" sz="900" b="1" dirty="0" smtClean="0"/>
+                <a:t>14</a:t>
+              </a:r>
+              <a:endParaRPr lang="en-US" sz="900" b="1" dirty="0"/>
+            </a:p>
+          </p:txBody>
+        </p:sp>
+        <p:sp>
+          <p:nvSpPr>
+            <p:cNvPr id="19" name="TextBox 18"/>
+            <p:cNvSpPr txBox="1"/>
+            <p:nvPr/>
+          </p:nvSpPr>
+          <p:spPr>
+            <a:xfrm>
+              <a:off x="5353050" y="1112193"/>
+              <a:ext cx="304800" cy="230832"/>
+            </a:xfrm>
+            <a:prstGeom prst="rect">
+              <a:avLst/>
+            </a:prstGeom>
+            <a:gradFill flip="none" rotWithShape="1">
+              <a:gsLst>
+                <a:gs pos="31000">
+                  <a:schemeClr val="bg1">
+                    <a:alpha val="64000"/>
+                  </a:schemeClr>
+                </a:gs>
+                <a:gs pos="52000">
+                  <a:schemeClr val="bg1">
+                    <a:alpha val="0"/>
+                  </a:schemeClr>
+                </a:gs>
+              </a:gsLst>
+              <a:path path="circle">
+                <a:fillToRect l="50000" t="50000" r="50000" b="50000"/>
+              </a:path>
+              <a:tileRect/>
+            </a:gradFill>
+          </p:spPr>
+          <p:txBody>
+            <a:bodyPr wrap="square" rtlCol="0">
+              <a:spAutoFit/>
+            </a:bodyPr>
+            <a:lstStyle/>
+            <a:p>
+              <a:pPr algn="ctr"/>
+              <a:r>
+                <a:rPr lang="en-US" sz="900" b="1" dirty="0" smtClean="0"/>
+                <a:t>15</a:t>
+              </a:r>
+              <a:endParaRPr lang="en-US" sz="900" b="1" dirty="0"/>
+            </a:p>
+          </p:txBody>
+        </p:sp>
+        <p:sp>
+          <p:nvSpPr>
+            <p:cNvPr id="20" name="TextBox 19"/>
+            <p:cNvSpPr txBox="1"/>
+            <p:nvPr/>
+          </p:nvSpPr>
+          <p:spPr>
+            <a:xfrm>
+              <a:off x="5353050" y="2033200"/>
+              <a:ext cx="304800" cy="230832"/>
+            </a:xfrm>
+            <a:prstGeom prst="rect">
+              <a:avLst/>
+            </a:prstGeom>
+            <a:gradFill flip="none" rotWithShape="1">
+              <a:gsLst>
+                <a:gs pos="31000">
+                  <a:schemeClr val="bg1">
+                    <a:alpha val="64000"/>
+                  </a:schemeClr>
+                </a:gs>
+                <a:gs pos="52000">
+                  <a:schemeClr val="bg1">
+                    <a:alpha val="0"/>
+                  </a:schemeClr>
+                </a:gs>
+              </a:gsLst>
+              <a:path path="circle">
+                <a:fillToRect l="50000" t="50000" r="50000" b="50000"/>
+              </a:path>
+              <a:tileRect/>
+            </a:gradFill>
+          </p:spPr>
+          <p:txBody>
+            <a:bodyPr wrap="square" rtlCol="0">
+              <a:spAutoFit/>
+            </a:bodyPr>
+            <a:lstStyle/>
+            <a:p>
+              <a:pPr algn="ctr"/>
+              <a:r>
+                <a:rPr lang="en-US" sz="900" b="1" dirty="0" smtClean="0"/>
+                <a:t>16</a:t>
+              </a:r>
+              <a:endParaRPr lang="en-US" sz="900" b="1" dirty="0"/>
+            </a:p>
+          </p:txBody>
+        </p:sp>
+        <p:sp>
+          <p:nvSpPr>
+            <p:cNvPr id="21" name="TextBox 20"/>
+            <p:cNvSpPr txBox="1"/>
+            <p:nvPr/>
+          </p:nvSpPr>
+          <p:spPr>
+            <a:xfrm>
+              <a:off x="5353050" y="2252275"/>
+              <a:ext cx="304800" cy="230832"/>
+            </a:xfrm>
+            <a:prstGeom prst="rect">
+              <a:avLst/>
+            </a:prstGeom>
+            <a:gradFill flip="none" rotWithShape="1">
+              <a:gsLst>
+                <a:gs pos="31000">
+                  <a:schemeClr val="bg1">
+                    <a:alpha val="64000"/>
+                  </a:schemeClr>
+                </a:gs>
+                <a:gs pos="52000">
+                  <a:schemeClr val="bg1">
+                    <a:alpha val="0"/>
+                  </a:schemeClr>
+                </a:gs>
+              </a:gsLst>
+              <a:path path="circle">
+                <a:fillToRect l="50000" t="50000" r="50000" b="50000"/>
+              </a:path>
+              <a:tileRect/>
+            </a:gradFill>
+          </p:spPr>
+          <p:txBody>
+            <a:bodyPr wrap="square" rtlCol="0">
+              <a:spAutoFit/>
+            </a:bodyPr>
+            <a:lstStyle/>
+            <a:p>
+              <a:pPr algn="ctr"/>
+              <a:r>
+                <a:rPr lang="en-US" sz="900" b="1" dirty="0" smtClean="0"/>
+                <a:t>17</a:t>
+              </a:r>
+              <a:endParaRPr lang="en-US" sz="900" b="1" dirty="0"/>
+            </a:p>
+          </p:txBody>
+        </p:sp>
+        <p:sp>
+          <p:nvSpPr>
+            <p:cNvPr id="22" name="TextBox 21"/>
+            <p:cNvSpPr txBox="1"/>
+            <p:nvPr/>
+          </p:nvSpPr>
+          <p:spPr>
+            <a:xfrm>
+              <a:off x="5353050" y="3142476"/>
+              <a:ext cx="304800" cy="230832"/>
+            </a:xfrm>
+            <a:prstGeom prst="rect">
+              <a:avLst/>
+            </a:prstGeom>
+            <a:gradFill flip="none" rotWithShape="1">
+              <a:gsLst>
+                <a:gs pos="31000">
+                  <a:schemeClr val="bg1">
+                    <a:alpha val="64000"/>
+                  </a:schemeClr>
+                </a:gs>
+                <a:gs pos="52000">
+                  <a:schemeClr val="bg1">
+                    <a:alpha val="0"/>
+                  </a:schemeClr>
+                </a:gs>
+              </a:gsLst>
+              <a:path path="circle">
+                <a:fillToRect l="50000" t="50000" r="50000" b="50000"/>
+              </a:path>
+              <a:tileRect/>
+            </a:gradFill>
+          </p:spPr>
+          <p:txBody>
+            <a:bodyPr wrap="square" rtlCol="0">
+              <a:spAutoFit/>
+            </a:bodyPr>
+            <a:lstStyle/>
+            <a:p>
+              <a:pPr algn="ctr"/>
+              <a:r>
+                <a:rPr lang="en-US" sz="900" b="1" dirty="0" smtClean="0"/>
+                <a:t>18</a:t>
+              </a:r>
+              <a:endParaRPr lang="en-US" sz="900" b="1" dirty="0"/>
+            </a:p>
+          </p:txBody>
+        </p:sp>
+        <p:sp>
+          <p:nvSpPr>
+            <p:cNvPr id="23" name="TextBox 22"/>
+            <p:cNvSpPr txBox="1"/>
+            <p:nvPr/>
+          </p:nvSpPr>
+          <p:spPr>
+            <a:xfrm>
+              <a:off x="4953000" y="4200138"/>
+              <a:ext cx="304800" cy="230832"/>
+            </a:xfrm>
+            <a:prstGeom prst="rect">
+              <a:avLst/>
+            </a:prstGeom>
+            <a:gradFill flip="none" rotWithShape="1">
+              <a:gsLst>
+                <a:gs pos="31000">
+                  <a:schemeClr val="bg1">
+                    <a:alpha val="64000"/>
+                  </a:schemeClr>
+                </a:gs>
+                <a:gs pos="52000">
+                  <a:schemeClr val="bg1">
+                    <a:alpha val="0"/>
+                  </a:schemeClr>
+                </a:gs>
+              </a:gsLst>
+              <a:path path="circle">
+                <a:fillToRect l="50000" t="50000" r="50000" b="50000"/>
+              </a:path>
+              <a:tileRect/>
+            </a:gradFill>
+          </p:spPr>
+          <p:txBody>
+            <a:bodyPr wrap="square" rtlCol="0">
+              <a:spAutoFit/>
+            </a:bodyPr>
+            <a:lstStyle/>
+            <a:p>
+              <a:pPr algn="ctr"/>
+              <a:r>
+                <a:rPr lang="en-US" sz="900" b="1" dirty="0" smtClean="0"/>
+                <a:t>19</a:t>
+              </a:r>
+              <a:endParaRPr lang="en-US" sz="900" b="1" dirty="0"/>
+            </a:p>
+          </p:txBody>
+        </p:sp>
+        <p:sp>
+          <p:nvSpPr>
+            <p:cNvPr id="24" name="TextBox 23"/>
+            <p:cNvSpPr txBox="1"/>
+            <p:nvPr/>
+          </p:nvSpPr>
+          <p:spPr>
+            <a:xfrm>
+              <a:off x="5391150" y="4200138"/>
+              <a:ext cx="304800" cy="230832"/>
+            </a:xfrm>
+            <a:prstGeom prst="rect">
+              <a:avLst/>
+            </a:prstGeom>
+            <a:gradFill flip="none" rotWithShape="1">
+              <a:gsLst>
+                <a:gs pos="31000">
+                  <a:schemeClr val="bg1">
+                    <a:alpha val="64000"/>
+                  </a:schemeClr>
+                </a:gs>
+                <a:gs pos="52000">
+                  <a:schemeClr val="bg1">
+                    <a:alpha val="0"/>
+                  </a:schemeClr>
+                </a:gs>
+              </a:gsLst>
+              <a:path path="circle">
+                <a:fillToRect l="50000" t="50000" r="50000" b="50000"/>
+              </a:path>
+              <a:tileRect/>
+            </a:gradFill>
+          </p:spPr>
+          <p:txBody>
+            <a:bodyPr wrap="square" rtlCol="0">
+              <a:spAutoFit/>
+            </a:bodyPr>
+            <a:lstStyle/>
+            <a:p>
+              <a:pPr algn="ctr"/>
+              <a:r>
+                <a:rPr lang="en-US" sz="900" b="1" dirty="0" smtClean="0"/>
+                <a:t>20</a:t>
+              </a:r>
+              <a:endParaRPr lang="en-US" sz="900" b="1" dirty="0"/>
+            </a:p>
+          </p:txBody>
+        </p:sp>
+        <p:sp>
+          <p:nvSpPr>
+            <p:cNvPr id="25" name="TextBox 24"/>
+            <p:cNvSpPr txBox="1"/>
+            <p:nvPr/>
+          </p:nvSpPr>
+          <p:spPr>
+            <a:xfrm>
+              <a:off x="6143625" y="4200138"/>
+              <a:ext cx="304800" cy="230832"/>
+            </a:xfrm>
+            <a:prstGeom prst="rect">
+              <a:avLst/>
+            </a:prstGeom>
+            <a:gradFill flip="none" rotWithShape="1">
+              <a:gsLst>
+                <a:gs pos="31000">
+                  <a:schemeClr val="bg1">
+                    <a:alpha val="64000"/>
+                  </a:schemeClr>
+                </a:gs>
+                <a:gs pos="52000">
+                  <a:schemeClr val="bg1">
+                    <a:alpha val="0"/>
+                  </a:schemeClr>
+                </a:gs>
+              </a:gsLst>
+              <a:path path="circle">
+                <a:fillToRect l="50000" t="50000" r="50000" b="50000"/>
+              </a:path>
+              <a:tileRect/>
+            </a:gradFill>
+          </p:spPr>
+          <p:txBody>
+            <a:bodyPr wrap="square" rtlCol="0">
+              <a:spAutoFit/>
+            </a:bodyPr>
+            <a:lstStyle/>
+            <a:p>
+              <a:pPr algn="ctr"/>
+              <a:r>
+                <a:rPr lang="en-US" sz="900" b="1" dirty="0" smtClean="0"/>
+                <a:t>21</a:t>
+              </a:r>
+              <a:endParaRPr lang="en-US" sz="900" b="1" dirty="0"/>
+            </a:p>
+          </p:txBody>
+        </p:sp>
+        <p:sp>
+          <p:nvSpPr>
+            <p:cNvPr id="26" name="TextBox 25"/>
+            <p:cNvSpPr txBox="1"/>
+            <p:nvPr/>
+          </p:nvSpPr>
+          <p:spPr>
+            <a:xfrm>
+              <a:off x="6896100" y="4200138"/>
+              <a:ext cx="304800" cy="230832"/>
+            </a:xfrm>
+            <a:prstGeom prst="rect">
+              <a:avLst/>
+            </a:prstGeom>
+            <a:gradFill flip="none" rotWithShape="1">
+              <a:gsLst>
+                <a:gs pos="31000">
+                  <a:schemeClr val="bg1">
+                    <a:alpha val="64000"/>
+                  </a:schemeClr>
+                </a:gs>
+                <a:gs pos="52000">
+                  <a:schemeClr val="bg1">
+                    <a:alpha val="0"/>
+                  </a:schemeClr>
+                </a:gs>
+              </a:gsLst>
+              <a:path path="circle">
+                <a:fillToRect l="50000" t="50000" r="50000" b="50000"/>
+              </a:path>
+              <a:tileRect/>
+            </a:gradFill>
+          </p:spPr>
+          <p:txBody>
+            <a:bodyPr wrap="square" rtlCol="0">
+              <a:spAutoFit/>
+            </a:bodyPr>
+            <a:lstStyle/>
+            <a:p>
+              <a:pPr algn="ctr"/>
+              <a:r>
+                <a:rPr lang="en-US" sz="900" b="1" dirty="0" smtClean="0"/>
+                <a:t>23</a:t>
+              </a:r>
+              <a:endParaRPr lang="en-US" sz="900" b="1" dirty="0"/>
+            </a:p>
+          </p:txBody>
+        </p:sp>
+        <p:sp>
+          <p:nvSpPr>
+            <p:cNvPr id="27" name="TextBox 26"/>
+            <p:cNvSpPr txBox="1"/>
+            <p:nvPr/>
+          </p:nvSpPr>
+          <p:spPr>
+            <a:xfrm>
+              <a:off x="6781800" y="4774555"/>
+              <a:ext cx="304800" cy="230832"/>
+            </a:xfrm>
+            <a:prstGeom prst="rect">
+              <a:avLst/>
+            </a:prstGeom>
+            <a:gradFill flip="none" rotWithShape="1">
+              <a:gsLst>
+                <a:gs pos="31000">
+                  <a:schemeClr val="bg1">
+                    <a:alpha val="64000"/>
+                  </a:schemeClr>
+                </a:gs>
+                <a:gs pos="52000">
+                  <a:schemeClr val="bg1">
+                    <a:alpha val="0"/>
+                  </a:schemeClr>
+                </a:gs>
+              </a:gsLst>
+              <a:path path="circle">
+                <a:fillToRect l="50000" t="50000" r="50000" b="50000"/>
+              </a:path>
+              <a:tileRect/>
+            </a:gradFill>
+          </p:spPr>
+          <p:txBody>
+            <a:bodyPr wrap="square" rtlCol="0">
+              <a:spAutoFit/>
+            </a:bodyPr>
+            <a:lstStyle/>
+            <a:p>
+              <a:pPr algn="ctr"/>
+              <a:r>
+                <a:rPr lang="en-US" sz="900" b="1" dirty="0" smtClean="0"/>
+                <a:t>26</a:t>
+              </a:r>
+              <a:endParaRPr lang="en-US" sz="900" b="1" dirty="0"/>
+            </a:p>
+          </p:txBody>
+        </p:sp>
+        <p:sp>
+          <p:nvSpPr>
+            <p:cNvPr id="28" name="TextBox 27"/>
+            <p:cNvSpPr txBox="1"/>
+            <p:nvPr/>
+          </p:nvSpPr>
+          <p:spPr>
+            <a:xfrm>
+              <a:off x="6400800" y="4690288"/>
+              <a:ext cx="304800" cy="230832"/>
+            </a:xfrm>
+            <a:prstGeom prst="rect">
+              <a:avLst/>
+            </a:prstGeom>
+            <a:gradFill flip="none" rotWithShape="1">
+              <a:gsLst>
+                <a:gs pos="31000">
+                  <a:schemeClr val="bg1">
+                    <a:alpha val="64000"/>
+                  </a:schemeClr>
+                </a:gs>
+                <a:gs pos="52000">
+                  <a:schemeClr val="bg1">
+                    <a:alpha val="0"/>
+                  </a:schemeClr>
+                </a:gs>
+              </a:gsLst>
+              <a:path path="circle">
+                <a:fillToRect l="50000" t="50000" r="50000" b="50000"/>
+              </a:path>
+              <a:tileRect/>
+            </a:gradFill>
+          </p:spPr>
+          <p:txBody>
+            <a:bodyPr wrap="square" rtlCol="0">
+              <a:spAutoFit/>
+            </a:bodyPr>
+            <a:lstStyle/>
+            <a:p>
+              <a:pPr algn="ctr"/>
+              <a:r>
+                <a:rPr lang="en-US" sz="900" b="1" dirty="0" smtClean="0"/>
+                <a:t>27</a:t>
+              </a:r>
+              <a:endParaRPr lang="en-US" sz="900" b="1" dirty="0"/>
+            </a:p>
+          </p:txBody>
+        </p:sp>
+        <p:sp>
+          <p:nvSpPr>
+            <p:cNvPr id="29" name="TextBox 28"/>
+            <p:cNvSpPr txBox="1"/>
+            <p:nvPr/>
+          </p:nvSpPr>
+          <p:spPr>
+            <a:xfrm>
+              <a:off x="5257800" y="4774555"/>
+              <a:ext cx="304800" cy="230832"/>
+            </a:xfrm>
+            <a:prstGeom prst="rect">
+              <a:avLst/>
+            </a:prstGeom>
+            <a:gradFill flip="none" rotWithShape="1">
+              <a:gsLst>
+                <a:gs pos="31000">
+                  <a:schemeClr val="bg1">
+                    <a:alpha val="64000"/>
+                  </a:schemeClr>
+                </a:gs>
+                <a:gs pos="52000">
+                  <a:schemeClr val="bg1">
+                    <a:alpha val="0"/>
+                  </a:schemeClr>
+                </a:gs>
+              </a:gsLst>
+              <a:path path="circle">
+                <a:fillToRect l="50000" t="50000" r="50000" b="50000"/>
+              </a:path>
+              <a:tileRect/>
+            </a:gradFill>
+          </p:spPr>
+          <p:txBody>
+            <a:bodyPr wrap="square" rtlCol="0">
+              <a:spAutoFit/>
+            </a:bodyPr>
+            <a:lstStyle/>
+            <a:p>
+              <a:pPr algn="ctr"/>
+              <a:r>
+                <a:rPr lang="en-US" sz="900" b="1" dirty="0" smtClean="0"/>
+                <a:t>24</a:t>
+              </a:r>
+              <a:endParaRPr lang="en-US" sz="900" b="1" dirty="0"/>
+            </a:p>
+          </p:txBody>
+        </p:sp>
+        <p:sp>
+          <p:nvSpPr>
+            <p:cNvPr id="30" name="TextBox 29"/>
+            <p:cNvSpPr txBox="1"/>
+            <p:nvPr/>
+          </p:nvSpPr>
+          <p:spPr>
+            <a:xfrm>
+              <a:off x="4914900" y="4690288"/>
+              <a:ext cx="304800" cy="230832"/>
+            </a:xfrm>
+            <a:prstGeom prst="rect">
+              <a:avLst/>
+            </a:prstGeom>
+            <a:gradFill flip="none" rotWithShape="1">
+              <a:gsLst>
+                <a:gs pos="31000">
+                  <a:schemeClr val="bg1">
+                    <a:alpha val="64000"/>
+                  </a:schemeClr>
+                </a:gs>
+                <a:gs pos="52000">
+                  <a:schemeClr val="bg1">
+                    <a:alpha val="0"/>
+                  </a:schemeClr>
+                </a:gs>
+              </a:gsLst>
+              <a:path path="circle">
+                <a:fillToRect l="50000" t="50000" r="50000" b="50000"/>
+              </a:path>
+              <a:tileRect/>
+            </a:gradFill>
+          </p:spPr>
+          <p:txBody>
+            <a:bodyPr wrap="square" rtlCol="0">
+              <a:spAutoFit/>
+            </a:bodyPr>
+            <a:lstStyle/>
+            <a:p>
+              <a:pPr algn="ctr"/>
+              <a:r>
+                <a:rPr lang="en-US" sz="900" b="1" dirty="0" smtClean="0"/>
+                <a:t>25</a:t>
+              </a:r>
+              <a:endParaRPr lang="en-US" sz="900" b="1" dirty="0"/>
+            </a:p>
+          </p:txBody>
+        </p:sp>
+        <p:sp>
+          <p:nvSpPr>
+            <p:cNvPr id="31" name="TextBox 30"/>
+            <p:cNvSpPr txBox="1"/>
+            <p:nvPr/>
+          </p:nvSpPr>
+          <p:spPr>
+            <a:xfrm>
+              <a:off x="6248400" y="4495800"/>
+              <a:ext cx="304800" cy="230832"/>
+            </a:xfrm>
+            <a:prstGeom prst="rect">
+              <a:avLst/>
+            </a:prstGeom>
+            <a:gradFill flip="none" rotWithShape="1">
+              <a:gsLst>
+                <a:gs pos="31000">
+                  <a:schemeClr val="bg1">
+                    <a:alpha val="64000"/>
+                  </a:schemeClr>
+                </a:gs>
+                <a:gs pos="52000">
+                  <a:schemeClr val="bg1">
+                    <a:alpha val="0"/>
+                  </a:schemeClr>
+                </a:gs>
+              </a:gsLst>
+              <a:path path="circle">
+                <a:fillToRect l="50000" t="50000" r="50000" b="50000"/>
+              </a:path>
+              <a:tileRect/>
+            </a:gradFill>
+          </p:spPr>
+          <p:txBody>
+            <a:bodyPr wrap="square" rtlCol="0">
+              <a:spAutoFit/>
+            </a:bodyPr>
+            <a:lstStyle/>
+            <a:p>
+              <a:pPr algn="ctr"/>
+              <a:r>
+                <a:rPr lang="en-US" sz="900" b="1" dirty="0" smtClean="0"/>
+                <a:t>30</a:t>
+              </a:r>
+              <a:endParaRPr lang="en-US" sz="900" b="1" dirty="0"/>
+            </a:p>
+          </p:txBody>
+        </p:sp>
+        <p:sp>
+          <p:nvSpPr>
+            <p:cNvPr id="32" name="TextBox 31"/>
+            <p:cNvSpPr txBox="1"/>
+            <p:nvPr/>
+          </p:nvSpPr>
+          <p:spPr>
+            <a:xfrm>
+              <a:off x="5867400" y="4495800"/>
+              <a:ext cx="304800" cy="230832"/>
+            </a:xfrm>
+            <a:prstGeom prst="rect">
+              <a:avLst/>
+            </a:prstGeom>
+            <a:gradFill flip="none" rotWithShape="1">
+              <a:gsLst>
+                <a:gs pos="31000">
+                  <a:schemeClr val="bg1">
+                    <a:alpha val="64000"/>
+                  </a:schemeClr>
+                </a:gs>
+                <a:gs pos="52000">
+                  <a:schemeClr val="bg1">
+                    <a:alpha val="0"/>
+                  </a:schemeClr>
+                </a:gs>
+              </a:gsLst>
+              <a:path path="circle">
+                <a:fillToRect l="50000" t="50000" r="50000" b="50000"/>
+              </a:path>
+              <a:tileRect/>
+            </a:gradFill>
+          </p:spPr>
+          <p:txBody>
+            <a:bodyPr wrap="square" rtlCol="0">
+              <a:spAutoFit/>
+            </a:bodyPr>
+            <a:lstStyle/>
+            <a:p>
+              <a:pPr algn="ctr"/>
+              <a:r>
+                <a:rPr lang="en-US" sz="900" b="1" dirty="0" smtClean="0"/>
+                <a:t>22</a:t>
+              </a:r>
+              <a:endParaRPr lang="en-US" sz="900" b="1" dirty="0"/>
+            </a:p>
+          </p:txBody>
+        </p:sp>
+        <p:sp>
+          <p:nvSpPr>
+            <p:cNvPr id="33" name="TextBox 32"/>
+            <p:cNvSpPr txBox="1"/>
+            <p:nvPr/>
+          </p:nvSpPr>
+          <p:spPr>
+            <a:xfrm>
+              <a:off x="5486400" y="4495800"/>
+              <a:ext cx="304800" cy="230832"/>
+            </a:xfrm>
+            <a:prstGeom prst="rect">
+              <a:avLst/>
+            </a:prstGeom>
+            <a:gradFill flip="none" rotWithShape="1">
+              <a:gsLst>
+                <a:gs pos="31000">
+                  <a:schemeClr val="bg1">
+                    <a:alpha val="64000"/>
+                  </a:schemeClr>
+                </a:gs>
+                <a:gs pos="52000">
+                  <a:schemeClr val="bg1">
+                    <a:alpha val="0"/>
+                  </a:schemeClr>
+                </a:gs>
+              </a:gsLst>
+              <a:path path="circle">
+                <a:fillToRect l="50000" t="50000" r="50000" b="50000"/>
+              </a:path>
+              <a:tileRect/>
+            </a:gradFill>
+          </p:spPr>
+          <p:txBody>
+            <a:bodyPr wrap="square" rtlCol="0">
+              <a:spAutoFit/>
+            </a:bodyPr>
+            <a:lstStyle/>
+            <a:p>
+              <a:pPr algn="ctr"/>
+              <a:r>
+                <a:rPr lang="en-US" sz="900" b="1" dirty="0" smtClean="0"/>
+                <a:t>29</a:t>
+              </a:r>
+              <a:endParaRPr lang="en-US" sz="900" b="1" dirty="0"/>
+            </a:p>
+          </p:txBody>
+        </p:sp>
+      </p:grpSp>
+      <p:sp>
+        <p:nvSpPr>
+          <p:cNvPr id="35" name="TextBox 34"/>
+          <p:cNvSpPr txBox="1"/>
+          <p:nvPr/>
+        </p:nvSpPr>
+        <p:spPr>
+          <a:xfrm>
+            <a:off x="6019800" y="1120140"/>
+            <a:ext cx="838200" cy="230832"/>
+          </a:xfrm>
+          <a:prstGeom prst="rect">
+            <a:avLst/>
+          </a:prstGeom>
+          <a:gradFill flip="none" rotWithShape="1">
+            <a:gsLst>
+              <a:gs pos="48000">
+                <a:schemeClr val="bg1">
+                  <a:alpha val="63000"/>
+                </a:schemeClr>
+              </a:gs>
+              <a:gs pos="74000">
+                <a:schemeClr val="bg1">
+                  <a:alpha val="0"/>
+                </a:schemeClr>
+              </a:gs>
+            </a:gsLst>
+            <a:path path="rect">
+              <a:fillToRect l="50000" t="50000" r="50000" b="50000"/>
+            </a:path>
+            <a:tileRect/>
+          </a:gradFill>
+        </p:spPr>
+        <p:txBody>
+          <a:bodyPr wrap="square" rtlCol="0">
+            <a:spAutoFit/>
+          </a:bodyPr>
+          <a:lstStyle/>
+          <a:p>
+            <a:pPr algn="ctr"/>
+            <a:r>
+              <a:rPr lang="en-US" sz="900" b="1" dirty="0" smtClean="0"/>
+              <a:t>Girder 1</a:t>
+            </a:r>
+            <a:endParaRPr lang="en-US" sz="900" b="1" dirty="0"/>
+          </a:p>
+        </p:txBody>
+      </p:sp>
+      <p:sp>
+        <p:nvSpPr>
+          <p:cNvPr id="36" name="TextBox 35"/>
+          <p:cNvSpPr txBox="1"/>
+          <p:nvPr/>
+        </p:nvSpPr>
+        <p:spPr>
+          <a:xfrm>
+            <a:off x="6019800" y="1422708"/>
+            <a:ext cx="838200" cy="230832"/>
+          </a:xfrm>
+          <a:prstGeom prst="rect">
+            <a:avLst/>
+          </a:prstGeom>
+          <a:gradFill flip="none" rotWithShape="1">
+            <a:gsLst>
+              <a:gs pos="48000">
+                <a:schemeClr val="bg1">
+                  <a:alpha val="63000"/>
+                </a:schemeClr>
+              </a:gs>
+              <a:gs pos="74000">
+                <a:schemeClr val="bg1">
+                  <a:alpha val="0"/>
+                </a:schemeClr>
+              </a:gs>
+            </a:gsLst>
+            <a:path path="rect">
+              <a:fillToRect l="50000" t="50000" r="50000" b="50000"/>
+            </a:path>
+            <a:tileRect/>
+          </a:gradFill>
+        </p:spPr>
+        <p:txBody>
+          <a:bodyPr wrap="square" rtlCol="0">
+            <a:spAutoFit/>
+          </a:bodyPr>
+          <a:lstStyle/>
+          <a:p>
+            <a:pPr algn="ctr"/>
+            <a:r>
+              <a:rPr lang="en-US" sz="900" b="1" dirty="0" smtClean="0"/>
+              <a:t>Girder 2</a:t>
+            </a:r>
+            <a:endParaRPr lang="en-US" sz="900" b="1" dirty="0"/>
+          </a:p>
+        </p:txBody>
+      </p:sp>
+      <p:sp>
+        <p:nvSpPr>
+          <p:cNvPr id="37" name="TextBox 36"/>
+          <p:cNvSpPr txBox="1"/>
+          <p:nvPr/>
+        </p:nvSpPr>
+        <p:spPr>
+          <a:xfrm>
+            <a:off x="6019800" y="1727508"/>
+            <a:ext cx="838200" cy="230832"/>
+          </a:xfrm>
+          <a:prstGeom prst="rect">
+            <a:avLst/>
+          </a:prstGeom>
+          <a:gradFill flip="none" rotWithShape="1">
+            <a:gsLst>
+              <a:gs pos="48000">
+                <a:schemeClr val="bg1">
+                  <a:alpha val="63000"/>
+                </a:schemeClr>
+              </a:gs>
+              <a:gs pos="74000">
+                <a:schemeClr val="bg1">
+                  <a:alpha val="0"/>
+                </a:schemeClr>
+              </a:gs>
+            </a:gsLst>
+            <a:path path="rect">
+              <a:fillToRect l="50000" t="50000" r="50000" b="50000"/>
+            </a:path>
+            <a:tileRect/>
+          </a:gradFill>
+        </p:spPr>
+        <p:txBody>
+          <a:bodyPr wrap="square" rtlCol="0">
+            <a:spAutoFit/>
+          </a:bodyPr>
+          <a:lstStyle/>
+          <a:p>
+            <a:pPr algn="ctr"/>
+            <a:r>
+              <a:rPr lang="en-US" sz="900" b="1" dirty="0" smtClean="0"/>
+              <a:t>Girder 3</a:t>
+            </a:r>
+            <a:endParaRPr lang="en-US" sz="900" b="1" dirty="0"/>
+          </a:p>
+        </p:txBody>
+      </p:sp>
+      <p:sp>
+        <p:nvSpPr>
+          <p:cNvPr id="38" name="TextBox 37"/>
+          <p:cNvSpPr txBox="1"/>
+          <p:nvPr/>
+        </p:nvSpPr>
+        <p:spPr>
+          <a:xfrm>
+            <a:off x="6019800" y="2024688"/>
+            <a:ext cx="838200" cy="230832"/>
+          </a:xfrm>
+          <a:prstGeom prst="rect">
+            <a:avLst/>
+          </a:prstGeom>
+          <a:gradFill flip="none" rotWithShape="1">
+            <a:gsLst>
+              <a:gs pos="48000">
+                <a:schemeClr val="bg1">
+                  <a:alpha val="63000"/>
+                </a:schemeClr>
+              </a:gs>
+              <a:gs pos="74000">
+                <a:schemeClr val="bg1">
+                  <a:alpha val="0"/>
+                </a:schemeClr>
+              </a:gs>
+            </a:gsLst>
+            <a:path path="rect">
+              <a:fillToRect l="50000" t="50000" r="50000" b="50000"/>
+            </a:path>
+            <a:tileRect/>
+          </a:gradFill>
+        </p:spPr>
+        <p:txBody>
+          <a:bodyPr wrap="square" rtlCol="0">
+            <a:spAutoFit/>
+          </a:bodyPr>
+          <a:lstStyle/>
+          <a:p>
+            <a:pPr algn="ctr"/>
+            <a:r>
+              <a:rPr lang="en-US" sz="900" b="1" dirty="0" smtClean="0"/>
+              <a:t>Girder 4</a:t>
+            </a:r>
+            <a:endParaRPr lang="en-US" sz="900" b="1" dirty="0"/>
+          </a:p>
+        </p:txBody>
+      </p:sp>
+      <p:sp>
+        <p:nvSpPr>
+          <p:cNvPr id="39" name="TextBox 38"/>
+          <p:cNvSpPr txBox="1"/>
+          <p:nvPr/>
+        </p:nvSpPr>
+        <p:spPr>
+          <a:xfrm>
+            <a:off x="6019800" y="2238048"/>
+            <a:ext cx="838200" cy="230832"/>
+          </a:xfrm>
+          <a:prstGeom prst="rect">
+            <a:avLst/>
+          </a:prstGeom>
+          <a:gradFill flip="none" rotWithShape="1">
+            <a:gsLst>
+              <a:gs pos="48000">
+                <a:schemeClr val="bg1">
+                  <a:alpha val="63000"/>
+                </a:schemeClr>
+              </a:gs>
+              <a:gs pos="74000">
+                <a:schemeClr val="bg1">
+                  <a:alpha val="0"/>
+                </a:schemeClr>
+              </a:gs>
+            </a:gsLst>
+            <a:path path="rect">
+              <a:fillToRect l="50000" t="50000" r="50000" b="50000"/>
+            </a:path>
+            <a:tileRect/>
+          </a:gradFill>
+        </p:spPr>
+        <p:txBody>
+          <a:bodyPr wrap="square" rtlCol="0">
+            <a:spAutoFit/>
+          </a:bodyPr>
+          <a:lstStyle/>
+          <a:p>
+            <a:pPr algn="ctr"/>
+            <a:r>
+              <a:rPr lang="en-US" sz="900" b="1" dirty="0" smtClean="0"/>
+              <a:t>Girder 5</a:t>
+            </a:r>
+            <a:endParaRPr lang="en-US" sz="900" b="1" dirty="0"/>
+          </a:p>
+        </p:txBody>
+      </p:sp>
+      <p:sp>
+        <p:nvSpPr>
+          <p:cNvPr id="40" name="TextBox 39"/>
+          <p:cNvSpPr txBox="1"/>
+          <p:nvPr/>
+        </p:nvSpPr>
+        <p:spPr>
+          <a:xfrm>
+            <a:off x="6019800" y="2535228"/>
+            <a:ext cx="838200" cy="230832"/>
+          </a:xfrm>
+          <a:prstGeom prst="rect">
+            <a:avLst/>
+          </a:prstGeom>
+          <a:gradFill flip="none" rotWithShape="1">
+            <a:gsLst>
+              <a:gs pos="48000">
+                <a:schemeClr val="bg1">
+                  <a:alpha val="63000"/>
+                </a:schemeClr>
+              </a:gs>
+              <a:gs pos="74000">
+                <a:schemeClr val="bg1">
+                  <a:alpha val="0"/>
+                </a:schemeClr>
+              </a:gs>
+            </a:gsLst>
+            <a:path path="rect">
+              <a:fillToRect l="50000" t="50000" r="50000" b="50000"/>
+            </a:path>
+            <a:tileRect/>
+          </a:gradFill>
+        </p:spPr>
+        <p:txBody>
+          <a:bodyPr wrap="square" rtlCol="0">
+            <a:spAutoFit/>
+          </a:bodyPr>
+          <a:lstStyle/>
+          <a:p>
+            <a:pPr algn="ctr"/>
+            <a:r>
+              <a:rPr lang="en-US" sz="900" b="1" dirty="0" smtClean="0"/>
+              <a:t>Girder 6</a:t>
+            </a:r>
+            <a:endParaRPr lang="en-US" sz="900" b="1" dirty="0"/>
+          </a:p>
+        </p:txBody>
+      </p:sp>
+      <p:sp>
+        <p:nvSpPr>
+          <p:cNvPr id="41" name="TextBox 40"/>
+          <p:cNvSpPr txBox="1"/>
+          <p:nvPr/>
+        </p:nvSpPr>
+        <p:spPr>
+          <a:xfrm>
+            <a:off x="6019800" y="2840028"/>
+            <a:ext cx="838200" cy="230832"/>
+          </a:xfrm>
+          <a:prstGeom prst="rect">
+            <a:avLst/>
+          </a:prstGeom>
+          <a:gradFill flip="none" rotWithShape="1">
+            <a:gsLst>
+              <a:gs pos="48000">
+                <a:schemeClr val="bg1">
+                  <a:alpha val="63000"/>
+                </a:schemeClr>
+              </a:gs>
+              <a:gs pos="74000">
+                <a:schemeClr val="bg1">
+                  <a:alpha val="0"/>
+                </a:schemeClr>
+              </a:gs>
+            </a:gsLst>
+            <a:path path="rect">
+              <a:fillToRect l="50000" t="50000" r="50000" b="50000"/>
+            </a:path>
+            <a:tileRect/>
+          </a:gradFill>
+        </p:spPr>
+        <p:txBody>
+          <a:bodyPr wrap="square" rtlCol="0">
+            <a:spAutoFit/>
+          </a:bodyPr>
+          <a:lstStyle/>
+          <a:p>
+            <a:pPr algn="ctr"/>
+            <a:r>
+              <a:rPr lang="en-US" sz="900" b="1" dirty="0" smtClean="0"/>
+              <a:t>Girder 7</a:t>
+            </a:r>
+            <a:endParaRPr lang="en-US" sz="900" b="1" dirty="0"/>
+          </a:p>
+        </p:txBody>
+      </p:sp>
+      <p:sp>
+        <p:nvSpPr>
+          <p:cNvPr id="42" name="TextBox 41"/>
+          <p:cNvSpPr txBox="1"/>
+          <p:nvPr/>
+        </p:nvSpPr>
+        <p:spPr>
+          <a:xfrm>
+            <a:off x="6019800" y="3139440"/>
+            <a:ext cx="838200" cy="230832"/>
+          </a:xfrm>
+          <a:prstGeom prst="rect">
+            <a:avLst/>
+          </a:prstGeom>
+          <a:gradFill flip="none" rotWithShape="1">
+            <a:gsLst>
+              <a:gs pos="48000">
+                <a:schemeClr val="bg1">
+                  <a:alpha val="63000"/>
+                </a:schemeClr>
+              </a:gs>
+              <a:gs pos="74000">
+                <a:schemeClr val="bg1">
+                  <a:alpha val="0"/>
+                </a:schemeClr>
+              </a:gs>
+            </a:gsLst>
+            <a:path path="rect">
+              <a:fillToRect l="50000" t="50000" r="50000" b="50000"/>
+            </a:path>
+            <a:tileRect/>
+          </a:gradFill>
+        </p:spPr>
+        <p:txBody>
+          <a:bodyPr wrap="square" rtlCol="0">
+            <a:spAutoFit/>
+          </a:bodyPr>
+          <a:lstStyle/>
+          <a:p>
+            <a:pPr algn="ctr"/>
+            <a:r>
+              <a:rPr lang="en-US" sz="900" b="1" dirty="0" smtClean="0"/>
+              <a:t>Girder 8</a:t>
+            </a:r>
+            <a:endParaRPr lang="en-US" sz="900" b="1" dirty="0"/>
+          </a:p>
+        </p:txBody>
+      </p:sp>
     </p:spTree>
     <p:extLst>
       <p:ext uri="{BB962C8B-B14F-4D97-AF65-F5344CB8AC3E}">
@@ -13974,7 +23518,7 @@
 </p:sld>
 </file>
 
-<file path=ppt/slides/slide6.xml><?xml version="1.0" encoding="utf-8"?>
+<file path=ppt/slides/slide7.xml><?xml version="1.0" encoding="utf-8"?>
 <p:sld xmlns:a="http://schemas.openxmlformats.org/drawingml/2006/main" xmlns:r="http://schemas.openxmlformats.org/officeDocument/2006/relationships" xmlns:p="http://schemas.openxmlformats.org/presentationml/2006/main">
   <p:cSld>
     <p:spTree>

--- a/Planning/Instrumentation.pptx
+++ b/Planning/Instrumentation.pptx
@@ -10,8 +10,9 @@
     <p:sldId id="257" r:id="rId4"/>
     <p:sldId id="263" r:id="rId5"/>
     <p:sldId id="264" r:id="rId6"/>
-    <p:sldId id="262" r:id="rId7"/>
-    <p:sldId id="260" r:id="rId8"/>
+    <p:sldId id="265" r:id="rId7"/>
+    <p:sldId id="262" r:id="rId8"/>
+    <p:sldId id="260" r:id="rId9"/>
   </p:sldIdLst>
   <p:sldSz cx="9144000" cy="6858000" type="screen4x3"/>
   <p:notesSz cx="6858000" cy="9144000"/>
@@ -21637,6 +21638,2366 @@
           <a:chExt cx="0" cy="0"/>
         </a:xfrm>
       </p:grpSpPr>
+      <p:sp>
+        <p:nvSpPr>
+          <p:cNvPr id="2" name="Rectangle 1"/>
+          <p:cNvSpPr/>
+          <p:nvPr/>
+        </p:nvSpPr>
+        <p:spPr>
+          <a:xfrm>
+            <a:off x="351807" y="1440491"/>
+            <a:ext cx="4166270" cy="573196"/>
+          </a:xfrm>
+          <a:prstGeom prst="rect">
+            <a:avLst/>
+          </a:prstGeom>
+          <a:solidFill>
+            <a:schemeClr val="accent3">
+              <a:lumMod val="60000"/>
+              <a:lumOff val="40000"/>
+            </a:schemeClr>
+          </a:solidFill>
+          <a:ln>
+            <a:solidFill>
+              <a:schemeClr val="accent3"/>
+            </a:solidFill>
+          </a:ln>
+        </p:spPr>
+        <p:style>
+          <a:lnRef idx="2">
+            <a:schemeClr val="accent1">
+              <a:shade val="50000"/>
+            </a:schemeClr>
+          </a:lnRef>
+          <a:fillRef idx="1">
+            <a:schemeClr val="accent1"/>
+          </a:fillRef>
+          <a:effectRef idx="0">
+            <a:schemeClr val="accent1"/>
+          </a:effectRef>
+          <a:fontRef idx="minor">
+            <a:schemeClr val="lt1"/>
+          </a:fontRef>
+        </p:style>
+        <p:txBody>
+          <a:bodyPr rtlCol="0" anchor="ctr"/>
+          <a:lstStyle/>
+          <a:p>
+            <a:pPr algn="ctr"/>
+            <a:endParaRPr lang="en-US"/>
+          </a:p>
+        </p:txBody>
+      </p:sp>
+      <p:sp>
+        <p:nvSpPr>
+          <p:cNvPr id="3" name="Trapezoid 2"/>
+          <p:cNvSpPr/>
+          <p:nvPr/>
+        </p:nvSpPr>
+        <p:spPr>
+          <a:xfrm>
+            <a:off x="695417" y="2085337"/>
+            <a:ext cx="678567" cy="450999"/>
+          </a:xfrm>
+          <a:prstGeom prst="trapezoid">
+            <a:avLst>
+              <a:gd name="adj" fmla="val 8543"/>
+            </a:avLst>
+          </a:prstGeom>
+          <a:solidFill>
+            <a:schemeClr val="bg1">
+              <a:lumMod val="75000"/>
+            </a:schemeClr>
+          </a:solidFill>
+          <a:ln w="12700">
+            <a:solidFill>
+              <a:schemeClr val="tx1"/>
+            </a:solidFill>
+          </a:ln>
+        </p:spPr>
+        <p:style>
+          <a:lnRef idx="2">
+            <a:schemeClr val="accent1">
+              <a:shade val="50000"/>
+            </a:schemeClr>
+          </a:lnRef>
+          <a:fillRef idx="1">
+            <a:schemeClr val="accent1"/>
+          </a:fillRef>
+          <a:effectRef idx="0">
+            <a:schemeClr val="accent1"/>
+          </a:effectRef>
+          <a:fontRef idx="minor">
+            <a:schemeClr val="lt1"/>
+          </a:fontRef>
+        </p:style>
+        <p:txBody>
+          <a:bodyPr rtlCol="0" anchor="ctr"/>
+          <a:lstStyle/>
+          <a:p>
+            <a:pPr algn="ctr"/>
+            <a:endParaRPr lang="en-US"/>
+          </a:p>
+        </p:txBody>
+      </p:sp>
+      <p:sp>
+        <p:nvSpPr>
+          <p:cNvPr id="4" name="Rectangle 3"/>
+          <p:cNvSpPr/>
+          <p:nvPr/>
+        </p:nvSpPr>
+        <p:spPr>
+          <a:xfrm>
+            <a:off x="911001" y="2013687"/>
+            <a:ext cx="247399" cy="71650"/>
+          </a:xfrm>
+          <a:prstGeom prst="rect">
+            <a:avLst/>
+          </a:prstGeom>
+          <a:solidFill>
+            <a:schemeClr val="bg2">
+              <a:lumMod val="25000"/>
+            </a:schemeClr>
+          </a:solidFill>
+          <a:ln>
+            <a:solidFill>
+              <a:schemeClr val="bg2">
+                <a:lumMod val="50000"/>
+              </a:schemeClr>
+            </a:solidFill>
+          </a:ln>
+        </p:spPr>
+        <p:style>
+          <a:lnRef idx="2">
+            <a:schemeClr val="accent1">
+              <a:shade val="50000"/>
+            </a:schemeClr>
+          </a:lnRef>
+          <a:fillRef idx="1">
+            <a:schemeClr val="accent1"/>
+          </a:fillRef>
+          <a:effectRef idx="0">
+            <a:schemeClr val="accent1"/>
+          </a:effectRef>
+          <a:fontRef idx="minor">
+            <a:schemeClr val="lt1"/>
+          </a:fontRef>
+        </p:style>
+        <p:txBody>
+          <a:bodyPr rtlCol="0" anchor="ctr"/>
+          <a:lstStyle/>
+          <a:p>
+            <a:pPr algn="ctr"/>
+            <a:endParaRPr lang="en-US"/>
+          </a:p>
+        </p:txBody>
+      </p:sp>
+      <p:sp>
+        <p:nvSpPr>
+          <p:cNvPr id="5" name="Trapezoid 4"/>
+          <p:cNvSpPr/>
+          <p:nvPr/>
+        </p:nvSpPr>
+        <p:spPr>
+          <a:xfrm>
+            <a:off x="3486357" y="2085337"/>
+            <a:ext cx="678567" cy="450999"/>
+          </a:xfrm>
+          <a:prstGeom prst="trapezoid">
+            <a:avLst>
+              <a:gd name="adj" fmla="val 8543"/>
+            </a:avLst>
+          </a:prstGeom>
+          <a:solidFill>
+            <a:schemeClr val="bg1">
+              <a:lumMod val="75000"/>
+            </a:schemeClr>
+          </a:solidFill>
+          <a:ln w="12700">
+            <a:solidFill>
+              <a:schemeClr val="tx1"/>
+            </a:solidFill>
+          </a:ln>
+        </p:spPr>
+        <p:style>
+          <a:lnRef idx="2">
+            <a:schemeClr val="accent1">
+              <a:shade val="50000"/>
+            </a:schemeClr>
+          </a:lnRef>
+          <a:fillRef idx="1">
+            <a:schemeClr val="accent1"/>
+          </a:fillRef>
+          <a:effectRef idx="0">
+            <a:schemeClr val="accent1"/>
+          </a:effectRef>
+          <a:fontRef idx="minor">
+            <a:schemeClr val="lt1"/>
+          </a:fontRef>
+        </p:style>
+        <p:txBody>
+          <a:bodyPr rtlCol="0" anchor="ctr"/>
+          <a:lstStyle/>
+          <a:p>
+            <a:pPr algn="ctr"/>
+            <a:endParaRPr lang="en-US"/>
+          </a:p>
+        </p:txBody>
+      </p:sp>
+      <p:sp>
+        <p:nvSpPr>
+          <p:cNvPr id="6" name="Rectangle 5"/>
+          <p:cNvSpPr/>
+          <p:nvPr/>
+        </p:nvSpPr>
+        <p:spPr>
+          <a:xfrm>
+            <a:off x="3701941" y="2013687"/>
+            <a:ext cx="247399" cy="71650"/>
+          </a:xfrm>
+          <a:prstGeom prst="rect">
+            <a:avLst/>
+          </a:prstGeom>
+          <a:solidFill>
+            <a:schemeClr val="bg2">
+              <a:lumMod val="25000"/>
+            </a:schemeClr>
+          </a:solidFill>
+          <a:ln>
+            <a:solidFill>
+              <a:schemeClr val="bg2">
+                <a:lumMod val="50000"/>
+              </a:schemeClr>
+            </a:solidFill>
+          </a:ln>
+        </p:spPr>
+        <p:style>
+          <a:lnRef idx="2">
+            <a:schemeClr val="accent1">
+              <a:shade val="50000"/>
+            </a:schemeClr>
+          </a:lnRef>
+          <a:fillRef idx="1">
+            <a:schemeClr val="accent1"/>
+          </a:fillRef>
+          <a:effectRef idx="0">
+            <a:schemeClr val="accent1"/>
+          </a:effectRef>
+          <a:fontRef idx="minor">
+            <a:schemeClr val="lt1"/>
+          </a:fontRef>
+        </p:style>
+        <p:txBody>
+          <a:bodyPr rtlCol="0" anchor="ctr"/>
+          <a:lstStyle/>
+          <a:p>
+            <a:pPr algn="ctr"/>
+            <a:endParaRPr lang="en-US"/>
+          </a:p>
+        </p:txBody>
+      </p:sp>
+      <p:sp>
+        <p:nvSpPr>
+          <p:cNvPr id="7" name="Freeform 6"/>
+          <p:cNvSpPr/>
+          <p:nvPr/>
+        </p:nvSpPr>
+        <p:spPr>
+          <a:xfrm>
+            <a:off x="358140" y="998220"/>
+            <a:ext cx="4152900" cy="1013460"/>
+          </a:xfrm>
+          <a:custGeom>
+            <a:avLst/>
+            <a:gdLst>
+              <a:gd name="connsiteX0" fmla="*/ 0 w 4168140"/>
+              <a:gd name="connsiteY0" fmla="*/ 731520 h 731520"/>
+              <a:gd name="connsiteX1" fmla="*/ 2118360 w 4168140"/>
+              <a:gd name="connsiteY1" fmla="*/ 495300 h 731520"/>
+              <a:gd name="connsiteX2" fmla="*/ 4152900 w 4168140"/>
+              <a:gd name="connsiteY2" fmla="*/ 716280 h 731520"/>
+              <a:gd name="connsiteX3" fmla="*/ 4168140 w 4168140"/>
+              <a:gd name="connsiteY3" fmla="*/ 160020 h 731520"/>
+              <a:gd name="connsiteX4" fmla="*/ 2171700 w 4168140"/>
+              <a:gd name="connsiteY4" fmla="*/ 0 h 731520"/>
+              <a:gd name="connsiteX5" fmla="*/ 0 w 4168140"/>
+              <a:gd name="connsiteY5" fmla="*/ 160020 h 731520"/>
+              <a:gd name="connsiteX6" fmla="*/ 0 w 4168140"/>
+              <a:gd name="connsiteY6" fmla="*/ 731520 h 731520"/>
+              <a:gd name="connsiteX0" fmla="*/ 0 w 4168140"/>
+              <a:gd name="connsiteY0" fmla="*/ 731520 h 731520"/>
+              <a:gd name="connsiteX1" fmla="*/ 2118360 w 4168140"/>
+              <a:gd name="connsiteY1" fmla="*/ 495300 h 731520"/>
+              <a:gd name="connsiteX2" fmla="*/ 4152900 w 4168140"/>
+              <a:gd name="connsiteY2" fmla="*/ 716280 h 731520"/>
+              <a:gd name="connsiteX3" fmla="*/ 4168140 w 4168140"/>
+              <a:gd name="connsiteY3" fmla="*/ 160020 h 731520"/>
+              <a:gd name="connsiteX4" fmla="*/ 2171700 w 4168140"/>
+              <a:gd name="connsiteY4" fmla="*/ 0 h 731520"/>
+              <a:gd name="connsiteX5" fmla="*/ 0 w 4168140"/>
+              <a:gd name="connsiteY5" fmla="*/ 160020 h 731520"/>
+              <a:gd name="connsiteX6" fmla="*/ 0 w 4168140"/>
+              <a:gd name="connsiteY6" fmla="*/ 731520 h 731520"/>
+              <a:gd name="connsiteX0" fmla="*/ 0 w 4168140"/>
+              <a:gd name="connsiteY0" fmla="*/ 731520 h 738678"/>
+              <a:gd name="connsiteX1" fmla="*/ 2118360 w 4168140"/>
+              <a:gd name="connsiteY1" fmla="*/ 495300 h 738678"/>
+              <a:gd name="connsiteX2" fmla="*/ 4152900 w 4168140"/>
+              <a:gd name="connsiteY2" fmla="*/ 716280 h 738678"/>
+              <a:gd name="connsiteX3" fmla="*/ 4168140 w 4168140"/>
+              <a:gd name="connsiteY3" fmla="*/ 160020 h 738678"/>
+              <a:gd name="connsiteX4" fmla="*/ 2171700 w 4168140"/>
+              <a:gd name="connsiteY4" fmla="*/ 0 h 738678"/>
+              <a:gd name="connsiteX5" fmla="*/ 0 w 4168140"/>
+              <a:gd name="connsiteY5" fmla="*/ 160020 h 738678"/>
+              <a:gd name="connsiteX6" fmla="*/ 0 w 4168140"/>
+              <a:gd name="connsiteY6" fmla="*/ 731520 h 738678"/>
+              <a:gd name="connsiteX0" fmla="*/ 0 w 4168140"/>
+              <a:gd name="connsiteY0" fmla="*/ 731520 h 738678"/>
+              <a:gd name="connsiteX1" fmla="*/ 2118360 w 4168140"/>
+              <a:gd name="connsiteY1" fmla="*/ 495300 h 738678"/>
+              <a:gd name="connsiteX2" fmla="*/ 4152900 w 4168140"/>
+              <a:gd name="connsiteY2" fmla="*/ 716280 h 738678"/>
+              <a:gd name="connsiteX3" fmla="*/ 4168140 w 4168140"/>
+              <a:gd name="connsiteY3" fmla="*/ 160020 h 738678"/>
+              <a:gd name="connsiteX4" fmla="*/ 2171700 w 4168140"/>
+              <a:gd name="connsiteY4" fmla="*/ 0 h 738678"/>
+              <a:gd name="connsiteX5" fmla="*/ 0 w 4168140"/>
+              <a:gd name="connsiteY5" fmla="*/ 160020 h 738678"/>
+              <a:gd name="connsiteX6" fmla="*/ 0 w 4168140"/>
+              <a:gd name="connsiteY6" fmla="*/ 731520 h 738678"/>
+              <a:gd name="connsiteX0" fmla="*/ 0 w 4168140"/>
+              <a:gd name="connsiteY0" fmla="*/ 731520 h 738678"/>
+              <a:gd name="connsiteX1" fmla="*/ 2118360 w 4168140"/>
+              <a:gd name="connsiteY1" fmla="*/ 495300 h 738678"/>
+              <a:gd name="connsiteX2" fmla="*/ 4152900 w 4168140"/>
+              <a:gd name="connsiteY2" fmla="*/ 716280 h 738678"/>
+              <a:gd name="connsiteX3" fmla="*/ 4168140 w 4168140"/>
+              <a:gd name="connsiteY3" fmla="*/ 160020 h 738678"/>
+              <a:gd name="connsiteX4" fmla="*/ 2171700 w 4168140"/>
+              <a:gd name="connsiteY4" fmla="*/ 0 h 738678"/>
+              <a:gd name="connsiteX5" fmla="*/ 0 w 4168140"/>
+              <a:gd name="connsiteY5" fmla="*/ 160020 h 738678"/>
+              <a:gd name="connsiteX6" fmla="*/ 0 w 4168140"/>
+              <a:gd name="connsiteY6" fmla="*/ 731520 h 738678"/>
+              <a:gd name="connsiteX0" fmla="*/ 0 w 4168140"/>
+              <a:gd name="connsiteY0" fmla="*/ 731520 h 731520"/>
+              <a:gd name="connsiteX1" fmla="*/ 2118360 w 4168140"/>
+              <a:gd name="connsiteY1" fmla="*/ 495300 h 731520"/>
+              <a:gd name="connsiteX2" fmla="*/ 4152900 w 4168140"/>
+              <a:gd name="connsiteY2" fmla="*/ 716280 h 731520"/>
+              <a:gd name="connsiteX3" fmla="*/ 4168140 w 4168140"/>
+              <a:gd name="connsiteY3" fmla="*/ 160020 h 731520"/>
+              <a:gd name="connsiteX4" fmla="*/ 2171700 w 4168140"/>
+              <a:gd name="connsiteY4" fmla="*/ 0 h 731520"/>
+              <a:gd name="connsiteX5" fmla="*/ 0 w 4168140"/>
+              <a:gd name="connsiteY5" fmla="*/ 160020 h 731520"/>
+              <a:gd name="connsiteX6" fmla="*/ 0 w 4168140"/>
+              <a:gd name="connsiteY6" fmla="*/ 731520 h 731520"/>
+              <a:gd name="connsiteX0" fmla="*/ 0 w 4168140"/>
+              <a:gd name="connsiteY0" fmla="*/ 731520 h 731520"/>
+              <a:gd name="connsiteX1" fmla="*/ 2118360 w 4168140"/>
+              <a:gd name="connsiteY1" fmla="*/ 495300 h 731520"/>
+              <a:gd name="connsiteX2" fmla="*/ 4152900 w 4168140"/>
+              <a:gd name="connsiteY2" fmla="*/ 716280 h 731520"/>
+              <a:gd name="connsiteX3" fmla="*/ 4168140 w 4168140"/>
+              <a:gd name="connsiteY3" fmla="*/ 160020 h 731520"/>
+              <a:gd name="connsiteX4" fmla="*/ 2171700 w 4168140"/>
+              <a:gd name="connsiteY4" fmla="*/ 0 h 731520"/>
+              <a:gd name="connsiteX5" fmla="*/ 0 w 4168140"/>
+              <a:gd name="connsiteY5" fmla="*/ 160020 h 731520"/>
+              <a:gd name="connsiteX6" fmla="*/ 0 w 4168140"/>
+              <a:gd name="connsiteY6" fmla="*/ 731520 h 731520"/>
+              <a:gd name="connsiteX0" fmla="*/ 0 w 4168140"/>
+              <a:gd name="connsiteY0" fmla="*/ 731520 h 731520"/>
+              <a:gd name="connsiteX1" fmla="*/ 2118360 w 4168140"/>
+              <a:gd name="connsiteY1" fmla="*/ 495300 h 731520"/>
+              <a:gd name="connsiteX2" fmla="*/ 4152900 w 4168140"/>
+              <a:gd name="connsiteY2" fmla="*/ 716280 h 731520"/>
+              <a:gd name="connsiteX3" fmla="*/ 4168140 w 4168140"/>
+              <a:gd name="connsiteY3" fmla="*/ 160020 h 731520"/>
+              <a:gd name="connsiteX4" fmla="*/ 2171700 w 4168140"/>
+              <a:gd name="connsiteY4" fmla="*/ 0 h 731520"/>
+              <a:gd name="connsiteX5" fmla="*/ 0 w 4168140"/>
+              <a:gd name="connsiteY5" fmla="*/ 160020 h 731520"/>
+              <a:gd name="connsiteX6" fmla="*/ 0 w 4168140"/>
+              <a:gd name="connsiteY6" fmla="*/ 731520 h 731520"/>
+              <a:gd name="connsiteX0" fmla="*/ 0 w 4168140"/>
+              <a:gd name="connsiteY0" fmla="*/ 731520 h 731520"/>
+              <a:gd name="connsiteX1" fmla="*/ 2118360 w 4168140"/>
+              <a:gd name="connsiteY1" fmla="*/ 495300 h 731520"/>
+              <a:gd name="connsiteX2" fmla="*/ 4152900 w 4168140"/>
+              <a:gd name="connsiteY2" fmla="*/ 716280 h 731520"/>
+              <a:gd name="connsiteX3" fmla="*/ 4168140 w 4168140"/>
+              <a:gd name="connsiteY3" fmla="*/ 160020 h 731520"/>
+              <a:gd name="connsiteX4" fmla="*/ 2171700 w 4168140"/>
+              <a:gd name="connsiteY4" fmla="*/ 0 h 731520"/>
+              <a:gd name="connsiteX5" fmla="*/ 0 w 4168140"/>
+              <a:gd name="connsiteY5" fmla="*/ 160020 h 731520"/>
+              <a:gd name="connsiteX6" fmla="*/ 0 w 4168140"/>
+              <a:gd name="connsiteY6" fmla="*/ 731520 h 731520"/>
+              <a:gd name="connsiteX0" fmla="*/ 0 w 4152900"/>
+              <a:gd name="connsiteY0" fmla="*/ 731520 h 731520"/>
+              <a:gd name="connsiteX1" fmla="*/ 2118360 w 4152900"/>
+              <a:gd name="connsiteY1" fmla="*/ 495300 h 731520"/>
+              <a:gd name="connsiteX2" fmla="*/ 4152900 w 4152900"/>
+              <a:gd name="connsiteY2" fmla="*/ 716280 h 731520"/>
+              <a:gd name="connsiteX3" fmla="*/ 4152900 w 4152900"/>
+              <a:gd name="connsiteY3" fmla="*/ 160020 h 731520"/>
+              <a:gd name="connsiteX4" fmla="*/ 2171700 w 4152900"/>
+              <a:gd name="connsiteY4" fmla="*/ 0 h 731520"/>
+              <a:gd name="connsiteX5" fmla="*/ 0 w 4152900"/>
+              <a:gd name="connsiteY5" fmla="*/ 160020 h 731520"/>
+              <a:gd name="connsiteX6" fmla="*/ 0 w 4152900"/>
+              <a:gd name="connsiteY6" fmla="*/ 731520 h 731520"/>
+              <a:gd name="connsiteX0" fmla="*/ 0 w 4152900"/>
+              <a:gd name="connsiteY0" fmla="*/ 731520 h 731520"/>
+              <a:gd name="connsiteX1" fmla="*/ 2118360 w 4152900"/>
+              <a:gd name="connsiteY1" fmla="*/ 495300 h 731520"/>
+              <a:gd name="connsiteX2" fmla="*/ 4152900 w 4152900"/>
+              <a:gd name="connsiteY2" fmla="*/ 716280 h 731520"/>
+              <a:gd name="connsiteX3" fmla="*/ 4152900 w 4152900"/>
+              <a:gd name="connsiteY3" fmla="*/ 160020 h 731520"/>
+              <a:gd name="connsiteX4" fmla="*/ 2103120 w 4152900"/>
+              <a:gd name="connsiteY4" fmla="*/ 0 h 731520"/>
+              <a:gd name="connsiteX5" fmla="*/ 0 w 4152900"/>
+              <a:gd name="connsiteY5" fmla="*/ 160020 h 731520"/>
+              <a:gd name="connsiteX6" fmla="*/ 0 w 4152900"/>
+              <a:gd name="connsiteY6" fmla="*/ 731520 h 731520"/>
+              <a:gd name="connsiteX0" fmla="*/ 0 w 4152900"/>
+              <a:gd name="connsiteY0" fmla="*/ 731520 h 731520"/>
+              <a:gd name="connsiteX1" fmla="*/ 2118360 w 4152900"/>
+              <a:gd name="connsiteY1" fmla="*/ 495300 h 731520"/>
+              <a:gd name="connsiteX2" fmla="*/ 4152900 w 4152900"/>
+              <a:gd name="connsiteY2" fmla="*/ 716280 h 731520"/>
+              <a:gd name="connsiteX3" fmla="*/ 4152900 w 4152900"/>
+              <a:gd name="connsiteY3" fmla="*/ 160020 h 731520"/>
+              <a:gd name="connsiteX4" fmla="*/ 2133600 w 4152900"/>
+              <a:gd name="connsiteY4" fmla="*/ 0 h 731520"/>
+              <a:gd name="connsiteX5" fmla="*/ 0 w 4152900"/>
+              <a:gd name="connsiteY5" fmla="*/ 160020 h 731520"/>
+              <a:gd name="connsiteX6" fmla="*/ 0 w 4152900"/>
+              <a:gd name="connsiteY6" fmla="*/ 731520 h 731520"/>
+              <a:gd name="connsiteX0" fmla="*/ 0 w 4152900"/>
+              <a:gd name="connsiteY0" fmla="*/ 754380 h 754380"/>
+              <a:gd name="connsiteX1" fmla="*/ 2118360 w 4152900"/>
+              <a:gd name="connsiteY1" fmla="*/ 518160 h 754380"/>
+              <a:gd name="connsiteX2" fmla="*/ 4152900 w 4152900"/>
+              <a:gd name="connsiteY2" fmla="*/ 739140 h 754380"/>
+              <a:gd name="connsiteX3" fmla="*/ 4152900 w 4152900"/>
+              <a:gd name="connsiteY3" fmla="*/ 182880 h 754380"/>
+              <a:gd name="connsiteX4" fmla="*/ 2125980 w 4152900"/>
+              <a:gd name="connsiteY4" fmla="*/ 0 h 754380"/>
+              <a:gd name="connsiteX5" fmla="*/ 0 w 4152900"/>
+              <a:gd name="connsiteY5" fmla="*/ 182880 h 754380"/>
+              <a:gd name="connsiteX6" fmla="*/ 0 w 4152900"/>
+              <a:gd name="connsiteY6" fmla="*/ 754380 h 754380"/>
+              <a:gd name="connsiteX0" fmla="*/ 0 w 4152900"/>
+              <a:gd name="connsiteY0" fmla="*/ 792480 h 792480"/>
+              <a:gd name="connsiteX1" fmla="*/ 2118360 w 4152900"/>
+              <a:gd name="connsiteY1" fmla="*/ 556260 h 792480"/>
+              <a:gd name="connsiteX2" fmla="*/ 4152900 w 4152900"/>
+              <a:gd name="connsiteY2" fmla="*/ 777240 h 792480"/>
+              <a:gd name="connsiteX3" fmla="*/ 4152900 w 4152900"/>
+              <a:gd name="connsiteY3" fmla="*/ 220980 h 792480"/>
+              <a:gd name="connsiteX4" fmla="*/ 2118360 w 4152900"/>
+              <a:gd name="connsiteY4" fmla="*/ 0 h 792480"/>
+              <a:gd name="connsiteX5" fmla="*/ 0 w 4152900"/>
+              <a:gd name="connsiteY5" fmla="*/ 220980 h 792480"/>
+              <a:gd name="connsiteX6" fmla="*/ 0 w 4152900"/>
+              <a:gd name="connsiteY6" fmla="*/ 792480 h 792480"/>
+              <a:gd name="connsiteX0" fmla="*/ 0 w 4152900"/>
+              <a:gd name="connsiteY0" fmla="*/ 792480 h 792480"/>
+              <a:gd name="connsiteX1" fmla="*/ 2118360 w 4152900"/>
+              <a:gd name="connsiteY1" fmla="*/ 556260 h 792480"/>
+              <a:gd name="connsiteX2" fmla="*/ 4152900 w 4152900"/>
+              <a:gd name="connsiteY2" fmla="*/ 777240 h 792480"/>
+              <a:gd name="connsiteX3" fmla="*/ 4152900 w 4152900"/>
+              <a:gd name="connsiteY3" fmla="*/ 220980 h 792480"/>
+              <a:gd name="connsiteX4" fmla="*/ 2118360 w 4152900"/>
+              <a:gd name="connsiteY4" fmla="*/ 0 h 792480"/>
+              <a:gd name="connsiteX5" fmla="*/ 0 w 4152900"/>
+              <a:gd name="connsiteY5" fmla="*/ 220980 h 792480"/>
+              <a:gd name="connsiteX6" fmla="*/ 0 w 4152900"/>
+              <a:gd name="connsiteY6" fmla="*/ 792480 h 792480"/>
+              <a:gd name="connsiteX0" fmla="*/ 0 w 4152900"/>
+              <a:gd name="connsiteY0" fmla="*/ 792480 h 792480"/>
+              <a:gd name="connsiteX1" fmla="*/ 2118360 w 4152900"/>
+              <a:gd name="connsiteY1" fmla="*/ 556260 h 792480"/>
+              <a:gd name="connsiteX2" fmla="*/ 4152900 w 4152900"/>
+              <a:gd name="connsiteY2" fmla="*/ 777240 h 792480"/>
+              <a:gd name="connsiteX3" fmla="*/ 4152900 w 4152900"/>
+              <a:gd name="connsiteY3" fmla="*/ 220980 h 792480"/>
+              <a:gd name="connsiteX4" fmla="*/ 2118360 w 4152900"/>
+              <a:gd name="connsiteY4" fmla="*/ 0 h 792480"/>
+              <a:gd name="connsiteX5" fmla="*/ 0 w 4152900"/>
+              <a:gd name="connsiteY5" fmla="*/ 220980 h 792480"/>
+              <a:gd name="connsiteX6" fmla="*/ 0 w 4152900"/>
+              <a:gd name="connsiteY6" fmla="*/ 792480 h 792480"/>
+              <a:gd name="connsiteX0" fmla="*/ 0 w 4152900"/>
+              <a:gd name="connsiteY0" fmla="*/ 792480 h 792480"/>
+              <a:gd name="connsiteX1" fmla="*/ 2118360 w 4152900"/>
+              <a:gd name="connsiteY1" fmla="*/ 556260 h 792480"/>
+              <a:gd name="connsiteX2" fmla="*/ 4152900 w 4152900"/>
+              <a:gd name="connsiteY2" fmla="*/ 777240 h 792480"/>
+              <a:gd name="connsiteX3" fmla="*/ 4152900 w 4152900"/>
+              <a:gd name="connsiteY3" fmla="*/ 220980 h 792480"/>
+              <a:gd name="connsiteX4" fmla="*/ 2118360 w 4152900"/>
+              <a:gd name="connsiteY4" fmla="*/ 0 h 792480"/>
+              <a:gd name="connsiteX5" fmla="*/ 0 w 4152900"/>
+              <a:gd name="connsiteY5" fmla="*/ 220980 h 792480"/>
+              <a:gd name="connsiteX6" fmla="*/ 0 w 4152900"/>
+              <a:gd name="connsiteY6" fmla="*/ 792480 h 792480"/>
+              <a:gd name="connsiteX0" fmla="*/ 0 w 4152900"/>
+              <a:gd name="connsiteY0" fmla="*/ 1013460 h 1013460"/>
+              <a:gd name="connsiteX1" fmla="*/ 2118360 w 4152900"/>
+              <a:gd name="connsiteY1" fmla="*/ 777240 h 1013460"/>
+              <a:gd name="connsiteX2" fmla="*/ 4152900 w 4152900"/>
+              <a:gd name="connsiteY2" fmla="*/ 998220 h 1013460"/>
+              <a:gd name="connsiteX3" fmla="*/ 4152900 w 4152900"/>
+              <a:gd name="connsiteY3" fmla="*/ 441960 h 1013460"/>
+              <a:gd name="connsiteX4" fmla="*/ 2110740 w 4152900"/>
+              <a:gd name="connsiteY4" fmla="*/ 0 h 1013460"/>
+              <a:gd name="connsiteX5" fmla="*/ 0 w 4152900"/>
+              <a:gd name="connsiteY5" fmla="*/ 441960 h 1013460"/>
+              <a:gd name="connsiteX6" fmla="*/ 0 w 4152900"/>
+              <a:gd name="connsiteY6" fmla="*/ 1013460 h 1013460"/>
+              <a:gd name="connsiteX0" fmla="*/ 0 w 4152900"/>
+              <a:gd name="connsiteY0" fmla="*/ 1013460 h 1013460"/>
+              <a:gd name="connsiteX1" fmla="*/ 2110740 w 4152900"/>
+              <a:gd name="connsiteY1" fmla="*/ 586740 h 1013460"/>
+              <a:gd name="connsiteX2" fmla="*/ 4152900 w 4152900"/>
+              <a:gd name="connsiteY2" fmla="*/ 998220 h 1013460"/>
+              <a:gd name="connsiteX3" fmla="*/ 4152900 w 4152900"/>
+              <a:gd name="connsiteY3" fmla="*/ 441960 h 1013460"/>
+              <a:gd name="connsiteX4" fmla="*/ 2110740 w 4152900"/>
+              <a:gd name="connsiteY4" fmla="*/ 0 h 1013460"/>
+              <a:gd name="connsiteX5" fmla="*/ 0 w 4152900"/>
+              <a:gd name="connsiteY5" fmla="*/ 441960 h 1013460"/>
+              <a:gd name="connsiteX6" fmla="*/ 0 w 4152900"/>
+              <a:gd name="connsiteY6" fmla="*/ 1013460 h 1013460"/>
+              <a:gd name="connsiteX0" fmla="*/ 0 w 4152900"/>
+              <a:gd name="connsiteY0" fmla="*/ 1013460 h 1013460"/>
+              <a:gd name="connsiteX1" fmla="*/ 2110740 w 4152900"/>
+              <a:gd name="connsiteY1" fmla="*/ 586740 h 1013460"/>
+              <a:gd name="connsiteX2" fmla="*/ 4152900 w 4152900"/>
+              <a:gd name="connsiteY2" fmla="*/ 998220 h 1013460"/>
+              <a:gd name="connsiteX3" fmla="*/ 4152900 w 4152900"/>
+              <a:gd name="connsiteY3" fmla="*/ 441960 h 1013460"/>
+              <a:gd name="connsiteX4" fmla="*/ 2110740 w 4152900"/>
+              <a:gd name="connsiteY4" fmla="*/ 0 h 1013460"/>
+              <a:gd name="connsiteX5" fmla="*/ 0 w 4152900"/>
+              <a:gd name="connsiteY5" fmla="*/ 441960 h 1013460"/>
+              <a:gd name="connsiteX6" fmla="*/ 0 w 4152900"/>
+              <a:gd name="connsiteY6" fmla="*/ 1013460 h 1013460"/>
+              <a:gd name="connsiteX0" fmla="*/ 0 w 4152900"/>
+              <a:gd name="connsiteY0" fmla="*/ 1013460 h 1013460"/>
+              <a:gd name="connsiteX1" fmla="*/ 2110740 w 4152900"/>
+              <a:gd name="connsiteY1" fmla="*/ 586740 h 1013460"/>
+              <a:gd name="connsiteX2" fmla="*/ 4152900 w 4152900"/>
+              <a:gd name="connsiteY2" fmla="*/ 998220 h 1013460"/>
+              <a:gd name="connsiteX3" fmla="*/ 4152900 w 4152900"/>
+              <a:gd name="connsiteY3" fmla="*/ 441960 h 1013460"/>
+              <a:gd name="connsiteX4" fmla="*/ 2110740 w 4152900"/>
+              <a:gd name="connsiteY4" fmla="*/ 0 h 1013460"/>
+              <a:gd name="connsiteX5" fmla="*/ 0 w 4152900"/>
+              <a:gd name="connsiteY5" fmla="*/ 441960 h 1013460"/>
+              <a:gd name="connsiteX6" fmla="*/ 0 w 4152900"/>
+              <a:gd name="connsiteY6" fmla="*/ 1013460 h 1013460"/>
+              <a:gd name="connsiteX0" fmla="*/ 0 w 4152900"/>
+              <a:gd name="connsiteY0" fmla="*/ 1013460 h 1013460"/>
+              <a:gd name="connsiteX1" fmla="*/ 2110740 w 4152900"/>
+              <a:gd name="connsiteY1" fmla="*/ 586740 h 1013460"/>
+              <a:gd name="connsiteX2" fmla="*/ 4152900 w 4152900"/>
+              <a:gd name="connsiteY2" fmla="*/ 998220 h 1013460"/>
+              <a:gd name="connsiteX3" fmla="*/ 4152900 w 4152900"/>
+              <a:gd name="connsiteY3" fmla="*/ 441960 h 1013460"/>
+              <a:gd name="connsiteX4" fmla="*/ 2110740 w 4152900"/>
+              <a:gd name="connsiteY4" fmla="*/ 0 h 1013460"/>
+              <a:gd name="connsiteX5" fmla="*/ 0 w 4152900"/>
+              <a:gd name="connsiteY5" fmla="*/ 441960 h 1013460"/>
+              <a:gd name="connsiteX6" fmla="*/ 0 w 4152900"/>
+              <a:gd name="connsiteY6" fmla="*/ 1013460 h 1013460"/>
+              <a:gd name="connsiteX0" fmla="*/ 0 w 4152900"/>
+              <a:gd name="connsiteY0" fmla="*/ 1013460 h 1013460"/>
+              <a:gd name="connsiteX1" fmla="*/ 2110740 w 4152900"/>
+              <a:gd name="connsiteY1" fmla="*/ 586740 h 1013460"/>
+              <a:gd name="connsiteX2" fmla="*/ 4152900 w 4152900"/>
+              <a:gd name="connsiteY2" fmla="*/ 998220 h 1013460"/>
+              <a:gd name="connsiteX3" fmla="*/ 4152900 w 4152900"/>
+              <a:gd name="connsiteY3" fmla="*/ 441960 h 1013460"/>
+              <a:gd name="connsiteX4" fmla="*/ 2110740 w 4152900"/>
+              <a:gd name="connsiteY4" fmla="*/ 0 h 1013460"/>
+              <a:gd name="connsiteX5" fmla="*/ 0 w 4152900"/>
+              <a:gd name="connsiteY5" fmla="*/ 441960 h 1013460"/>
+              <a:gd name="connsiteX6" fmla="*/ 0 w 4152900"/>
+              <a:gd name="connsiteY6" fmla="*/ 1013460 h 1013460"/>
+              <a:gd name="connsiteX0" fmla="*/ 0 w 4152900"/>
+              <a:gd name="connsiteY0" fmla="*/ 1013460 h 1013460"/>
+              <a:gd name="connsiteX1" fmla="*/ 2110740 w 4152900"/>
+              <a:gd name="connsiteY1" fmla="*/ 525780 h 1013460"/>
+              <a:gd name="connsiteX2" fmla="*/ 4152900 w 4152900"/>
+              <a:gd name="connsiteY2" fmla="*/ 998220 h 1013460"/>
+              <a:gd name="connsiteX3" fmla="*/ 4152900 w 4152900"/>
+              <a:gd name="connsiteY3" fmla="*/ 441960 h 1013460"/>
+              <a:gd name="connsiteX4" fmla="*/ 2110740 w 4152900"/>
+              <a:gd name="connsiteY4" fmla="*/ 0 h 1013460"/>
+              <a:gd name="connsiteX5" fmla="*/ 0 w 4152900"/>
+              <a:gd name="connsiteY5" fmla="*/ 441960 h 1013460"/>
+              <a:gd name="connsiteX6" fmla="*/ 0 w 4152900"/>
+              <a:gd name="connsiteY6" fmla="*/ 1013460 h 1013460"/>
+            </a:gdLst>
+            <a:ahLst/>
+            <a:cxnLst>
+              <a:cxn ang="0">
+                <a:pos x="connsiteX0" y="connsiteY0"/>
+              </a:cxn>
+              <a:cxn ang="0">
+                <a:pos x="connsiteX1" y="connsiteY1"/>
+              </a:cxn>
+              <a:cxn ang="0">
+                <a:pos x="connsiteX2" y="connsiteY2"/>
+              </a:cxn>
+              <a:cxn ang="0">
+                <a:pos x="connsiteX3" y="connsiteY3"/>
+              </a:cxn>
+              <a:cxn ang="0">
+                <a:pos x="connsiteX4" y="connsiteY4"/>
+              </a:cxn>
+              <a:cxn ang="0">
+                <a:pos x="connsiteX5" y="connsiteY5"/>
+              </a:cxn>
+              <a:cxn ang="0">
+                <a:pos x="connsiteX6" y="connsiteY6"/>
+              </a:cxn>
+            </a:cxnLst>
+            <a:rect l="l" t="t" r="r" b="b"/>
+            <a:pathLst>
+              <a:path w="4152900" h="1013460">
+                <a:moveTo>
+                  <a:pt x="0" y="1013460"/>
+                </a:moveTo>
+                <a:cubicBezTo>
+                  <a:pt x="388620" y="880110"/>
+                  <a:pt x="1418590" y="528320"/>
+                  <a:pt x="2110740" y="525780"/>
+                </a:cubicBezTo>
+                <a:cubicBezTo>
+                  <a:pt x="2802890" y="523240"/>
+                  <a:pt x="3651250" y="840740"/>
+                  <a:pt x="4152900" y="998220"/>
+                </a:cubicBezTo>
+                <a:lnTo>
+                  <a:pt x="4152900" y="441960"/>
+                </a:lnTo>
+                <a:cubicBezTo>
+                  <a:pt x="3738880" y="299720"/>
+                  <a:pt x="2802890" y="0"/>
+                  <a:pt x="2110740" y="0"/>
+                </a:cubicBezTo>
+                <a:cubicBezTo>
+                  <a:pt x="1418590" y="0"/>
+                  <a:pt x="422910" y="281940"/>
+                  <a:pt x="0" y="441960"/>
+                </a:cubicBezTo>
+                <a:lnTo>
+                  <a:pt x="0" y="1013460"/>
+                </a:lnTo>
+                <a:close/>
+              </a:path>
+            </a:pathLst>
+          </a:custGeom>
+          <a:noFill/>
+          <a:ln>
+            <a:prstDash val="dash"/>
+          </a:ln>
+        </p:spPr>
+        <p:style>
+          <a:lnRef idx="2">
+            <a:schemeClr val="accent1">
+              <a:shade val="50000"/>
+            </a:schemeClr>
+          </a:lnRef>
+          <a:fillRef idx="1">
+            <a:schemeClr val="accent1"/>
+          </a:fillRef>
+          <a:effectRef idx="0">
+            <a:schemeClr val="accent1"/>
+          </a:effectRef>
+          <a:fontRef idx="minor">
+            <a:schemeClr val="lt1"/>
+          </a:fontRef>
+        </p:style>
+        <p:txBody>
+          <a:bodyPr rtlCol="0" anchor="ctr"/>
+          <a:lstStyle/>
+          <a:p>
+            <a:pPr algn="ctr"/>
+            <a:endParaRPr lang="en-US" dirty="0"/>
+          </a:p>
+        </p:txBody>
+      </p:sp>
+      <p:sp>
+        <p:nvSpPr>
+          <p:cNvPr id="11" name="Rectangle 10"/>
+          <p:cNvSpPr/>
+          <p:nvPr/>
+        </p:nvSpPr>
+        <p:spPr>
+          <a:xfrm>
+            <a:off x="358140" y="2948127"/>
+            <a:ext cx="4166270" cy="573196"/>
+          </a:xfrm>
+          <a:prstGeom prst="rect">
+            <a:avLst/>
+          </a:prstGeom>
+          <a:solidFill>
+            <a:schemeClr val="accent3">
+              <a:lumMod val="60000"/>
+              <a:lumOff val="40000"/>
+            </a:schemeClr>
+          </a:solidFill>
+          <a:ln>
+            <a:solidFill>
+              <a:schemeClr val="accent3"/>
+            </a:solidFill>
+          </a:ln>
+        </p:spPr>
+        <p:style>
+          <a:lnRef idx="2">
+            <a:schemeClr val="accent1">
+              <a:shade val="50000"/>
+            </a:schemeClr>
+          </a:lnRef>
+          <a:fillRef idx="1">
+            <a:schemeClr val="accent1"/>
+          </a:fillRef>
+          <a:effectRef idx="0">
+            <a:schemeClr val="accent1"/>
+          </a:effectRef>
+          <a:fontRef idx="minor">
+            <a:schemeClr val="lt1"/>
+          </a:fontRef>
+        </p:style>
+        <p:txBody>
+          <a:bodyPr rtlCol="0" anchor="ctr"/>
+          <a:lstStyle/>
+          <a:p>
+            <a:pPr algn="ctr"/>
+            <a:endParaRPr lang="en-US"/>
+          </a:p>
+        </p:txBody>
+      </p:sp>
+      <p:sp>
+        <p:nvSpPr>
+          <p:cNvPr id="12" name="Trapezoid 11"/>
+          <p:cNvSpPr/>
+          <p:nvPr/>
+        </p:nvSpPr>
+        <p:spPr>
+          <a:xfrm>
+            <a:off x="701750" y="3592973"/>
+            <a:ext cx="678567" cy="450999"/>
+          </a:xfrm>
+          <a:prstGeom prst="trapezoid">
+            <a:avLst>
+              <a:gd name="adj" fmla="val 8543"/>
+            </a:avLst>
+          </a:prstGeom>
+          <a:solidFill>
+            <a:schemeClr val="bg1">
+              <a:lumMod val="75000"/>
+            </a:schemeClr>
+          </a:solidFill>
+          <a:ln w="12700">
+            <a:solidFill>
+              <a:schemeClr val="tx1"/>
+            </a:solidFill>
+          </a:ln>
+        </p:spPr>
+        <p:style>
+          <a:lnRef idx="2">
+            <a:schemeClr val="accent1">
+              <a:shade val="50000"/>
+            </a:schemeClr>
+          </a:lnRef>
+          <a:fillRef idx="1">
+            <a:schemeClr val="accent1"/>
+          </a:fillRef>
+          <a:effectRef idx="0">
+            <a:schemeClr val="accent1"/>
+          </a:effectRef>
+          <a:fontRef idx="minor">
+            <a:schemeClr val="lt1"/>
+          </a:fontRef>
+        </p:style>
+        <p:txBody>
+          <a:bodyPr rtlCol="0" anchor="ctr"/>
+          <a:lstStyle/>
+          <a:p>
+            <a:pPr algn="ctr"/>
+            <a:endParaRPr lang="en-US"/>
+          </a:p>
+        </p:txBody>
+      </p:sp>
+      <p:sp>
+        <p:nvSpPr>
+          <p:cNvPr id="13" name="Rectangle 12"/>
+          <p:cNvSpPr/>
+          <p:nvPr/>
+        </p:nvSpPr>
+        <p:spPr>
+          <a:xfrm>
+            <a:off x="917334" y="3521323"/>
+            <a:ext cx="247399" cy="71650"/>
+          </a:xfrm>
+          <a:prstGeom prst="rect">
+            <a:avLst/>
+          </a:prstGeom>
+          <a:solidFill>
+            <a:schemeClr val="bg2">
+              <a:lumMod val="25000"/>
+            </a:schemeClr>
+          </a:solidFill>
+          <a:ln>
+            <a:solidFill>
+              <a:schemeClr val="bg2">
+                <a:lumMod val="50000"/>
+              </a:schemeClr>
+            </a:solidFill>
+          </a:ln>
+        </p:spPr>
+        <p:style>
+          <a:lnRef idx="2">
+            <a:schemeClr val="accent1">
+              <a:shade val="50000"/>
+            </a:schemeClr>
+          </a:lnRef>
+          <a:fillRef idx="1">
+            <a:schemeClr val="accent1"/>
+          </a:fillRef>
+          <a:effectRef idx="0">
+            <a:schemeClr val="accent1"/>
+          </a:effectRef>
+          <a:fontRef idx="minor">
+            <a:schemeClr val="lt1"/>
+          </a:fontRef>
+        </p:style>
+        <p:txBody>
+          <a:bodyPr rtlCol="0" anchor="ctr"/>
+          <a:lstStyle/>
+          <a:p>
+            <a:pPr algn="ctr"/>
+            <a:endParaRPr lang="en-US"/>
+          </a:p>
+        </p:txBody>
+      </p:sp>
+      <p:sp>
+        <p:nvSpPr>
+          <p:cNvPr id="14" name="Trapezoid 13"/>
+          <p:cNvSpPr/>
+          <p:nvPr/>
+        </p:nvSpPr>
+        <p:spPr>
+          <a:xfrm>
+            <a:off x="3492690" y="3592973"/>
+            <a:ext cx="678567" cy="450999"/>
+          </a:xfrm>
+          <a:prstGeom prst="trapezoid">
+            <a:avLst>
+              <a:gd name="adj" fmla="val 8543"/>
+            </a:avLst>
+          </a:prstGeom>
+          <a:solidFill>
+            <a:schemeClr val="bg1">
+              <a:lumMod val="75000"/>
+            </a:schemeClr>
+          </a:solidFill>
+          <a:ln w="12700">
+            <a:solidFill>
+              <a:schemeClr val="tx1"/>
+            </a:solidFill>
+          </a:ln>
+        </p:spPr>
+        <p:style>
+          <a:lnRef idx="2">
+            <a:schemeClr val="accent1">
+              <a:shade val="50000"/>
+            </a:schemeClr>
+          </a:lnRef>
+          <a:fillRef idx="1">
+            <a:schemeClr val="accent1"/>
+          </a:fillRef>
+          <a:effectRef idx="0">
+            <a:schemeClr val="accent1"/>
+          </a:effectRef>
+          <a:fontRef idx="minor">
+            <a:schemeClr val="lt1"/>
+          </a:fontRef>
+        </p:style>
+        <p:txBody>
+          <a:bodyPr rtlCol="0" anchor="ctr"/>
+          <a:lstStyle/>
+          <a:p>
+            <a:pPr algn="ctr"/>
+            <a:endParaRPr lang="en-US"/>
+          </a:p>
+        </p:txBody>
+      </p:sp>
+      <p:sp>
+        <p:nvSpPr>
+          <p:cNvPr id="15" name="Rectangle 14"/>
+          <p:cNvSpPr/>
+          <p:nvPr/>
+        </p:nvSpPr>
+        <p:spPr>
+          <a:xfrm>
+            <a:off x="3708274" y="3521323"/>
+            <a:ext cx="247399" cy="71650"/>
+          </a:xfrm>
+          <a:prstGeom prst="rect">
+            <a:avLst/>
+          </a:prstGeom>
+          <a:solidFill>
+            <a:schemeClr val="bg2">
+              <a:lumMod val="25000"/>
+            </a:schemeClr>
+          </a:solidFill>
+          <a:ln>
+            <a:solidFill>
+              <a:schemeClr val="bg2">
+                <a:lumMod val="50000"/>
+              </a:schemeClr>
+            </a:solidFill>
+          </a:ln>
+        </p:spPr>
+        <p:style>
+          <a:lnRef idx="2">
+            <a:schemeClr val="accent1">
+              <a:shade val="50000"/>
+            </a:schemeClr>
+          </a:lnRef>
+          <a:fillRef idx="1">
+            <a:schemeClr val="accent1"/>
+          </a:fillRef>
+          <a:effectRef idx="0">
+            <a:schemeClr val="accent1"/>
+          </a:effectRef>
+          <a:fontRef idx="minor">
+            <a:schemeClr val="lt1"/>
+          </a:fontRef>
+        </p:style>
+        <p:txBody>
+          <a:bodyPr rtlCol="0" anchor="ctr"/>
+          <a:lstStyle/>
+          <a:p>
+            <a:pPr algn="ctr"/>
+            <a:endParaRPr lang="en-US"/>
+          </a:p>
+        </p:txBody>
+      </p:sp>
+      <p:sp>
+        <p:nvSpPr>
+          <p:cNvPr id="16" name="Freeform 15"/>
+          <p:cNvSpPr/>
+          <p:nvPr/>
+        </p:nvSpPr>
+        <p:spPr>
+          <a:xfrm>
+            <a:off x="364473" y="2682207"/>
+            <a:ext cx="4152900" cy="1135608"/>
+          </a:xfrm>
+          <a:custGeom>
+            <a:avLst/>
+            <a:gdLst>
+              <a:gd name="connsiteX0" fmla="*/ 0 w 4168140"/>
+              <a:gd name="connsiteY0" fmla="*/ 731520 h 731520"/>
+              <a:gd name="connsiteX1" fmla="*/ 2118360 w 4168140"/>
+              <a:gd name="connsiteY1" fmla="*/ 495300 h 731520"/>
+              <a:gd name="connsiteX2" fmla="*/ 4152900 w 4168140"/>
+              <a:gd name="connsiteY2" fmla="*/ 716280 h 731520"/>
+              <a:gd name="connsiteX3" fmla="*/ 4168140 w 4168140"/>
+              <a:gd name="connsiteY3" fmla="*/ 160020 h 731520"/>
+              <a:gd name="connsiteX4" fmla="*/ 2171700 w 4168140"/>
+              <a:gd name="connsiteY4" fmla="*/ 0 h 731520"/>
+              <a:gd name="connsiteX5" fmla="*/ 0 w 4168140"/>
+              <a:gd name="connsiteY5" fmla="*/ 160020 h 731520"/>
+              <a:gd name="connsiteX6" fmla="*/ 0 w 4168140"/>
+              <a:gd name="connsiteY6" fmla="*/ 731520 h 731520"/>
+              <a:gd name="connsiteX0" fmla="*/ 0 w 4168140"/>
+              <a:gd name="connsiteY0" fmla="*/ 731520 h 731520"/>
+              <a:gd name="connsiteX1" fmla="*/ 2118360 w 4168140"/>
+              <a:gd name="connsiteY1" fmla="*/ 495300 h 731520"/>
+              <a:gd name="connsiteX2" fmla="*/ 4152900 w 4168140"/>
+              <a:gd name="connsiteY2" fmla="*/ 716280 h 731520"/>
+              <a:gd name="connsiteX3" fmla="*/ 4168140 w 4168140"/>
+              <a:gd name="connsiteY3" fmla="*/ 160020 h 731520"/>
+              <a:gd name="connsiteX4" fmla="*/ 2171700 w 4168140"/>
+              <a:gd name="connsiteY4" fmla="*/ 0 h 731520"/>
+              <a:gd name="connsiteX5" fmla="*/ 0 w 4168140"/>
+              <a:gd name="connsiteY5" fmla="*/ 160020 h 731520"/>
+              <a:gd name="connsiteX6" fmla="*/ 0 w 4168140"/>
+              <a:gd name="connsiteY6" fmla="*/ 731520 h 731520"/>
+              <a:gd name="connsiteX0" fmla="*/ 0 w 4168140"/>
+              <a:gd name="connsiteY0" fmla="*/ 731520 h 738678"/>
+              <a:gd name="connsiteX1" fmla="*/ 2118360 w 4168140"/>
+              <a:gd name="connsiteY1" fmla="*/ 495300 h 738678"/>
+              <a:gd name="connsiteX2" fmla="*/ 4152900 w 4168140"/>
+              <a:gd name="connsiteY2" fmla="*/ 716280 h 738678"/>
+              <a:gd name="connsiteX3" fmla="*/ 4168140 w 4168140"/>
+              <a:gd name="connsiteY3" fmla="*/ 160020 h 738678"/>
+              <a:gd name="connsiteX4" fmla="*/ 2171700 w 4168140"/>
+              <a:gd name="connsiteY4" fmla="*/ 0 h 738678"/>
+              <a:gd name="connsiteX5" fmla="*/ 0 w 4168140"/>
+              <a:gd name="connsiteY5" fmla="*/ 160020 h 738678"/>
+              <a:gd name="connsiteX6" fmla="*/ 0 w 4168140"/>
+              <a:gd name="connsiteY6" fmla="*/ 731520 h 738678"/>
+              <a:gd name="connsiteX0" fmla="*/ 0 w 4168140"/>
+              <a:gd name="connsiteY0" fmla="*/ 731520 h 738678"/>
+              <a:gd name="connsiteX1" fmla="*/ 2118360 w 4168140"/>
+              <a:gd name="connsiteY1" fmla="*/ 495300 h 738678"/>
+              <a:gd name="connsiteX2" fmla="*/ 4152900 w 4168140"/>
+              <a:gd name="connsiteY2" fmla="*/ 716280 h 738678"/>
+              <a:gd name="connsiteX3" fmla="*/ 4168140 w 4168140"/>
+              <a:gd name="connsiteY3" fmla="*/ 160020 h 738678"/>
+              <a:gd name="connsiteX4" fmla="*/ 2171700 w 4168140"/>
+              <a:gd name="connsiteY4" fmla="*/ 0 h 738678"/>
+              <a:gd name="connsiteX5" fmla="*/ 0 w 4168140"/>
+              <a:gd name="connsiteY5" fmla="*/ 160020 h 738678"/>
+              <a:gd name="connsiteX6" fmla="*/ 0 w 4168140"/>
+              <a:gd name="connsiteY6" fmla="*/ 731520 h 738678"/>
+              <a:gd name="connsiteX0" fmla="*/ 0 w 4168140"/>
+              <a:gd name="connsiteY0" fmla="*/ 731520 h 738678"/>
+              <a:gd name="connsiteX1" fmla="*/ 2118360 w 4168140"/>
+              <a:gd name="connsiteY1" fmla="*/ 495300 h 738678"/>
+              <a:gd name="connsiteX2" fmla="*/ 4152900 w 4168140"/>
+              <a:gd name="connsiteY2" fmla="*/ 716280 h 738678"/>
+              <a:gd name="connsiteX3" fmla="*/ 4168140 w 4168140"/>
+              <a:gd name="connsiteY3" fmla="*/ 160020 h 738678"/>
+              <a:gd name="connsiteX4" fmla="*/ 2171700 w 4168140"/>
+              <a:gd name="connsiteY4" fmla="*/ 0 h 738678"/>
+              <a:gd name="connsiteX5" fmla="*/ 0 w 4168140"/>
+              <a:gd name="connsiteY5" fmla="*/ 160020 h 738678"/>
+              <a:gd name="connsiteX6" fmla="*/ 0 w 4168140"/>
+              <a:gd name="connsiteY6" fmla="*/ 731520 h 738678"/>
+              <a:gd name="connsiteX0" fmla="*/ 0 w 4168140"/>
+              <a:gd name="connsiteY0" fmla="*/ 731520 h 731520"/>
+              <a:gd name="connsiteX1" fmla="*/ 2118360 w 4168140"/>
+              <a:gd name="connsiteY1" fmla="*/ 495300 h 731520"/>
+              <a:gd name="connsiteX2" fmla="*/ 4152900 w 4168140"/>
+              <a:gd name="connsiteY2" fmla="*/ 716280 h 731520"/>
+              <a:gd name="connsiteX3" fmla="*/ 4168140 w 4168140"/>
+              <a:gd name="connsiteY3" fmla="*/ 160020 h 731520"/>
+              <a:gd name="connsiteX4" fmla="*/ 2171700 w 4168140"/>
+              <a:gd name="connsiteY4" fmla="*/ 0 h 731520"/>
+              <a:gd name="connsiteX5" fmla="*/ 0 w 4168140"/>
+              <a:gd name="connsiteY5" fmla="*/ 160020 h 731520"/>
+              <a:gd name="connsiteX6" fmla="*/ 0 w 4168140"/>
+              <a:gd name="connsiteY6" fmla="*/ 731520 h 731520"/>
+              <a:gd name="connsiteX0" fmla="*/ 0 w 4168140"/>
+              <a:gd name="connsiteY0" fmla="*/ 731520 h 731520"/>
+              <a:gd name="connsiteX1" fmla="*/ 2118360 w 4168140"/>
+              <a:gd name="connsiteY1" fmla="*/ 495300 h 731520"/>
+              <a:gd name="connsiteX2" fmla="*/ 4152900 w 4168140"/>
+              <a:gd name="connsiteY2" fmla="*/ 716280 h 731520"/>
+              <a:gd name="connsiteX3" fmla="*/ 4168140 w 4168140"/>
+              <a:gd name="connsiteY3" fmla="*/ 160020 h 731520"/>
+              <a:gd name="connsiteX4" fmla="*/ 2171700 w 4168140"/>
+              <a:gd name="connsiteY4" fmla="*/ 0 h 731520"/>
+              <a:gd name="connsiteX5" fmla="*/ 0 w 4168140"/>
+              <a:gd name="connsiteY5" fmla="*/ 160020 h 731520"/>
+              <a:gd name="connsiteX6" fmla="*/ 0 w 4168140"/>
+              <a:gd name="connsiteY6" fmla="*/ 731520 h 731520"/>
+              <a:gd name="connsiteX0" fmla="*/ 0 w 4168140"/>
+              <a:gd name="connsiteY0" fmla="*/ 731520 h 731520"/>
+              <a:gd name="connsiteX1" fmla="*/ 2118360 w 4168140"/>
+              <a:gd name="connsiteY1" fmla="*/ 495300 h 731520"/>
+              <a:gd name="connsiteX2" fmla="*/ 4152900 w 4168140"/>
+              <a:gd name="connsiteY2" fmla="*/ 716280 h 731520"/>
+              <a:gd name="connsiteX3" fmla="*/ 4168140 w 4168140"/>
+              <a:gd name="connsiteY3" fmla="*/ 160020 h 731520"/>
+              <a:gd name="connsiteX4" fmla="*/ 2171700 w 4168140"/>
+              <a:gd name="connsiteY4" fmla="*/ 0 h 731520"/>
+              <a:gd name="connsiteX5" fmla="*/ 0 w 4168140"/>
+              <a:gd name="connsiteY5" fmla="*/ 160020 h 731520"/>
+              <a:gd name="connsiteX6" fmla="*/ 0 w 4168140"/>
+              <a:gd name="connsiteY6" fmla="*/ 731520 h 731520"/>
+              <a:gd name="connsiteX0" fmla="*/ 0 w 4168140"/>
+              <a:gd name="connsiteY0" fmla="*/ 731520 h 731520"/>
+              <a:gd name="connsiteX1" fmla="*/ 2118360 w 4168140"/>
+              <a:gd name="connsiteY1" fmla="*/ 495300 h 731520"/>
+              <a:gd name="connsiteX2" fmla="*/ 4152900 w 4168140"/>
+              <a:gd name="connsiteY2" fmla="*/ 716280 h 731520"/>
+              <a:gd name="connsiteX3" fmla="*/ 4168140 w 4168140"/>
+              <a:gd name="connsiteY3" fmla="*/ 160020 h 731520"/>
+              <a:gd name="connsiteX4" fmla="*/ 2171700 w 4168140"/>
+              <a:gd name="connsiteY4" fmla="*/ 0 h 731520"/>
+              <a:gd name="connsiteX5" fmla="*/ 0 w 4168140"/>
+              <a:gd name="connsiteY5" fmla="*/ 160020 h 731520"/>
+              <a:gd name="connsiteX6" fmla="*/ 0 w 4168140"/>
+              <a:gd name="connsiteY6" fmla="*/ 731520 h 731520"/>
+              <a:gd name="connsiteX0" fmla="*/ 0 w 4152900"/>
+              <a:gd name="connsiteY0" fmla="*/ 731520 h 731520"/>
+              <a:gd name="connsiteX1" fmla="*/ 2118360 w 4152900"/>
+              <a:gd name="connsiteY1" fmla="*/ 495300 h 731520"/>
+              <a:gd name="connsiteX2" fmla="*/ 4152900 w 4152900"/>
+              <a:gd name="connsiteY2" fmla="*/ 716280 h 731520"/>
+              <a:gd name="connsiteX3" fmla="*/ 4152900 w 4152900"/>
+              <a:gd name="connsiteY3" fmla="*/ 160020 h 731520"/>
+              <a:gd name="connsiteX4" fmla="*/ 2171700 w 4152900"/>
+              <a:gd name="connsiteY4" fmla="*/ 0 h 731520"/>
+              <a:gd name="connsiteX5" fmla="*/ 0 w 4152900"/>
+              <a:gd name="connsiteY5" fmla="*/ 160020 h 731520"/>
+              <a:gd name="connsiteX6" fmla="*/ 0 w 4152900"/>
+              <a:gd name="connsiteY6" fmla="*/ 731520 h 731520"/>
+              <a:gd name="connsiteX0" fmla="*/ 0 w 4152900"/>
+              <a:gd name="connsiteY0" fmla="*/ 731520 h 731520"/>
+              <a:gd name="connsiteX1" fmla="*/ 2118360 w 4152900"/>
+              <a:gd name="connsiteY1" fmla="*/ 495300 h 731520"/>
+              <a:gd name="connsiteX2" fmla="*/ 4152900 w 4152900"/>
+              <a:gd name="connsiteY2" fmla="*/ 716280 h 731520"/>
+              <a:gd name="connsiteX3" fmla="*/ 4152900 w 4152900"/>
+              <a:gd name="connsiteY3" fmla="*/ 160020 h 731520"/>
+              <a:gd name="connsiteX4" fmla="*/ 2103120 w 4152900"/>
+              <a:gd name="connsiteY4" fmla="*/ 0 h 731520"/>
+              <a:gd name="connsiteX5" fmla="*/ 0 w 4152900"/>
+              <a:gd name="connsiteY5" fmla="*/ 160020 h 731520"/>
+              <a:gd name="connsiteX6" fmla="*/ 0 w 4152900"/>
+              <a:gd name="connsiteY6" fmla="*/ 731520 h 731520"/>
+              <a:gd name="connsiteX0" fmla="*/ 0 w 4152900"/>
+              <a:gd name="connsiteY0" fmla="*/ 731520 h 731520"/>
+              <a:gd name="connsiteX1" fmla="*/ 2118360 w 4152900"/>
+              <a:gd name="connsiteY1" fmla="*/ 495300 h 731520"/>
+              <a:gd name="connsiteX2" fmla="*/ 4152900 w 4152900"/>
+              <a:gd name="connsiteY2" fmla="*/ 716280 h 731520"/>
+              <a:gd name="connsiteX3" fmla="*/ 4152900 w 4152900"/>
+              <a:gd name="connsiteY3" fmla="*/ 160020 h 731520"/>
+              <a:gd name="connsiteX4" fmla="*/ 2133600 w 4152900"/>
+              <a:gd name="connsiteY4" fmla="*/ 0 h 731520"/>
+              <a:gd name="connsiteX5" fmla="*/ 0 w 4152900"/>
+              <a:gd name="connsiteY5" fmla="*/ 160020 h 731520"/>
+              <a:gd name="connsiteX6" fmla="*/ 0 w 4152900"/>
+              <a:gd name="connsiteY6" fmla="*/ 731520 h 731520"/>
+              <a:gd name="connsiteX0" fmla="*/ 0 w 4152900"/>
+              <a:gd name="connsiteY0" fmla="*/ 754380 h 754380"/>
+              <a:gd name="connsiteX1" fmla="*/ 2118360 w 4152900"/>
+              <a:gd name="connsiteY1" fmla="*/ 518160 h 754380"/>
+              <a:gd name="connsiteX2" fmla="*/ 4152900 w 4152900"/>
+              <a:gd name="connsiteY2" fmla="*/ 739140 h 754380"/>
+              <a:gd name="connsiteX3" fmla="*/ 4152900 w 4152900"/>
+              <a:gd name="connsiteY3" fmla="*/ 182880 h 754380"/>
+              <a:gd name="connsiteX4" fmla="*/ 2125980 w 4152900"/>
+              <a:gd name="connsiteY4" fmla="*/ 0 h 754380"/>
+              <a:gd name="connsiteX5" fmla="*/ 0 w 4152900"/>
+              <a:gd name="connsiteY5" fmla="*/ 182880 h 754380"/>
+              <a:gd name="connsiteX6" fmla="*/ 0 w 4152900"/>
+              <a:gd name="connsiteY6" fmla="*/ 754380 h 754380"/>
+              <a:gd name="connsiteX0" fmla="*/ 0 w 4152900"/>
+              <a:gd name="connsiteY0" fmla="*/ 792480 h 792480"/>
+              <a:gd name="connsiteX1" fmla="*/ 2118360 w 4152900"/>
+              <a:gd name="connsiteY1" fmla="*/ 556260 h 792480"/>
+              <a:gd name="connsiteX2" fmla="*/ 4152900 w 4152900"/>
+              <a:gd name="connsiteY2" fmla="*/ 777240 h 792480"/>
+              <a:gd name="connsiteX3" fmla="*/ 4152900 w 4152900"/>
+              <a:gd name="connsiteY3" fmla="*/ 220980 h 792480"/>
+              <a:gd name="connsiteX4" fmla="*/ 2118360 w 4152900"/>
+              <a:gd name="connsiteY4" fmla="*/ 0 h 792480"/>
+              <a:gd name="connsiteX5" fmla="*/ 0 w 4152900"/>
+              <a:gd name="connsiteY5" fmla="*/ 220980 h 792480"/>
+              <a:gd name="connsiteX6" fmla="*/ 0 w 4152900"/>
+              <a:gd name="connsiteY6" fmla="*/ 792480 h 792480"/>
+              <a:gd name="connsiteX0" fmla="*/ 0 w 4152900"/>
+              <a:gd name="connsiteY0" fmla="*/ 792480 h 792480"/>
+              <a:gd name="connsiteX1" fmla="*/ 2118360 w 4152900"/>
+              <a:gd name="connsiteY1" fmla="*/ 556260 h 792480"/>
+              <a:gd name="connsiteX2" fmla="*/ 4152900 w 4152900"/>
+              <a:gd name="connsiteY2" fmla="*/ 777240 h 792480"/>
+              <a:gd name="connsiteX3" fmla="*/ 4152900 w 4152900"/>
+              <a:gd name="connsiteY3" fmla="*/ 220980 h 792480"/>
+              <a:gd name="connsiteX4" fmla="*/ 2118360 w 4152900"/>
+              <a:gd name="connsiteY4" fmla="*/ 0 h 792480"/>
+              <a:gd name="connsiteX5" fmla="*/ 0 w 4152900"/>
+              <a:gd name="connsiteY5" fmla="*/ 220980 h 792480"/>
+              <a:gd name="connsiteX6" fmla="*/ 0 w 4152900"/>
+              <a:gd name="connsiteY6" fmla="*/ 792480 h 792480"/>
+              <a:gd name="connsiteX0" fmla="*/ 0 w 4152900"/>
+              <a:gd name="connsiteY0" fmla="*/ 792480 h 792480"/>
+              <a:gd name="connsiteX1" fmla="*/ 2118360 w 4152900"/>
+              <a:gd name="connsiteY1" fmla="*/ 556260 h 792480"/>
+              <a:gd name="connsiteX2" fmla="*/ 4152900 w 4152900"/>
+              <a:gd name="connsiteY2" fmla="*/ 777240 h 792480"/>
+              <a:gd name="connsiteX3" fmla="*/ 4152900 w 4152900"/>
+              <a:gd name="connsiteY3" fmla="*/ 220980 h 792480"/>
+              <a:gd name="connsiteX4" fmla="*/ 2118360 w 4152900"/>
+              <a:gd name="connsiteY4" fmla="*/ 0 h 792480"/>
+              <a:gd name="connsiteX5" fmla="*/ 0 w 4152900"/>
+              <a:gd name="connsiteY5" fmla="*/ 220980 h 792480"/>
+              <a:gd name="connsiteX6" fmla="*/ 0 w 4152900"/>
+              <a:gd name="connsiteY6" fmla="*/ 792480 h 792480"/>
+              <a:gd name="connsiteX0" fmla="*/ 0 w 4152900"/>
+              <a:gd name="connsiteY0" fmla="*/ 792480 h 792480"/>
+              <a:gd name="connsiteX1" fmla="*/ 2118360 w 4152900"/>
+              <a:gd name="connsiteY1" fmla="*/ 556260 h 792480"/>
+              <a:gd name="connsiteX2" fmla="*/ 4152900 w 4152900"/>
+              <a:gd name="connsiteY2" fmla="*/ 777240 h 792480"/>
+              <a:gd name="connsiteX3" fmla="*/ 4152900 w 4152900"/>
+              <a:gd name="connsiteY3" fmla="*/ 220980 h 792480"/>
+              <a:gd name="connsiteX4" fmla="*/ 2118360 w 4152900"/>
+              <a:gd name="connsiteY4" fmla="*/ 0 h 792480"/>
+              <a:gd name="connsiteX5" fmla="*/ 0 w 4152900"/>
+              <a:gd name="connsiteY5" fmla="*/ 220980 h 792480"/>
+              <a:gd name="connsiteX6" fmla="*/ 0 w 4152900"/>
+              <a:gd name="connsiteY6" fmla="*/ 792480 h 792480"/>
+              <a:gd name="connsiteX0" fmla="*/ 0 w 4152900"/>
+              <a:gd name="connsiteY0" fmla="*/ 1013460 h 1013460"/>
+              <a:gd name="connsiteX1" fmla="*/ 2118360 w 4152900"/>
+              <a:gd name="connsiteY1" fmla="*/ 777240 h 1013460"/>
+              <a:gd name="connsiteX2" fmla="*/ 4152900 w 4152900"/>
+              <a:gd name="connsiteY2" fmla="*/ 998220 h 1013460"/>
+              <a:gd name="connsiteX3" fmla="*/ 4152900 w 4152900"/>
+              <a:gd name="connsiteY3" fmla="*/ 441960 h 1013460"/>
+              <a:gd name="connsiteX4" fmla="*/ 2110740 w 4152900"/>
+              <a:gd name="connsiteY4" fmla="*/ 0 h 1013460"/>
+              <a:gd name="connsiteX5" fmla="*/ 0 w 4152900"/>
+              <a:gd name="connsiteY5" fmla="*/ 441960 h 1013460"/>
+              <a:gd name="connsiteX6" fmla="*/ 0 w 4152900"/>
+              <a:gd name="connsiteY6" fmla="*/ 1013460 h 1013460"/>
+              <a:gd name="connsiteX0" fmla="*/ 0 w 4152900"/>
+              <a:gd name="connsiteY0" fmla="*/ 1013460 h 1013460"/>
+              <a:gd name="connsiteX1" fmla="*/ 2110740 w 4152900"/>
+              <a:gd name="connsiteY1" fmla="*/ 586740 h 1013460"/>
+              <a:gd name="connsiteX2" fmla="*/ 4152900 w 4152900"/>
+              <a:gd name="connsiteY2" fmla="*/ 998220 h 1013460"/>
+              <a:gd name="connsiteX3" fmla="*/ 4152900 w 4152900"/>
+              <a:gd name="connsiteY3" fmla="*/ 441960 h 1013460"/>
+              <a:gd name="connsiteX4" fmla="*/ 2110740 w 4152900"/>
+              <a:gd name="connsiteY4" fmla="*/ 0 h 1013460"/>
+              <a:gd name="connsiteX5" fmla="*/ 0 w 4152900"/>
+              <a:gd name="connsiteY5" fmla="*/ 441960 h 1013460"/>
+              <a:gd name="connsiteX6" fmla="*/ 0 w 4152900"/>
+              <a:gd name="connsiteY6" fmla="*/ 1013460 h 1013460"/>
+              <a:gd name="connsiteX0" fmla="*/ 0 w 4152900"/>
+              <a:gd name="connsiteY0" fmla="*/ 1013460 h 1013460"/>
+              <a:gd name="connsiteX1" fmla="*/ 2110740 w 4152900"/>
+              <a:gd name="connsiteY1" fmla="*/ 586740 h 1013460"/>
+              <a:gd name="connsiteX2" fmla="*/ 4152900 w 4152900"/>
+              <a:gd name="connsiteY2" fmla="*/ 998220 h 1013460"/>
+              <a:gd name="connsiteX3" fmla="*/ 4152900 w 4152900"/>
+              <a:gd name="connsiteY3" fmla="*/ 441960 h 1013460"/>
+              <a:gd name="connsiteX4" fmla="*/ 2110740 w 4152900"/>
+              <a:gd name="connsiteY4" fmla="*/ 0 h 1013460"/>
+              <a:gd name="connsiteX5" fmla="*/ 0 w 4152900"/>
+              <a:gd name="connsiteY5" fmla="*/ 441960 h 1013460"/>
+              <a:gd name="connsiteX6" fmla="*/ 0 w 4152900"/>
+              <a:gd name="connsiteY6" fmla="*/ 1013460 h 1013460"/>
+              <a:gd name="connsiteX0" fmla="*/ 0 w 4152900"/>
+              <a:gd name="connsiteY0" fmla="*/ 1013460 h 1013460"/>
+              <a:gd name="connsiteX1" fmla="*/ 2110740 w 4152900"/>
+              <a:gd name="connsiteY1" fmla="*/ 586740 h 1013460"/>
+              <a:gd name="connsiteX2" fmla="*/ 4152900 w 4152900"/>
+              <a:gd name="connsiteY2" fmla="*/ 998220 h 1013460"/>
+              <a:gd name="connsiteX3" fmla="*/ 4152900 w 4152900"/>
+              <a:gd name="connsiteY3" fmla="*/ 441960 h 1013460"/>
+              <a:gd name="connsiteX4" fmla="*/ 2110740 w 4152900"/>
+              <a:gd name="connsiteY4" fmla="*/ 0 h 1013460"/>
+              <a:gd name="connsiteX5" fmla="*/ 0 w 4152900"/>
+              <a:gd name="connsiteY5" fmla="*/ 441960 h 1013460"/>
+              <a:gd name="connsiteX6" fmla="*/ 0 w 4152900"/>
+              <a:gd name="connsiteY6" fmla="*/ 1013460 h 1013460"/>
+              <a:gd name="connsiteX0" fmla="*/ 0 w 4152900"/>
+              <a:gd name="connsiteY0" fmla="*/ 1013460 h 1013460"/>
+              <a:gd name="connsiteX1" fmla="*/ 2110740 w 4152900"/>
+              <a:gd name="connsiteY1" fmla="*/ 586740 h 1013460"/>
+              <a:gd name="connsiteX2" fmla="*/ 4152900 w 4152900"/>
+              <a:gd name="connsiteY2" fmla="*/ 998220 h 1013460"/>
+              <a:gd name="connsiteX3" fmla="*/ 4152900 w 4152900"/>
+              <a:gd name="connsiteY3" fmla="*/ 441960 h 1013460"/>
+              <a:gd name="connsiteX4" fmla="*/ 2110740 w 4152900"/>
+              <a:gd name="connsiteY4" fmla="*/ 0 h 1013460"/>
+              <a:gd name="connsiteX5" fmla="*/ 0 w 4152900"/>
+              <a:gd name="connsiteY5" fmla="*/ 441960 h 1013460"/>
+              <a:gd name="connsiteX6" fmla="*/ 0 w 4152900"/>
+              <a:gd name="connsiteY6" fmla="*/ 1013460 h 1013460"/>
+              <a:gd name="connsiteX0" fmla="*/ 0 w 4152900"/>
+              <a:gd name="connsiteY0" fmla="*/ 1013460 h 1013460"/>
+              <a:gd name="connsiteX1" fmla="*/ 2110740 w 4152900"/>
+              <a:gd name="connsiteY1" fmla="*/ 586740 h 1013460"/>
+              <a:gd name="connsiteX2" fmla="*/ 4152900 w 4152900"/>
+              <a:gd name="connsiteY2" fmla="*/ 998220 h 1013460"/>
+              <a:gd name="connsiteX3" fmla="*/ 4152900 w 4152900"/>
+              <a:gd name="connsiteY3" fmla="*/ 441960 h 1013460"/>
+              <a:gd name="connsiteX4" fmla="*/ 2110740 w 4152900"/>
+              <a:gd name="connsiteY4" fmla="*/ 0 h 1013460"/>
+              <a:gd name="connsiteX5" fmla="*/ 0 w 4152900"/>
+              <a:gd name="connsiteY5" fmla="*/ 441960 h 1013460"/>
+              <a:gd name="connsiteX6" fmla="*/ 0 w 4152900"/>
+              <a:gd name="connsiteY6" fmla="*/ 1013460 h 1013460"/>
+              <a:gd name="connsiteX0" fmla="*/ 0 w 4152900"/>
+              <a:gd name="connsiteY0" fmla="*/ 1024913 h 1024913"/>
+              <a:gd name="connsiteX1" fmla="*/ 2110740 w 4152900"/>
+              <a:gd name="connsiteY1" fmla="*/ 598193 h 1024913"/>
+              <a:gd name="connsiteX2" fmla="*/ 4152900 w 4152900"/>
+              <a:gd name="connsiteY2" fmla="*/ 1009673 h 1024913"/>
+              <a:gd name="connsiteX3" fmla="*/ 4152900 w 4152900"/>
+              <a:gd name="connsiteY3" fmla="*/ 453413 h 1024913"/>
+              <a:gd name="connsiteX4" fmla="*/ 2110740 w 4152900"/>
+              <a:gd name="connsiteY4" fmla="*/ 11453 h 1024913"/>
+              <a:gd name="connsiteX5" fmla="*/ 969027 w 4152900"/>
+              <a:gd name="connsiteY5" fmla="*/ 157357 h 1024913"/>
+              <a:gd name="connsiteX6" fmla="*/ 0 w 4152900"/>
+              <a:gd name="connsiteY6" fmla="*/ 453413 h 1024913"/>
+              <a:gd name="connsiteX7" fmla="*/ 0 w 4152900"/>
+              <a:gd name="connsiteY7" fmla="*/ 1024913 h 1024913"/>
+              <a:gd name="connsiteX0" fmla="*/ 0 w 4152900"/>
+              <a:gd name="connsiteY0" fmla="*/ 1024913 h 1030119"/>
+              <a:gd name="connsiteX1" fmla="*/ 1045227 w 4152900"/>
+              <a:gd name="connsiteY1" fmla="*/ 728858 h 1030119"/>
+              <a:gd name="connsiteX2" fmla="*/ 2110740 w 4152900"/>
+              <a:gd name="connsiteY2" fmla="*/ 598193 h 1030119"/>
+              <a:gd name="connsiteX3" fmla="*/ 4152900 w 4152900"/>
+              <a:gd name="connsiteY3" fmla="*/ 1009673 h 1030119"/>
+              <a:gd name="connsiteX4" fmla="*/ 4152900 w 4152900"/>
+              <a:gd name="connsiteY4" fmla="*/ 453413 h 1030119"/>
+              <a:gd name="connsiteX5" fmla="*/ 2110740 w 4152900"/>
+              <a:gd name="connsiteY5" fmla="*/ 11453 h 1030119"/>
+              <a:gd name="connsiteX6" fmla="*/ 969027 w 4152900"/>
+              <a:gd name="connsiteY6" fmla="*/ 157357 h 1030119"/>
+              <a:gd name="connsiteX7" fmla="*/ 0 w 4152900"/>
+              <a:gd name="connsiteY7" fmla="*/ 453413 h 1030119"/>
+              <a:gd name="connsiteX8" fmla="*/ 0 w 4152900"/>
+              <a:gd name="connsiteY8" fmla="*/ 1024913 h 1030119"/>
+              <a:gd name="connsiteX0" fmla="*/ 0 w 4152900"/>
+              <a:gd name="connsiteY0" fmla="*/ 1024913 h 1030119"/>
+              <a:gd name="connsiteX1" fmla="*/ 1045227 w 4152900"/>
+              <a:gd name="connsiteY1" fmla="*/ 728858 h 1030119"/>
+              <a:gd name="connsiteX2" fmla="*/ 2110740 w 4152900"/>
+              <a:gd name="connsiteY2" fmla="*/ 598193 h 1030119"/>
+              <a:gd name="connsiteX3" fmla="*/ 4152900 w 4152900"/>
+              <a:gd name="connsiteY3" fmla="*/ 1009673 h 1030119"/>
+              <a:gd name="connsiteX4" fmla="*/ 4152900 w 4152900"/>
+              <a:gd name="connsiteY4" fmla="*/ 453413 h 1030119"/>
+              <a:gd name="connsiteX5" fmla="*/ 3239787 w 4152900"/>
+              <a:gd name="connsiteY5" fmla="*/ 172598 h 1030119"/>
+              <a:gd name="connsiteX6" fmla="*/ 2110740 w 4152900"/>
+              <a:gd name="connsiteY6" fmla="*/ 11453 h 1030119"/>
+              <a:gd name="connsiteX7" fmla="*/ 969027 w 4152900"/>
+              <a:gd name="connsiteY7" fmla="*/ 157357 h 1030119"/>
+              <a:gd name="connsiteX8" fmla="*/ 0 w 4152900"/>
+              <a:gd name="connsiteY8" fmla="*/ 453413 h 1030119"/>
+              <a:gd name="connsiteX9" fmla="*/ 0 w 4152900"/>
+              <a:gd name="connsiteY9" fmla="*/ 1024913 h 1030119"/>
+              <a:gd name="connsiteX0" fmla="*/ 0 w 4152900"/>
+              <a:gd name="connsiteY0" fmla="*/ 1024913 h 1030119"/>
+              <a:gd name="connsiteX1" fmla="*/ 1045227 w 4152900"/>
+              <a:gd name="connsiteY1" fmla="*/ 728858 h 1030119"/>
+              <a:gd name="connsiteX2" fmla="*/ 2110740 w 4152900"/>
+              <a:gd name="connsiteY2" fmla="*/ 598193 h 1030119"/>
+              <a:gd name="connsiteX3" fmla="*/ 3194067 w 4152900"/>
+              <a:gd name="connsiteY3" fmla="*/ 774578 h 1030119"/>
+              <a:gd name="connsiteX4" fmla="*/ 4152900 w 4152900"/>
+              <a:gd name="connsiteY4" fmla="*/ 1009673 h 1030119"/>
+              <a:gd name="connsiteX5" fmla="*/ 4152900 w 4152900"/>
+              <a:gd name="connsiteY5" fmla="*/ 453413 h 1030119"/>
+              <a:gd name="connsiteX6" fmla="*/ 3239787 w 4152900"/>
+              <a:gd name="connsiteY6" fmla="*/ 172598 h 1030119"/>
+              <a:gd name="connsiteX7" fmla="*/ 2110740 w 4152900"/>
+              <a:gd name="connsiteY7" fmla="*/ 11453 h 1030119"/>
+              <a:gd name="connsiteX8" fmla="*/ 969027 w 4152900"/>
+              <a:gd name="connsiteY8" fmla="*/ 157357 h 1030119"/>
+              <a:gd name="connsiteX9" fmla="*/ 0 w 4152900"/>
+              <a:gd name="connsiteY9" fmla="*/ 453413 h 1030119"/>
+              <a:gd name="connsiteX10" fmla="*/ 0 w 4152900"/>
+              <a:gd name="connsiteY10" fmla="*/ 1024913 h 1030119"/>
+              <a:gd name="connsiteX0" fmla="*/ 0 w 4152900"/>
+              <a:gd name="connsiteY0" fmla="*/ 1024913 h 1251422"/>
+              <a:gd name="connsiteX1" fmla="*/ 1045227 w 4152900"/>
+              <a:gd name="connsiteY1" fmla="*/ 728858 h 1251422"/>
+              <a:gd name="connsiteX2" fmla="*/ 2110740 w 4152900"/>
+              <a:gd name="connsiteY2" fmla="*/ 598193 h 1251422"/>
+              <a:gd name="connsiteX3" fmla="*/ 3140727 w 4152900"/>
+              <a:gd name="connsiteY3" fmla="*/ 1239398 h 1251422"/>
+              <a:gd name="connsiteX4" fmla="*/ 4152900 w 4152900"/>
+              <a:gd name="connsiteY4" fmla="*/ 1009673 h 1251422"/>
+              <a:gd name="connsiteX5" fmla="*/ 4152900 w 4152900"/>
+              <a:gd name="connsiteY5" fmla="*/ 453413 h 1251422"/>
+              <a:gd name="connsiteX6" fmla="*/ 3239787 w 4152900"/>
+              <a:gd name="connsiteY6" fmla="*/ 172598 h 1251422"/>
+              <a:gd name="connsiteX7" fmla="*/ 2110740 w 4152900"/>
+              <a:gd name="connsiteY7" fmla="*/ 11453 h 1251422"/>
+              <a:gd name="connsiteX8" fmla="*/ 969027 w 4152900"/>
+              <a:gd name="connsiteY8" fmla="*/ 157357 h 1251422"/>
+              <a:gd name="connsiteX9" fmla="*/ 0 w 4152900"/>
+              <a:gd name="connsiteY9" fmla="*/ 453413 h 1251422"/>
+              <a:gd name="connsiteX10" fmla="*/ 0 w 4152900"/>
+              <a:gd name="connsiteY10" fmla="*/ 1024913 h 1251422"/>
+              <a:gd name="connsiteX0" fmla="*/ 0 w 4152900"/>
+              <a:gd name="connsiteY0" fmla="*/ 1032719 h 1259228"/>
+              <a:gd name="connsiteX1" fmla="*/ 1045227 w 4152900"/>
+              <a:gd name="connsiteY1" fmla="*/ 736664 h 1259228"/>
+              <a:gd name="connsiteX2" fmla="*/ 2110740 w 4152900"/>
+              <a:gd name="connsiteY2" fmla="*/ 605999 h 1259228"/>
+              <a:gd name="connsiteX3" fmla="*/ 3140727 w 4152900"/>
+              <a:gd name="connsiteY3" fmla="*/ 1247204 h 1259228"/>
+              <a:gd name="connsiteX4" fmla="*/ 4152900 w 4152900"/>
+              <a:gd name="connsiteY4" fmla="*/ 1017479 h 1259228"/>
+              <a:gd name="connsiteX5" fmla="*/ 4152900 w 4152900"/>
+              <a:gd name="connsiteY5" fmla="*/ 461219 h 1259228"/>
+              <a:gd name="connsiteX6" fmla="*/ 3232167 w 4152900"/>
+              <a:gd name="connsiteY6" fmla="*/ 591884 h 1259228"/>
+              <a:gd name="connsiteX7" fmla="*/ 2110740 w 4152900"/>
+              <a:gd name="connsiteY7" fmla="*/ 19259 h 1259228"/>
+              <a:gd name="connsiteX8" fmla="*/ 969027 w 4152900"/>
+              <a:gd name="connsiteY8" fmla="*/ 165163 h 1259228"/>
+              <a:gd name="connsiteX9" fmla="*/ 0 w 4152900"/>
+              <a:gd name="connsiteY9" fmla="*/ 461219 h 1259228"/>
+              <a:gd name="connsiteX10" fmla="*/ 0 w 4152900"/>
+              <a:gd name="connsiteY10" fmla="*/ 1032719 h 1259228"/>
+              <a:gd name="connsiteX0" fmla="*/ 0 w 4152900"/>
+              <a:gd name="connsiteY0" fmla="*/ 1039703 h 1266212"/>
+              <a:gd name="connsiteX1" fmla="*/ 1045227 w 4152900"/>
+              <a:gd name="connsiteY1" fmla="*/ 743648 h 1266212"/>
+              <a:gd name="connsiteX2" fmla="*/ 2110740 w 4152900"/>
+              <a:gd name="connsiteY2" fmla="*/ 612983 h 1266212"/>
+              <a:gd name="connsiteX3" fmla="*/ 3140727 w 4152900"/>
+              <a:gd name="connsiteY3" fmla="*/ 1254188 h 1266212"/>
+              <a:gd name="connsiteX4" fmla="*/ 4152900 w 4152900"/>
+              <a:gd name="connsiteY4" fmla="*/ 1024463 h 1266212"/>
+              <a:gd name="connsiteX5" fmla="*/ 4152900 w 4152900"/>
+              <a:gd name="connsiteY5" fmla="*/ 468203 h 1266212"/>
+              <a:gd name="connsiteX6" fmla="*/ 3232167 w 4152900"/>
+              <a:gd name="connsiteY6" fmla="*/ 598868 h 1266212"/>
+              <a:gd name="connsiteX7" fmla="*/ 2110740 w 4152900"/>
+              <a:gd name="connsiteY7" fmla="*/ 26243 h 1266212"/>
+              <a:gd name="connsiteX8" fmla="*/ 969027 w 4152900"/>
+              <a:gd name="connsiteY8" fmla="*/ 134047 h 1266212"/>
+              <a:gd name="connsiteX9" fmla="*/ 0 w 4152900"/>
+              <a:gd name="connsiteY9" fmla="*/ 468203 h 1266212"/>
+              <a:gd name="connsiteX10" fmla="*/ 0 w 4152900"/>
+              <a:gd name="connsiteY10" fmla="*/ 1039703 h 1266212"/>
+              <a:gd name="connsiteX0" fmla="*/ 0 w 4152900"/>
+              <a:gd name="connsiteY0" fmla="*/ 1039703 h 1266212"/>
+              <a:gd name="connsiteX1" fmla="*/ 1052847 w 4152900"/>
+              <a:gd name="connsiteY1" fmla="*/ 675068 h 1266212"/>
+              <a:gd name="connsiteX2" fmla="*/ 2110740 w 4152900"/>
+              <a:gd name="connsiteY2" fmla="*/ 612983 h 1266212"/>
+              <a:gd name="connsiteX3" fmla="*/ 3140727 w 4152900"/>
+              <a:gd name="connsiteY3" fmla="*/ 1254188 h 1266212"/>
+              <a:gd name="connsiteX4" fmla="*/ 4152900 w 4152900"/>
+              <a:gd name="connsiteY4" fmla="*/ 1024463 h 1266212"/>
+              <a:gd name="connsiteX5" fmla="*/ 4152900 w 4152900"/>
+              <a:gd name="connsiteY5" fmla="*/ 468203 h 1266212"/>
+              <a:gd name="connsiteX6" fmla="*/ 3232167 w 4152900"/>
+              <a:gd name="connsiteY6" fmla="*/ 598868 h 1266212"/>
+              <a:gd name="connsiteX7" fmla="*/ 2110740 w 4152900"/>
+              <a:gd name="connsiteY7" fmla="*/ 26243 h 1266212"/>
+              <a:gd name="connsiteX8" fmla="*/ 969027 w 4152900"/>
+              <a:gd name="connsiteY8" fmla="*/ 134047 h 1266212"/>
+              <a:gd name="connsiteX9" fmla="*/ 0 w 4152900"/>
+              <a:gd name="connsiteY9" fmla="*/ 468203 h 1266212"/>
+              <a:gd name="connsiteX10" fmla="*/ 0 w 4152900"/>
+              <a:gd name="connsiteY10" fmla="*/ 1039703 h 1266212"/>
+              <a:gd name="connsiteX0" fmla="*/ 0 w 4152900"/>
+              <a:gd name="connsiteY0" fmla="*/ 1039703 h 1266212"/>
+              <a:gd name="connsiteX1" fmla="*/ 1052847 w 4152900"/>
+              <a:gd name="connsiteY1" fmla="*/ 675068 h 1266212"/>
+              <a:gd name="connsiteX2" fmla="*/ 2080260 w 4152900"/>
+              <a:gd name="connsiteY2" fmla="*/ 864443 h 1266212"/>
+              <a:gd name="connsiteX3" fmla="*/ 3140727 w 4152900"/>
+              <a:gd name="connsiteY3" fmla="*/ 1254188 h 1266212"/>
+              <a:gd name="connsiteX4" fmla="*/ 4152900 w 4152900"/>
+              <a:gd name="connsiteY4" fmla="*/ 1024463 h 1266212"/>
+              <a:gd name="connsiteX5" fmla="*/ 4152900 w 4152900"/>
+              <a:gd name="connsiteY5" fmla="*/ 468203 h 1266212"/>
+              <a:gd name="connsiteX6" fmla="*/ 3232167 w 4152900"/>
+              <a:gd name="connsiteY6" fmla="*/ 598868 h 1266212"/>
+              <a:gd name="connsiteX7" fmla="*/ 2110740 w 4152900"/>
+              <a:gd name="connsiteY7" fmla="*/ 26243 h 1266212"/>
+              <a:gd name="connsiteX8" fmla="*/ 969027 w 4152900"/>
+              <a:gd name="connsiteY8" fmla="*/ 134047 h 1266212"/>
+              <a:gd name="connsiteX9" fmla="*/ 0 w 4152900"/>
+              <a:gd name="connsiteY9" fmla="*/ 468203 h 1266212"/>
+              <a:gd name="connsiteX10" fmla="*/ 0 w 4152900"/>
+              <a:gd name="connsiteY10" fmla="*/ 1039703 h 1266212"/>
+              <a:gd name="connsiteX0" fmla="*/ 0 w 4152900"/>
+              <a:gd name="connsiteY0" fmla="*/ 1039703 h 1266212"/>
+              <a:gd name="connsiteX1" fmla="*/ 1052847 w 4152900"/>
+              <a:gd name="connsiteY1" fmla="*/ 675068 h 1266212"/>
+              <a:gd name="connsiteX2" fmla="*/ 2080260 w 4152900"/>
+              <a:gd name="connsiteY2" fmla="*/ 864443 h 1266212"/>
+              <a:gd name="connsiteX3" fmla="*/ 3140727 w 4152900"/>
+              <a:gd name="connsiteY3" fmla="*/ 1254188 h 1266212"/>
+              <a:gd name="connsiteX4" fmla="*/ 4152900 w 4152900"/>
+              <a:gd name="connsiteY4" fmla="*/ 1024463 h 1266212"/>
+              <a:gd name="connsiteX5" fmla="*/ 4152900 w 4152900"/>
+              <a:gd name="connsiteY5" fmla="*/ 468203 h 1266212"/>
+              <a:gd name="connsiteX6" fmla="*/ 3232167 w 4152900"/>
+              <a:gd name="connsiteY6" fmla="*/ 598868 h 1266212"/>
+              <a:gd name="connsiteX7" fmla="*/ 2110740 w 4152900"/>
+              <a:gd name="connsiteY7" fmla="*/ 26243 h 1266212"/>
+              <a:gd name="connsiteX8" fmla="*/ 969027 w 4152900"/>
+              <a:gd name="connsiteY8" fmla="*/ 134047 h 1266212"/>
+              <a:gd name="connsiteX9" fmla="*/ 0 w 4152900"/>
+              <a:gd name="connsiteY9" fmla="*/ 468203 h 1266212"/>
+              <a:gd name="connsiteX10" fmla="*/ 0 w 4152900"/>
+              <a:gd name="connsiteY10" fmla="*/ 1039703 h 1266212"/>
+              <a:gd name="connsiteX0" fmla="*/ 0 w 4152900"/>
+              <a:gd name="connsiteY0" fmla="*/ 1039703 h 1266212"/>
+              <a:gd name="connsiteX1" fmla="*/ 1052847 w 4152900"/>
+              <a:gd name="connsiteY1" fmla="*/ 675068 h 1266212"/>
+              <a:gd name="connsiteX2" fmla="*/ 2156460 w 4152900"/>
+              <a:gd name="connsiteY2" fmla="*/ 925403 h 1266212"/>
+              <a:gd name="connsiteX3" fmla="*/ 3140727 w 4152900"/>
+              <a:gd name="connsiteY3" fmla="*/ 1254188 h 1266212"/>
+              <a:gd name="connsiteX4" fmla="*/ 4152900 w 4152900"/>
+              <a:gd name="connsiteY4" fmla="*/ 1024463 h 1266212"/>
+              <a:gd name="connsiteX5" fmla="*/ 4152900 w 4152900"/>
+              <a:gd name="connsiteY5" fmla="*/ 468203 h 1266212"/>
+              <a:gd name="connsiteX6" fmla="*/ 3232167 w 4152900"/>
+              <a:gd name="connsiteY6" fmla="*/ 598868 h 1266212"/>
+              <a:gd name="connsiteX7" fmla="*/ 2110740 w 4152900"/>
+              <a:gd name="connsiteY7" fmla="*/ 26243 h 1266212"/>
+              <a:gd name="connsiteX8" fmla="*/ 969027 w 4152900"/>
+              <a:gd name="connsiteY8" fmla="*/ 134047 h 1266212"/>
+              <a:gd name="connsiteX9" fmla="*/ 0 w 4152900"/>
+              <a:gd name="connsiteY9" fmla="*/ 468203 h 1266212"/>
+              <a:gd name="connsiteX10" fmla="*/ 0 w 4152900"/>
+              <a:gd name="connsiteY10" fmla="*/ 1039703 h 1266212"/>
+              <a:gd name="connsiteX0" fmla="*/ 0 w 4152900"/>
+              <a:gd name="connsiteY0" fmla="*/ 1084935 h 1311444"/>
+              <a:gd name="connsiteX1" fmla="*/ 1052847 w 4152900"/>
+              <a:gd name="connsiteY1" fmla="*/ 720300 h 1311444"/>
+              <a:gd name="connsiteX2" fmla="*/ 2156460 w 4152900"/>
+              <a:gd name="connsiteY2" fmla="*/ 970635 h 1311444"/>
+              <a:gd name="connsiteX3" fmla="*/ 3140727 w 4152900"/>
+              <a:gd name="connsiteY3" fmla="*/ 1299420 h 1311444"/>
+              <a:gd name="connsiteX4" fmla="*/ 4152900 w 4152900"/>
+              <a:gd name="connsiteY4" fmla="*/ 1069695 h 1311444"/>
+              <a:gd name="connsiteX5" fmla="*/ 4152900 w 4152900"/>
+              <a:gd name="connsiteY5" fmla="*/ 513435 h 1311444"/>
+              <a:gd name="connsiteX6" fmla="*/ 3232167 w 4152900"/>
+              <a:gd name="connsiteY6" fmla="*/ 644100 h 1311444"/>
+              <a:gd name="connsiteX7" fmla="*/ 2110740 w 4152900"/>
+              <a:gd name="connsiteY7" fmla="*/ 71475 h 1311444"/>
+              <a:gd name="connsiteX8" fmla="*/ 969027 w 4152900"/>
+              <a:gd name="connsiteY8" fmla="*/ 179279 h 1311444"/>
+              <a:gd name="connsiteX9" fmla="*/ 0 w 4152900"/>
+              <a:gd name="connsiteY9" fmla="*/ 513435 h 1311444"/>
+              <a:gd name="connsiteX10" fmla="*/ 0 w 4152900"/>
+              <a:gd name="connsiteY10" fmla="*/ 1084935 h 1311444"/>
+              <a:gd name="connsiteX0" fmla="*/ 0 w 4152900"/>
+              <a:gd name="connsiteY0" fmla="*/ 923138 h 1149647"/>
+              <a:gd name="connsiteX1" fmla="*/ 1052847 w 4152900"/>
+              <a:gd name="connsiteY1" fmla="*/ 558503 h 1149647"/>
+              <a:gd name="connsiteX2" fmla="*/ 2156460 w 4152900"/>
+              <a:gd name="connsiteY2" fmla="*/ 808838 h 1149647"/>
+              <a:gd name="connsiteX3" fmla="*/ 3140727 w 4152900"/>
+              <a:gd name="connsiteY3" fmla="*/ 1137623 h 1149647"/>
+              <a:gd name="connsiteX4" fmla="*/ 4152900 w 4152900"/>
+              <a:gd name="connsiteY4" fmla="*/ 907898 h 1149647"/>
+              <a:gd name="connsiteX5" fmla="*/ 4152900 w 4152900"/>
+              <a:gd name="connsiteY5" fmla="*/ 351638 h 1149647"/>
+              <a:gd name="connsiteX6" fmla="*/ 3232167 w 4152900"/>
+              <a:gd name="connsiteY6" fmla="*/ 482303 h 1149647"/>
+              <a:gd name="connsiteX7" fmla="*/ 2301240 w 4152900"/>
+              <a:gd name="connsiteY7" fmla="*/ 298298 h 1149647"/>
+              <a:gd name="connsiteX8" fmla="*/ 969027 w 4152900"/>
+              <a:gd name="connsiteY8" fmla="*/ 17482 h 1149647"/>
+              <a:gd name="connsiteX9" fmla="*/ 0 w 4152900"/>
+              <a:gd name="connsiteY9" fmla="*/ 351638 h 1149647"/>
+              <a:gd name="connsiteX10" fmla="*/ 0 w 4152900"/>
+              <a:gd name="connsiteY10" fmla="*/ 923138 h 1149647"/>
+              <a:gd name="connsiteX0" fmla="*/ 0 w 4152900"/>
+              <a:gd name="connsiteY0" fmla="*/ 923138 h 1149647"/>
+              <a:gd name="connsiteX1" fmla="*/ 1052847 w 4152900"/>
+              <a:gd name="connsiteY1" fmla="*/ 558503 h 1149647"/>
+              <a:gd name="connsiteX2" fmla="*/ 2148840 w 4152900"/>
+              <a:gd name="connsiteY2" fmla="*/ 915518 h 1149647"/>
+              <a:gd name="connsiteX3" fmla="*/ 3140727 w 4152900"/>
+              <a:gd name="connsiteY3" fmla="*/ 1137623 h 1149647"/>
+              <a:gd name="connsiteX4" fmla="*/ 4152900 w 4152900"/>
+              <a:gd name="connsiteY4" fmla="*/ 907898 h 1149647"/>
+              <a:gd name="connsiteX5" fmla="*/ 4152900 w 4152900"/>
+              <a:gd name="connsiteY5" fmla="*/ 351638 h 1149647"/>
+              <a:gd name="connsiteX6" fmla="*/ 3232167 w 4152900"/>
+              <a:gd name="connsiteY6" fmla="*/ 482303 h 1149647"/>
+              <a:gd name="connsiteX7" fmla="*/ 2301240 w 4152900"/>
+              <a:gd name="connsiteY7" fmla="*/ 298298 h 1149647"/>
+              <a:gd name="connsiteX8" fmla="*/ 969027 w 4152900"/>
+              <a:gd name="connsiteY8" fmla="*/ 17482 h 1149647"/>
+              <a:gd name="connsiteX9" fmla="*/ 0 w 4152900"/>
+              <a:gd name="connsiteY9" fmla="*/ 351638 h 1149647"/>
+              <a:gd name="connsiteX10" fmla="*/ 0 w 4152900"/>
+              <a:gd name="connsiteY10" fmla="*/ 923138 h 1149647"/>
+              <a:gd name="connsiteX0" fmla="*/ 0 w 4152900"/>
+              <a:gd name="connsiteY0" fmla="*/ 920001 h 1146510"/>
+              <a:gd name="connsiteX1" fmla="*/ 1052847 w 4152900"/>
+              <a:gd name="connsiteY1" fmla="*/ 555366 h 1146510"/>
+              <a:gd name="connsiteX2" fmla="*/ 2148840 w 4152900"/>
+              <a:gd name="connsiteY2" fmla="*/ 912381 h 1146510"/>
+              <a:gd name="connsiteX3" fmla="*/ 3140727 w 4152900"/>
+              <a:gd name="connsiteY3" fmla="*/ 1134486 h 1146510"/>
+              <a:gd name="connsiteX4" fmla="*/ 4152900 w 4152900"/>
+              <a:gd name="connsiteY4" fmla="*/ 904761 h 1146510"/>
+              <a:gd name="connsiteX5" fmla="*/ 4152900 w 4152900"/>
+              <a:gd name="connsiteY5" fmla="*/ 348501 h 1146510"/>
+              <a:gd name="connsiteX6" fmla="*/ 3232167 w 4152900"/>
+              <a:gd name="connsiteY6" fmla="*/ 479166 h 1146510"/>
+              <a:gd name="connsiteX7" fmla="*/ 2202180 w 4152900"/>
+              <a:gd name="connsiteY7" fmla="*/ 348501 h 1146510"/>
+              <a:gd name="connsiteX8" fmla="*/ 969027 w 4152900"/>
+              <a:gd name="connsiteY8" fmla="*/ 14345 h 1146510"/>
+              <a:gd name="connsiteX9" fmla="*/ 0 w 4152900"/>
+              <a:gd name="connsiteY9" fmla="*/ 348501 h 1146510"/>
+              <a:gd name="connsiteX10" fmla="*/ 0 w 4152900"/>
+              <a:gd name="connsiteY10" fmla="*/ 920001 h 1146510"/>
+              <a:gd name="connsiteX0" fmla="*/ 0 w 4152900"/>
+              <a:gd name="connsiteY0" fmla="*/ 916748 h 1143257"/>
+              <a:gd name="connsiteX1" fmla="*/ 1052847 w 4152900"/>
+              <a:gd name="connsiteY1" fmla="*/ 552113 h 1143257"/>
+              <a:gd name="connsiteX2" fmla="*/ 2148840 w 4152900"/>
+              <a:gd name="connsiteY2" fmla="*/ 909128 h 1143257"/>
+              <a:gd name="connsiteX3" fmla="*/ 3140727 w 4152900"/>
+              <a:gd name="connsiteY3" fmla="*/ 1131233 h 1143257"/>
+              <a:gd name="connsiteX4" fmla="*/ 4152900 w 4152900"/>
+              <a:gd name="connsiteY4" fmla="*/ 901508 h 1143257"/>
+              <a:gd name="connsiteX5" fmla="*/ 4152900 w 4152900"/>
+              <a:gd name="connsiteY5" fmla="*/ 345248 h 1143257"/>
+              <a:gd name="connsiteX6" fmla="*/ 3232167 w 4152900"/>
+              <a:gd name="connsiteY6" fmla="*/ 574973 h 1143257"/>
+              <a:gd name="connsiteX7" fmla="*/ 2202180 w 4152900"/>
+              <a:gd name="connsiteY7" fmla="*/ 345248 h 1143257"/>
+              <a:gd name="connsiteX8" fmla="*/ 969027 w 4152900"/>
+              <a:gd name="connsiteY8" fmla="*/ 11092 h 1143257"/>
+              <a:gd name="connsiteX9" fmla="*/ 0 w 4152900"/>
+              <a:gd name="connsiteY9" fmla="*/ 345248 h 1143257"/>
+              <a:gd name="connsiteX10" fmla="*/ 0 w 4152900"/>
+              <a:gd name="connsiteY10" fmla="*/ 916748 h 1143257"/>
+              <a:gd name="connsiteX0" fmla="*/ 0 w 4152900"/>
+              <a:gd name="connsiteY0" fmla="*/ 916748 h 1143257"/>
+              <a:gd name="connsiteX1" fmla="*/ 1052847 w 4152900"/>
+              <a:gd name="connsiteY1" fmla="*/ 552113 h 1143257"/>
+              <a:gd name="connsiteX2" fmla="*/ 2148840 w 4152900"/>
+              <a:gd name="connsiteY2" fmla="*/ 909128 h 1143257"/>
+              <a:gd name="connsiteX3" fmla="*/ 3140727 w 4152900"/>
+              <a:gd name="connsiteY3" fmla="*/ 1131233 h 1143257"/>
+              <a:gd name="connsiteX4" fmla="*/ 4152900 w 4152900"/>
+              <a:gd name="connsiteY4" fmla="*/ 901508 h 1143257"/>
+              <a:gd name="connsiteX5" fmla="*/ 4152900 w 4152900"/>
+              <a:gd name="connsiteY5" fmla="*/ 345248 h 1143257"/>
+              <a:gd name="connsiteX6" fmla="*/ 3232167 w 4152900"/>
+              <a:gd name="connsiteY6" fmla="*/ 574973 h 1143257"/>
+              <a:gd name="connsiteX7" fmla="*/ 2202180 w 4152900"/>
+              <a:gd name="connsiteY7" fmla="*/ 345248 h 1143257"/>
+              <a:gd name="connsiteX8" fmla="*/ 969027 w 4152900"/>
+              <a:gd name="connsiteY8" fmla="*/ 11092 h 1143257"/>
+              <a:gd name="connsiteX9" fmla="*/ 0 w 4152900"/>
+              <a:gd name="connsiteY9" fmla="*/ 345248 h 1143257"/>
+              <a:gd name="connsiteX10" fmla="*/ 0 w 4152900"/>
+              <a:gd name="connsiteY10" fmla="*/ 916748 h 1143257"/>
+              <a:gd name="connsiteX0" fmla="*/ 0 w 4152900"/>
+              <a:gd name="connsiteY0" fmla="*/ 916748 h 1143257"/>
+              <a:gd name="connsiteX1" fmla="*/ 1052847 w 4152900"/>
+              <a:gd name="connsiteY1" fmla="*/ 552113 h 1143257"/>
+              <a:gd name="connsiteX2" fmla="*/ 2148840 w 4152900"/>
+              <a:gd name="connsiteY2" fmla="*/ 909128 h 1143257"/>
+              <a:gd name="connsiteX3" fmla="*/ 3140727 w 4152900"/>
+              <a:gd name="connsiteY3" fmla="*/ 1131233 h 1143257"/>
+              <a:gd name="connsiteX4" fmla="*/ 4152900 w 4152900"/>
+              <a:gd name="connsiteY4" fmla="*/ 901508 h 1143257"/>
+              <a:gd name="connsiteX5" fmla="*/ 4152900 w 4152900"/>
+              <a:gd name="connsiteY5" fmla="*/ 345248 h 1143257"/>
+              <a:gd name="connsiteX6" fmla="*/ 3232167 w 4152900"/>
+              <a:gd name="connsiteY6" fmla="*/ 574973 h 1143257"/>
+              <a:gd name="connsiteX7" fmla="*/ 2202180 w 4152900"/>
+              <a:gd name="connsiteY7" fmla="*/ 345248 h 1143257"/>
+              <a:gd name="connsiteX8" fmla="*/ 969027 w 4152900"/>
+              <a:gd name="connsiteY8" fmla="*/ 11092 h 1143257"/>
+              <a:gd name="connsiteX9" fmla="*/ 0 w 4152900"/>
+              <a:gd name="connsiteY9" fmla="*/ 345248 h 1143257"/>
+              <a:gd name="connsiteX10" fmla="*/ 0 w 4152900"/>
+              <a:gd name="connsiteY10" fmla="*/ 916748 h 1143257"/>
+              <a:gd name="connsiteX0" fmla="*/ 0 w 4152900"/>
+              <a:gd name="connsiteY0" fmla="*/ 916748 h 1143257"/>
+              <a:gd name="connsiteX1" fmla="*/ 1052847 w 4152900"/>
+              <a:gd name="connsiteY1" fmla="*/ 552113 h 1143257"/>
+              <a:gd name="connsiteX2" fmla="*/ 2148840 w 4152900"/>
+              <a:gd name="connsiteY2" fmla="*/ 909128 h 1143257"/>
+              <a:gd name="connsiteX3" fmla="*/ 3140727 w 4152900"/>
+              <a:gd name="connsiteY3" fmla="*/ 1131233 h 1143257"/>
+              <a:gd name="connsiteX4" fmla="*/ 4152900 w 4152900"/>
+              <a:gd name="connsiteY4" fmla="*/ 901508 h 1143257"/>
+              <a:gd name="connsiteX5" fmla="*/ 4152900 w 4152900"/>
+              <a:gd name="connsiteY5" fmla="*/ 345248 h 1143257"/>
+              <a:gd name="connsiteX6" fmla="*/ 3232167 w 4152900"/>
+              <a:gd name="connsiteY6" fmla="*/ 574973 h 1143257"/>
+              <a:gd name="connsiteX7" fmla="*/ 2202180 w 4152900"/>
+              <a:gd name="connsiteY7" fmla="*/ 345248 h 1143257"/>
+              <a:gd name="connsiteX8" fmla="*/ 969027 w 4152900"/>
+              <a:gd name="connsiteY8" fmla="*/ 11092 h 1143257"/>
+              <a:gd name="connsiteX9" fmla="*/ 0 w 4152900"/>
+              <a:gd name="connsiteY9" fmla="*/ 345248 h 1143257"/>
+              <a:gd name="connsiteX10" fmla="*/ 0 w 4152900"/>
+              <a:gd name="connsiteY10" fmla="*/ 916748 h 1143257"/>
+              <a:gd name="connsiteX0" fmla="*/ 0 w 4152900"/>
+              <a:gd name="connsiteY0" fmla="*/ 916748 h 1132093"/>
+              <a:gd name="connsiteX1" fmla="*/ 1052847 w 4152900"/>
+              <a:gd name="connsiteY1" fmla="*/ 552113 h 1132093"/>
+              <a:gd name="connsiteX2" fmla="*/ 2148840 w 4152900"/>
+              <a:gd name="connsiteY2" fmla="*/ 909128 h 1132093"/>
+              <a:gd name="connsiteX3" fmla="*/ 3140727 w 4152900"/>
+              <a:gd name="connsiteY3" fmla="*/ 1131233 h 1132093"/>
+              <a:gd name="connsiteX4" fmla="*/ 4152900 w 4152900"/>
+              <a:gd name="connsiteY4" fmla="*/ 901508 h 1132093"/>
+              <a:gd name="connsiteX5" fmla="*/ 4152900 w 4152900"/>
+              <a:gd name="connsiteY5" fmla="*/ 345248 h 1132093"/>
+              <a:gd name="connsiteX6" fmla="*/ 3232167 w 4152900"/>
+              <a:gd name="connsiteY6" fmla="*/ 574973 h 1132093"/>
+              <a:gd name="connsiteX7" fmla="*/ 2202180 w 4152900"/>
+              <a:gd name="connsiteY7" fmla="*/ 345248 h 1132093"/>
+              <a:gd name="connsiteX8" fmla="*/ 969027 w 4152900"/>
+              <a:gd name="connsiteY8" fmla="*/ 11092 h 1132093"/>
+              <a:gd name="connsiteX9" fmla="*/ 0 w 4152900"/>
+              <a:gd name="connsiteY9" fmla="*/ 345248 h 1132093"/>
+              <a:gd name="connsiteX10" fmla="*/ 0 w 4152900"/>
+              <a:gd name="connsiteY10" fmla="*/ 916748 h 1132093"/>
+              <a:gd name="connsiteX0" fmla="*/ 0 w 4152900"/>
+              <a:gd name="connsiteY0" fmla="*/ 916748 h 1131463"/>
+              <a:gd name="connsiteX1" fmla="*/ 1052847 w 4152900"/>
+              <a:gd name="connsiteY1" fmla="*/ 552113 h 1131463"/>
+              <a:gd name="connsiteX2" fmla="*/ 2148840 w 4152900"/>
+              <a:gd name="connsiteY2" fmla="*/ 909128 h 1131463"/>
+              <a:gd name="connsiteX3" fmla="*/ 3140727 w 4152900"/>
+              <a:gd name="connsiteY3" fmla="*/ 1131233 h 1131463"/>
+              <a:gd name="connsiteX4" fmla="*/ 4152900 w 4152900"/>
+              <a:gd name="connsiteY4" fmla="*/ 901508 h 1131463"/>
+              <a:gd name="connsiteX5" fmla="*/ 4152900 w 4152900"/>
+              <a:gd name="connsiteY5" fmla="*/ 345248 h 1131463"/>
+              <a:gd name="connsiteX6" fmla="*/ 3232167 w 4152900"/>
+              <a:gd name="connsiteY6" fmla="*/ 574973 h 1131463"/>
+              <a:gd name="connsiteX7" fmla="*/ 2202180 w 4152900"/>
+              <a:gd name="connsiteY7" fmla="*/ 345248 h 1131463"/>
+              <a:gd name="connsiteX8" fmla="*/ 969027 w 4152900"/>
+              <a:gd name="connsiteY8" fmla="*/ 11092 h 1131463"/>
+              <a:gd name="connsiteX9" fmla="*/ 0 w 4152900"/>
+              <a:gd name="connsiteY9" fmla="*/ 345248 h 1131463"/>
+              <a:gd name="connsiteX10" fmla="*/ 0 w 4152900"/>
+              <a:gd name="connsiteY10" fmla="*/ 916748 h 1131463"/>
+              <a:gd name="connsiteX0" fmla="*/ 0 w 4152900"/>
+              <a:gd name="connsiteY0" fmla="*/ 916748 h 1131233"/>
+              <a:gd name="connsiteX1" fmla="*/ 1052847 w 4152900"/>
+              <a:gd name="connsiteY1" fmla="*/ 552113 h 1131233"/>
+              <a:gd name="connsiteX2" fmla="*/ 2148840 w 4152900"/>
+              <a:gd name="connsiteY2" fmla="*/ 909128 h 1131233"/>
+              <a:gd name="connsiteX3" fmla="*/ 3140727 w 4152900"/>
+              <a:gd name="connsiteY3" fmla="*/ 1131233 h 1131233"/>
+              <a:gd name="connsiteX4" fmla="*/ 4152900 w 4152900"/>
+              <a:gd name="connsiteY4" fmla="*/ 901508 h 1131233"/>
+              <a:gd name="connsiteX5" fmla="*/ 4152900 w 4152900"/>
+              <a:gd name="connsiteY5" fmla="*/ 345248 h 1131233"/>
+              <a:gd name="connsiteX6" fmla="*/ 3232167 w 4152900"/>
+              <a:gd name="connsiteY6" fmla="*/ 574973 h 1131233"/>
+              <a:gd name="connsiteX7" fmla="*/ 2202180 w 4152900"/>
+              <a:gd name="connsiteY7" fmla="*/ 345248 h 1131233"/>
+              <a:gd name="connsiteX8" fmla="*/ 969027 w 4152900"/>
+              <a:gd name="connsiteY8" fmla="*/ 11092 h 1131233"/>
+              <a:gd name="connsiteX9" fmla="*/ 0 w 4152900"/>
+              <a:gd name="connsiteY9" fmla="*/ 345248 h 1131233"/>
+              <a:gd name="connsiteX10" fmla="*/ 0 w 4152900"/>
+              <a:gd name="connsiteY10" fmla="*/ 916748 h 1131233"/>
+              <a:gd name="connsiteX0" fmla="*/ 0 w 4152900"/>
+              <a:gd name="connsiteY0" fmla="*/ 916748 h 1131463"/>
+              <a:gd name="connsiteX1" fmla="*/ 1052847 w 4152900"/>
+              <a:gd name="connsiteY1" fmla="*/ 552113 h 1131463"/>
+              <a:gd name="connsiteX2" fmla="*/ 2148840 w 4152900"/>
+              <a:gd name="connsiteY2" fmla="*/ 909128 h 1131463"/>
+              <a:gd name="connsiteX3" fmla="*/ 3140727 w 4152900"/>
+              <a:gd name="connsiteY3" fmla="*/ 1131233 h 1131463"/>
+              <a:gd name="connsiteX4" fmla="*/ 4152900 w 4152900"/>
+              <a:gd name="connsiteY4" fmla="*/ 901508 h 1131463"/>
+              <a:gd name="connsiteX5" fmla="*/ 4152900 w 4152900"/>
+              <a:gd name="connsiteY5" fmla="*/ 345248 h 1131463"/>
+              <a:gd name="connsiteX6" fmla="*/ 3232167 w 4152900"/>
+              <a:gd name="connsiteY6" fmla="*/ 574973 h 1131463"/>
+              <a:gd name="connsiteX7" fmla="*/ 2202180 w 4152900"/>
+              <a:gd name="connsiteY7" fmla="*/ 345248 h 1131463"/>
+              <a:gd name="connsiteX8" fmla="*/ 969027 w 4152900"/>
+              <a:gd name="connsiteY8" fmla="*/ 11092 h 1131463"/>
+              <a:gd name="connsiteX9" fmla="*/ 0 w 4152900"/>
+              <a:gd name="connsiteY9" fmla="*/ 345248 h 1131463"/>
+              <a:gd name="connsiteX10" fmla="*/ 0 w 4152900"/>
+              <a:gd name="connsiteY10" fmla="*/ 916748 h 1131463"/>
+              <a:gd name="connsiteX0" fmla="*/ 0 w 4152900"/>
+              <a:gd name="connsiteY0" fmla="*/ 916748 h 1131463"/>
+              <a:gd name="connsiteX1" fmla="*/ 1052847 w 4152900"/>
+              <a:gd name="connsiteY1" fmla="*/ 552113 h 1131463"/>
+              <a:gd name="connsiteX2" fmla="*/ 2148840 w 4152900"/>
+              <a:gd name="connsiteY2" fmla="*/ 909128 h 1131463"/>
+              <a:gd name="connsiteX3" fmla="*/ 3140727 w 4152900"/>
+              <a:gd name="connsiteY3" fmla="*/ 1131233 h 1131463"/>
+              <a:gd name="connsiteX4" fmla="*/ 4152900 w 4152900"/>
+              <a:gd name="connsiteY4" fmla="*/ 901508 h 1131463"/>
+              <a:gd name="connsiteX5" fmla="*/ 4152900 w 4152900"/>
+              <a:gd name="connsiteY5" fmla="*/ 345248 h 1131463"/>
+              <a:gd name="connsiteX6" fmla="*/ 3270267 w 4152900"/>
+              <a:gd name="connsiteY6" fmla="*/ 574973 h 1131463"/>
+              <a:gd name="connsiteX7" fmla="*/ 2202180 w 4152900"/>
+              <a:gd name="connsiteY7" fmla="*/ 345248 h 1131463"/>
+              <a:gd name="connsiteX8" fmla="*/ 969027 w 4152900"/>
+              <a:gd name="connsiteY8" fmla="*/ 11092 h 1131463"/>
+              <a:gd name="connsiteX9" fmla="*/ 0 w 4152900"/>
+              <a:gd name="connsiteY9" fmla="*/ 345248 h 1131463"/>
+              <a:gd name="connsiteX10" fmla="*/ 0 w 4152900"/>
+              <a:gd name="connsiteY10" fmla="*/ 916748 h 1131463"/>
+              <a:gd name="connsiteX0" fmla="*/ 0 w 4152900"/>
+              <a:gd name="connsiteY0" fmla="*/ 916748 h 1131463"/>
+              <a:gd name="connsiteX1" fmla="*/ 1052847 w 4152900"/>
+              <a:gd name="connsiteY1" fmla="*/ 552113 h 1131463"/>
+              <a:gd name="connsiteX2" fmla="*/ 2148840 w 4152900"/>
+              <a:gd name="connsiteY2" fmla="*/ 909128 h 1131463"/>
+              <a:gd name="connsiteX3" fmla="*/ 3140727 w 4152900"/>
+              <a:gd name="connsiteY3" fmla="*/ 1131233 h 1131463"/>
+              <a:gd name="connsiteX4" fmla="*/ 4152900 w 4152900"/>
+              <a:gd name="connsiteY4" fmla="*/ 901508 h 1131463"/>
+              <a:gd name="connsiteX5" fmla="*/ 4152900 w 4152900"/>
+              <a:gd name="connsiteY5" fmla="*/ 345248 h 1131463"/>
+              <a:gd name="connsiteX6" fmla="*/ 3270267 w 4152900"/>
+              <a:gd name="connsiteY6" fmla="*/ 574973 h 1131463"/>
+              <a:gd name="connsiteX7" fmla="*/ 2202180 w 4152900"/>
+              <a:gd name="connsiteY7" fmla="*/ 345248 h 1131463"/>
+              <a:gd name="connsiteX8" fmla="*/ 969027 w 4152900"/>
+              <a:gd name="connsiteY8" fmla="*/ 11092 h 1131463"/>
+              <a:gd name="connsiteX9" fmla="*/ 0 w 4152900"/>
+              <a:gd name="connsiteY9" fmla="*/ 345248 h 1131463"/>
+              <a:gd name="connsiteX10" fmla="*/ 0 w 4152900"/>
+              <a:gd name="connsiteY10" fmla="*/ 916748 h 1131463"/>
+              <a:gd name="connsiteX0" fmla="*/ 0 w 4152900"/>
+              <a:gd name="connsiteY0" fmla="*/ 916712 h 1131427"/>
+              <a:gd name="connsiteX1" fmla="*/ 1052847 w 4152900"/>
+              <a:gd name="connsiteY1" fmla="*/ 552077 h 1131427"/>
+              <a:gd name="connsiteX2" fmla="*/ 2148840 w 4152900"/>
+              <a:gd name="connsiteY2" fmla="*/ 909092 h 1131427"/>
+              <a:gd name="connsiteX3" fmla="*/ 3140727 w 4152900"/>
+              <a:gd name="connsiteY3" fmla="*/ 1131197 h 1131427"/>
+              <a:gd name="connsiteX4" fmla="*/ 4152900 w 4152900"/>
+              <a:gd name="connsiteY4" fmla="*/ 901472 h 1131427"/>
+              <a:gd name="connsiteX5" fmla="*/ 4152900 w 4152900"/>
+              <a:gd name="connsiteY5" fmla="*/ 345212 h 1131427"/>
+              <a:gd name="connsiteX6" fmla="*/ 3171207 w 4152900"/>
+              <a:gd name="connsiteY6" fmla="*/ 567317 h 1131427"/>
+              <a:gd name="connsiteX7" fmla="*/ 2202180 w 4152900"/>
+              <a:gd name="connsiteY7" fmla="*/ 345212 h 1131427"/>
+              <a:gd name="connsiteX8" fmla="*/ 969027 w 4152900"/>
+              <a:gd name="connsiteY8" fmla="*/ 11056 h 1131427"/>
+              <a:gd name="connsiteX9" fmla="*/ 0 w 4152900"/>
+              <a:gd name="connsiteY9" fmla="*/ 345212 h 1131427"/>
+              <a:gd name="connsiteX10" fmla="*/ 0 w 4152900"/>
+              <a:gd name="connsiteY10" fmla="*/ 916712 h 1131427"/>
+              <a:gd name="connsiteX0" fmla="*/ 0 w 4152900"/>
+              <a:gd name="connsiteY0" fmla="*/ 916712 h 1131427"/>
+              <a:gd name="connsiteX1" fmla="*/ 1052847 w 4152900"/>
+              <a:gd name="connsiteY1" fmla="*/ 552077 h 1131427"/>
+              <a:gd name="connsiteX2" fmla="*/ 2148840 w 4152900"/>
+              <a:gd name="connsiteY2" fmla="*/ 909092 h 1131427"/>
+              <a:gd name="connsiteX3" fmla="*/ 3140727 w 4152900"/>
+              <a:gd name="connsiteY3" fmla="*/ 1131197 h 1131427"/>
+              <a:gd name="connsiteX4" fmla="*/ 4152900 w 4152900"/>
+              <a:gd name="connsiteY4" fmla="*/ 901472 h 1131427"/>
+              <a:gd name="connsiteX5" fmla="*/ 4152900 w 4152900"/>
+              <a:gd name="connsiteY5" fmla="*/ 345212 h 1131427"/>
+              <a:gd name="connsiteX6" fmla="*/ 3171207 w 4152900"/>
+              <a:gd name="connsiteY6" fmla="*/ 567317 h 1131427"/>
+              <a:gd name="connsiteX7" fmla="*/ 2202180 w 4152900"/>
+              <a:gd name="connsiteY7" fmla="*/ 345212 h 1131427"/>
+              <a:gd name="connsiteX8" fmla="*/ 969027 w 4152900"/>
+              <a:gd name="connsiteY8" fmla="*/ 11056 h 1131427"/>
+              <a:gd name="connsiteX9" fmla="*/ 0 w 4152900"/>
+              <a:gd name="connsiteY9" fmla="*/ 345212 h 1131427"/>
+              <a:gd name="connsiteX10" fmla="*/ 0 w 4152900"/>
+              <a:gd name="connsiteY10" fmla="*/ 916712 h 1131427"/>
+              <a:gd name="connsiteX0" fmla="*/ 0 w 4152900"/>
+              <a:gd name="connsiteY0" fmla="*/ 916712 h 1131427"/>
+              <a:gd name="connsiteX1" fmla="*/ 1052847 w 4152900"/>
+              <a:gd name="connsiteY1" fmla="*/ 552077 h 1131427"/>
+              <a:gd name="connsiteX2" fmla="*/ 2148840 w 4152900"/>
+              <a:gd name="connsiteY2" fmla="*/ 909092 h 1131427"/>
+              <a:gd name="connsiteX3" fmla="*/ 3140727 w 4152900"/>
+              <a:gd name="connsiteY3" fmla="*/ 1131197 h 1131427"/>
+              <a:gd name="connsiteX4" fmla="*/ 4152900 w 4152900"/>
+              <a:gd name="connsiteY4" fmla="*/ 901472 h 1131427"/>
+              <a:gd name="connsiteX5" fmla="*/ 4152900 w 4152900"/>
+              <a:gd name="connsiteY5" fmla="*/ 345212 h 1131427"/>
+              <a:gd name="connsiteX6" fmla="*/ 3171207 w 4152900"/>
+              <a:gd name="connsiteY6" fmla="*/ 567317 h 1131427"/>
+              <a:gd name="connsiteX7" fmla="*/ 2202180 w 4152900"/>
+              <a:gd name="connsiteY7" fmla="*/ 345212 h 1131427"/>
+              <a:gd name="connsiteX8" fmla="*/ 969027 w 4152900"/>
+              <a:gd name="connsiteY8" fmla="*/ 11056 h 1131427"/>
+              <a:gd name="connsiteX9" fmla="*/ 0 w 4152900"/>
+              <a:gd name="connsiteY9" fmla="*/ 345212 h 1131427"/>
+              <a:gd name="connsiteX10" fmla="*/ 0 w 4152900"/>
+              <a:gd name="connsiteY10" fmla="*/ 916712 h 1131427"/>
+              <a:gd name="connsiteX0" fmla="*/ 0 w 4152900"/>
+              <a:gd name="connsiteY0" fmla="*/ 916712 h 1131427"/>
+              <a:gd name="connsiteX1" fmla="*/ 1052847 w 4152900"/>
+              <a:gd name="connsiteY1" fmla="*/ 552077 h 1131427"/>
+              <a:gd name="connsiteX2" fmla="*/ 2148840 w 4152900"/>
+              <a:gd name="connsiteY2" fmla="*/ 909092 h 1131427"/>
+              <a:gd name="connsiteX3" fmla="*/ 3140727 w 4152900"/>
+              <a:gd name="connsiteY3" fmla="*/ 1131197 h 1131427"/>
+              <a:gd name="connsiteX4" fmla="*/ 4152900 w 4152900"/>
+              <a:gd name="connsiteY4" fmla="*/ 901472 h 1131427"/>
+              <a:gd name="connsiteX5" fmla="*/ 4152900 w 4152900"/>
+              <a:gd name="connsiteY5" fmla="*/ 345212 h 1131427"/>
+              <a:gd name="connsiteX6" fmla="*/ 3171207 w 4152900"/>
+              <a:gd name="connsiteY6" fmla="*/ 567317 h 1131427"/>
+              <a:gd name="connsiteX7" fmla="*/ 2202180 w 4152900"/>
+              <a:gd name="connsiteY7" fmla="*/ 345212 h 1131427"/>
+              <a:gd name="connsiteX8" fmla="*/ 969027 w 4152900"/>
+              <a:gd name="connsiteY8" fmla="*/ 11056 h 1131427"/>
+              <a:gd name="connsiteX9" fmla="*/ 0 w 4152900"/>
+              <a:gd name="connsiteY9" fmla="*/ 345212 h 1131427"/>
+              <a:gd name="connsiteX10" fmla="*/ 0 w 4152900"/>
+              <a:gd name="connsiteY10" fmla="*/ 916712 h 1131427"/>
+              <a:gd name="connsiteX0" fmla="*/ 0 w 4152900"/>
+              <a:gd name="connsiteY0" fmla="*/ 916712 h 1131427"/>
+              <a:gd name="connsiteX1" fmla="*/ 1052847 w 4152900"/>
+              <a:gd name="connsiteY1" fmla="*/ 552077 h 1131427"/>
+              <a:gd name="connsiteX2" fmla="*/ 2148840 w 4152900"/>
+              <a:gd name="connsiteY2" fmla="*/ 909092 h 1131427"/>
+              <a:gd name="connsiteX3" fmla="*/ 3140727 w 4152900"/>
+              <a:gd name="connsiteY3" fmla="*/ 1131197 h 1131427"/>
+              <a:gd name="connsiteX4" fmla="*/ 4152900 w 4152900"/>
+              <a:gd name="connsiteY4" fmla="*/ 901472 h 1131427"/>
+              <a:gd name="connsiteX5" fmla="*/ 4152900 w 4152900"/>
+              <a:gd name="connsiteY5" fmla="*/ 345212 h 1131427"/>
+              <a:gd name="connsiteX6" fmla="*/ 3171207 w 4152900"/>
+              <a:gd name="connsiteY6" fmla="*/ 567317 h 1131427"/>
+              <a:gd name="connsiteX7" fmla="*/ 2202180 w 4152900"/>
+              <a:gd name="connsiteY7" fmla="*/ 345212 h 1131427"/>
+              <a:gd name="connsiteX8" fmla="*/ 969027 w 4152900"/>
+              <a:gd name="connsiteY8" fmla="*/ 11056 h 1131427"/>
+              <a:gd name="connsiteX9" fmla="*/ 0 w 4152900"/>
+              <a:gd name="connsiteY9" fmla="*/ 345212 h 1131427"/>
+              <a:gd name="connsiteX10" fmla="*/ 0 w 4152900"/>
+              <a:gd name="connsiteY10" fmla="*/ 916712 h 1131427"/>
+              <a:gd name="connsiteX0" fmla="*/ 0 w 4152900"/>
+              <a:gd name="connsiteY0" fmla="*/ 905679 h 1120394"/>
+              <a:gd name="connsiteX1" fmla="*/ 1052847 w 4152900"/>
+              <a:gd name="connsiteY1" fmla="*/ 541044 h 1120394"/>
+              <a:gd name="connsiteX2" fmla="*/ 2148840 w 4152900"/>
+              <a:gd name="connsiteY2" fmla="*/ 898059 h 1120394"/>
+              <a:gd name="connsiteX3" fmla="*/ 3140727 w 4152900"/>
+              <a:gd name="connsiteY3" fmla="*/ 1120164 h 1120394"/>
+              <a:gd name="connsiteX4" fmla="*/ 4152900 w 4152900"/>
+              <a:gd name="connsiteY4" fmla="*/ 890439 h 1120394"/>
+              <a:gd name="connsiteX5" fmla="*/ 4152900 w 4152900"/>
+              <a:gd name="connsiteY5" fmla="*/ 334179 h 1120394"/>
+              <a:gd name="connsiteX6" fmla="*/ 3171207 w 4152900"/>
+              <a:gd name="connsiteY6" fmla="*/ 556284 h 1120394"/>
+              <a:gd name="connsiteX7" fmla="*/ 2202180 w 4152900"/>
+              <a:gd name="connsiteY7" fmla="*/ 334179 h 1120394"/>
+              <a:gd name="connsiteX8" fmla="*/ 969027 w 4152900"/>
+              <a:gd name="connsiteY8" fmla="*/ 23 h 1120394"/>
+              <a:gd name="connsiteX9" fmla="*/ 0 w 4152900"/>
+              <a:gd name="connsiteY9" fmla="*/ 334179 h 1120394"/>
+              <a:gd name="connsiteX10" fmla="*/ 0 w 4152900"/>
+              <a:gd name="connsiteY10" fmla="*/ 905679 h 1120394"/>
+              <a:gd name="connsiteX0" fmla="*/ 0 w 4152900"/>
+              <a:gd name="connsiteY0" fmla="*/ 875204 h 1089919"/>
+              <a:gd name="connsiteX1" fmla="*/ 1052847 w 4152900"/>
+              <a:gd name="connsiteY1" fmla="*/ 510569 h 1089919"/>
+              <a:gd name="connsiteX2" fmla="*/ 2148840 w 4152900"/>
+              <a:gd name="connsiteY2" fmla="*/ 867584 h 1089919"/>
+              <a:gd name="connsiteX3" fmla="*/ 3140727 w 4152900"/>
+              <a:gd name="connsiteY3" fmla="*/ 1089689 h 1089919"/>
+              <a:gd name="connsiteX4" fmla="*/ 4152900 w 4152900"/>
+              <a:gd name="connsiteY4" fmla="*/ 859964 h 1089919"/>
+              <a:gd name="connsiteX5" fmla="*/ 4152900 w 4152900"/>
+              <a:gd name="connsiteY5" fmla="*/ 303704 h 1089919"/>
+              <a:gd name="connsiteX6" fmla="*/ 3171207 w 4152900"/>
+              <a:gd name="connsiteY6" fmla="*/ 525809 h 1089919"/>
+              <a:gd name="connsiteX7" fmla="*/ 2202180 w 4152900"/>
+              <a:gd name="connsiteY7" fmla="*/ 303704 h 1089919"/>
+              <a:gd name="connsiteX8" fmla="*/ 1022367 w 4152900"/>
+              <a:gd name="connsiteY8" fmla="*/ 28 h 1089919"/>
+              <a:gd name="connsiteX9" fmla="*/ 0 w 4152900"/>
+              <a:gd name="connsiteY9" fmla="*/ 303704 h 1089919"/>
+              <a:gd name="connsiteX10" fmla="*/ 0 w 4152900"/>
+              <a:gd name="connsiteY10" fmla="*/ 875204 h 1089919"/>
+              <a:gd name="connsiteX0" fmla="*/ 0 w 4152900"/>
+              <a:gd name="connsiteY0" fmla="*/ 875204 h 1089919"/>
+              <a:gd name="connsiteX1" fmla="*/ 1052847 w 4152900"/>
+              <a:gd name="connsiteY1" fmla="*/ 510569 h 1089919"/>
+              <a:gd name="connsiteX2" fmla="*/ 2148840 w 4152900"/>
+              <a:gd name="connsiteY2" fmla="*/ 867584 h 1089919"/>
+              <a:gd name="connsiteX3" fmla="*/ 3140727 w 4152900"/>
+              <a:gd name="connsiteY3" fmla="*/ 1089689 h 1089919"/>
+              <a:gd name="connsiteX4" fmla="*/ 4152900 w 4152900"/>
+              <a:gd name="connsiteY4" fmla="*/ 859964 h 1089919"/>
+              <a:gd name="connsiteX5" fmla="*/ 4152900 w 4152900"/>
+              <a:gd name="connsiteY5" fmla="*/ 303704 h 1089919"/>
+              <a:gd name="connsiteX6" fmla="*/ 3171207 w 4152900"/>
+              <a:gd name="connsiteY6" fmla="*/ 525809 h 1089919"/>
+              <a:gd name="connsiteX7" fmla="*/ 2202180 w 4152900"/>
+              <a:gd name="connsiteY7" fmla="*/ 303704 h 1089919"/>
+              <a:gd name="connsiteX8" fmla="*/ 1022367 w 4152900"/>
+              <a:gd name="connsiteY8" fmla="*/ 28 h 1089919"/>
+              <a:gd name="connsiteX9" fmla="*/ 0 w 4152900"/>
+              <a:gd name="connsiteY9" fmla="*/ 303704 h 1089919"/>
+              <a:gd name="connsiteX10" fmla="*/ 0 w 4152900"/>
+              <a:gd name="connsiteY10" fmla="*/ 875204 h 1089919"/>
+              <a:gd name="connsiteX0" fmla="*/ 0 w 4152900"/>
+              <a:gd name="connsiteY0" fmla="*/ 875204 h 1089919"/>
+              <a:gd name="connsiteX1" fmla="*/ 1052847 w 4152900"/>
+              <a:gd name="connsiteY1" fmla="*/ 510569 h 1089919"/>
+              <a:gd name="connsiteX2" fmla="*/ 2148840 w 4152900"/>
+              <a:gd name="connsiteY2" fmla="*/ 867584 h 1089919"/>
+              <a:gd name="connsiteX3" fmla="*/ 3140727 w 4152900"/>
+              <a:gd name="connsiteY3" fmla="*/ 1089689 h 1089919"/>
+              <a:gd name="connsiteX4" fmla="*/ 4152900 w 4152900"/>
+              <a:gd name="connsiteY4" fmla="*/ 859964 h 1089919"/>
+              <a:gd name="connsiteX5" fmla="*/ 4152900 w 4152900"/>
+              <a:gd name="connsiteY5" fmla="*/ 303704 h 1089919"/>
+              <a:gd name="connsiteX6" fmla="*/ 3171207 w 4152900"/>
+              <a:gd name="connsiteY6" fmla="*/ 525809 h 1089919"/>
+              <a:gd name="connsiteX7" fmla="*/ 2202180 w 4152900"/>
+              <a:gd name="connsiteY7" fmla="*/ 303704 h 1089919"/>
+              <a:gd name="connsiteX8" fmla="*/ 1022367 w 4152900"/>
+              <a:gd name="connsiteY8" fmla="*/ 28 h 1089919"/>
+              <a:gd name="connsiteX9" fmla="*/ 0 w 4152900"/>
+              <a:gd name="connsiteY9" fmla="*/ 303704 h 1089919"/>
+              <a:gd name="connsiteX10" fmla="*/ 0 w 4152900"/>
+              <a:gd name="connsiteY10" fmla="*/ 875204 h 1089919"/>
+              <a:gd name="connsiteX0" fmla="*/ 0 w 4152900"/>
+              <a:gd name="connsiteY0" fmla="*/ 875204 h 1089919"/>
+              <a:gd name="connsiteX1" fmla="*/ 1029987 w 4152900"/>
+              <a:gd name="connsiteY1" fmla="*/ 609629 h 1089919"/>
+              <a:gd name="connsiteX2" fmla="*/ 2148840 w 4152900"/>
+              <a:gd name="connsiteY2" fmla="*/ 867584 h 1089919"/>
+              <a:gd name="connsiteX3" fmla="*/ 3140727 w 4152900"/>
+              <a:gd name="connsiteY3" fmla="*/ 1089689 h 1089919"/>
+              <a:gd name="connsiteX4" fmla="*/ 4152900 w 4152900"/>
+              <a:gd name="connsiteY4" fmla="*/ 859964 h 1089919"/>
+              <a:gd name="connsiteX5" fmla="*/ 4152900 w 4152900"/>
+              <a:gd name="connsiteY5" fmla="*/ 303704 h 1089919"/>
+              <a:gd name="connsiteX6" fmla="*/ 3171207 w 4152900"/>
+              <a:gd name="connsiteY6" fmla="*/ 525809 h 1089919"/>
+              <a:gd name="connsiteX7" fmla="*/ 2202180 w 4152900"/>
+              <a:gd name="connsiteY7" fmla="*/ 303704 h 1089919"/>
+              <a:gd name="connsiteX8" fmla="*/ 1022367 w 4152900"/>
+              <a:gd name="connsiteY8" fmla="*/ 28 h 1089919"/>
+              <a:gd name="connsiteX9" fmla="*/ 0 w 4152900"/>
+              <a:gd name="connsiteY9" fmla="*/ 303704 h 1089919"/>
+              <a:gd name="connsiteX10" fmla="*/ 0 w 4152900"/>
+              <a:gd name="connsiteY10" fmla="*/ 875204 h 1089919"/>
+              <a:gd name="connsiteX0" fmla="*/ 0 w 4152900"/>
+              <a:gd name="connsiteY0" fmla="*/ 837112 h 1051827"/>
+              <a:gd name="connsiteX1" fmla="*/ 1029987 w 4152900"/>
+              <a:gd name="connsiteY1" fmla="*/ 571537 h 1051827"/>
+              <a:gd name="connsiteX2" fmla="*/ 2148840 w 4152900"/>
+              <a:gd name="connsiteY2" fmla="*/ 829492 h 1051827"/>
+              <a:gd name="connsiteX3" fmla="*/ 3140727 w 4152900"/>
+              <a:gd name="connsiteY3" fmla="*/ 1051597 h 1051827"/>
+              <a:gd name="connsiteX4" fmla="*/ 4152900 w 4152900"/>
+              <a:gd name="connsiteY4" fmla="*/ 821872 h 1051827"/>
+              <a:gd name="connsiteX5" fmla="*/ 4152900 w 4152900"/>
+              <a:gd name="connsiteY5" fmla="*/ 265612 h 1051827"/>
+              <a:gd name="connsiteX6" fmla="*/ 3171207 w 4152900"/>
+              <a:gd name="connsiteY6" fmla="*/ 487717 h 1051827"/>
+              <a:gd name="connsiteX7" fmla="*/ 2202180 w 4152900"/>
+              <a:gd name="connsiteY7" fmla="*/ 265612 h 1051827"/>
+              <a:gd name="connsiteX8" fmla="*/ 1037607 w 4152900"/>
+              <a:gd name="connsiteY8" fmla="*/ 36 h 1051827"/>
+              <a:gd name="connsiteX9" fmla="*/ 0 w 4152900"/>
+              <a:gd name="connsiteY9" fmla="*/ 265612 h 1051827"/>
+              <a:gd name="connsiteX10" fmla="*/ 0 w 4152900"/>
+              <a:gd name="connsiteY10" fmla="*/ 837112 h 1051827"/>
+              <a:gd name="connsiteX0" fmla="*/ 0 w 4152900"/>
+              <a:gd name="connsiteY0" fmla="*/ 837112 h 1051827"/>
+              <a:gd name="connsiteX1" fmla="*/ 1029987 w 4152900"/>
+              <a:gd name="connsiteY1" fmla="*/ 571537 h 1051827"/>
+              <a:gd name="connsiteX2" fmla="*/ 2148840 w 4152900"/>
+              <a:gd name="connsiteY2" fmla="*/ 829492 h 1051827"/>
+              <a:gd name="connsiteX3" fmla="*/ 3140727 w 4152900"/>
+              <a:gd name="connsiteY3" fmla="*/ 1051597 h 1051827"/>
+              <a:gd name="connsiteX4" fmla="*/ 4152900 w 4152900"/>
+              <a:gd name="connsiteY4" fmla="*/ 821872 h 1051827"/>
+              <a:gd name="connsiteX5" fmla="*/ 4152900 w 4152900"/>
+              <a:gd name="connsiteY5" fmla="*/ 265612 h 1051827"/>
+              <a:gd name="connsiteX6" fmla="*/ 3079767 w 4152900"/>
+              <a:gd name="connsiteY6" fmla="*/ 556297 h 1051827"/>
+              <a:gd name="connsiteX7" fmla="*/ 2202180 w 4152900"/>
+              <a:gd name="connsiteY7" fmla="*/ 265612 h 1051827"/>
+              <a:gd name="connsiteX8" fmla="*/ 1037607 w 4152900"/>
+              <a:gd name="connsiteY8" fmla="*/ 36 h 1051827"/>
+              <a:gd name="connsiteX9" fmla="*/ 0 w 4152900"/>
+              <a:gd name="connsiteY9" fmla="*/ 265612 h 1051827"/>
+              <a:gd name="connsiteX10" fmla="*/ 0 w 4152900"/>
+              <a:gd name="connsiteY10" fmla="*/ 837112 h 1051827"/>
+              <a:gd name="connsiteX0" fmla="*/ 0 w 4152900"/>
+              <a:gd name="connsiteY0" fmla="*/ 837112 h 1051827"/>
+              <a:gd name="connsiteX1" fmla="*/ 1029987 w 4152900"/>
+              <a:gd name="connsiteY1" fmla="*/ 571537 h 1051827"/>
+              <a:gd name="connsiteX2" fmla="*/ 2148840 w 4152900"/>
+              <a:gd name="connsiteY2" fmla="*/ 829492 h 1051827"/>
+              <a:gd name="connsiteX3" fmla="*/ 3140727 w 4152900"/>
+              <a:gd name="connsiteY3" fmla="*/ 1051597 h 1051827"/>
+              <a:gd name="connsiteX4" fmla="*/ 4152900 w 4152900"/>
+              <a:gd name="connsiteY4" fmla="*/ 821872 h 1051827"/>
+              <a:gd name="connsiteX5" fmla="*/ 4152900 w 4152900"/>
+              <a:gd name="connsiteY5" fmla="*/ 265612 h 1051827"/>
+              <a:gd name="connsiteX6" fmla="*/ 3079767 w 4152900"/>
+              <a:gd name="connsiteY6" fmla="*/ 556297 h 1051827"/>
+              <a:gd name="connsiteX7" fmla="*/ 2202180 w 4152900"/>
+              <a:gd name="connsiteY7" fmla="*/ 265612 h 1051827"/>
+              <a:gd name="connsiteX8" fmla="*/ 1037607 w 4152900"/>
+              <a:gd name="connsiteY8" fmla="*/ 36 h 1051827"/>
+              <a:gd name="connsiteX9" fmla="*/ 0 w 4152900"/>
+              <a:gd name="connsiteY9" fmla="*/ 265612 h 1051827"/>
+              <a:gd name="connsiteX10" fmla="*/ 0 w 4152900"/>
+              <a:gd name="connsiteY10" fmla="*/ 837112 h 1051827"/>
+              <a:gd name="connsiteX0" fmla="*/ 0 w 4152900"/>
+              <a:gd name="connsiteY0" fmla="*/ 837112 h 1135576"/>
+              <a:gd name="connsiteX1" fmla="*/ 1029987 w 4152900"/>
+              <a:gd name="connsiteY1" fmla="*/ 571537 h 1135576"/>
+              <a:gd name="connsiteX2" fmla="*/ 2148840 w 4152900"/>
+              <a:gd name="connsiteY2" fmla="*/ 829492 h 1135576"/>
+              <a:gd name="connsiteX3" fmla="*/ 3095007 w 4152900"/>
+              <a:gd name="connsiteY3" fmla="*/ 1135417 h 1135576"/>
+              <a:gd name="connsiteX4" fmla="*/ 4152900 w 4152900"/>
+              <a:gd name="connsiteY4" fmla="*/ 821872 h 1135576"/>
+              <a:gd name="connsiteX5" fmla="*/ 4152900 w 4152900"/>
+              <a:gd name="connsiteY5" fmla="*/ 265612 h 1135576"/>
+              <a:gd name="connsiteX6" fmla="*/ 3079767 w 4152900"/>
+              <a:gd name="connsiteY6" fmla="*/ 556297 h 1135576"/>
+              <a:gd name="connsiteX7" fmla="*/ 2202180 w 4152900"/>
+              <a:gd name="connsiteY7" fmla="*/ 265612 h 1135576"/>
+              <a:gd name="connsiteX8" fmla="*/ 1037607 w 4152900"/>
+              <a:gd name="connsiteY8" fmla="*/ 36 h 1135576"/>
+              <a:gd name="connsiteX9" fmla="*/ 0 w 4152900"/>
+              <a:gd name="connsiteY9" fmla="*/ 265612 h 1135576"/>
+              <a:gd name="connsiteX10" fmla="*/ 0 w 4152900"/>
+              <a:gd name="connsiteY10" fmla="*/ 837112 h 1135576"/>
+              <a:gd name="connsiteX0" fmla="*/ 0 w 4152900"/>
+              <a:gd name="connsiteY0" fmla="*/ 837112 h 1135576"/>
+              <a:gd name="connsiteX1" fmla="*/ 1029987 w 4152900"/>
+              <a:gd name="connsiteY1" fmla="*/ 571537 h 1135576"/>
+              <a:gd name="connsiteX2" fmla="*/ 2148840 w 4152900"/>
+              <a:gd name="connsiteY2" fmla="*/ 829492 h 1135576"/>
+              <a:gd name="connsiteX3" fmla="*/ 3095007 w 4152900"/>
+              <a:gd name="connsiteY3" fmla="*/ 1135417 h 1135576"/>
+              <a:gd name="connsiteX4" fmla="*/ 4152900 w 4152900"/>
+              <a:gd name="connsiteY4" fmla="*/ 821872 h 1135576"/>
+              <a:gd name="connsiteX5" fmla="*/ 4152900 w 4152900"/>
+              <a:gd name="connsiteY5" fmla="*/ 265612 h 1135576"/>
+              <a:gd name="connsiteX6" fmla="*/ 3079767 w 4152900"/>
+              <a:gd name="connsiteY6" fmla="*/ 556297 h 1135576"/>
+              <a:gd name="connsiteX7" fmla="*/ 2202180 w 4152900"/>
+              <a:gd name="connsiteY7" fmla="*/ 265612 h 1135576"/>
+              <a:gd name="connsiteX8" fmla="*/ 1037607 w 4152900"/>
+              <a:gd name="connsiteY8" fmla="*/ 36 h 1135576"/>
+              <a:gd name="connsiteX9" fmla="*/ 0 w 4152900"/>
+              <a:gd name="connsiteY9" fmla="*/ 265612 h 1135576"/>
+              <a:gd name="connsiteX10" fmla="*/ 0 w 4152900"/>
+              <a:gd name="connsiteY10" fmla="*/ 837112 h 1135576"/>
+              <a:gd name="connsiteX0" fmla="*/ 0 w 4152900"/>
+              <a:gd name="connsiteY0" fmla="*/ 837112 h 1135608"/>
+              <a:gd name="connsiteX1" fmla="*/ 1029987 w 4152900"/>
+              <a:gd name="connsiteY1" fmla="*/ 571537 h 1135608"/>
+              <a:gd name="connsiteX2" fmla="*/ 2148840 w 4152900"/>
+              <a:gd name="connsiteY2" fmla="*/ 829492 h 1135608"/>
+              <a:gd name="connsiteX3" fmla="*/ 3095007 w 4152900"/>
+              <a:gd name="connsiteY3" fmla="*/ 1135417 h 1135608"/>
+              <a:gd name="connsiteX4" fmla="*/ 4152900 w 4152900"/>
+              <a:gd name="connsiteY4" fmla="*/ 821872 h 1135608"/>
+              <a:gd name="connsiteX5" fmla="*/ 4152900 w 4152900"/>
+              <a:gd name="connsiteY5" fmla="*/ 265612 h 1135608"/>
+              <a:gd name="connsiteX6" fmla="*/ 3079767 w 4152900"/>
+              <a:gd name="connsiteY6" fmla="*/ 556297 h 1135608"/>
+              <a:gd name="connsiteX7" fmla="*/ 2202180 w 4152900"/>
+              <a:gd name="connsiteY7" fmla="*/ 265612 h 1135608"/>
+              <a:gd name="connsiteX8" fmla="*/ 1037607 w 4152900"/>
+              <a:gd name="connsiteY8" fmla="*/ 36 h 1135608"/>
+              <a:gd name="connsiteX9" fmla="*/ 0 w 4152900"/>
+              <a:gd name="connsiteY9" fmla="*/ 265612 h 1135608"/>
+              <a:gd name="connsiteX10" fmla="*/ 0 w 4152900"/>
+              <a:gd name="connsiteY10" fmla="*/ 837112 h 1135608"/>
+              <a:gd name="connsiteX0" fmla="*/ 0 w 4152900"/>
+              <a:gd name="connsiteY0" fmla="*/ 837112 h 1135608"/>
+              <a:gd name="connsiteX1" fmla="*/ 1029987 w 4152900"/>
+              <a:gd name="connsiteY1" fmla="*/ 571537 h 1135608"/>
+              <a:gd name="connsiteX2" fmla="*/ 2148840 w 4152900"/>
+              <a:gd name="connsiteY2" fmla="*/ 829492 h 1135608"/>
+              <a:gd name="connsiteX3" fmla="*/ 3095007 w 4152900"/>
+              <a:gd name="connsiteY3" fmla="*/ 1135417 h 1135608"/>
+              <a:gd name="connsiteX4" fmla="*/ 4152900 w 4152900"/>
+              <a:gd name="connsiteY4" fmla="*/ 821872 h 1135608"/>
+              <a:gd name="connsiteX5" fmla="*/ 4152900 w 4152900"/>
+              <a:gd name="connsiteY5" fmla="*/ 265612 h 1135608"/>
+              <a:gd name="connsiteX6" fmla="*/ 3079767 w 4152900"/>
+              <a:gd name="connsiteY6" fmla="*/ 556297 h 1135608"/>
+              <a:gd name="connsiteX7" fmla="*/ 2202180 w 4152900"/>
+              <a:gd name="connsiteY7" fmla="*/ 265612 h 1135608"/>
+              <a:gd name="connsiteX8" fmla="*/ 1037607 w 4152900"/>
+              <a:gd name="connsiteY8" fmla="*/ 36 h 1135608"/>
+              <a:gd name="connsiteX9" fmla="*/ 0 w 4152900"/>
+              <a:gd name="connsiteY9" fmla="*/ 265612 h 1135608"/>
+              <a:gd name="connsiteX10" fmla="*/ 0 w 4152900"/>
+              <a:gd name="connsiteY10" fmla="*/ 837112 h 1135608"/>
+            </a:gdLst>
+            <a:ahLst/>
+            <a:cxnLst>
+              <a:cxn ang="0">
+                <a:pos x="connsiteX0" y="connsiteY0"/>
+              </a:cxn>
+              <a:cxn ang="0">
+                <a:pos x="connsiteX1" y="connsiteY1"/>
+              </a:cxn>
+              <a:cxn ang="0">
+                <a:pos x="connsiteX2" y="connsiteY2"/>
+              </a:cxn>
+              <a:cxn ang="0">
+                <a:pos x="connsiteX3" y="connsiteY3"/>
+              </a:cxn>
+              <a:cxn ang="0">
+                <a:pos x="connsiteX4" y="connsiteY4"/>
+              </a:cxn>
+              <a:cxn ang="0">
+                <a:pos x="connsiteX5" y="connsiteY5"/>
+              </a:cxn>
+              <a:cxn ang="0">
+                <a:pos x="connsiteX6" y="connsiteY6"/>
+              </a:cxn>
+              <a:cxn ang="0">
+                <a:pos x="connsiteX7" y="connsiteY7"/>
+              </a:cxn>
+              <a:cxn ang="0">
+                <a:pos x="connsiteX8" y="connsiteY8"/>
+              </a:cxn>
+              <a:cxn ang="0">
+                <a:pos x="connsiteX9" y="connsiteY9"/>
+              </a:cxn>
+              <a:cxn ang="0">
+                <a:pos x="connsiteX10" y="connsiteY10"/>
+              </a:cxn>
+            </a:cxnLst>
+            <a:rect l="l" t="t" r="r" b="b"/>
+            <a:pathLst>
+              <a:path w="4152900" h="1135608">
+                <a:moveTo>
+                  <a:pt x="0" y="837112"/>
+                </a:moveTo>
+                <a:cubicBezTo>
+                  <a:pt x="205955" y="688710"/>
+                  <a:pt x="671878" y="566681"/>
+                  <a:pt x="1029987" y="571537"/>
+                </a:cubicBezTo>
+                <a:cubicBezTo>
+                  <a:pt x="1404637" y="576617"/>
+                  <a:pt x="1816156" y="700626"/>
+                  <a:pt x="2148840" y="829492"/>
+                </a:cubicBezTo>
+                <a:cubicBezTo>
+                  <a:pt x="2470150" y="953952"/>
+                  <a:pt x="2747898" y="1127468"/>
+                  <a:pt x="3095007" y="1135417"/>
+                </a:cubicBezTo>
+                <a:cubicBezTo>
+                  <a:pt x="3427747" y="1143037"/>
+                  <a:pt x="3993095" y="921119"/>
+                  <a:pt x="4152900" y="821872"/>
+                </a:cubicBezTo>
+                <a:lnTo>
+                  <a:pt x="4152900" y="265612"/>
+                </a:lnTo>
+                <a:cubicBezTo>
+                  <a:pt x="3915625" y="432170"/>
+                  <a:pt x="3397531" y="556487"/>
+                  <a:pt x="3079767" y="556297"/>
+                </a:cubicBezTo>
+                <a:cubicBezTo>
+                  <a:pt x="2731528" y="556089"/>
+                  <a:pt x="2542540" y="411662"/>
+                  <a:pt x="2202180" y="265612"/>
+                </a:cubicBezTo>
+                <a:cubicBezTo>
+                  <a:pt x="1878004" y="126507"/>
+                  <a:pt x="1412257" y="2576"/>
+                  <a:pt x="1037607" y="36"/>
+                </a:cubicBezTo>
+                <a:cubicBezTo>
+                  <a:pt x="678196" y="-2401"/>
+                  <a:pt x="230084" y="121019"/>
+                  <a:pt x="0" y="265612"/>
+                </a:cubicBezTo>
+                <a:lnTo>
+                  <a:pt x="0" y="837112"/>
+                </a:lnTo>
+                <a:close/>
+              </a:path>
+            </a:pathLst>
+          </a:custGeom>
+          <a:noFill/>
+          <a:ln>
+            <a:prstDash val="dash"/>
+          </a:ln>
+        </p:spPr>
+        <p:style>
+          <a:lnRef idx="2">
+            <a:schemeClr val="accent1">
+              <a:shade val="50000"/>
+            </a:schemeClr>
+          </a:lnRef>
+          <a:fillRef idx="1">
+            <a:schemeClr val="accent1"/>
+          </a:fillRef>
+          <a:effectRef idx="0">
+            <a:schemeClr val="accent1"/>
+          </a:effectRef>
+          <a:fontRef idx="minor">
+            <a:schemeClr val="lt1"/>
+          </a:fontRef>
+        </p:style>
+        <p:txBody>
+          <a:bodyPr rtlCol="0" anchor="ctr"/>
+          <a:lstStyle/>
+          <a:p>
+            <a:pPr algn="ctr"/>
+            <a:endParaRPr lang="en-US" dirty="0"/>
+          </a:p>
+        </p:txBody>
+      </p:sp>
+    </p:spTree>
+    <p:extLst>
+      <p:ext uri="{BB962C8B-B14F-4D97-AF65-F5344CB8AC3E}">
+        <p14:creationId xmlns:p14="http://schemas.microsoft.com/office/powerpoint/2010/main" val="328611476"/>
+      </p:ext>
+    </p:extLst>
+  </p:cSld>
+  <p:clrMapOvr>
+    <a:masterClrMapping/>
+  </p:clrMapOvr>
+</p:sld>
+</file>
+
+<file path=ppt/slides/slide7.xml><?xml version="1.0" encoding="utf-8"?>
+<p:sld xmlns:a="http://schemas.openxmlformats.org/drawingml/2006/main" xmlns:r="http://schemas.openxmlformats.org/officeDocument/2006/relationships" xmlns:p="http://schemas.openxmlformats.org/presentationml/2006/main">
+  <p:cSld>
+    <p:spTree>
+      <p:nvGrpSpPr>
+        <p:cNvPr id="1" name=""/>
+        <p:cNvGrpSpPr/>
+        <p:nvPr/>
+      </p:nvGrpSpPr>
+      <p:grpSpPr>
+        <a:xfrm>
+          <a:off x="0" y="0"/>
+          <a:ext cx="0" cy="0"/>
+          <a:chOff x="0" y="0"/>
+          <a:chExt cx="0" cy="0"/>
+        </a:xfrm>
+      </p:grpSpPr>
       <p:grpSp>
         <p:nvGrpSpPr>
           <p:cNvPr id="34" name="Group 33"/>
@@ -23518,7 +25879,7 @@
 </p:sld>
 </file>
 
-<file path=ppt/slides/slide7.xml><?xml version="1.0" encoding="utf-8"?>
+<file path=ppt/slides/slide8.xml><?xml version="1.0" encoding="utf-8"?>
 <p:sld xmlns:a="http://schemas.openxmlformats.org/drawingml/2006/main" xmlns:r="http://schemas.openxmlformats.org/officeDocument/2006/relationships" xmlns:p="http://schemas.openxmlformats.org/presentationml/2006/main">
   <p:cSld>
     <p:spTree>
